--- a/계획.pptx
+++ b/계획.pptx
@@ -8,6 +8,13 @@
     <p:sldId id="256" r:id="rId2"/>
     <p:sldId id="258" r:id="rId3"/>
     <p:sldId id="257" r:id="rId4"/>
+    <p:sldId id="259" r:id="rId5"/>
+    <p:sldId id="260" r:id="rId6"/>
+    <p:sldId id="261" r:id="rId7"/>
+    <p:sldId id="262" r:id="rId8"/>
+    <p:sldId id="263" r:id="rId9"/>
+    <p:sldId id="264" r:id="rId10"/>
+    <p:sldId id="265" r:id="rId11"/>
   </p:sldIdLst>
   <p:sldSz cx="12192000" cy="6858000"/>
   <p:notesSz cx="6858000" cy="9144000"/>
@@ -106,6 +113,11 @@
       </a:defRPr>
     </a:lvl9pPr>
   </p:defaultTextStyle>
+  <p:extLst>
+    <p:ext uri="{EFAFB233-063F-42B5-8137-9DF3F51BA10A}">
+      <p15:sldGuideLst xmlns:p15="http://schemas.microsoft.com/office/powerpoint/2012/main"/>
+    </p:ext>
+  </p:extLst>
 </p:presentation>
 </file>
 
@@ -256,7 +268,7 @@
           <a:p>
             <a:fld id="{885D511B-C876-485C-BF04-20267C1D1083}" type="datetimeFigureOut">
               <a:rPr lang="ko-KR" altLang="en-US" smtClean="0"/>
-              <a:t>2018-03-27</a:t>
+              <a:t>2018-04-03</a:t>
             </a:fld>
             <a:endParaRPr lang="ko-KR" altLang="en-US"/>
           </a:p>
@@ -454,7 +466,7 @@
           <a:p>
             <a:fld id="{885D511B-C876-485C-BF04-20267C1D1083}" type="datetimeFigureOut">
               <a:rPr lang="ko-KR" altLang="en-US" smtClean="0"/>
-              <a:t>2018-03-27</a:t>
+              <a:t>2018-04-03</a:t>
             </a:fld>
             <a:endParaRPr lang="ko-KR" altLang="en-US"/>
           </a:p>
@@ -662,7 +674,7 @@
           <a:p>
             <a:fld id="{885D511B-C876-485C-BF04-20267C1D1083}" type="datetimeFigureOut">
               <a:rPr lang="ko-KR" altLang="en-US" smtClean="0"/>
-              <a:t>2018-03-27</a:t>
+              <a:t>2018-04-03</a:t>
             </a:fld>
             <a:endParaRPr lang="ko-KR" altLang="en-US"/>
           </a:p>
@@ -860,7 +872,7 @@
           <a:p>
             <a:fld id="{885D511B-C876-485C-BF04-20267C1D1083}" type="datetimeFigureOut">
               <a:rPr lang="ko-KR" altLang="en-US" smtClean="0"/>
-              <a:t>2018-03-27</a:t>
+              <a:t>2018-04-03</a:t>
             </a:fld>
             <a:endParaRPr lang="ko-KR" altLang="en-US"/>
           </a:p>
@@ -1135,7 +1147,7 @@
           <a:p>
             <a:fld id="{885D511B-C876-485C-BF04-20267C1D1083}" type="datetimeFigureOut">
               <a:rPr lang="ko-KR" altLang="en-US" smtClean="0"/>
-              <a:t>2018-03-27</a:t>
+              <a:t>2018-04-03</a:t>
             </a:fld>
             <a:endParaRPr lang="ko-KR" altLang="en-US"/>
           </a:p>
@@ -1400,7 +1412,7 @@
           <a:p>
             <a:fld id="{885D511B-C876-485C-BF04-20267C1D1083}" type="datetimeFigureOut">
               <a:rPr lang="ko-KR" altLang="en-US" smtClean="0"/>
-              <a:t>2018-03-27</a:t>
+              <a:t>2018-04-03</a:t>
             </a:fld>
             <a:endParaRPr lang="ko-KR" altLang="en-US"/>
           </a:p>
@@ -1812,7 +1824,7 @@
           <a:p>
             <a:fld id="{885D511B-C876-485C-BF04-20267C1D1083}" type="datetimeFigureOut">
               <a:rPr lang="ko-KR" altLang="en-US" smtClean="0"/>
-              <a:t>2018-03-27</a:t>
+              <a:t>2018-04-03</a:t>
             </a:fld>
             <a:endParaRPr lang="ko-KR" altLang="en-US"/>
           </a:p>
@@ -1953,7 +1965,7 @@
           <a:p>
             <a:fld id="{885D511B-C876-485C-BF04-20267C1D1083}" type="datetimeFigureOut">
               <a:rPr lang="ko-KR" altLang="en-US" smtClean="0"/>
-              <a:t>2018-03-27</a:t>
+              <a:t>2018-04-03</a:t>
             </a:fld>
             <a:endParaRPr lang="ko-KR" altLang="en-US"/>
           </a:p>
@@ -2066,7 +2078,7 @@
           <a:p>
             <a:fld id="{885D511B-C876-485C-BF04-20267C1D1083}" type="datetimeFigureOut">
               <a:rPr lang="ko-KR" altLang="en-US" smtClean="0"/>
-              <a:t>2018-03-27</a:t>
+              <a:t>2018-04-03</a:t>
             </a:fld>
             <a:endParaRPr lang="ko-KR" altLang="en-US"/>
           </a:p>
@@ -2377,7 +2389,7 @@
           <a:p>
             <a:fld id="{885D511B-C876-485C-BF04-20267C1D1083}" type="datetimeFigureOut">
               <a:rPr lang="ko-KR" altLang="en-US" smtClean="0"/>
-              <a:t>2018-03-27</a:t>
+              <a:t>2018-04-03</a:t>
             </a:fld>
             <a:endParaRPr lang="ko-KR" altLang="en-US"/>
           </a:p>
@@ -2665,7 +2677,7 @@
           <a:p>
             <a:fld id="{885D511B-C876-485C-BF04-20267C1D1083}" type="datetimeFigureOut">
               <a:rPr lang="ko-KR" altLang="en-US" smtClean="0"/>
-              <a:t>2018-03-27</a:t>
+              <a:t>2018-04-03</a:t>
             </a:fld>
             <a:endParaRPr lang="ko-KR" altLang="en-US"/>
           </a:p>
@@ -2906,7 +2918,7 @@
           <a:p>
             <a:fld id="{885D511B-C876-485C-BF04-20267C1D1083}" type="datetimeFigureOut">
               <a:rPr lang="ko-KR" altLang="en-US" smtClean="0"/>
-              <a:t>2018-03-27</a:t>
+              <a:t>2018-04-03</a:t>
             </a:fld>
             <a:endParaRPr lang="ko-KR" altLang="en-US"/>
           </a:p>
@@ -3399,78 +3411,71 @@
             </a:r>
             <a:r>
               <a:rPr lang="en-US" altLang="ko-KR" dirty="0"/>
+              <a:t>: https://api.github.com/repos/bitcoin/bitcoin/commits?page=5</a:t>
+            </a:r>
+          </a:p>
+          <a:p>
+            <a:endParaRPr lang="en-US" altLang="ko-KR" dirty="0"/>
+          </a:p>
+          <a:p>
+            <a:r>
+              <a:rPr lang="ko-KR" altLang="en-US" dirty="0"/>
+              <a:t>버그리포트 주소</a:t>
+            </a:r>
+            <a:r>
+              <a:rPr lang="en-US" altLang="ko-KR" dirty="0"/>
               <a:t>: </a:t>
             </a:r>
             <a:r>
               <a:rPr lang="en-US" altLang="ko-KR" dirty="0">
                 <a:hlinkClick r:id="rId2"/>
               </a:rPr>
-              <a:t>https://api.github.com/repos/bitcoin/bitcoin/commits?page=550</a:t>
+              <a:t>https://api.github.com/repos/bitcoin/bitcoin/issues?state=closed&amp;labels=bug&amp;page=10</a:t>
             </a:r>
             <a:endParaRPr lang="en-US" altLang="ko-KR" dirty="0"/>
           </a:p>
           <a:p>
+            <a:r>
+              <a:rPr lang="en-US" altLang="ko-KR" dirty="0"/>
+              <a:t>Pull request </a:t>
+            </a:r>
+            <a:r>
+              <a:rPr lang="ko-KR" altLang="en-US" dirty="0"/>
+              <a:t>주소</a:t>
+            </a:r>
+            <a:r>
+              <a:rPr lang="en-US" altLang="ko-KR" dirty="0"/>
+              <a:t>: https://api.github.com/repos/bitcoin/bitcoin/pulls?</a:t>
+            </a:r>
+            <a:r>
+              <a:rPr lang="en-US" altLang="ko-KR" dirty="0">
+                <a:hlinkClick r:id="rId2"/>
+              </a:rPr>
+              <a:t> state=</a:t>
+            </a:r>
+            <a:r>
+              <a:rPr lang="en-US" altLang="ko-KR" dirty="0" err="1">
+                <a:hlinkClick r:id="rId2"/>
+              </a:rPr>
+              <a:t>closed&amp;labels</a:t>
+            </a:r>
+            <a:r>
+              <a:rPr lang="en-US" altLang="ko-KR" dirty="0">
+                <a:hlinkClick r:id="rId2"/>
+              </a:rPr>
+              <a:t>=bug</a:t>
+            </a:r>
             <a:endParaRPr lang="en-US" altLang="ko-KR" dirty="0"/>
           </a:p>
           <a:p>
             <a:r>
-              <a:rPr lang="ko-KR" altLang="en-US" dirty="0"/>
-              <a:t>버그리포트 주소</a:t>
-            </a:r>
-            <a:r>
               <a:rPr lang="en-US" altLang="ko-KR" dirty="0"/>
-              <a:t>: </a:t>
+              <a:t>Comment url:  </a:t>
             </a:r>
             <a:r>
               <a:rPr lang="en-US" altLang="ko-KR" dirty="0">
                 <a:hlinkClick r:id="rId3"/>
               </a:rPr>
-              <a:t>https://api.github.com/repos/bitcoin/bitcoin/issues?state=closed&amp;labels=bug&amp;page=10</a:t>
-            </a:r>
-            <a:endParaRPr lang="en-US" altLang="ko-KR" dirty="0"/>
-          </a:p>
-          <a:p>
-            <a:r>
-              <a:rPr lang="en-US" altLang="ko-KR" dirty="0"/>
-              <a:t>Pull request </a:t>
-            </a:r>
-            <a:r>
-              <a:rPr lang="ko-KR" altLang="en-US" dirty="0"/>
-              <a:t>주소</a:t>
-            </a:r>
-            <a:r>
-              <a:rPr lang="en-US" altLang="ko-KR" dirty="0"/>
-              <a:t>: https://api.github.com/repos/bitcoin/bitcoin/pulls?</a:t>
-            </a:r>
-            <a:r>
-              <a:rPr lang="en-US" altLang="ko-KR" dirty="0">
-                <a:hlinkClick r:id="rId3"/>
-              </a:rPr>
-              <a:t> state=</a:t>
-            </a:r>
-            <a:r>
-              <a:rPr lang="en-US" altLang="ko-KR" dirty="0" err="1">
-                <a:hlinkClick r:id="rId3"/>
-              </a:rPr>
-              <a:t>closed&amp;labels</a:t>
-            </a:r>
-            <a:r>
-              <a:rPr lang="en-US" altLang="ko-KR" dirty="0">
-                <a:hlinkClick r:id="rId3"/>
-              </a:rPr>
-              <a:t>=bug</a:t>
-            </a:r>
-            <a:endParaRPr lang="en-US" altLang="ko-KR" dirty="0"/>
-          </a:p>
-          <a:p>
-            <a:r>
-              <a:rPr lang="en-US" altLang="ko-KR" dirty="0"/>
-              <a:t>Comment url:  </a:t>
-            </a:r>
-            <a:r>
-              <a:rPr lang="en-US" altLang="ko-KR" dirty="0">
-                <a:hlinkClick r:id="rId4"/>
-              </a:rPr>
               <a:t>https://api.github.com/repos/bitcoin/bitcoin/issues/12366/comments</a:t>
             </a:r>
             <a:endParaRPr lang="en-US" altLang="ko-KR" dirty="0"/>
@@ -3738,6 +3743,76 @@
           </a:p>
           <a:p>
             <a:endParaRPr lang="en-US" altLang="ko-KR" dirty="0"/>
+          </a:p>
+        </p:txBody>
+      </p:sp>
+      <p:sp>
+        <p:nvSpPr>
+          <p:cNvPr id="2" name="직사각형 1">
+            <a:extLst>
+              <a:ext uri="{FF2B5EF4-FFF2-40B4-BE49-F238E27FC236}">
+                <a16:creationId xmlns:a16="http://schemas.microsoft.com/office/drawing/2014/main" id="{19B0C9BD-C854-4768-92D1-BDDD68107A8A}"/>
+              </a:ext>
+            </a:extLst>
+          </p:cNvPr>
+          <p:cNvSpPr/>
+          <p:nvPr/>
+        </p:nvSpPr>
+        <p:spPr>
+          <a:xfrm>
+            <a:off x="3057426" y="230660"/>
+            <a:ext cx="8641237" cy="369332"/>
+          </a:xfrm>
+          <a:prstGeom prst="rect">
+            <a:avLst/>
+          </a:prstGeom>
+        </p:spPr>
+        <p:txBody>
+          <a:bodyPr wrap="square">
+            <a:spAutoFit/>
+          </a:bodyPr>
+          <a:lstStyle/>
+          <a:p>
+            <a:r>
+              <a:rPr lang="ko-KR" altLang="en-US" dirty="0"/>
+              <a:t>https://api.github.com/repos/bitcoin/bitcoin/commits?page=1&amp;per_page=100</a:t>
+            </a:r>
+          </a:p>
+        </p:txBody>
+      </p:sp>
+      <p:sp>
+        <p:nvSpPr>
+          <p:cNvPr id="5" name="TextBox 4">
+            <a:extLst>
+              <a:ext uri="{FF2B5EF4-FFF2-40B4-BE49-F238E27FC236}">
+                <a16:creationId xmlns:a16="http://schemas.microsoft.com/office/drawing/2014/main" id="{9ED83D56-6728-4BD6-A162-A617DE6B16DF}"/>
+              </a:ext>
+            </a:extLst>
+          </p:cNvPr>
+          <p:cNvSpPr txBox="1"/>
+          <p:nvPr/>
+        </p:nvSpPr>
+        <p:spPr>
+          <a:xfrm>
+            <a:off x="4835951" y="640644"/>
+            <a:ext cx="6231117" cy="369332"/>
+          </a:xfrm>
+          <a:prstGeom prst="rect">
+            <a:avLst/>
+          </a:prstGeom>
+          <a:noFill/>
+        </p:spPr>
+        <p:txBody>
+          <a:bodyPr wrap="square" rtlCol="0">
+            <a:spAutoFit/>
+          </a:bodyPr>
+          <a:lstStyle/>
+          <a:p>
+            <a:r>
+              <a:rPr lang="en-US" altLang="ko-KR" dirty="0"/>
+              <a:t>https://api.github.com/repos/bitcoin/bitcoin/issues/events</a:t>
+            </a:r>
+            <a:endParaRPr lang="ko-KR" altLang="en-US" dirty="0"/>
           </a:p>
         </p:txBody>
       </p:sp>
@@ -3745,6 +3820,66 @@
     <p:extLst>
       <p:ext uri="{BB962C8B-B14F-4D97-AF65-F5344CB8AC3E}">
         <p14:creationId xmlns:p14="http://schemas.microsoft.com/office/powerpoint/2010/main" val="4064083613"/>
+      </p:ext>
+    </p:extLst>
+  </p:cSld>
+  <p:clrMapOvr>
+    <a:masterClrMapping/>
+  </p:clrMapOvr>
+</p:sld>
+</file>
+
+<file path=ppt/slides/slide10.xml><?xml version="1.0" encoding="utf-8"?>
+<p:sld xmlns:a="http://schemas.openxmlformats.org/drawingml/2006/main" xmlns:r="http://schemas.openxmlformats.org/officeDocument/2006/relationships" xmlns:p="http://schemas.openxmlformats.org/presentationml/2006/main">
+  <p:cSld>
+    <p:spTree>
+      <p:nvGrpSpPr>
+        <p:cNvPr id="1" name=""/>
+        <p:cNvGrpSpPr/>
+        <p:nvPr/>
+      </p:nvGrpSpPr>
+      <p:grpSpPr>
+        <a:xfrm>
+          <a:off x="0" y="0"/>
+          <a:ext cx="0" cy="0"/>
+          <a:chOff x="0" y="0"/>
+          <a:chExt cx="0" cy="0"/>
+        </a:xfrm>
+      </p:grpSpPr>
+      <p:pic>
+        <p:nvPicPr>
+          <p:cNvPr id="2" name="그림 1">
+            <a:extLst>
+              <a:ext uri="{FF2B5EF4-FFF2-40B4-BE49-F238E27FC236}">
+                <a16:creationId xmlns:a16="http://schemas.microsoft.com/office/drawing/2014/main" id="{4D54D138-1A3E-4DF3-8CFC-1A3C26EA3099}"/>
+              </a:ext>
+            </a:extLst>
+          </p:cNvPr>
+          <p:cNvPicPr>
+            <a:picLocks noChangeAspect="1"/>
+          </p:cNvPicPr>
+          <p:nvPr/>
+        </p:nvPicPr>
+        <p:blipFill>
+          <a:blip r:embed="rId2"/>
+          <a:stretch>
+            <a:fillRect/>
+          </a:stretch>
+        </p:blipFill>
+        <p:spPr>
+          <a:xfrm>
+            <a:off x="0" y="1433945"/>
+            <a:ext cx="12192000" cy="3990109"/>
+          </a:xfrm>
+          <a:prstGeom prst="rect">
+            <a:avLst/>
+          </a:prstGeom>
+        </p:spPr>
+      </p:pic>
+    </p:spTree>
+    <p:extLst>
+      <p:ext uri="{BB962C8B-B14F-4D97-AF65-F5344CB8AC3E}">
+        <p14:creationId xmlns:p14="http://schemas.microsoft.com/office/powerpoint/2010/main" val="2401831343"/>
       </p:ext>
     </p:extLst>
   </p:cSld>
@@ -4163,6 +4298,2666 @@
     <p:extLst>
       <p:ext uri="{BB962C8B-B14F-4D97-AF65-F5344CB8AC3E}">
         <p14:creationId xmlns:p14="http://schemas.microsoft.com/office/powerpoint/2010/main" val="466933825"/>
+      </p:ext>
+    </p:extLst>
+  </p:cSld>
+  <p:clrMapOvr>
+    <a:masterClrMapping/>
+  </p:clrMapOvr>
+</p:sld>
+</file>
+
+<file path=ppt/slides/slide4.xml><?xml version="1.0" encoding="utf-8"?>
+<p:sld xmlns:a="http://schemas.openxmlformats.org/drawingml/2006/main" xmlns:r="http://schemas.openxmlformats.org/officeDocument/2006/relationships" xmlns:p="http://schemas.openxmlformats.org/presentationml/2006/main">
+  <p:cSld>
+    <p:spTree>
+      <p:nvGrpSpPr>
+        <p:cNvPr id="1" name=""/>
+        <p:cNvGrpSpPr/>
+        <p:nvPr/>
+      </p:nvGrpSpPr>
+      <p:grpSpPr>
+        <a:xfrm>
+          <a:off x="0" y="0"/>
+          <a:ext cx="0" cy="0"/>
+          <a:chOff x="0" y="0"/>
+          <a:chExt cx="0" cy="0"/>
+        </a:xfrm>
+      </p:grpSpPr>
+      <p:pic>
+        <p:nvPicPr>
+          <p:cNvPr id="2" name="그림 1">
+            <a:extLst>
+              <a:ext uri="{FF2B5EF4-FFF2-40B4-BE49-F238E27FC236}">
+                <a16:creationId xmlns:a16="http://schemas.microsoft.com/office/drawing/2014/main" id="{5AEA1CE8-9BCC-4956-8D77-41FC00DE95E6}"/>
+              </a:ext>
+            </a:extLst>
+          </p:cNvPr>
+          <p:cNvPicPr>
+            <a:picLocks noChangeAspect="1"/>
+          </p:cNvPicPr>
+          <p:nvPr/>
+        </p:nvPicPr>
+        <p:blipFill>
+          <a:blip r:embed="rId2"/>
+          <a:stretch>
+            <a:fillRect/>
+          </a:stretch>
+        </p:blipFill>
+        <p:spPr>
+          <a:xfrm>
+            <a:off x="2000250" y="1504950"/>
+            <a:ext cx="8667750" cy="5029200"/>
+          </a:xfrm>
+          <a:prstGeom prst="rect">
+            <a:avLst/>
+          </a:prstGeom>
+        </p:spPr>
+      </p:pic>
+      <p:sp>
+        <p:nvSpPr>
+          <p:cNvPr id="3" name="TextBox 2">
+            <a:extLst>
+              <a:ext uri="{FF2B5EF4-FFF2-40B4-BE49-F238E27FC236}">
+                <a16:creationId xmlns:a16="http://schemas.microsoft.com/office/drawing/2014/main" id="{DBC0044C-B492-4F0C-A95F-E12093F0E4F3}"/>
+              </a:ext>
+            </a:extLst>
+          </p:cNvPr>
+          <p:cNvSpPr txBox="1"/>
+          <p:nvPr/>
+        </p:nvSpPr>
+        <p:spPr>
+          <a:xfrm>
+            <a:off x="1847850" y="523875"/>
+            <a:ext cx="6315075" cy="646331"/>
+          </a:xfrm>
+          <a:prstGeom prst="rect">
+            <a:avLst/>
+          </a:prstGeom>
+          <a:noFill/>
+        </p:spPr>
+        <p:txBody>
+          <a:bodyPr wrap="square" rtlCol="0">
+            <a:spAutoFit/>
+          </a:bodyPr>
+          <a:lstStyle/>
+          <a:p>
+            <a:r>
+              <a:rPr lang="en-US" altLang="ko-KR" dirty="0"/>
+              <a:t>X-</a:t>
+            </a:r>
+            <a:r>
+              <a:rPr lang="en-US" altLang="ko-KR" dirty="0" err="1"/>
+              <a:t>RateLimit</a:t>
+            </a:r>
+            <a:r>
+              <a:rPr lang="ko-KR" altLang="en-US" dirty="0"/>
+              <a:t> 초과</a:t>
+            </a:r>
+            <a:endParaRPr lang="en-US" altLang="ko-KR" dirty="0"/>
+          </a:p>
+          <a:p>
+            <a:r>
+              <a:rPr lang="en-US" altLang="ko-KR" dirty="0"/>
+              <a:t>Reset: 28</a:t>
+            </a:r>
+            <a:r>
+              <a:rPr lang="ko-KR" altLang="en-US" dirty="0"/>
+              <a:t>일</a:t>
+            </a:r>
+            <a:r>
+              <a:rPr lang="en-US" altLang="ko-KR" dirty="0"/>
+              <a:t> 5</a:t>
+            </a:r>
+            <a:r>
+              <a:rPr lang="ko-KR" altLang="en-US" dirty="0"/>
+              <a:t>시 </a:t>
+            </a:r>
+            <a:r>
+              <a:rPr lang="en-US" altLang="ko-KR" dirty="0"/>
+              <a:t>12</a:t>
+            </a:r>
+            <a:r>
+              <a:rPr lang="ko-KR" altLang="en-US" dirty="0"/>
+              <a:t>분</a:t>
+            </a:r>
+          </a:p>
+        </p:txBody>
+      </p:sp>
+    </p:spTree>
+    <p:extLst>
+      <p:ext uri="{BB962C8B-B14F-4D97-AF65-F5344CB8AC3E}">
+        <p14:creationId xmlns:p14="http://schemas.microsoft.com/office/powerpoint/2010/main" val="712245975"/>
+      </p:ext>
+    </p:extLst>
+  </p:cSld>
+  <p:clrMapOvr>
+    <a:masterClrMapping/>
+  </p:clrMapOvr>
+</p:sld>
+</file>
+
+<file path=ppt/slides/slide5.xml><?xml version="1.0" encoding="utf-8"?>
+<p:sld xmlns:a="http://schemas.openxmlformats.org/drawingml/2006/main" xmlns:r="http://schemas.openxmlformats.org/officeDocument/2006/relationships" xmlns:p="http://schemas.openxmlformats.org/presentationml/2006/main">
+  <p:cSld>
+    <p:spTree>
+      <p:nvGrpSpPr>
+        <p:cNvPr id="1" name=""/>
+        <p:cNvGrpSpPr/>
+        <p:nvPr/>
+      </p:nvGrpSpPr>
+      <p:grpSpPr>
+        <a:xfrm>
+          <a:off x="0" y="0"/>
+          <a:ext cx="0" cy="0"/>
+          <a:chOff x="0" y="0"/>
+          <a:chExt cx="0" cy="0"/>
+        </a:xfrm>
+      </p:grpSpPr>
+      <p:pic>
+        <p:nvPicPr>
+          <p:cNvPr id="2" name="그림 1">
+            <a:extLst>
+              <a:ext uri="{FF2B5EF4-FFF2-40B4-BE49-F238E27FC236}">
+                <a16:creationId xmlns:a16="http://schemas.microsoft.com/office/drawing/2014/main" id="{DB243D89-32EA-43AE-B80D-ACCB8DDF8C14}"/>
+              </a:ext>
+            </a:extLst>
+          </p:cNvPr>
+          <p:cNvPicPr>
+            <a:picLocks noChangeAspect="1"/>
+          </p:cNvPicPr>
+          <p:nvPr/>
+        </p:nvPicPr>
+        <p:blipFill>
+          <a:blip r:embed="rId2"/>
+          <a:stretch>
+            <a:fillRect/>
+          </a:stretch>
+        </p:blipFill>
+        <p:spPr>
+          <a:xfrm>
+            <a:off x="557162" y="758842"/>
+            <a:ext cx="6000750" cy="1981200"/>
+          </a:xfrm>
+          <a:prstGeom prst="rect">
+            <a:avLst/>
+          </a:prstGeom>
+        </p:spPr>
+      </p:pic>
+      <p:sp>
+        <p:nvSpPr>
+          <p:cNvPr id="3" name="TextBox 2">
+            <a:extLst>
+              <a:ext uri="{FF2B5EF4-FFF2-40B4-BE49-F238E27FC236}">
+                <a16:creationId xmlns:a16="http://schemas.microsoft.com/office/drawing/2014/main" id="{3F1538FA-FD1B-480A-AB5F-EF153D93F3B5}"/>
+              </a:ext>
+            </a:extLst>
+          </p:cNvPr>
+          <p:cNvSpPr txBox="1"/>
+          <p:nvPr/>
+        </p:nvSpPr>
+        <p:spPr>
+          <a:xfrm>
+            <a:off x="377072" y="311085"/>
+            <a:ext cx="6146276" cy="369332"/>
+          </a:xfrm>
+          <a:prstGeom prst="rect">
+            <a:avLst/>
+          </a:prstGeom>
+          <a:noFill/>
+        </p:spPr>
+        <p:txBody>
+          <a:bodyPr wrap="square" rtlCol="0">
+            <a:spAutoFit/>
+          </a:bodyPr>
+          <a:lstStyle/>
+          <a:p>
+            <a:r>
+              <a:rPr lang="en-US" altLang="ko-KR" dirty="0"/>
+              <a:t>DB</a:t>
+            </a:r>
+            <a:endParaRPr lang="ko-KR" altLang="en-US" dirty="0"/>
+          </a:p>
+        </p:txBody>
+      </p:sp>
+      <p:pic>
+        <p:nvPicPr>
+          <p:cNvPr id="4" name="그림 3">
+            <a:extLst>
+              <a:ext uri="{FF2B5EF4-FFF2-40B4-BE49-F238E27FC236}">
+                <a16:creationId xmlns:a16="http://schemas.microsoft.com/office/drawing/2014/main" id="{671A8E7B-165E-40A0-B96F-96B60D27CD8A}"/>
+              </a:ext>
+            </a:extLst>
+          </p:cNvPr>
+          <p:cNvPicPr>
+            <a:picLocks noChangeAspect="1"/>
+          </p:cNvPicPr>
+          <p:nvPr/>
+        </p:nvPicPr>
+        <p:blipFill>
+          <a:blip r:embed="rId3"/>
+          <a:stretch>
+            <a:fillRect/>
+          </a:stretch>
+        </p:blipFill>
+        <p:spPr>
+          <a:xfrm>
+            <a:off x="557163" y="2818467"/>
+            <a:ext cx="5966186" cy="2033357"/>
+          </a:xfrm>
+          <a:prstGeom prst="rect">
+            <a:avLst/>
+          </a:prstGeom>
+        </p:spPr>
+      </p:pic>
+      <p:sp>
+        <p:nvSpPr>
+          <p:cNvPr id="5" name="직사각형 4">
+            <a:extLst>
+              <a:ext uri="{FF2B5EF4-FFF2-40B4-BE49-F238E27FC236}">
+                <a16:creationId xmlns:a16="http://schemas.microsoft.com/office/drawing/2014/main" id="{1FBDF087-F7D4-4D59-9B8D-C37A448D17EB}"/>
+              </a:ext>
+            </a:extLst>
+          </p:cNvPr>
+          <p:cNvSpPr/>
+          <p:nvPr/>
+        </p:nvSpPr>
+        <p:spPr>
+          <a:xfrm>
+            <a:off x="6799868" y="311085"/>
+            <a:ext cx="4908223" cy="2585323"/>
+          </a:xfrm>
+          <a:prstGeom prst="rect">
+            <a:avLst/>
+          </a:prstGeom>
+        </p:spPr>
+        <p:txBody>
+          <a:bodyPr wrap="square">
+            <a:spAutoFit/>
+          </a:bodyPr>
+          <a:lstStyle/>
+          <a:p>
+            <a:r>
+              <a:rPr lang="ko-KR" altLang="en-US" dirty="0"/>
+              <a:t>추가</a:t>
+            </a:r>
+            <a:endParaRPr lang="en-US" altLang="ko-KR" dirty="0"/>
+          </a:p>
+          <a:p>
+            <a:r>
+              <a:rPr lang="ko-KR" altLang="en-US" dirty="0" err="1"/>
+              <a:t>num</a:t>
+            </a:r>
+            <a:r>
+              <a:rPr lang="ko-KR" altLang="en-US" dirty="0"/>
+              <a:t>=1</a:t>
+            </a:r>
+          </a:p>
+          <a:p>
+            <a:r>
+              <a:rPr lang="ko-KR" altLang="en-US" dirty="0" err="1"/>
+              <a:t>title</a:t>
+            </a:r>
+            <a:r>
+              <a:rPr lang="ko-KR" altLang="en-US" dirty="0"/>
+              <a:t>='</a:t>
+            </a:r>
+            <a:r>
+              <a:rPr lang="ko-KR" altLang="en-US" dirty="0" err="1"/>
+              <a:t>this</a:t>
+            </a:r>
+            <a:r>
+              <a:rPr lang="ko-KR" altLang="en-US" dirty="0"/>
+              <a:t> </a:t>
+            </a:r>
+            <a:r>
+              <a:rPr lang="ko-KR" altLang="en-US" dirty="0" err="1"/>
+              <a:t>is</a:t>
+            </a:r>
+            <a:r>
+              <a:rPr lang="ko-KR" altLang="en-US" dirty="0"/>
+              <a:t> </a:t>
+            </a:r>
+            <a:r>
+              <a:rPr lang="ko-KR" altLang="en-US" dirty="0" err="1"/>
+              <a:t>title</a:t>
+            </a:r>
+            <a:r>
+              <a:rPr lang="ko-KR" altLang="en-US" dirty="0"/>
+              <a:t>'</a:t>
+            </a:r>
+          </a:p>
+          <a:p>
+            <a:r>
+              <a:rPr lang="ko-KR" altLang="en-US" dirty="0" err="1"/>
+              <a:t>body</a:t>
+            </a:r>
+            <a:r>
+              <a:rPr lang="ko-KR" altLang="en-US" dirty="0"/>
+              <a:t>='</a:t>
+            </a:r>
+            <a:r>
+              <a:rPr lang="ko-KR" altLang="en-US" dirty="0" err="1"/>
+              <a:t>this</a:t>
+            </a:r>
+            <a:r>
+              <a:rPr lang="ko-KR" altLang="en-US" dirty="0"/>
+              <a:t> </a:t>
+            </a:r>
+            <a:r>
+              <a:rPr lang="ko-KR" altLang="en-US" dirty="0" err="1"/>
+              <a:t>is</a:t>
+            </a:r>
+            <a:r>
+              <a:rPr lang="ko-KR" altLang="en-US" dirty="0"/>
+              <a:t> </a:t>
+            </a:r>
+            <a:r>
+              <a:rPr lang="ko-KR" altLang="en-US" dirty="0" err="1"/>
+              <a:t>body</a:t>
+            </a:r>
+            <a:r>
+              <a:rPr lang="ko-KR" altLang="en-US" dirty="0"/>
+              <a:t>'</a:t>
+            </a:r>
+          </a:p>
+          <a:p>
+            <a:endParaRPr lang="ko-KR" altLang="en-US" dirty="0"/>
+          </a:p>
+          <a:p>
+            <a:r>
+              <a:rPr lang="ko-KR" altLang="en-US" dirty="0" err="1"/>
+              <a:t>sql</a:t>
+            </a:r>
+            <a:r>
+              <a:rPr lang="ko-KR" altLang="en-US" dirty="0"/>
+              <a:t>="""</a:t>
+            </a:r>
+            <a:r>
+              <a:rPr lang="ko-KR" altLang="en-US" dirty="0" err="1"/>
+              <a:t>insert</a:t>
+            </a:r>
+            <a:r>
+              <a:rPr lang="ko-KR" altLang="en-US" dirty="0"/>
+              <a:t> </a:t>
+            </a:r>
+            <a:r>
+              <a:rPr lang="ko-KR" altLang="en-US" dirty="0" err="1"/>
+              <a:t>into</a:t>
+            </a:r>
+            <a:r>
+              <a:rPr lang="ko-KR" altLang="en-US" dirty="0"/>
+              <a:t> </a:t>
+            </a:r>
+            <a:r>
+              <a:rPr lang="ko-KR" altLang="en-US" dirty="0" err="1"/>
+              <a:t>bugreport</a:t>
+            </a:r>
+            <a:r>
+              <a:rPr lang="ko-KR" altLang="en-US" dirty="0"/>
+              <a:t>(</a:t>
+            </a:r>
+            <a:r>
+              <a:rPr lang="ko-KR" altLang="en-US" dirty="0" err="1"/>
+              <a:t>bugno,title,body</a:t>
+            </a:r>
+            <a:r>
+              <a:rPr lang="ko-KR" altLang="en-US" dirty="0"/>
+              <a:t>) </a:t>
+            </a:r>
+            <a:r>
+              <a:rPr lang="ko-KR" altLang="en-US" dirty="0" err="1"/>
+              <a:t>values</a:t>
+            </a:r>
+            <a:r>
+              <a:rPr lang="ko-KR" altLang="en-US" dirty="0"/>
+              <a:t> (%</a:t>
+            </a:r>
+            <a:r>
+              <a:rPr lang="ko-KR" altLang="en-US" dirty="0" err="1"/>
+              <a:t>s</a:t>
+            </a:r>
+            <a:r>
+              <a:rPr lang="ko-KR" altLang="en-US" dirty="0"/>
+              <a:t>, %</a:t>
+            </a:r>
+            <a:r>
+              <a:rPr lang="ko-KR" altLang="en-US" dirty="0" err="1"/>
+              <a:t>s</a:t>
+            </a:r>
+            <a:r>
+              <a:rPr lang="ko-KR" altLang="en-US" dirty="0"/>
+              <a:t>, %</a:t>
+            </a:r>
+            <a:r>
+              <a:rPr lang="ko-KR" altLang="en-US" dirty="0" err="1"/>
+              <a:t>s</a:t>
+            </a:r>
+            <a:r>
+              <a:rPr lang="ko-KR" altLang="en-US" dirty="0"/>
+              <a:t>)"""</a:t>
+            </a:r>
+          </a:p>
+          <a:p>
+            <a:r>
+              <a:rPr lang="ko-KR" altLang="en-US" dirty="0" err="1"/>
+              <a:t>curs.execute</a:t>
+            </a:r>
+            <a:r>
+              <a:rPr lang="ko-KR" altLang="en-US" dirty="0"/>
+              <a:t>(</a:t>
+            </a:r>
+            <a:r>
+              <a:rPr lang="ko-KR" altLang="en-US" dirty="0" err="1"/>
+              <a:t>sql</a:t>
+            </a:r>
+            <a:r>
+              <a:rPr lang="ko-KR" altLang="en-US" dirty="0"/>
+              <a:t>,(</a:t>
+            </a:r>
+            <a:r>
+              <a:rPr lang="ko-KR" altLang="en-US" dirty="0" err="1"/>
+              <a:t>num,title,body</a:t>
+            </a:r>
+            <a:r>
+              <a:rPr lang="ko-KR" altLang="en-US" dirty="0"/>
+              <a:t>))</a:t>
+            </a:r>
+          </a:p>
+          <a:p>
+            <a:r>
+              <a:rPr lang="ko-KR" altLang="en-US" dirty="0" err="1"/>
+              <a:t>conn.commit</a:t>
+            </a:r>
+            <a:r>
+              <a:rPr lang="ko-KR" altLang="en-US" dirty="0"/>
+              <a:t>()</a:t>
+            </a:r>
+          </a:p>
+        </p:txBody>
+      </p:sp>
+      <p:sp>
+        <p:nvSpPr>
+          <p:cNvPr id="6" name="직사각형 5">
+            <a:extLst>
+              <a:ext uri="{FF2B5EF4-FFF2-40B4-BE49-F238E27FC236}">
+                <a16:creationId xmlns:a16="http://schemas.microsoft.com/office/drawing/2014/main" id="{ADDF8B2C-CCC4-4035-B040-A0AC7E8CED08}"/>
+              </a:ext>
+            </a:extLst>
+          </p:cNvPr>
+          <p:cNvSpPr/>
+          <p:nvPr/>
+        </p:nvSpPr>
+        <p:spPr>
+          <a:xfrm>
+            <a:off x="703868" y="5443684"/>
+            <a:ext cx="6096000" cy="923330"/>
+          </a:xfrm>
+          <a:prstGeom prst="rect">
+            <a:avLst/>
+          </a:prstGeom>
+        </p:spPr>
+        <p:txBody>
+          <a:bodyPr>
+            <a:spAutoFit/>
+          </a:bodyPr>
+          <a:lstStyle/>
+          <a:p>
+            <a:r>
+              <a:rPr lang="ko-KR" altLang="en-US"/>
+              <a:t>삭제</a:t>
+            </a:r>
+            <a:endParaRPr lang="en-US" altLang="ko-KR" dirty="0"/>
+          </a:p>
+          <a:p>
+            <a:r>
+              <a:rPr lang="ko-KR" altLang="en-US" dirty="0" err="1"/>
+              <a:t>sql</a:t>
+            </a:r>
+            <a:r>
+              <a:rPr lang="ko-KR" altLang="en-US" dirty="0"/>
+              <a:t> = "</a:t>
+            </a:r>
+            <a:r>
+              <a:rPr lang="ko-KR" altLang="en-US" dirty="0" err="1"/>
+              <a:t>delete</a:t>
+            </a:r>
+            <a:r>
+              <a:rPr lang="ko-KR" altLang="en-US" dirty="0"/>
+              <a:t> </a:t>
+            </a:r>
+            <a:r>
+              <a:rPr lang="ko-KR" altLang="en-US" dirty="0" err="1"/>
+              <a:t>from</a:t>
+            </a:r>
+            <a:r>
+              <a:rPr lang="ko-KR" altLang="en-US" dirty="0"/>
+              <a:t> </a:t>
+            </a:r>
+            <a:r>
+              <a:rPr lang="ko-KR" altLang="en-US" dirty="0" err="1"/>
+              <a:t>bugreport</a:t>
+            </a:r>
+            <a:r>
+              <a:rPr lang="ko-KR" altLang="en-US" dirty="0"/>
+              <a:t> </a:t>
+            </a:r>
+            <a:r>
+              <a:rPr lang="ko-KR" altLang="en-US" dirty="0" err="1"/>
+              <a:t>where</a:t>
+            </a:r>
+            <a:r>
+              <a:rPr lang="ko-KR" altLang="en-US" dirty="0"/>
+              <a:t> </a:t>
+            </a:r>
+            <a:r>
+              <a:rPr lang="ko-KR" altLang="en-US" dirty="0" err="1"/>
+              <a:t>bugno</a:t>
+            </a:r>
+            <a:r>
+              <a:rPr lang="ko-KR" altLang="en-US" dirty="0"/>
+              <a:t>=%</a:t>
+            </a:r>
+            <a:r>
+              <a:rPr lang="ko-KR" altLang="en-US" dirty="0" err="1"/>
+              <a:t>s</a:t>
+            </a:r>
+            <a:r>
+              <a:rPr lang="ko-KR" altLang="en-US" dirty="0"/>
+              <a:t>"</a:t>
+            </a:r>
+          </a:p>
+          <a:p>
+            <a:r>
+              <a:rPr lang="ko-KR" altLang="en-US" dirty="0" err="1"/>
+              <a:t>curs.execute</a:t>
+            </a:r>
+            <a:r>
+              <a:rPr lang="ko-KR" altLang="en-US" dirty="0"/>
+              <a:t>(</a:t>
+            </a:r>
+            <a:r>
+              <a:rPr lang="ko-KR" altLang="en-US" dirty="0" err="1"/>
+              <a:t>sql</a:t>
+            </a:r>
+            <a:r>
+              <a:rPr lang="ko-KR" altLang="en-US" dirty="0"/>
+              <a:t>, 1)</a:t>
+            </a:r>
+          </a:p>
+        </p:txBody>
+      </p:sp>
+      <p:sp>
+        <p:nvSpPr>
+          <p:cNvPr id="7" name="Rectangle 1">
+            <a:extLst>
+              <a:ext uri="{FF2B5EF4-FFF2-40B4-BE49-F238E27FC236}">
+                <a16:creationId xmlns:a16="http://schemas.microsoft.com/office/drawing/2014/main" id="{D4ECB20E-72A8-4F0A-9A71-7F4C6A878866}"/>
+              </a:ext>
+            </a:extLst>
+          </p:cNvPr>
+          <p:cNvSpPr>
+            <a:spLocks noChangeArrowheads="1"/>
+          </p:cNvSpPr>
+          <p:nvPr/>
+        </p:nvSpPr>
+        <p:spPr bwMode="auto">
+          <a:xfrm>
+            <a:off x="6334812" y="6023993"/>
+            <a:ext cx="5660543" cy="400110"/>
+          </a:xfrm>
+          <a:prstGeom prst="rect">
+            <a:avLst/>
+          </a:prstGeom>
+          <a:solidFill>
+            <a:srgbClr val="FFFFFF"/>
+          </a:solidFill>
+          <a:ln>
+            <a:noFill/>
+          </a:ln>
+          <a:effectLst/>
+          <a:extLst>
+            <a:ext uri="{91240B29-F687-4F45-9708-019B960494DF}">
+              <a14:hiddenLine xmlns:a14="http://schemas.microsoft.com/office/drawing/2010/main" w="9525">
+                <a:solidFill>
+                  <a:schemeClr val="tx1"/>
+                </a:solidFill>
+                <a:miter lim="800000"/>
+                <a:headEnd/>
+                <a:tailEnd/>
+              </a14:hiddenLine>
+            </a:ext>
+            <a:ext uri="{AF507438-7753-43E0-B8FC-AC1667EBCBE1}">
+              <a14:hiddenEffects xmlns:a14="http://schemas.microsoft.com/office/drawing/2010/main">
+                <a:effectLst>
+                  <a:outerShdw dist="35921" dir="2700000" algn="ctr" rotWithShape="0">
+                    <a:schemeClr val="bg2"/>
+                  </a:outerShdw>
+                </a:effectLst>
+              </a14:hiddenEffects>
+            </a:ext>
+          </a:extLst>
+        </p:spPr>
+        <p:txBody>
+          <a:bodyPr vert="horz" wrap="square" lIns="91440" tIns="45720" rIns="91440" bIns="45720" numCol="1" anchor="ctr" anchorCtr="0" compatLnSpc="1">
+            <a:prstTxWarp prst="textNoShape">
+              <a:avLst/>
+            </a:prstTxWarp>
+            <a:spAutoFit/>
+          </a:bodyPr>
+          <a:lstStyle/>
+          <a:p>
+            <a:pPr marL="0" marR="0" lvl="0" indent="0" algn="l" defTabSz="914400" rtl="0" eaLnBrk="0" fontAlgn="base" latinLnBrk="0" hangingPunct="0">
+              <a:lnSpc>
+                <a:spcPct val="100000"/>
+              </a:lnSpc>
+              <a:spcBef>
+                <a:spcPct val="0"/>
+              </a:spcBef>
+              <a:spcAft>
+                <a:spcPct val="0"/>
+              </a:spcAft>
+              <a:buClrTx/>
+              <a:buSzTx/>
+              <a:buFontTx/>
+              <a:buNone/>
+              <a:tabLst/>
+            </a:pPr>
+            <a:r>
+              <a:rPr kumimoji="0" lang="en-US" altLang="ko-KR" sz="1000" b="0" i="0" u="none" strike="noStrike" cap="none" normalizeH="0" baseline="0" dirty="0" err="1">
+                <a:ln>
+                  <a:noFill/>
+                </a:ln>
+                <a:solidFill>
+                  <a:srgbClr val="586069"/>
+                </a:solidFill>
+                <a:effectLst/>
+                <a:latin typeface="Arial Unicode MS"/>
+                <a:ea typeface="SFMono-Regular"/>
+              </a:rPr>
+              <a:t>Github</a:t>
+            </a:r>
+            <a:r>
+              <a:rPr kumimoji="0" lang="en-US" altLang="ko-KR" sz="1000" b="0" i="0" u="none" strike="noStrike" cap="none" normalizeH="0" baseline="0" dirty="0">
+                <a:ln>
+                  <a:noFill/>
+                </a:ln>
+                <a:solidFill>
+                  <a:srgbClr val="586069"/>
+                </a:solidFill>
+                <a:effectLst/>
+                <a:latin typeface="Arial Unicode MS"/>
+                <a:ea typeface="SFMono-Regular"/>
+              </a:rPr>
+              <a:t>:</a:t>
+            </a:r>
+          </a:p>
+          <a:p>
+            <a:pPr marL="0" marR="0" lvl="0" indent="0" algn="l" defTabSz="914400" rtl="0" eaLnBrk="0" fontAlgn="base" latinLnBrk="0" hangingPunct="0">
+              <a:lnSpc>
+                <a:spcPct val="100000"/>
+              </a:lnSpc>
+              <a:spcBef>
+                <a:spcPct val="0"/>
+              </a:spcBef>
+              <a:spcAft>
+                <a:spcPct val="0"/>
+              </a:spcAft>
+              <a:buClrTx/>
+              <a:buSzTx/>
+              <a:buFontTx/>
+              <a:buNone/>
+              <a:tabLst/>
+            </a:pPr>
+            <a:r>
+              <a:rPr kumimoji="0" lang="ko-KR" altLang="ko-KR" sz="1000" b="0" i="0" u="none" strike="noStrike" cap="none" normalizeH="0" baseline="0" dirty="0">
+                <a:ln>
+                  <a:noFill/>
+                </a:ln>
+                <a:solidFill>
+                  <a:srgbClr val="586069"/>
+                </a:solidFill>
+                <a:effectLst/>
+                <a:latin typeface="Arial Unicode MS"/>
+                <a:ea typeface="SFMono-Regular"/>
+              </a:rPr>
+              <a:t>2887f3129b636d5b8e841d91b0da47d1907bdc6a</a:t>
+            </a:r>
+            <a:r>
+              <a:rPr kumimoji="0" lang="ko-KR" altLang="ko-KR" sz="900" b="0" i="0" u="none" strike="noStrike" cap="none" normalizeH="0" baseline="0" dirty="0">
+                <a:ln>
+                  <a:noFill/>
+                </a:ln>
+                <a:solidFill>
+                  <a:srgbClr val="586069"/>
+                </a:solidFill>
+                <a:effectLst/>
+                <a:ea typeface="-apple-system"/>
+              </a:rPr>
+              <a:t> </a:t>
+            </a:r>
+            <a:endParaRPr kumimoji="0" lang="ko-KR" altLang="ko-KR" sz="800" b="0" i="0" u="none" strike="noStrike" cap="none" normalizeH="0" baseline="0" dirty="0">
+              <a:ln>
+                <a:noFill/>
+              </a:ln>
+              <a:solidFill>
+                <a:schemeClr val="tx1"/>
+              </a:solidFill>
+              <a:effectLst/>
+              <a:latin typeface="Arial" panose="020B0604020202020204" pitchFamily="34" charset="0"/>
+            </a:endParaRPr>
+          </a:p>
+        </p:txBody>
+      </p:sp>
+      <p:sp>
+        <p:nvSpPr>
+          <p:cNvPr id="8" name="직사각형 7">
+            <a:extLst>
+              <a:ext uri="{FF2B5EF4-FFF2-40B4-BE49-F238E27FC236}">
+                <a16:creationId xmlns:a16="http://schemas.microsoft.com/office/drawing/2014/main" id="{40140223-99C7-43D4-B6D3-B2D2E6322EFB}"/>
+              </a:ext>
+            </a:extLst>
+          </p:cNvPr>
+          <p:cNvSpPr/>
+          <p:nvPr/>
+        </p:nvSpPr>
+        <p:spPr>
+          <a:xfrm>
+            <a:off x="6625858" y="4963088"/>
+            <a:ext cx="4766048" cy="369332"/>
+          </a:xfrm>
+          <a:prstGeom prst="rect">
+            <a:avLst/>
+          </a:prstGeom>
+        </p:spPr>
+        <p:txBody>
+          <a:bodyPr wrap="none">
+            <a:spAutoFit/>
+          </a:bodyPr>
+          <a:lstStyle/>
+          <a:p>
+            <a:r>
+              <a:rPr lang="en-US" altLang="ko-KR" dirty="0">
+                <a:solidFill>
+                  <a:srgbClr val="586069"/>
+                </a:solidFill>
+                <a:latin typeface="SFMono-Regular"/>
+              </a:rPr>
+              <a:t>9d9d3550f3e2f04e41931680d671d6ab63ec3922</a:t>
+            </a:r>
+            <a:endParaRPr lang="ko-KR" altLang="en-US" dirty="0"/>
+          </a:p>
+        </p:txBody>
+      </p:sp>
+      <p:sp>
+        <p:nvSpPr>
+          <p:cNvPr id="9" name="Rectangle 1">
+            <a:extLst>
+              <a:ext uri="{FF2B5EF4-FFF2-40B4-BE49-F238E27FC236}">
+                <a16:creationId xmlns:a16="http://schemas.microsoft.com/office/drawing/2014/main" id="{8B34D3FB-6652-4F9E-BA1C-720D95861B2D}"/>
+              </a:ext>
+            </a:extLst>
+          </p:cNvPr>
+          <p:cNvSpPr>
+            <a:spLocks noChangeArrowheads="1"/>
+          </p:cNvSpPr>
+          <p:nvPr/>
+        </p:nvSpPr>
+        <p:spPr bwMode="auto">
+          <a:xfrm>
+            <a:off x="6721312" y="3684593"/>
+            <a:ext cx="4592604" cy="553998"/>
+          </a:xfrm>
+          <a:prstGeom prst="rect">
+            <a:avLst/>
+          </a:prstGeom>
+          <a:solidFill>
+            <a:srgbClr val="EFF0F1"/>
+          </a:solidFill>
+          <a:ln>
+            <a:noFill/>
+          </a:ln>
+          <a:effectLst/>
+          <a:extLst>
+            <a:ext uri="{91240B29-F687-4F45-9708-019B960494DF}">
+              <a14:hiddenLine xmlns:a14="http://schemas.microsoft.com/office/drawing/2010/main" w="9525">
+                <a:solidFill>
+                  <a:schemeClr val="tx1"/>
+                </a:solidFill>
+                <a:miter lim="800000"/>
+                <a:headEnd/>
+                <a:tailEnd/>
+              </a14:hiddenLine>
+            </a:ext>
+            <a:ext uri="{AF507438-7753-43E0-B8FC-AC1667EBCBE1}">
+              <a14:hiddenEffects xmlns:a14="http://schemas.microsoft.com/office/drawing/2010/main">
+                <a:effectLst>
+                  <a:outerShdw dist="35921" dir="2700000" algn="ctr" rotWithShape="0">
+                    <a:schemeClr val="bg2"/>
+                  </a:outerShdw>
+                </a:effectLst>
+              </a14:hiddenEffects>
+            </a:ext>
+          </a:extLst>
+        </p:spPr>
+        <p:txBody>
+          <a:bodyPr vert="horz" wrap="none" lIns="0" tIns="0" rIns="0" bIns="0" numCol="1" anchor="ctr" anchorCtr="0" compatLnSpc="1">
+            <a:prstTxWarp prst="textNoShape">
+              <a:avLst/>
+            </a:prstTxWarp>
+            <a:spAutoFit/>
+          </a:bodyPr>
+          <a:lstStyle/>
+          <a:p>
+            <a:pPr eaLnBrk="0" fontAlgn="base" latinLnBrk="0" hangingPunct="0">
+              <a:spcBef>
+                <a:spcPct val="0"/>
+              </a:spcBef>
+              <a:spcAft>
+                <a:spcPct val="0"/>
+              </a:spcAft>
+            </a:pPr>
+            <a:r>
+              <a:rPr kumimoji="0" lang="ko-KR" altLang="ko-KR" sz="1200" b="0" i="0" u="none" strike="noStrike" cap="none" normalizeH="0" baseline="0" dirty="0" err="1">
+                <a:ln>
+                  <a:noFill/>
+                </a:ln>
+                <a:solidFill>
+                  <a:srgbClr val="242729"/>
+                </a:solidFill>
+                <a:effectLst/>
+                <a:latin typeface="Consolas" panose="020B0609020204030204" pitchFamily="49" charset="0"/>
+              </a:rPr>
+              <a:t>curl</a:t>
+            </a:r>
+            <a:r>
+              <a:rPr kumimoji="0" lang="ko-KR" altLang="ko-KR" sz="1200" b="0" i="0" u="none" strike="noStrike" cap="none" normalizeH="0" baseline="0" dirty="0">
+                <a:ln>
+                  <a:noFill/>
+                </a:ln>
+                <a:solidFill>
+                  <a:srgbClr val="242729"/>
+                </a:solidFill>
+                <a:effectLst/>
+                <a:latin typeface="Consolas" panose="020B0609020204030204" pitchFamily="49" charset="0"/>
+              </a:rPr>
+              <a:t> -</a:t>
+            </a:r>
+            <a:r>
+              <a:rPr kumimoji="0" lang="ko-KR" altLang="ko-KR" sz="1200" b="0" i="0" u="none" strike="noStrike" cap="none" normalizeH="0" baseline="0" dirty="0" err="1">
+                <a:ln>
+                  <a:noFill/>
+                </a:ln>
+                <a:solidFill>
+                  <a:srgbClr val="242729"/>
+                </a:solidFill>
+                <a:effectLst/>
+                <a:latin typeface="Consolas" panose="020B0609020204030204" pitchFamily="49" charset="0"/>
+              </a:rPr>
+              <a:t>u</a:t>
+            </a:r>
+            <a:r>
+              <a:rPr kumimoji="0" lang="ko-KR" altLang="ko-KR" sz="1200" b="0" i="0" u="none" strike="noStrike" cap="none" normalizeH="0" baseline="0" dirty="0">
+                <a:ln>
+                  <a:noFill/>
+                </a:ln>
+                <a:solidFill>
+                  <a:srgbClr val="242729"/>
+                </a:solidFill>
+                <a:effectLst/>
+                <a:latin typeface="Consolas" panose="020B0609020204030204" pitchFamily="49" charset="0"/>
+              </a:rPr>
+              <a:t> </a:t>
+            </a:r>
+            <a:r>
+              <a:rPr kumimoji="0" lang="en-US" altLang="ko-KR" sz="1200" b="0" i="0" u="none" strike="noStrike" cap="none" normalizeH="0" baseline="0" dirty="0" err="1">
+                <a:ln>
+                  <a:noFill/>
+                </a:ln>
+                <a:solidFill>
+                  <a:srgbClr val="242729"/>
+                </a:solidFill>
+                <a:effectLst/>
+                <a:latin typeface="Consolas" panose="020B0609020204030204" pitchFamily="49" charset="0"/>
+              </a:rPr>
+              <a:t>agnes</a:t>
+            </a:r>
+            <a:r>
+              <a:rPr kumimoji="0" lang="en-US" altLang="ko-KR" sz="1200" b="0" i="0" u="none" strike="noStrike" cap="none" normalizeH="0" baseline="0" dirty="0">
+                <a:ln>
+                  <a:noFill/>
+                </a:ln>
+                <a:solidFill>
+                  <a:srgbClr val="242729"/>
+                </a:solidFill>
+                <a:effectLst/>
+                <a:latin typeface="Consolas" panose="020B0609020204030204" pitchFamily="49" charset="0"/>
+              </a:rPr>
+              <a:t>-Kim</a:t>
+            </a:r>
+            <a:r>
+              <a:rPr kumimoji="0" lang="ko-KR" altLang="ko-KR" sz="1200" b="0" i="0" u="none" strike="noStrike" cap="none" normalizeH="0" baseline="0" dirty="0">
+                <a:ln>
+                  <a:noFill/>
+                </a:ln>
+                <a:solidFill>
+                  <a:srgbClr val="242729"/>
+                </a:solidFill>
+                <a:effectLst/>
+                <a:latin typeface="Consolas" panose="020B0609020204030204" pitchFamily="49" charset="0"/>
+              </a:rPr>
+              <a:t>:</a:t>
+            </a:r>
+            <a:r>
+              <a:rPr lang="en-US" altLang="ko-KR" sz="1200" dirty="0">
+                <a:solidFill>
+                  <a:srgbClr val="586069"/>
+                </a:solidFill>
+                <a:latin typeface="SFMono-Regular"/>
+              </a:rPr>
+              <a:t>9d9d3550f3e2f04e41931680d671d6ab63ec3922</a:t>
+            </a:r>
+            <a:endParaRPr lang="ko-KR" altLang="en-US" sz="1200" dirty="0"/>
+          </a:p>
+          <a:p>
+            <a:pPr eaLnBrk="0" fontAlgn="base" latinLnBrk="0" hangingPunct="0">
+              <a:spcBef>
+                <a:spcPct val="0"/>
+              </a:spcBef>
+              <a:spcAft>
+                <a:spcPct val="0"/>
+              </a:spcAft>
+            </a:pPr>
+            <a:r>
+              <a:rPr kumimoji="0" lang="en-US" altLang="ko-KR" sz="1200" b="0" i="0" u="none" strike="noStrike" cap="none" normalizeH="0" baseline="0" dirty="0">
+                <a:ln>
+                  <a:noFill/>
+                </a:ln>
+                <a:solidFill>
+                  <a:srgbClr val="242729"/>
+                </a:solidFill>
+                <a:effectLst/>
+                <a:latin typeface="Consolas" panose="020B0609020204030204" pitchFamily="49" charset="0"/>
+              </a:rPr>
+              <a:t>“</a:t>
+            </a:r>
+            <a:r>
+              <a:rPr lang="en-US" altLang="ko-KR" sz="1200" dirty="0"/>
+              <a:t>https://api.github.com/repos/bitcoin/bitcoin/</a:t>
+            </a:r>
+            <a:r>
+              <a:rPr lang="en-US" altLang="ko-KR" sz="1200" dirty="0" err="1"/>
+              <a:t>commits?page</a:t>
+            </a:r>
+            <a:r>
+              <a:rPr lang="en-US" altLang="ko-KR" sz="1200" dirty="0"/>
+              <a:t>=5</a:t>
+            </a:r>
+          </a:p>
+          <a:p>
+            <a:pPr marL="0" marR="0" lvl="0" indent="0" algn="l" defTabSz="914400" rtl="0" eaLnBrk="0" fontAlgn="base" latinLnBrk="0" hangingPunct="0">
+              <a:lnSpc>
+                <a:spcPct val="100000"/>
+              </a:lnSpc>
+              <a:spcBef>
+                <a:spcPct val="0"/>
+              </a:spcBef>
+              <a:spcAft>
+                <a:spcPct val="0"/>
+              </a:spcAft>
+              <a:buClrTx/>
+              <a:buSzTx/>
+              <a:buFontTx/>
+              <a:buNone/>
+              <a:tabLst/>
+            </a:pPr>
+            <a:r>
+              <a:rPr kumimoji="0" lang="en-US" altLang="ko-KR" sz="1200" b="0" i="0" u="none" strike="noStrike" cap="none" normalizeH="0" baseline="0" dirty="0">
+                <a:ln>
+                  <a:noFill/>
+                </a:ln>
+                <a:solidFill>
+                  <a:schemeClr val="tx1"/>
+                </a:solidFill>
+                <a:effectLst/>
+                <a:latin typeface="Arial" panose="020B0604020202020204" pitchFamily="34" charset="0"/>
+              </a:rPr>
+              <a:t>“</a:t>
+            </a:r>
+            <a:endParaRPr kumimoji="0" lang="ko-KR" altLang="ko-KR" sz="1200" b="0" i="0" u="none" strike="noStrike" cap="none" normalizeH="0" baseline="0" dirty="0">
+              <a:ln>
+                <a:noFill/>
+              </a:ln>
+              <a:solidFill>
+                <a:schemeClr val="tx1"/>
+              </a:solidFill>
+              <a:effectLst/>
+              <a:latin typeface="Arial" panose="020B0604020202020204" pitchFamily="34" charset="0"/>
+            </a:endParaRPr>
+          </a:p>
+        </p:txBody>
+      </p:sp>
+    </p:spTree>
+    <p:extLst>
+      <p:ext uri="{BB962C8B-B14F-4D97-AF65-F5344CB8AC3E}">
+        <p14:creationId xmlns:p14="http://schemas.microsoft.com/office/powerpoint/2010/main" val="1581446261"/>
+      </p:ext>
+    </p:extLst>
+  </p:cSld>
+  <p:clrMapOvr>
+    <a:masterClrMapping/>
+  </p:clrMapOvr>
+</p:sld>
+</file>
+
+<file path=ppt/slides/slide6.xml><?xml version="1.0" encoding="utf-8"?>
+<p:sld xmlns:a="http://schemas.openxmlformats.org/drawingml/2006/main" xmlns:r="http://schemas.openxmlformats.org/officeDocument/2006/relationships" xmlns:p="http://schemas.openxmlformats.org/presentationml/2006/main">
+  <p:cSld>
+    <p:spTree>
+      <p:nvGrpSpPr>
+        <p:cNvPr id="1" name=""/>
+        <p:cNvGrpSpPr/>
+        <p:nvPr/>
+      </p:nvGrpSpPr>
+      <p:grpSpPr>
+        <a:xfrm>
+          <a:off x="0" y="0"/>
+          <a:ext cx="0" cy="0"/>
+          <a:chOff x="0" y="0"/>
+          <a:chExt cx="0" cy="0"/>
+        </a:xfrm>
+      </p:grpSpPr>
+      <p:pic>
+        <p:nvPicPr>
+          <p:cNvPr id="2" name="그림 1">
+            <a:extLst>
+              <a:ext uri="{FF2B5EF4-FFF2-40B4-BE49-F238E27FC236}">
+                <a16:creationId xmlns:a16="http://schemas.microsoft.com/office/drawing/2014/main" id="{53C23234-F23E-434C-8653-E3B8829A2CDA}"/>
+              </a:ext>
+            </a:extLst>
+          </p:cNvPr>
+          <p:cNvPicPr>
+            <a:picLocks noChangeAspect="1"/>
+          </p:cNvPicPr>
+          <p:nvPr/>
+        </p:nvPicPr>
+        <p:blipFill>
+          <a:blip r:embed="rId2"/>
+          <a:stretch>
+            <a:fillRect/>
+          </a:stretch>
+        </p:blipFill>
+        <p:spPr>
+          <a:xfrm>
+            <a:off x="541009" y="1215713"/>
+            <a:ext cx="10563225" cy="2352675"/>
+          </a:xfrm>
+          <a:prstGeom prst="rect">
+            <a:avLst/>
+          </a:prstGeom>
+        </p:spPr>
+      </p:pic>
+      <p:sp>
+        <p:nvSpPr>
+          <p:cNvPr id="3" name="TextBox 2">
+            <a:extLst>
+              <a:ext uri="{FF2B5EF4-FFF2-40B4-BE49-F238E27FC236}">
+                <a16:creationId xmlns:a16="http://schemas.microsoft.com/office/drawing/2014/main" id="{DBA7D205-C653-49B9-87D7-1E7E40A520A7}"/>
+              </a:ext>
+            </a:extLst>
+          </p:cNvPr>
+          <p:cNvSpPr txBox="1"/>
+          <p:nvPr/>
+        </p:nvSpPr>
+        <p:spPr>
+          <a:xfrm>
+            <a:off x="678730" y="641022"/>
+            <a:ext cx="4570482" cy="369332"/>
+          </a:xfrm>
+          <a:prstGeom prst="rect">
+            <a:avLst/>
+          </a:prstGeom>
+          <a:noFill/>
+        </p:spPr>
+        <p:txBody>
+          <a:bodyPr wrap="none" rtlCol="0">
+            <a:spAutoFit/>
+          </a:bodyPr>
+          <a:lstStyle/>
+          <a:p>
+            <a:r>
+              <a:rPr lang="ko-KR" altLang="en-US" dirty="0"/>
+              <a:t>무슨 오류인가</a:t>
+            </a:r>
+            <a:r>
+              <a:rPr lang="en-US" altLang="ko-KR" dirty="0"/>
+              <a:t>. DB </a:t>
+            </a:r>
+            <a:r>
+              <a:rPr lang="ko-KR" altLang="en-US" dirty="0"/>
+              <a:t>삽입은 다 된 거 같은데</a:t>
+            </a:r>
+          </a:p>
+        </p:txBody>
+      </p:sp>
+      <p:pic>
+        <p:nvPicPr>
+          <p:cNvPr id="4" name="그림 3">
+            <a:extLst>
+              <a:ext uri="{FF2B5EF4-FFF2-40B4-BE49-F238E27FC236}">
+                <a16:creationId xmlns:a16="http://schemas.microsoft.com/office/drawing/2014/main" id="{F349D434-83B8-49E8-8605-F73D1DEB77DC}"/>
+              </a:ext>
+            </a:extLst>
+          </p:cNvPr>
+          <p:cNvPicPr>
+            <a:picLocks noChangeAspect="1"/>
+          </p:cNvPicPr>
+          <p:nvPr/>
+        </p:nvPicPr>
+        <p:blipFill>
+          <a:blip r:embed="rId3"/>
+          <a:stretch>
+            <a:fillRect/>
+          </a:stretch>
+        </p:blipFill>
+        <p:spPr>
+          <a:xfrm>
+            <a:off x="541009" y="3827951"/>
+            <a:ext cx="5438775" cy="1990725"/>
+          </a:xfrm>
+          <a:prstGeom prst="rect">
+            <a:avLst/>
+          </a:prstGeom>
+        </p:spPr>
+      </p:pic>
+    </p:spTree>
+    <p:extLst>
+      <p:ext uri="{BB962C8B-B14F-4D97-AF65-F5344CB8AC3E}">
+        <p14:creationId xmlns:p14="http://schemas.microsoft.com/office/powerpoint/2010/main" val="810474301"/>
+      </p:ext>
+    </p:extLst>
+  </p:cSld>
+  <p:clrMapOvr>
+    <a:masterClrMapping/>
+  </p:clrMapOvr>
+</p:sld>
+</file>
+
+<file path=ppt/slides/slide7.xml><?xml version="1.0" encoding="utf-8"?>
+<p:sld xmlns:a="http://schemas.openxmlformats.org/drawingml/2006/main" xmlns:r="http://schemas.openxmlformats.org/officeDocument/2006/relationships" xmlns:p="http://schemas.openxmlformats.org/presentationml/2006/main">
+  <p:cSld>
+    <p:spTree>
+      <p:nvGrpSpPr>
+        <p:cNvPr id="1" name=""/>
+        <p:cNvGrpSpPr/>
+        <p:nvPr/>
+      </p:nvGrpSpPr>
+      <p:grpSpPr>
+        <a:xfrm>
+          <a:off x="0" y="0"/>
+          <a:ext cx="0" cy="0"/>
+          <a:chOff x="0" y="0"/>
+          <a:chExt cx="0" cy="0"/>
+        </a:xfrm>
+      </p:grpSpPr>
+      <p:pic>
+        <p:nvPicPr>
+          <p:cNvPr id="2" name="그림 1">
+            <a:extLst>
+              <a:ext uri="{FF2B5EF4-FFF2-40B4-BE49-F238E27FC236}">
+                <a16:creationId xmlns:a16="http://schemas.microsoft.com/office/drawing/2014/main" id="{C3FF84DB-6BA6-4394-A407-EDA0EE8180AE}"/>
+              </a:ext>
+            </a:extLst>
+          </p:cNvPr>
+          <p:cNvPicPr>
+            <a:picLocks noChangeAspect="1"/>
+          </p:cNvPicPr>
+          <p:nvPr/>
+        </p:nvPicPr>
+        <p:blipFill>
+          <a:blip r:embed="rId2"/>
+          <a:stretch>
+            <a:fillRect/>
+          </a:stretch>
+        </p:blipFill>
+        <p:spPr>
+          <a:xfrm>
+            <a:off x="381834" y="867020"/>
+            <a:ext cx="5714166" cy="2440949"/>
+          </a:xfrm>
+          <a:prstGeom prst="rect">
+            <a:avLst/>
+          </a:prstGeom>
+        </p:spPr>
+      </p:pic>
+      <p:sp>
+        <p:nvSpPr>
+          <p:cNvPr id="3" name="TextBox 2">
+            <a:extLst>
+              <a:ext uri="{FF2B5EF4-FFF2-40B4-BE49-F238E27FC236}">
+                <a16:creationId xmlns:a16="http://schemas.microsoft.com/office/drawing/2014/main" id="{97BC947F-DC21-48A5-9966-4C96F91E3F48}"/>
+              </a:ext>
+            </a:extLst>
+          </p:cNvPr>
+          <p:cNvSpPr txBox="1"/>
+          <p:nvPr/>
+        </p:nvSpPr>
+        <p:spPr>
+          <a:xfrm>
+            <a:off x="381834" y="282804"/>
+            <a:ext cx="5714166" cy="369332"/>
+          </a:xfrm>
+          <a:prstGeom prst="rect">
+            <a:avLst/>
+          </a:prstGeom>
+          <a:noFill/>
+        </p:spPr>
+        <p:txBody>
+          <a:bodyPr wrap="square" rtlCol="0">
+            <a:spAutoFit/>
+          </a:bodyPr>
+          <a:lstStyle/>
+          <a:p>
+            <a:r>
+              <a:rPr lang="en-US" altLang="ko-KR" dirty="0"/>
+              <a:t>Pull request</a:t>
+            </a:r>
+            <a:r>
+              <a:rPr lang="ko-KR" altLang="en-US" dirty="0"/>
+              <a:t>가 </a:t>
+            </a:r>
+            <a:r>
+              <a:rPr lang="ko-KR" altLang="en-US" dirty="0" err="1"/>
+              <a:t>아닌거</a:t>
+            </a:r>
+            <a:endParaRPr lang="ko-KR" altLang="en-US" dirty="0"/>
+          </a:p>
+        </p:txBody>
+      </p:sp>
+      <p:pic>
+        <p:nvPicPr>
+          <p:cNvPr id="4" name="그림 3">
+            <a:extLst>
+              <a:ext uri="{FF2B5EF4-FFF2-40B4-BE49-F238E27FC236}">
+                <a16:creationId xmlns:a16="http://schemas.microsoft.com/office/drawing/2014/main" id="{B6640712-7FF9-4F60-8F3A-DEA84D5F68C0}"/>
+              </a:ext>
+            </a:extLst>
+          </p:cNvPr>
+          <p:cNvPicPr>
+            <a:picLocks noChangeAspect="1"/>
+          </p:cNvPicPr>
+          <p:nvPr/>
+        </p:nvPicPr>
+        <p:blipFill>
+          <a:blip r:embed="rId3"/>
+          <a:stretch>
+            <a:fillRect/>
+          </a:stretch>
+        </p:blipFill>
+        <p:spPr>
+          <a:xfrm>
+            <a:off x="5030002" y="3307969"/>
+            <a:ext cx="6797790" cy="3230006"/>
+          </a:xfrm>
+          <a:prstGeom prst="rect">
+            <a:avLst/>
+          </a:prstGeom>
+        </p:spPr>
+      </p:pic>
+      <p:sp>
+        <p:nvSpPr>
+          <p:cNvPr id="5" name="TextBox 4">
+            <a:extLst>
+              <a:ext uri="{FF2B5EF4-FFF2-40B4-BE49-F238E27FC236}">
+                <a16:creationId xmlns:a16="http://schemas.microsoft.com/office/drawing/2014/main" id="{F4CB40D9-17B0-4E3D-B993-349333D16D10}"/>
+              </a:ext>
+            </a:extLst>
+          </p:cNvPr>
+          <p:cNvSpPr txBox="1"/>
+          <p:nvPr/>
+        </p:nvSpPr>
+        <p:spPr>
+          <a:xfrm>
+            <a:off x="7008877" y="2620651"/>
+            <a:ext cx="5714166" cy="369332"/>
+          </a:xfrm>
+          <a:prstGeom prst="rect">
+            <a:avLst/>
+          </a:prstGeom>
+          <a:noFill/>
+        </p:spPr>
+        <p:txBody>
+          <a:bodyPr wrap="square" rtlCol="0">
+            <a:spAutoFit/>
+          </a:bodyPr>
+          <a:lstStyle/>
+          <a:p>
+            <a:r>
+              <a:rPr lang="en-US" altLang="ko-KR"/>
+              <a:t>Pull request</a:t>
+            </a:r>
+            <a:r>
+              <a:rPr lang="ko-KR" altLang="en-US" dirty="0" err="1"/>
+              <a:t>인거</a:t>
+            </a:r>
+            <a:endParaRPr lang="ko-KR" altLang="en-US" dirty="0"/>
+          </a:p>
+        </p:txBody>
+      </p:sp>
+      <p:sp>
+        <p:nvSpPr>
+          <p:cNvPr id="6" name="TextBox 5">
+            <a:extLst>
+              <a:ext uri="{FF2B5EF4-FFF2-40B4-BE49-F238E27FC236}">
+                <a16:creationId xmlns:a16="http://schemas.microsoft.com/office/drawing/2014/main" id="{3B0E8235-B8AD-443A-8DF0-5CA68C8509C1}"/>
+              </a:ext>
+            </a:extLst>
+          </p:cNvPr>
+          <p:cNvSpPr txBox="1"/>
+          <p:nvPr/>
+        </p:nvSpPr>
+        <p:spPr>
+          <a:xfrm>
+            <a:off x="617504" y="4368973"/>
+            <a:ext cx="5714166" cy="369332"/>
+          </a:xfrm>
+          <a:prstGeom prst="rect">
+            <a:avLst/>
+          </a:prstGeom>
+          <a:noFill/>
+        </p:spPr>
+        <p:txBody>
+          <a:bodyPr wrap="square" rtlCol="0">
+            <a:spAutoFit/>
+          </a:bodyPr>
+          <a:lstStyle/>
+          <a:p>
+            <a:r>
+              <a:rPr lang="en-US" altLang="ko-KR" dirty="0" err="1"/>
+              <a:t>Html_url</a:t>
+            </a:r>
+            <a:r>
+              <a:rPr lang="ko-KR" altLang="en-US" dirty="0"/>
+              <a:t> 주소가 다르다</a:t>
+            </a:r>
+            <a:r>
+              <a:rPr lang="en-US" altLang="ko-KR" dirty="0"/>
+              <a:t>!</a:t>
+            </a:r>
+            <a:endParaRPr lang="ko-KR" altLang="en-US" dirty="0"/>
+          </a:p>
+        </p:txBody>
+      </p:sp>
+    </p:spTree>
+    <p:extLst>
+      <p:ext uri="{BB962C8B-B14F-4D97-AF65-F5344CB8AC3E}">
+        <p14:creationId xmlns:p14="http://schemas.microsoft.com/office/powerpoint/2010/main" val="2552736605"/>
+      </p:ext>
+    </p:extLst>
+  </p:cSld>
+  <p:clrMapOvr>
+    <a:masterClrMapping/>
+  </p:clrMapOvr>
+</p:sld>
+</file>
+
+<file path=ppt/slides/slide8.xml><?xml version="1.0" encoding="utf-8"?>
+<p:sld xmlns:a="http://schemas.openxmlformats.org/drawingml/2006/main" xmlns:r="http://schemas.openxmlformats.org/officeDocument/2006/relationships" xmlns:p="http://schemas.openxmlformats.org/presentationml/2006/main">
+  <p:cSld>
+    <p:spTree>
+      <p:nvGrpSpPr>
+        <p:cNvPr id="1" name=""/>
+        <p:cNvGrpSpPr/>
+        <p:nvPr/>
+      </p:nvGrpSpPr>
+      <p:grpSpPr>
+        <a:xfrm>
+          <a:off x="0" y="0"/>
+          <a:ext cx="0" cy="0"/>
+          <a:chOff x="0" y="0"/>
+          <a:chExt cx="0" cy="0"/>
+        </a:xfrm>
+      </p:grpSpPr>
+      <p:sp>
+        <p:nvSpPr>
+          <p:cNvPr id="2" name="TextBox 1">
+            <a:extLst>
+              <a:ext uri="{FF2B5EF4-FFF2-40B4-BE49-F238E27FC236}">
+                <a16:creationId xmlns:a16="http://schemas.microsoft.com/office/drawing/2014/main" id="{1A7584CF-2216-426D-A54E-617E1FA74068}"/>
+              </a:ext>
+            </a:extLst>
+          </p:cNvPr>
+          <p:cNvSpPr txBox="1"/>
+          <p:nvPr/>
+        </p:nvSpPr>
+        <p:spPr>
+          <a:xfrm>
+            <a:off x="9200561" y="1263192"/>
+            <a:ext cx="2666974" cy="369332"/>
+          </a:xfrm>
+          <a:prstGeom prst="rect">
+            <a:avLst/>
+          </a:prstGeom>
+          <a:noFill/>
+        </p:spPr>
+        <p:txBody>
+          <a:bodyPr wrap="square" rtlCol="0">
+            <a:spAutoFit/>
+          </a:bodyPr>
+          <a:lstStyle/>
+          <a:p>
+            <a:r>
+              <a:rPr lang="en-US" altLang="ko-KR" dirty="0"/>
+              <a:t>Issues-&gt;</a:t>
+            </a:r>
+            <a:r>
+              <a:rPr lang="en-US" altLang="ko-KR" dirty="0" err="1"/>
+              <a:t>eventsurl</a:t>
+            </a:r>
+            <a:r>
+              <a:rPr lang="en-US" altLang="ko-KR" dirty="0"/>
+              <a:t> </a:t>
+            </a:r>
+            <a:r>
+              <a:rPr lang="ko-KR" altLang="en-US" dirty="0"/>
+              <a:t>예시</a:t>
+            </a:r>
+          </a:p>
+        </p:txBody>
+      </p:sp>
+      <p:sp>
+        <p:nvSpPr>
+          <p:cNvPr id="4" name="TextBox 3">
+            <a:extLst>
+              <a:ext uri="{FF2B5EF4-FFF2-40B4-BE49-F238E27FC236}">
+                <a16:creationId xmlns:a16="http://schemas.microsoft.com/office/drawing/2014/main" id="{FF28CC48-CBD6-4AF2-926D-B7A941802F47}"/>
+              </a:ext>
+            </a:extLst>
+          </p:cNvPr>
+          <p:cNvSpPr txBox="1"/>
+          <p:nvPr/>
+        </p:nvSpPr>
+        <p:spPr>
+          <a:xfrm>
+            <a:off x="603315" y="8663"/>
+            <a:ext cx="10020693" cy="11172289"/>
+          </a:xfrm>
+          <a:prstGeom prst="rect">
+            <a:avLst/>
+          </a:prstGeom>
+          <a:noFill/>
+        </p:spPr>
+        <p:txBody>
+          <a:bodyPr wrap="square" rtlCol="0">
+            <a:spAutoFit/>
+          </a:bodyPr>
+          <a:lstStyle/>
+          <a:p>
+            <a:r>
+              <a:rPr lang="en-US" altLang="ko-KR" sz="1200" dirty="0"/>
+              <a:t>[</a:t>
+            </a:r>
+          </a:p>
+          <a:p>
+            <a:r>
+              <a:rPr lang="en-US" altLang="ko-KR" sz="1200" dirty="0"/>
+              <a:t>  {</a:t>
+            </a:r>
+          </a:p>
+          <a:p>
+            <a:r>
+              <a:rPr lang="en-US" altLang="ko-KR" sz="1200" dirty="0"/>
+              <a:t>    "id": 1355132910,</a:t>
+            </a:r>
+          </a:p>
+          <a:p>
+            <a:r>
+              <a:rPr lang="en-US" altLang="ko-KR" sz="1200" dirty="0"/>
+              <a:t>    "</a:t>
+            </a:r>
+            <a:r>
+              <a:rPr lang="en-US" altLang="ko-KR" sz="1200" dirty="0" err="1"/>
+              <a:t>url</a:t>
+            </a:r>
+            <a:r>
+              <a:rPr lang="en-US" altLang="ko-KR" sz="1200" dirty="0"/>
+              <a:t>": "https://api.github.com/repos/bitcoin/bitcoin/issues/events/1355132910",</a:t>
+            </a:r>
+          </a:p>
+          <a:p>
+            <a:r>
+              <a:rPr lang="en-US" altLang="ko-KR" sz="1200" dirty="0"/>
+              <a:t>    "actor": {</a:t>
+            </a:r>
+          </a:p>
+          <a:p>
+            <a:r>
+              <a:rPr lang="en-US" altLang="ko-KR" sz="1200" dirty="0"/>
+              <a:t>      "login": "</a:t>
+            </a:r>
+            <a:r>
+              <a:rPr lang="en-US" altLang="ko-KR" sz="1200" dirty="0" err="1"/>
+              <a:t>fanquake</a:t>
+            </a:r>
+            <a:r>
+              <a:rPr lang="en-US" altLang="ko-KR" sz="1200" dirty="0"/>
+              <a:t>",</a:t>
+            </a:r>
+          </a:p>
+          <a:p>
+            <a:r>
+              <a:rPr lang="en-US" altLang="ko-KR" sz="1200" dirty="0"/>
+              <a:t>      "id": 863730,</a:t>
+            </a:r>
+          </a:p>
+          <a:p>
+            <a:r>
+              <a:rPr lang="en-US" altLang="ko-KR" sz="1200" dirty="0"/>
+              <a:t>      "</a:t>
+            </a:r>
+            <a:r>
+              <a:rPr lang="en-US" altLang="ko-KR" sz="1200" dirty="0" err="1"/>
+              <a:t>avatar_url</a:t>
+            </a:r>
+            <a:r>
+              <a:rPr lang="en-US" altLang="ko-KR" sz="1200" dirty="0"/>
+              <a:t>": "https://avatars2.githubusercontent.com/u/863730?v=4",</a:t>
+            </a:r>
+          </a:p>
+          <a:p>
+            <a:r>
+              <a:rPr lang="en-US" altLang="ko-KR" sz="1200" dirty="0"/>
+              <a:t>      "</a:t>
+            </a:r>
+            <a:r>
+              <a:rPr lang="en-US" altLang="ko-KR" sz="1200" dirty="0" err="1"/>
+              <a:t>gravatar_id</a:t>
+            </a:r>
+            <a:r>
+              <a:rPr lang="en-US" altLang="ko-KR" sz="1200" dirty="0"/>
+              <a:t>": "",</a:t>
+            </a:r>
+          </a:p>
+          <a:p>
+            <a:r>
+              <a:rPr lang="en-US" altLang="ko-KR" sz="1200" dirty="0"/>
+              <a:t>      "</a:t>
+            </a:r>
+            <a:r>
+              <a:rPr lang="en-US" altLang="ko-KR" sz="1200" dirty="0" err="1"/>
+              <a:t>url</a:t>
+            </a:r>
+            <a:r>
+              <a:rPr lang="en-US" altLang="ko-KR" sz="1200" dirty="0"/>
+              <a:t>": "https://api.github.com/users/</a:t>
+            </a:r>
+            <a:r>
+              <a:rPr lang="en-US" altLang="ko-KR" sz="1200" dirty="0" err="1"/>
+              <a:t>fanquake</a:t>
+            </a:r>
+            <a:r>
+              <a:rPr lang="en-US" altLang="ko-KR" sz="1200" dirty="0"/>
+              <a:t>",</a:t>
+            </a:r>
+          </a:p>
+          <a:p>
+            <a:r>
+              <a:rPr lang="en-US" altLang="ko-KR" sz="1200" dirty="0"/>
+              <a:t>      "</a:t>
+            </a:r>
+            <a:r>
+              <a:rPr lang="en-US" altLang="ko-KR" sz="1200" dirty="0" err="1"/>
+              <a:t>html_url</a:t>
+            </a:r>
+            <a:r>
+              <a:rPr lang="en-US" altLang="ko-KR" sz="1200" dirty="0"/>
+              <a:t>": "https://github.com/</a:t>
+            </a:r>
+            <a:r>
+              <a:rPr lang="en-US" altLang="ko-KR" sz="1200" dirty="0" err="1"/>
+              <a:t>fanquake</a:t>
+            </a:r>
+            <a:r>
+              <a:rPr lang="en-US" altLang="ko-KR" sz="1200" dirty="0"/>
+              <a:t>",</a:t>
+            </a:r>
+          </a:p>
+          <a:p>
+            <a:r>
+              <a:rPr lang="en-US" altLang="ko-KR" sz="1200" dirty="0"/>
+              <a:t>      "</a:t>
+            </a:r>
+            <a:r>
+              <a:rPr lang="en-US" altLang="ko-KR" sz="1200" dirty="0" err="1"/>
+              <a:t>followers_url</a:t>
+            </a:r>
+            <a:r>
+              <a:rPr lang="en-US" altLang="ko-KR" sz="1200" dirty="0"/>
+              <a:t>": "https://api.github.com/users/</a:t>
+            </a:r>
+            <a:r>
+              <a:rPr lang="en-US" altLang="ko-KR" sz="1200" dirty="0" err="1"/>
+              <a:t>fanquake</a:t>
+            </a:r>
+            <a:r>
+              <a:rPr lang="en-US" altLang="ko-KR" sz="1200" dirty="0"/>
+              <a:t>/followers",</a:t>
+            </a:r>
+          </a:p>
+          <a:p>
+            <a:r>
+              <a:rPr lang="en-US" altLang="ko-KR" sz="1200" dirty="0"/>
+              <a:t>      "</a:t>
+            </a:r>
+            <a:r>
+              <a:rPr lang="en-US" altLang="ko-KR" sz="1200" dirty="0" err="1"/>
+              <a:t>following_url</a:t>
+            </a:r>
+            <a:r>
+              <a:rPr lang="en-US" altLang="ko-KR" sz="1200" dirty="0"/>
+              <a:t>": "https://api.github.com/users/</a:t>
+            </a:r>
+            <a:r>
+              <a:rPr lang="en-US" altLang="ko-KR" sz="1200" dirty="0" err="1"/>
+              <a:t>fanquake</a:t>
+            </a:r>
+            <a:r>
+              <a:rPr lang="en-US" altLang="ko-KR" sz="1200" dirty="0"/>
+              <a:t>/following{/</a:t>
+            </a:r>
+            <a:r>
+              <a:rPr lang="en-US" altLang="ko-KR" sz="1200" dirty="0" err="1"/>
+              <a:t>other_user</a:t>
+            </a:r>
+            <a:r>
+              <a:rPr lang="en-US" altLang="ko-KR" sz="1200" dirty="0"/>
+              <a:t>}",</a:t>
+            </a:r>
+          </a:p>
+          <a:p>
+            <a:r>
+              <a:rPr lang="en-US" altLang="ko-KR" sz="1200" dirty="0"/>
+              <a:t>      "</a:t>
+            </a:r>
+            <a:r>
+              <a:rPr lang="en-US" altLang="ko-KR" sz="1200" dirty="0" err="1"/>
+              <a:t>gists_url</a:t>
+            </a:r>
+            <a:r>
+              <a:rPr lang="en-US" altLang="ko-KR" sz="1200" dirty="0"/>
+              <a:t>": "https://api.github.com/users/</a:t>
+            </a:r>
+            <a:r>
+              <a:rPr lang="en-US" altLang="ko-KR" sz="1200" dirty="0" err="1"/>
+              <a:t>fanquake</a:t>
+            </a:r>
+            <a:r>
+              <a:rPr lang="en-US" altLang="ko-KR" sz="1200" dirty="0"/>
+              <a:t>/</a:t>
+            </a:r>
+            <a:r>
+              <a:rPr lang="en-US" altLang="ko-KR" sz="1200" dirty="0" err="1"/>
+              <a:t>gists</a:t>
+            </a:r>
+            <a:r>
+              <a:rPr lang="en-US" altLang="ko-KR" sz="1200" dirty="0"/>
+              <a:t>{/</a:t>
+            </a:r>
+            <a:r>
+              <a:rPr lang="en-US" altLang="ko-KR" sz="1200" dirty="0" err="1"/>
+              <a:t>gist_id</a:t>
+            </a:r>
+            <a:r>
+              <a:rPr lang="en-US" altLang="ko-KR" sz="1200" dirty="0"/>
+              <a:t>}",</a:t>
+            </a:r>
+          </a:p>
+          <a:p>
+            <a:r>
+              <a:rPr lang="en-US" altLang="ko-KR" sz="1200" dirty="0"/>
+              <a:t>      "</a:t>
+            </a:r>
+            <a:r>
+              <a:rPr lang="en-US" altLang="ko-KR" sz="1200" dirty="0" err="1"/>
+              <a:t>starred_url</a:t>
+            </a:r>
+            <a:r>
+              <a:rPr lang="en-US" altLang="ko-KR" sz="1200" dirty="0"/>
+              <a:t>": "https://api.github.com/users/</a:t>
+            </a:r>
+            <a:r>
+              <a:rPr lang="en-US" altLang="ko-KR" sz="1200" dirty="0" err="1"/>
+              <a:t>fanquake</a:t>
+            </a:r>
+            <a:r>
+              <a:rPr lang="en-US" altLang="ko-KR" sz="1200" dirty="0"/>
+              <a:t>/starred{/owner}{/repo}",</a:t>
+            </a:r>
+          </a:p>
+          <a:p>
+            <a:r>
+              <a:rPr lang="en-US" altLang="ko-KR" sz="1200" dirty="0"/>
+              <a:t>      "</a:t>
+            </a:r>
+            <a:r>
+              <a:rPr lang="en-US" altLang="ko-KR" sz="1200" dirty="0" err="1"/>
+              <a:t>subscriptions_url</a:t>
+            </a:r>
+            <a:r>
+              <a:rPr lang="en-US" altLang="ko-KR" sz="1200" dirty="0"/>
+              <a:t>": "https://api.github.com/users/</a:t>
+            </a:r>
+            <a:r>
+              <a:rPr lang="en-US" altLang="ko-KR" sz="1200" dirty="0" err="1"/>
+              <a:t>fanquake</a:t>
+            </a:r>
+            <a:r>
+              <a:rPr lang="en-US" altLang="ko-KR" sz="1200" dirty="0"/>
+              <a:t>/subscriptions",</a:t>
+            </a:r>
+          </a:p>
+          <a:p>
+            <a:r>
+              <a:rPr lang="en-US" altLang="ko-KR" sz="1200" dirty="0"/>
+              <a:t>      "</a:t>
+            </a:r>
+            <a:r>
+              <a:rPr lang="en-US" altLang="ko-KR" sz="1200" dirty="0" err="1"/>
+              <a:t>organizations_url</a:t>
+            </a:r>
+            <a:r>
+              <a:rPr lang="en-US" altLang="ko-KR" sz="1200" dirty="0"/>
+              <a:t>": "https://api.github.com/users/</a:t>
+            </a:r>
+            <a:r>
+              <a:rPr lang="en-US" altLang="ko-KR" sz="1200" dirty="0" err="1"/>
+              <a:t>fanquake</a:t>
+            </a:r>
+            <a:r>
+              <a:rPr lang="en-US" altLang="ko-KR" sz="1200" dirty="0"/>
+              <a:t>/orgs",</a:t>
+            </a:r>
+          </a:p>
+          <a:p>
+            <a:r>
+              <a:rPr lang="en-US" altLang="ko-KR" sz="1200" dirty="0"/>
+              <a:t>      "</a:t>
+            </a:r>
+            <a:r>
+              <a:rPr lang="en-US" altLang="ko-KR" sz="1200" dirty="0" err="1"/>
+              <a:t>repos_url</a:t>
+            </a:r>
+            <a:r>
+              <a:rPr lang="en-US" altLang="ko-KR" sz="1200" dirty="0"/>
+              <a:t>": "https://api.github.com/users/</a:t>
+            </a:r>
+            <a:r>
+              <a:rPr lang="en-US" altLang="ko-KR" sz="1200" dirty="0" err="1"/>
+              <a:t>fanquake</a:t>
+            </a:r>
+            <a:r>
+              <a:rPr lang="en-US" altLang="ko-KR" sz="1200" dirty="0"/>
+              <a:t>/repos",</a:t>
+            </a:r>
+          </a:p>
+          <a:p>
+            <a:r>
+              <a:rPr lang="en-US" altLang="ko-KR" sz="1200" dirty="0"/>
+              <a:t>      "</a:t>
+            </a:r>
+            <a:r>
+              <a:rPr lang="en-US" altLang="ko-KR" sz="1200" dirty="0" err="1"/>
+              <a:t>events_url</a:t>
+            </a:r>
+            <a:r>
+              <a:rPr lang="en-US" altLang="ko-KR" sz="1200" dirty="0"/>
+              <a:t>": "https://api.github.com/users/</a:t>
+            </a:r>
+            <a:r>
+              <a:rPr lang="en-US" altLang="ko-KR" sz="1200" dirty="0" err="1"/>
+              <a:t>fanquake</a:t>
+            </a:r>
+            <a:r>
+              <a:rPr lang="en-US" altLang="ko-KR" sz="1200" dirty="0"/>
+              <a:t>/events{/privacy}",</a:t>
+            </a:r>
+          </a:p>
+          <a:p>
+            <a:r>
+              <a:rPr lang="en-US" altLang="ko-KR" sz="1200" dirty="0"/>
+              <a:t>      "</a:t>
+            </a:r>
+            <a:r>
+              <a:rPr lang="en-US" altLang="ko-KR" sz="1200" dirty="0" err="1"/>
+              <a:t>received_events_url</a:t>
+            </a:r>
+            <a:r>
+              <a:rPr lang="en-US" altLang="ko-KR" sz="1200" dirty="0"/>
+              <a:t>": "https://api.github.com/users/</a:t>
+            </a:r>
+            <a:r>
+              <a:rPr lang="en-US" altLang="ko-KR" sz="1200" dirty="0" err="1"/>
+              <a:t>fanquake</a:t>
+            </a:r>
+            <a:r>
+              <a:rPr lang="en-US" altLang="ko-KR" sz="1200" dirty="0"/>
+              <a:t>/</a:t>
+            </a:r>
+            <a:r>
+              <a:rPr lang="en-US" altLang="ko-KR" sz="1200" dirty="0" err="1"/>
+              <a:t>received_events</a:t>
+            </a:r>
+            <a:r>
+              <a:rPr lang="en-US" altLang="ko-KR" sz="1200" dirty="0"/>
+              <a:t>",</a:t>
+            </a:r>
+          </a:p>
+          <a:p>
+            <a:r>
+              <a:rPr lang="en-US" altLang="ko-KR" sz="1200" dirty="0"/>
+              <a:t>      "type": "User",</a:t>
+            </a:r>
+          </a:p>
+          <a:p>
+            <a:r>
+              <a:rPr lang="en-US" altLang="ko-KR" sz="1200" dirty="0"/>
+              <a:t>      "</a:t>
+            </a:r>
+            <a:r>
+              <a:rPr lang="en-US" altLang="ko-KR" sz="1200" dirty="0" err="1"/>
+              <a:t>site_admin</a:t>
+            </a:r>
+            <a:r>
+              <a:rPr lang="en-US" altLang="ko-KR" sz="1200" dirty="0"/>
+              <a:t>": false</a:t>
+            </a:r>
+          </a:p>
+          <a:p>
+            <a:r>
+              <a:rPr lang="en-US" altLang="ko-KR" sz="1200" dirty="0"/>
+              <a:t>    },</a:t>
+            </a:r>
+          </a:p>
+          <a:p>
+            <a:r>
+              <a:rPr lang="en-US" altLang="ko-KR" sz="1200" dirty="0"/>
+              <a:t>    "event": "labeled",</a:t>
+            </a:r>
+          </a:p>
+          <a:p>
+            <a:r>
+              <a:rPr lang="en-US" altLang="ko-KR" sz="1200" dirty="0"/>
+              <a:t>    "</a:t>
+            </a:r>
+            <a:r>
+              <a:rPr lang="en-US" altLang="ko-KR" sz="1200" dirty="0" err="1"/>
+              <a:t>commit_id</a:t>
+            </a:r>
+            <a:r>
+              <a:rPr lang="en-US" altLang="ko-KR" sz="1200" dirty="0"/>
+              <a:t>": null,</a:t>
+            </a:r>
+          </a:p>
+          <a:p>
+            <a:r>
+              <a:rPr lang="en-US" altLang="ko-KR" sz="1200" dirty="0"/>
+              <a:t>    "</a:t>
+            </a:r>
+            <a:r>
+              <a:rPr lang="en-US" altLang="ko-KR" sz="1200" dirty="0" err="1"/>
+              <a:t>commit_url</a:t>
+            </a:r>
+            <a:r>
+              <a:rPr lang="en-US" altLang="ko-KR" sz="1200" dirty="0"/>
+              <a:t>": null,</a:t>
+            </a:r>
+          </a:p>
+          <a:p>
+            <a:r>
+              <a:rPr lang="en-US" altLang="ko-KR" sz="1200" dirty="0"/>
+              <a:t>    "</a:t>
+            </a:r>
+            <a:r>
+              <a:rPr lang="en-US" altLang="ko-KR" sz="1200" dirty="0" err="1"/>
+              <a:t>created_at</a:t>
+            </a:r>
+            <a:r>
+              <a:rPr lang="en-US" altLang="ko-KR" sz="1200" dirty="0"/>
+              <a:t>": "2017-11-23T02:28:11Z",</a:t>
+            </a:r>
+          </a:p>
+          <a:p>
+            <a:r>
+              <a:rPr lang="en-US" altLang="ko-KR" sz="1200" dirty="0"/>
+              <a:t>    "label": {</a:t>
+            </a:r>
+          </a:p>
+          <a:p>
+            <a:r>
+              <a:rPr lang="en-US" altLang="ko-KR" sz="1200" dirty="0"/>
+              <a:t>      "name": "Bug",</a:t>
+            </a:r>
+          </a:p>
+          <a:p>
+            <a:r>
+              <a:rPr lang="en-US" altLang="ko-KR" sz="1200" dirty="0"/>
+              <a:t>      "color": "FBBAAB"</a:t>
+            </a:r>
+          </a:p>
+          <a:p>
+            <a:r>
+              <a:rPr lang="en-US" altLang="ko-KR" sz="1200" dirty="0"/>
+              <a:t>    }</a:t>
+            </a:r>
+          </a:p>
+          <a:p>
+            <a:r>
+              <a:rPr lang="en-US" altLang="ko-KR" sz="1200" dirty="0"/>
+              <a:t>  },</a:t>
+            </a:r>
+          </a:p>
+          <a:p>
+            <a:r>
+              <a:rPr lang="en-US" altLang="ko-KR" sz="1200" dirty="0"/>
+              <a:t>  {</a:t>
+            </a:r>
+          </a:p>
+          <a:p>
+            <a:r>
+              <a:rPr lang="en-US" altLang="ko-KR" sz="1200" dirty="0"/>
+              <a:t>    "id": 1363276962,</a:t>
+            </a:r>
+          </a:p>
+          <a:p>
+            <a:r>
+              <a:rPr lang="en-US" altLang="ko-KR" sz="1200" dirty="0"/>
+              <a:t>    "</a:t>
+            </a:r>
+            <a:r>
+              <a:rPr lang="en-US" altLang="ko-KR" sz="1200" dirty="0" err="1"/>
+              <a:t>url</a:t>
+            </a:r>
+            <a:r>
+              <a:rPr lang="en-US" altLang="ko-KR" sz="1200" dirty="0"/>
+              <a:t>": "https://api.github.com/repos/bitcoin/bitcoin/issues/events/1363276962",</a:t>
+            </a:r>
+          </a:p>
+          <a:p>
+            <a:r>
+              <a:rPr lang="en-US" altLang="ko-KR" sz="1200" dirty="0"/>
+              <a:t>    "actor": {</a:t>
+            </a:r>
+          </a:p>
+          <a:p>
+            <a:r>
+              <a:rPr lang="en-US" altLang="ko-KR" sz="1200" dirty="0"/>
+              <a:t>      "login": "</a:t>
+            </a:r>
+            <a:r>
+              <a:rPr lang="en-US" altLang="ko-KR" sz="1200" dirty="0" err="1"/>
+              <a:t>laanwj</a:t>
+            </a:r>
+            <a:r>
+              <a:rPr lang="en-US" altLang="ko-KR" sz="1200" dirty="0"/>
+              <a:t>",</a:t>
+            </a:r>
+          </a:p>
+          <a:p>
+            <a:r>
+              <a:rPr lang="en-US" altLang="ko-KR" sz="1200" dirty="0"/>
+              <a:t>      "id": 126646,</a:t>
+            </a:r>
+          </a:p>
+          <a:p>
+            <a:r>
+              <a:rPr lang="en-US" altLang="ko-KR" sz="1200" dirty="0"/>
+              <a:t>      "</a:t>
+            </a:r>
+            <a:r>
+              <a:rPr lang="en-US" altLang="ko-KR" sz="1200" dirty="0" err="1"/>
+              <a:t>avatar_url</a:t>
+            </a:r>
+            <a:r>
+              <a:rPr lang="en-US" altLang="ko-KR" sz="1200" dirty="0"/>
+              <a:t>": "https://avatars0.githubusercontent.com/u/126646?v=4",</a:t>
+            </a:r>
+          </a:p>
+          <a:p>
+            <a:r>
+              <a:rPr lang="en-US" altLang="ko-KR" sz="1200" dirty="0"/>
+              <a:t>      "</a:t>
+            </a:r>
+            <a:r>
+              <a:rPr lang="en-US" altLang="ko-KR" sz="1200" dirty="0" err="1"/>
+              <a:t>gravatar_id</a:t>
+            </a:r>
+            <a:r>
+              <a:rPr lang="en-US" altLang="ko-KR" sz="1200" dirty="0"/>
+              <a:t>": "",</a:t>
+            </a:r>
+          </a:p>
+          <a:p>
+            <a:r>
+              <a:rPr lang="en-US" altLang="ko-KR" sz="1200" dirty="0"/>
+              <a:t>      "</a:t>
+            </a:r>
+            <a:r>
+              <a:rPr lang="en-US" altLang="ko-KR" sz="1200" dirty="0" err="1"/>
+              <a:t>url</a:t>
+            </a:r>
+            <a:r>
+              <a:rPr lang="en-US" altLang="ko-KR" sz="1200" dirty="0"/>
+              <a:t>": "https://api.github.com/users/</a:t>
+            </a:r>
+            <a:r>
+              <a:rPr lang="en-US" altLang="ko-KR" sz="1200" dirty="0" err="1"/>
+              <a:t>laanwj</a:t>
+            </a:r>
+            <a:r>
+              <a:rPr lang="en-US" altLang="ko-KR" sz="1200" dirty="0"/>
+              <a:t>",</a:t>
+            </a:r>
+          </a:p>
+          <a:p>
+            <a:r>
+              <a:rPr lang="en-US" altLang="ko-KR" sz="1200" dirty="0"/>
+              <a:t>      "</a:t>
+            </a:r>
+            <a:r>
+              <a:rPr lang="en-US" altLang="ko-KR" sz="1200" dirty="0" err="1"/>
+              <a:t>html_url</a:t>
+            </a:r>
+            <a:r>
+              <a:rPr lang="en-US" altLang="ko-KR" sz="1200" dirty="0"/>
+              <a:t>": "https://github.com/</a:t>
+            </a:r>
+            <a:r>
+              <a:rPr lang="en-US" altLang="ko-KR" sz="1200" dirty="0" err="1"/>
+              <a:t>laanwj</a:t>
+            </a:r>
+            <a:r>
+              <a:rPr lang="en-US" altLang="ko-KR" sz="1200" dirty="0"/>
+              <a:t>",</a:t>
+            </a:r>
+          </a:p>
+          <a:p>
+            <a:r>
+              <a:rPr lang="en-US" altLang="ko-KR" sz="1200" dirty="0"/>
+              <a:t>      "</a:t>
+            </a:r>
+            <a:r>
+              <a:rPr lang="en-US" altLang="ko-KR" sz="1200" dirty="0" err="1"/>
+              <a:t>followers_url</a:t>
+            </a:r>
+            <a:r>
+              <a:rPr lang="en-US" altLang="ko-KR" sz="1200" dirty="0"/>
+              <a:t>": "https://api.github.com/users/</a:t>
+            </a:r>
+            <a:r>
+              <a:rPr lang="en-US" altLang="ko-KR" sz="1200" dirty="0" err="1"/>
+              <a:t>laanwj</a:t>
+            </a:r>
+            <a:r>
+              <a:rPr lang="en-US" altLang="ko-KR" sz="1200" dirty="0"/>
+              <a:t>/followers",</a:t>
+            </a:r>
+          </a:p>
+          <a:p>
+            <a:r>
+              <a:rPr lang="en-US" altLang="ko-KR" sz="1200" dirty="0"/>
+              <a:t>      "</a:t>
+            </a:r>
+            <a:r>
+              <a:rPr lang="en-US" altLang="ko-KR" sz="1200" dirty="0" err="1"/>
+              <a:t>following_url</a:t>
+            </a:r>
+            <a:r>
+              <a:rPr lang="en-US" altLang="ko-KR" sz="1200" dirty="0"/>
+              <a:t>": "https://api.github.com/users/</a:t>
+            </a:r>
+            <a:r>
+              <a:rPr lang="en-US" altLang="ko-KR" sz="1200" dirty="0" err="1"/>
+              <a:t>laanwj</a:t>
+            </a:r>
+            <a:r>
+              <a:rPr lang="en-US" altLang="ko-KR" sz="1200" dirty="0"/>
+              <a:t>/following{/</a:t>
+            </a:r>
+            <a:r>
+              <a:rPr lang="en-US" altLang="ko-KR" sz="1200" dirty="0" err="1"/>
+              <a:t>other_user</a:t>
+            </a:r>
+            <a:r>
+              <a:rPr lang="en-US" altLang="ko-KR" sz="1200" dirty="0"/>
+              <a:t>}",</a:t>
+            </a:r>
+          </a:p>
+          <a:p>
+            <a:r>
+              <a:rPr lang="en-US" altLang="ko-KR" sz="1200" dirty="0"/>
+              <a:t>      "</a:t>
+            </a:r>
+            <a:r>
+              <a:rPr lang="en-US" altLang="ko-KR" sz="1200" dirty="0" err="1"/>
+              <a:t>gists_url</a:t>
+            </a:r>
+            <a:r>
+              <a:rPr lang="en-US" altLang="ko-KR" sz="1200" dirty="0"/>
+              <a:t>": "https://api.github.com/users/</a:t>
+            </a:r>
+            <a:r>
+              <a:rPr lang="en-US" altLang="ko-KR" sz="1200" dirty="0" err="1"/>
+              <a:t>laanwj</a:t>
+            </a:r>
+            <a:r>
+              <a:rPr lang="en-US" altLang="ko-KR" sz="1200" dirty="0"/>
+              <a:t>/</a:t>
+            </a:r>
+            <a:r>
+              <a:rPr lang="en-US" altLang="ko-KR" sz="1200" dirty="0" err="1"/>
+              <a:t>gists</a:t>
+            </a:r>
+            <a:r>
+              <a:rPr lang="en-US" altLang="ko-KR" sz="1200" dirty="0"/>
+              <a:t>{/</a:t>
+            </a:r>
+            <a:r>
+              <a:rPr lang="en-US" altLang="ko-KR" sz="1200" dirty="0" err="1"/>
+              <a:t>gist_id</a:t>
+            </a:r>
+            <a:r>
+              <a:rPr lang="en-US" altLang="ko-KR" sz="1200" dirty="0"/>
+              <a:t>}",</a:t>
+            </a:r>
+          </a:p>
+          <a:p>
+            <a:r>
+              <a:rPr lang="en-US" altLang="ko-KR" sz="1200" dirty="0"/>
+              <a:t>      "</a:t>
+            </a:r>
+            <a:r>
+              <a:rPr lang="en-US" altLang="ko-KR" sz="1200" dirty="0" err="1"/>
+              <a:t>starred_url</a:t>
+            </a:r>
+            <a:r>
+              <a:rPr lang="en-US" altLang="ko-KR" sz="1200" dirty="0"/>
+              <a:t>": "https://api.github.com/users/</a:t>
+            </a:r>
+            <a:r>
+              <a:rPr lang="en-US" altLang="ko-KR" sz="1200" dirty="0" err="1"/>
+              <a:t>laanwj</a:t>
+            </a:r>
+            <a:r>
+              <a:rPr lang="en-US" altLang="ko-KR" sz="1200" dirty="0"/>
+              <a:t>/starred{/owner}{/repo}",</a:t>
+            </a:r>
+          </a:p>
+          <a:p>
+            <a:r>
+              <a:rPr lang="en-US" altLang="ko-KR" sz="1200" dirty="0"/>
+              <a:t>      "</a:t>
+            </a:r>
+            <a:r>
+              <a:rPr lang="en-US" altLang="ko-KR" sz="1200" dirty="0" err="1"/>
+              <a:t>subscriptions_url</a:t>
+            </a:r>
+            <a:r>
+              <a:rPr lang="en-US" altLang="ko-KR" sz="1200" dirty="0"/>
+              <a:t>": "https://api.github.com/users/</a:t>
+            </a:r>
+            <a:r>
+              <a:rPr lang="en-US" altLang="ko-KR" sz="1200" dirty="0" err="1"/>
+              <a:t>laanwj</a:t>
+            </a:r>
+            <a:r>
+              <a:rPr lang="en-US" altLang="ko-KR" sz="1200" dirty="0"/>
+              <a:t>/subscriptions",</a:t>
+            </a:r>
+          </a:p>
+          <a:p>
+            <a:r>
+              <a:rPr lang="en-US" altLang="ko-KR" sz="1200" dirty="0"/>
+              <a:t>      "</a:t>
+            </a:r>
+            <a:r>
+              <a:rPr lang="en-US" altLang="ko-KR" sz="1200" dirty="0" err="1"/>
+              <a:t>organizations_url</a:t>
+            </a:r>
+            <a:r>
+              <a:rPr lang="en-US" altLang="ko-KR" sz="1200" dirty="0"/>
+              <a:t>": "https://api.github.com/users/</a:t>
+            </a:r>
+            <a:r>
+              <a:rPr lang="en-US" altLang="ko-KR" sz="1200" dirty="0" err="1"/>
+              <a:t>laanwj</a:t>
+            </a:r>
+            <a:r>
+              <a:rPr lang="en-US" altLang="ko-KR" sz="1200" dirty="0"/>
+              <a:t>/orgs",</a:t>
+            </a:r>
+          </a:p>
+          <a:p>
+            <a:r>
+              <a:rPr lang="en-US" altLang="ko-KR" sz="1200" dirty="0"/>
+              <a:t>      "</a:t>
+            </a:r>
+            <a:r>
+              <a:rPr lang="en-US" altLang="ko-KR" sz="1200" dirty="0" err="1"/>
+              <a:t>repos_url</a:t>
+            </a:r>
+            <a:r>
+              <a:rPr lang="en-US" altLang="ko-KR" sz="1200" dirty="0"/>
+              <a:t>": "https://api.github.com/users/</a:t>
+            </a:r>
+            <a:r>
+              <a:rPr lang="en-US" altLang="ko-KR" sz="1200" dirty="0" err="1"/>
+              <a:t>laanwj</a:t>
+            </a:r>
+            <a:r>
+              <a:rPr lang="en-US" altLang="ko-KR" sz="1200" dirty="0"/>
+              <a:t>/repos",</a:t>
+            </a:r>
+          </a:p>
+          <a:p>
+            <a:r>
+              <a:rPr lang="en-US" altLang="ko-KR" sz="1200" dirty="0"/>
+              <a:t>      "</a:t>
+            </a:r>
+            <a:r>
+              <a:rPr lang="en-US" altLang="ko-KR" sz="1200" dirty="0" err="1"/>
+              <a:t>events_url</a:t>
+            </a:r>
+            <a:r>
+              <a:rPr lang="en-US" altLang="ko-KR" sz="1200" dirty="0"/>
+              <a:t>": "https://api.github.com/users/</a:t>
+            </a:r>
+            <a:r>
+              <a:rPr lang="en-US" altLang="ko-KR" sz="1200" dirty="0" err="1"/>
+              <a:t>laanwj</a:t>
+            </a:r>
+            <a:r>
+              <a:rPr lang="en-US" altLang="ko-KR" sz="1200" dirty="0"/>
+              <a:t>/events{/privacy}",</a:t>
+            </a:r>
+          </a:p>
+          <a:p>
+            <a:r>
+              <a:rPr lang="en-US" altLang="ko-KR" sz="1200" dirty="0"/>
+              <a:t>      "</a:t>
+            </a:r>
+            <a:r>
+              <a:rPr lang="en-US" altLang="ko-KR" sz="1200" dirty="0" err="1"/>
+              <a:t>received_events_url</a:t>
+            </a:r>
+            <a:r>
+              <a:rPr lang="en-US" altLang="ko-KR" sz="1200" dirty="0"/>
+              <a:t>": "https://api.github.com/users/</a:t>
+            </a:r>
+            <a:r>
+              <a:rPr lang="en-US" altLang="ko-KR" sz="1200" dirty="0" err="1"/>
+              <a:t>laanwj</a:t>
+            </a:r>
+            <a:r>
+              <a:rPr lang="en-US" altLang="ko-KR" sz="1200" dirty="0"/>
+              <a:t>/</a:t>
+            </a:r>
+            <a:r>
+              <a:rPr lang="en-US" altLang="ko-KR" sz="1200" dirty="0" err="1"/>
+              <a:t>received_events</a:t>
+            </a:r>
+            <a:r>
+              <a:rPr lang="en-US" altLang="ko-KR" sz="1200" dirty="0"/>
+              <a:t>",</a:t>
+            </a:r>
+          </a:p>
+          <a:p>
+            <a:r>
+              <a:rPr lang="en-US" altLang="ko-KR" sz="1200" dirty="0"/>
+              <a:t>      "type": "User",</a:t>
+            </a:r>
+          </a:p>
+          <a:p>
+            <a:r>
+              <a:rPr lang="en-US" altLang="ko-KR" sz="1200" dirty="0"/>
+              <a:t>      "</a:t>
+            </a:r>
+            <a:r>
+              <a:rPr lang="en-US" altLang="ko-KR" sz="1200" dirty="0" err="1"/>
+              <a:t>site_admin</a:t>
+            </a:r>
+            <a:r>
+              <a:rPr lang="en-US" altLang="ko-KR" sz="1200" dirty="0"/>
+              <a:t>": false</a:t>
+            </a:r>
+          </a:p>
+          <a:p>
+            <a:r>
+              <a:rPr lang="en-US" altLang="ko-KR" sz="1200" dirty="0"/>
+              <a:t>    },</a:t>
+            </a:r>
+          </a:p>
+          <a:p>
+            <a:r>
+              <a:rPr lang="en-US" altLang="ko-KR" sz="1200" dirty="0"/>
+              <a:t>    "event": "closed",</a:t>
+            </a:r>
+          </a:p>
+          <a:p>
+            <a:r>
+              <a:rPr lang="en-US" altLang="ko-KR" sz="1200" dirty="0"/>
+              <a:t>    "</a:t>
+            </a:r>
+            <a:r>
+              <a:rPr lang="en-US" altLang="ko-KR" sz="1200" dirty="0" err="1"/>
+              <a:t>commit_id</a:t>
+            </a:r>
+            <a:r>
+              <a:rPr lang="en-US" altLang="ko-KR" sz="1200" dirty="0"/>
+              <a:t>": null,</a:t>
+            </a:r>
+          </a:p>
+          <a:p>
+            <a:r>
+              <a:rPr lang="en-US" altLang="ko-KR" sz="1200" dirty="0"/>
+              <a:t>    "</a:t>
+            </a:r>
+            <a:r>
+              <a:rPr lang="en-US" altLang="ko-KR" sz="1200" dirty="0" err="1"/>
+              <a:t>commit_url</a:t>
+            </a:r>
+            <a:r>
+              <a:rPr lang="en-US" altLang="ko-KR" sz="1200" dirty="0"/>
+              <a:t>": null,</a:t>
+            </a:r>
+          </a:p>
+          <a:p>
+            <a:r>
+              <a:rPr lang="en-US" altLang="ko-KR" sz="1200" dirty="0"/>
+              <a:t>    "</a:t>
+            </a:r>
+            <a:r>
+              <a:rPr lang="en-US" altLang="ko-KR" sz="1200" dirty="0" err="1"/>
+              <a:t>created_at</a:t>
+            </a:r>
+            <a:r>
+              <a:rPr lang="en-US" altLang="ko-KR" sz="1200" dirty="0"/>
+              <a:t>": "2017-11-29T11:00:05Z"</a:t>
+            </a:r>
+          </a:p>
+          <a:p>
+            <a:r>
+              <a:rPr lang="en-US" altLang="ko-KR" sz="1200" dirty="0"/>
+              <a:t>  }</a:t>
+            </a:r>
+          </a:p>
+          <a:p>
+            <a:r>
+              <a:rPr lang="en-US" altLang="ko-KR" sz="1200" dirty="0"/>
+              <a:t>]</a:t>
+            </a:r>
+            <a:endParaRPr lang="ko-KR" altLang="en-US" sz="1200" dirty="0"/>
+          </a:p>
+        </p:txBody>
+      </p:sp>
+    </p:spTree>
+    <p:extLst>
+      <p:ext uri="{BB962C8B-B14F-4D97-AF65-F5344CB8AC3E}">
+        <p14:creationId xmlns:p14="http://schemas.microsoft.com/office/powerpoint/2010/main" val="3029574845"/>
+      </p:ext>
+    </p:extLst>
+  </p:cSld>
+  <p:clrMapOvr>
+    <a:masterClrMapping/>
+  </p:clrMapOvr>
+</p:sld>
+</file>
+
+<file path=ppt/slides/slide9.xml><?xml version="1.0" encoding="utf-8"?>
+<p:sld xmlns:a="http://schemas.openxmlformats.org/drawingml/2006/main" xmlns:r="http://schemas.openxmlformats.org/officeDocument/2006/relationships" xmlns:p="http://schemas.openxmlformats.org/presentationml/2006/main">
+  <p:cSld>
+    <p:spTree>
+      <p:nvGrpSpPr>
+        <p:cNvPr id="1" name=""/>
+        <p:cNvGrpSpPr/>
+        <p:nvPr/>
+      </p:nvGrpSpPr>
+      <p:grpSpPr>
+        <a:xfrm>
+          <a:off x="0" y="0"/>
+          <a:ext cx="0" cy="0"/>
+          <a:chOff x="0" y="0"/>
+          <a:chExt cx="0" cy="0"/>
+        </a:xfrm>
+      </p:grpSpPr>
+      <p:pic>
+        <p:nvPicPr>
+          <p:cNvPr id="5" name="그림 4">
+            <a:extLst>
+              <a:ext uri="{FF2B5EF4-FFF2-40B4-BE49-F238E27FC236}">
+                <a16:creationId xmlns:a16="http://schemas.microsoft.com/office/drawing/2014/main" id="{AAF0EF08-8100-4FE5-9894-AFB32D4FB67C}"/>
+              </a:ext>
+            </a:extLst>
+          </p:cNvPr>
+          <p:cNvPicPr>
+            <a:picLocks noChangeAspect="1"/>
+          </p:cNvPicPr>
+          <p:nvPr/>
+        </p:nvPicPr>
+        <p:blipFill>
+          <a:blip r:embed="rId2"/>
+          <a:stretch>
+            <a:fillRect/>
+          </a:stretch>
+        </p:blipFill>
+        <p:spPr>
+          <a:xfrm>
+            <a:off x="218045" y="143022"/>
+            <a:ext cx="6041354" cy="3110323"/>
+          </a:xfrm>
+          <a:prstGeom prst="rect">
+            <a:avLst/>
+          </a:prstGeom>
+        </p:spPr>
+      </p:pic>
+      <p:sp>
+        <p:nvSpPr>
+          <p:cNvPr id="6" name="액자 5">
+            <a:extLst>
+              <a:ext uri="{FF2B5EF4-FFF2-40B4-BE49-F238E27FC236}">
+                <a16:creationId xmlns:a16="http://schemas.microsoft.com/office/drawing/2014/main" id="{AB898E10-230F-468D-8C9C-43B8E8778044}"/>
+              </a:ext>
+            </a:extLst>
+          </p:cNvPr>
+          <p:cNvSpPr/>
+          <p:nvPr/>
+        </p:nvSpPr>
+        <p:spPr>
+          <a:xfrm>
+            <a:off x="216815" y="933254"/>
+            <a:ext cx="980387" cy="565608"/>
+          </a:xfrm>
+          <a:prstGeom prst="frame">
+            <a:avLst>
+              <a:gd name="adj1" fmla="val 5833"/>
+            </a:avLst>
+          </a:prstGeom>
+          <a:solidFill>
+            <a:srgbClr val="FF0000"/>
+          </a:solidFill>
+          <a:ln>
+            <a:noFill/>
+          </a:ln>
+        </p:spPr>
+        <p:style>
+          <a:lnRef idx="2">
+            <a:schemeClr val="accent1">
+              <a:shade val="50000"/>
+            </a:schemeClr>
+          </a:lnRef>
+          <a:fillRef idx="1">
+            <a:schemeClr val="accent1"/>
+          </a:fillRef>
+          <a:effectRef idx="0">
+            <a:schemeClr val="accent1"/>
+          </a:effectRef>
+          <a:fontRef idx="minor">
+            <a:schemeClr val="lt1"/>
+          </a:fontRef>
+        </p:style>
+        <p:txBody>
+          <a:bodyPr rtlCol="0" anchor="ctr"/>
+          <a:lstStyle/>
+          <a:p>
+            <a:pPr algn="ctr"/>
+            <a:endParaRPr lang="ko-KR" altLang="en-US">
+              <a:solidFill>
+                <a:schemeClr val="tx1"/>
+              </a:solidFill>
+            </a:endParaRPr>
+          </a:p>
+        </p:txBody>
+      </p:sp>
+      <p:pic>
+        <p:nvPicPr>
+          <p:cNvPr id="7" name="그림 6">
+            <a:extLst>
+              <a:ext uri="{FF2B5EF4-FFF2-40B4-BE49-F238E27FC236}">
+                <a16:creationId xmlns:a16="http://schemas.microsoft.com/office/drawing/2014/main" id="{C35DBA65-7003-440A-8212-2A9CC7E78C28}"/>
+              </a:ext>
+            </a:extLst>
+          </p:cNvPr>
+          <p:cNvPicPr>
+            <a:picLocks noChangeAspect="1"/>
+          </p:cNvPicPr>
+          <p:nvPr/>
+        </p:nvPicPr>
+        <p:blipFill>
+          <a:blip r:embed="rId3"/>
+          <a:stretch>
+            <a:fillRect/>
+          </a:stretch>
+        </p:blipFill>
+        <p:spPr>
+          <a:xfrm>
+            <a:off x="6099703" y="143022"/>
+            <a:ext cx="6092297" cy="5255443"/>
+          </a:xfrm>
+          <a:prstGeom prst="rect">
+            <a:avLst/>
+          </a:prstGeom>
+        </p:spPr>
+      </p:pic>
+      <p:pic>
+        <p:nvPicPr>
+          <p:cNvPr id="8" name="그림 7">
+            <a:extLst>
+              <a:ext uri="{FF2B5EF4-FFF2-40B4-BE49-F238E27FC236}">
+                <a16:creationId xmlns:a16="http://schemas.microsoft.com/office/drawing/2014/main" id="{DEAA0B2E-E477-4FD1-9E1F-3522E8C33546}"/>
+              </a:ext>
+            </a:extLst>
+          </p:cNvPr>
+          <p:cNvPicPr>
+            <a:picLocks noChangeAspect="1"/>
+          </p:cNvPicPr>
+          <p:nvPr/>
+        </p:nvPicPr>
+        <p:blipFill>
+          <a:blip r:embed="rId4"/>
+          <a:stretch>
+            <a:fillRect/>
+          </a:stretch>
+        </p:blipFill>
+        <p:spPr>
+          <a:xfrm>
+            <a:off x="0" y="1770180"/>
+            <a:ext cx="5940928" cy="4723009"/>
+          </a:xfrm>
+          <a:prstGeom prst="rect">
+            <a:avLst/>
+          </a:prstGeom>
+        </p:spPr>
+      </p:pic>
+      <p:pic>
+        <p:nvPicPr>
+          <p:cNvPr id="9" name="그림 8">
+            <a:extLst>
+              <a:ext uri="{FF2B5EF4-FFF2-40B4-BE49-F238E27FC236}">
+                <a16:creationId xmlns:a16="http://schemas.microsoft.com/office/drawing/2014/main" id="{C3500DBD-B5C0-482B-B2C6-CFBABB16D1BF}"/>
+              </a:ext>
+            </a:extLst>
+          </p:cNvPr>
+          <p:cNvPicPr>
+            <a:picLocks noChangeAspect="1"/>
+          </p:cNvPicPr>
+          <p:nvPr/>
+        </p:nvPicPr>
+        <p:blipFill>
+          <a:blip r:embed="rId5"/>
+          <a:stretch>
+            <a:fillRect/>
+          </a:stretch>
+        </p:blipFill>
+        <p:spPr>
+          <a:xfrm>
+            <a:off x="4184028" y="3651778"/>
+            <a:ext cx="6991350" cy="2457450"/>
+          </a:xfrm>
+          <a:prstGeom prst="rect">
+            <a:avLst/>
+          </a:prstGeom>
+        </p:spPr>
+      </p:pic>
+      <p:sp>
+        <p:nvSpPr>
+          <p:cNvPr id="10" name="TextBox 9">
+            <a:extLst>
+              <a:ext uri="{FF2B5EF4-FFF2-40B4-BE49-F238E27FC236}">
+                <a16:creationId xmlns:a16="http://schemas.microsoft.com/office/drawing/2014/main" id="{3D71C73B-B4C8-46F5-AEB4-335A71370653}"/>
+              </a:ext>
+            </a:extLst>
+          </p:cNvPr>
+          <p:cNvSpPr txBox="1"/>
+          <p:nvPr/>
+        </p:nvSpPr>
+        <p:spPr>
+          <a:xfrm>
+            <a:off x="7428322" y="5203596"/>
+            <a:ext cx="3747056" cy="369332"/>
+          </a:xfrm>
+          <a:prstGeom prst="rect">
+            <a:avLst/>
+          </a:prstGeom>
+          <a:noFill/>
+        </p:spPr>
+        <p:txBody>
+          <a:bodyPr wrap="square" rtlCol="0">
+            <a:spAutoFit/>
+          </a:bodyPr>
+          <a:lstStyle/>
+          <a:p>
+            <a:r>
+              <a:rPr lang="en-US" altLang="ko-KR" dirty="0"/>
+              <a:t>Pulls/12366</a:t>
+            </a:r>
+            <a:r>
+              <a:rPr lang="ko-KR" altLang="en-US" dirty="0"/>
+              <a:t> </a:t>
+            </a:r>
+            <a:r>
+              <a:rPr lang="en-US" altLang="ko-KR" dirty="0"/>
+              <a:t>Head </a:t>
+            </a:r>
+            <a:r>
+              <a:rPr lang="ko-KR" altLang="en-US" dirty="0"/>
+              <a:t>부분</a:t>
+            </a:r>
+          </a:p>
+        </p:txBody>
+      </p:sp>
+    </p:spTree>
+    <p:extLst>
+      <p:ext uri="{BB962C8B-B14F-4D97-AF65-F5344CB8AC3E}">
+        <p14:creationId xmlns:p14="http://schemas.microsoft.com/office/powerpoint/2010/main" val="4025475916"/>
       </p:ext>
     </p:extLst>
   </p:cSld>

--- a/계획.pptx
+++ b/계획.pptx
@@ -15,6 +15,28 @@
     <p:sldId id="263" r:id="rId9"/>
     <p:sldId id="264" r:id="rId10"/>
     <p:sldId id="265" r:id="rId11"/>
+    <p:sldId id="267" r:id="rId12"/>
+    <p:sldId id="268" r:id="rId13"/>
+    <p:sldId id="269" r:id="rId14"/>
+    <p:sldId id="270" r:id="rId15"/>
+    <p:sldId id="266" r:id="rId16"/>
+    <p:sldId id="271" r:id="rId17"/>
+    <p:sldId id="272" r:id="rId18"/>
+    <p:sldId id="282" r:id="rId19"/>
+    <p:sldId id="276" r:id="rId20"/>
+    <p:sldId id="273" r:id="rId21"/>
+    <p:sldId id="277" r:id="rId22"/>
+    <p:sldId id="274" r:id="rId23"/>
+    <p:sldId id="275" r:id="rId24"/>
+    <p:sldId id="279" r:id="rId25"/>
+    <p:sldId id="278" r:id="rId26"/>
+    <p:sldId id="281" r:id="rId27"/>
+    <p:sldId id="280" r:id="rId28"/>
+    <p:sldId id="285" r:id="rId29"/>
+    <p:sldId id="283" r:id="rId30"/>
+    <p:sldId id="286" r:id="rId31"/>
+    <p:sldId id="284" r:id="rId32"/>
+    <p:sldId id="287" r:id="rId33"/>
   </p:sldIdLst>
   <p:sldSz cx="12192000" cy="6858000"/>
   <p:notesSz cx="6858000" cy="9144000"/>
@@ -268,7 +290,7 @@
           <a:p>
             <a:fld id="{885D511B-C876-485C-BF04-20267C1D1083}" type="datetimeFigureOut">
               <a:rPr lang="ko-KR" altLang="en-US" smtClean="0"/>
-              <a:t>2018-04-03</a:t>
+              <a:t>2018-04-30</a:t>
             </a:fld>
             <a:endParaRPr lang="ko-KR" altLang="en-US"/>
           </a:p>
@@ -466,7 +488,7 @@
           <a:p>
             <a:fld id="{885D511B-C876-485C-BF04-20267C1D1083}" type="datetimeFigureOut">
               <a:rPr lang="ko-KR" altLang="en-US" smtClean="0"/>
-              <a:t>2018-04-03</a:t>
+              <a:t>2018-04-30</a:t>
             </a:fld>
             <a:endParaRPr lang="ko-KR" altLang="en-US"/>
           </a:p>
@@ -674,7 +696,7 @@
           <a:p>
             <a:fld id="{885D511B-C876-485C-BF04-20267C1D1083}" type="datetimeFigureOut">
               <a:rPr lang="ko-KR" altLang="en-US" smtClean="0"/>
-              <a:t>2018-04-03</a:t>
+              <a:t>2018-04-30</a:t>
             </a:fld>
             <a:endParaRPr lang="ko-KR" altLang="en-US"/>
           </a:p>
@@ -872,7 +894,7 @@
           <a:p>
             <a:fld id="{885D511B-C876-485C-BF04-20267C1D1083}" type="datetimeFigureOut">
               <a:rPr lang="ko-KR" altLang="en-US" smtClean="0"/>
-              <a:t>2018-04-03</a:t>
+              <a:t>2018-04-30</a:t>
             </a:fld>
             <a:endParaRPr lang="ko-KR" altLang="en-US"/>
           </a:p>
@@ -1147,7 +1169,7 @@
           <a:p>
             <a:fld id="{885D511B-C876-485C-BF04-20267C1D1083}" type="datetimeFigureOut">
               <a:rPr lang="ko-KR" altLang="en-US" smtClean="0"/>
-              <a:t>2018-04-03</a:t>
+              <a:t>2018-04-30</a:t>
             </a:fld>
             <a:endParaRPr lang="ko-KR" altLang="en-US"/>
           </a:p>
@@ -1412,7 +1434,7 @@
           <a:p>
             <a:fld id="{885D511B-C876-485C-BF04-20267C1D1083}" type="datetimeFigureOut">
               <a:rPr lang="ko-KR" altLang="en-US" smtClean="0"/>
-              <a:t>2018-04-03</a:t>
+              <a:t>2018-04-30</a:t>
             </a:fld>
             <a:endParaRPr lang="ko-KR" altLang="en-US"/>
           </a:p>
@@ -1824,7 +1846,7 @@
           <a:p>
             <a:fld id="{885D511B-C876-485C-BF04-20267C1D1083}" type="datetimeFigureOut">
               <a:rPr lang="ko-KR" altLang="en-US" smtClean="0"/>
-              <a:t>2018-04-03</a:t>
+              <a:t>2018-04-30</a:t>
             </a:fld>
             <a:endParaRPr lang="ko-KR" altLang="en-US"/>
           </a:p>
@@ -1965,7 +1987,7 @@
           <a:p>
             <a:fld id="{885D511B-C876-485C-BF04-20267C1D1083}" type="datetimeFigureOut">
               <a:rPr lang="ko-KR" altLang="en-US" smtClean="0"/>
-              <a:t>2018-04-03</a:t>
+              <a:t>2018-04-30</a:t>
             </a:fld>
             <a:endParaRPr lang="ko-KR" altLang="en-US"/>
           </a:p>
@@ -2078,7 +2100,7 @@
           <a:p>
             <a:fld id="{885D511B-C876-485C-BF04-20267C1D1083}" type="datetimeFigureOut">
               <a:rPr lang="ko-KR" altLang="en-US" smtClean="0"/>
-              <a:t>2018-04-03</a:t>
+              <a:t>2018-04-30</a:t>
             </a:fld>
             <a:endParaRPr lang="ko-KR" altLang="en-US"/>
           </a:p>
@@ -2389,7 +2411,7 @@
           <a:p>
             <a:fld id="{885D511B-C876-485C-BF04-20267C1D1083}" type="datetimeFigureOut">
               <a:rPr lang="ko-KR" altLang="en-US" smtClean="0"/>
-              <a:t>2018-04-03</a:t>
+              <a:t>2018-04-30</a:t>
             </a:fld>
             <a:endParaRPr lang="ko-KR" altLang="en-US"/>
           </a:p>
@@ -2677,7 +2699,7 @@
           <a:p>
             <a:fld id="{885D511B-C876-485C-BF04-20267C1D1083}" type="datetimeFigureOut">
               <a:rPr lang="ko-KR" altLang="en-US" smtClean="0"/>
-              <a:t>2018-04-03</a:t>
+              <a:t>2018-04-30</a:t>
             </a:fld>
             <a:endParaRPr lang="ko-KR" altLang="en-US"/>
           </a:p>
@@ -2918,7 +2940,7 @@
           <a:p>
             <a:fld id="{885D511B-C876-485C-BF04-20267C1D1083}" type="datetimeFigureOut">
               <a:rPr lang="ko-KR" altLang="en-US" smtClean="0"/>
-              <a:t>2018-04-03</a:t>
+              <a:t>2018-04-30</a:t>
             </a:fld>
             <a:endParaRPr lang="ko-KR" altLang="en-US"/>
           </a:p>
@@ -3889,6 +3911,2861 @@
 </p:sld>
 </file>
 
+<file path=ppt/slides/slide11.xml><?xml version="1.0" encoding="utf-8"?>
+<p:sld xmlns:a="http://schemas.openxmlformats.org/drawingml/2006/main" xmlns:r="http://schemas.openxmlformats.org/officeDocument/2006/relationships" xmlns:p="http://schemas.openxmlformats.org/presentationml/2006/main">
+  <p:cSld>
+    <p:spTree>
+      <p:nvGrpSpPr>
+        <p:cNvPr id="1" name=""/>
+        <p:cNvGrpSpPr/>
+        <p:nvPr/>
+      </p:nvGrpSpPr>
+      <p:grpSpPr>
+        <a:xfrm>
+          <a:off x="0" y="0"/>
+          <a:ext cx="0" cy="0"/>
+          <a:chOff x="0" y="0"/>
+          <a:chExt cx="0" cy="0"/>
+        </a:xfrm>
+      </p:grpSpPr>
+      <p:sp>
+        <p:nvSpPr>
+          <p:cNvPr id="4" name="제목 3">
+            <a:extLst>
+              <a:ext uri="{FF2B5EF4-FFF2-40B4-BE49-F238E27FC236}">
+                <a16:creationId xmlns:a16="http://schemas.microsoft.com/office/drawing/2014/main" id="{3028D2FA-4963-4F1C-90FA-B21CEBADC3E0}"/>
+              </a:ext>
+            </a:extLst>
+          </p:cNvPr>
+          <p:cNvSpPr>
+            <a:spLocks noGrp="1"/>
+          </p:cNvSpPr>
+          <p:nvPr>
+            <p:ph type="title"/>
+          </p:nvPr>
+        </p:nvSpPr>
+        <p:spPr/>
+        <p:txBody>
+          <a:bodyPr/>
+          <a:lstStyle/>
+          <a:p>
+            <a:r>
+              <a:rPr lang="en-US" altLang="ko-KR" dirty="0"/>
+              <a:t>4</a:t>
+            </a:r>
+            <a:r>
+              <a:rPr lang="ko-KR" altLang="en-US" dirty="0"/>
+              <a:t>월 </a:t>
+            </a:r>
+            <a:r>
+              <a:rPr lang="en-US" altLang="ko-KR" dirty="0"/>
+              <a:t>10</a:t>
+            </a:r>
+            <a:r>
+              <a:rPr lang="ko-KR" altLang="en-US" dirty="0"/>
+              <a:t>일 </a:t>
+            </a:r>
+            <a:r>
+              <a:rPr lang="en-US" altLang="ko-KR" dirty="0"/>
+              <a:t>– </a:t>
+            </a:r>
+            <a:r>
+              <a:rPr lang="ko-KR" altLang="en-US" dirty="0"/>
+              <a:t>진행 내용 요약</a:t>
+            </a:r>
+          </a:p>
+        </p:txBody>
+      </p:sp>
+      <p:sp>
+        <p:nvSpPr>
+          <p:cNvPr id="5" name="내용 개체 틀 4">
+            <a:extLst>
+              <a:ext uri="{FF2B5EF4-FFF2-40B4-BE49-F238E27FC236}">
+                <a16:creationId xmlns:a16="http://schemas.microsoft.com/office/drawing/2014/main" id="{7C5C85F0-0BEB-4CA9-822D-8E7F3BDD796D}"/>
+              </a:ext>
+            </a:extLst>
+          </p:cNvPr>
+          <p:cNvSpPr>
+            <a:spLocks noGrp="1"/>
+          </p:cNvSpPr>
+          <p:nvPr>
+            <p:ph idx="1"/>
+          </p:nvPr>
+        </p:nvSpPr>
+        <p:spPr/>
+        <p:txBody>
+          <a:bodyPr>
+            <a:normAutofit lnSpcReduction="10000"/>
+          </a:bodyPr>
+          <a:lstStyle/>
+          <a:p>
+            <a:r>
+              <a:rPr lang="ko-KR" altLang="en-US" dirty="0"/>
+              <a:t>이전에 세운 목표</a:t>
+            </a:r>
+            <a:endParaRPr lang="en-US" altLang="ko-KR" dirty="0"/>
+          </a:p>
+          <a:p>
+            <a:pPr lvl="1"/>
+            <a:r>
+              <a:rPr lang="ko-KR" altLang="en-US" dirty="0" err="1"/>
+              <a:t>딥러닝</a:t>
+            </a:r>
+            <a:r>
+              <a:rPr lang="ko-KR" altLang="en-US" dirty="0"/>
+              <a:t> 논문 읽기</a:t>
+            </a:r>
+            <a:endParaRPr lang="en-US" altLang="ko-KR" dirty="0"/>
+          </a:p>
+          <a:p>
+            <a:pPr lvl="1"/>
+            <a:r>
+              <a:rPr lang="ko-KR" altLang="en-US" dirty="0" err="1"/>
+              <a:t>커밋</a:t>
+            </a:r>
+            <a:r>
+              <a:rPr lang="en-US" altLang="ko-KR" dirty="0">
+                <a:sym typeface="Wingdings" panose="05000000000000000000" pitchFamily="2" charset="2"/>
+              </a:rPr>
+              <a:t></a:t>
+            </a:r>
+            <a:r>
+              <a:rPr lang="ko-KR" altLang="en-US" dirty="0">
+                <a:sym typeface="Wingdings" panose="05000000000000000000" pitchFamily="2" charset="2"/>
+              </a:rPr>
+              <a:t>버그 연결된 코드 돌려보기</a:t>
+            </a:r>
+            <a:endParaRPr lang="en-US" altLang="ko-KR" dirty="0">
+              <a:sym typeface="Wingdings" panose="05000000000000000000" pitchFamily="2" charset="2"/>
+            </a:endParaRPr>
+          </a:p>
+          <a:p>
+            <a:r>
+              <a:rPr lang="ko-KR" altLang="en-US" dirty="0">
+                <a:sym typeface="Wingdings" panose="05000000000000000000" pitchFamily="2" charset="2"/>
+              </a:rPr>
+              <a:t>오늘 보고할 내용</a:t>
+            </a:r>
+            <a:endParaRPr lang="en-US" altLang="ko-KR" dirty="0">
+              <a:sym typeface="Wingdings" panose="05000000000000000000" pitchFamily="2" charset="2"/>
+            </a:endParaRPr>
+          </a:p>
+          <a:p>
+            <a:pPr lvl="1"/>
+            <a:r>
+              <a:rPr lang="ko-KR" altLang="en-US" dirty="0" err="1">
+                <a:sym typeface="Wingdings" panose="05000000000000000000" pitchFamily="2" charset="2"/>
+              </a:rPr>
+              <a:t>딥러닝</a:t>
+            </a:r>
+            <a:r>
+              <a:rPr lang="ko-KR" altLang="en-US" dirty="0">
+                <a:sym typeface="Wingdings" panose="05000000000000000000" pitchFamily="2" charset="2"/>
+              </a:rPr>
+              <a:t> 논문 소개</a:t>
+            </a:r>
+            <a:endParaRPr lang="en-US" altLang="ko-KR" dirty="0">
+              <a:sym typeface="Wingdings" panose="05000000000000000000" pitchFamily="2" charset="2"/>
+            </a:endParaRPr>
+          </a:p>
+          <a:p>
+            <a:pPr lvl="1"/>
+            <a:r>
+              <a:rPr lang="ko-KR" altLang="en-US" dirty="0">
+                <a:sym typeface="Wingdings" panose="05000000000000000000" pitchFamily="2" charset="2"/>
+              </a:rPr>
+              <a:t>코드 돌리면서 생긴 이슈 공유</a:t>
+            </a:r>
+            <a:endParaRPr lang="en-US" altLang="ko-KR" dirty="0">
+              <a:sym typeface="Wingdings" panose="05000000000000000000" pitchFamily="2" charset="2"/>
+            </a:endParaRPr>
+          </a:p>
+          <a:p>
+            <a:pPr lvl="2"/>
+            <a:r>
+              <a:rPr lang="ko-KR" altLang="en-US" dirty="0" err="1">
+                <a:sym typeface="Wingdings" panose="05000000000000000000" pitchFamily="2" charset="2"/>
+              </a:rPr>
+              <a:t>디비에</a:t>
+            </a:r>
+            <a:r>
+              <a:rPr lang="ko-KR" altLang="en-US" dirty="0">
+                <a:sym typeface="Wingdings" panose="05000000000000000000" pitchFamily="2" charset="2"/>
+              </a:rPr>
+              <a:t> 어떻게 쌓지</a:t>
+            </a:r>
+            <a:r>
+              <a:rPr lang="en-US" altLang="ko-KR" dirty="0">
+                <a:sym typeface="Wingdings" panose="05000000000000000000" pitchFamily="2" charset="2"/>
+              </a:rPr>
+              <a:t>?</a:t>
+            </a:r>
+          </a:p>
+          <a:p>
+            <a:r>
+              <a:rPr lang="ko-KR" altLang="en-US" dirty="0"/>
+              <a:t>다음주까지 목표</a:t>
+            </a:r>
+            <a:endParaRPr lang="en-US" altLang="ko-KR" dirty="0"/>
+          </a:p>
+          <a:p>
+            <a:pPr lvl="1"/>
+            <a:r>
+              <a:rPr lang="ko-KR" altLang="en-US" dirty="0" err="1"/>
+              <a:t>딥러닝</a:t>
+            </a:r>
+            <a:r>
+              <a:rPr lang="ko-KR" altLang="en-US" dirty="0"/>
+              <a:t> 논문 정리</a:t>
+            </a:r>
+            <a:endParaRPr lang="en-US" altLang="ko-KR" dirty="0"/>
+          </a:p>
+          <a:p>
+            <a:pPr lvl="1"/>
+            <a:r>
+              <a:rPr lang="ko-KR" altLang="en-US" dirty="0"/>
+              <a:t>질문 꼭 올리기 </a:t>
+            </a:r>
+            <a:r>
+              <a:rPr lang="en-US" altLang="ko-KR" dirty="0"/>
+              <a:t>: 60</a:t>
+            </a:r>
+            <a:r>
+              <a:rPr lang="ko-KR" altLang="en-US" dirty="0"/>
+              <a:t>번 이상 </a:t>
+            </a:r>
+            <a:r>
+              <a:rPr lang="ko-KR" altLang="en-US" dirty="0" err="1"/>
+              <a:t>어케함</a:t>
+            </a:r>
+            <a:r>
+              <a:rPr lang="en-US" altLang="ko-KR" dirty="0"/>
+              <a:t>?</a:t>
+            </a:r>
+          </a:p>
+          <a:p>
+            <a:pPr lvl="1"/>
+            <a:r>
+              <a:rPr lang="ko-KR" altLang="en-US" dirty="0" err="1"/>
+              <a:t>디비에</a:t>
+            </a:r>
+            <a:r>
+              <a:rPr lang="ko-KR" altLang="en-US" dirty="0"/>
+              <a:t> 전부 쌓기 </a:t>
+            </a:r>
+            <a:r>
+              <a:rPr lang="en-US" altLang="ko-KR" dirty="0"/>
+              <a:t>(</a:t>
+            </a:r>
+            <a:r>
+              <a:rPr lang="ko-KR" altLang="en-US" dirty="0" err="1"/>
+              <a:t>스킴</a:t>
+            </a:r>
+            <a:r>
+              <a:rPr lang="ko-KR" altLang="en-US" dirty="0"/>
+              <a:t> 짜서</a:t>
+            </a:r>
+            <a:r>
+              <a:rPr lang="en-US" altLang="ko-KR" dirty="0"/>
+              <a:t>, </a:t>
+            </a:r>
+            <a:r>
+              <a:rPr lang="ko-KR" altLang="en-US" dirty="0"/>
+              <a:t>버그</a:t>
+            </a:r>
+            <a:r>
+              <a:rPr lang="en-US" altLang="ko-KR" dirty="0"/>
+              <a:t>/</a:t>
+            </a:r>
+            <a:r>
+              <a:rPr lang="ko-KR" altLang="en-US" dirty="0"/>
+              <a:t>코멘트</a:t>
+            </a:r>
+            <a:r>
+              <a:rPr lang="en-US" altLang="ko-KR" dirty="0"/>
+              <a:t>/</a:t>
+            </a:r>
+            <a:r>
+              <a:rPr lang="ko-KR" altLang="en-US" dirty="0" err="1"/>
+              <a:t>커밋</a:t>
+            </a:r>
+            <a:r>
+              <a:rPr lang="ko-KR" altLang="en-US" dirty="0"/>
+              <a:t> 등</a:t>
+            </a:r>
+            <a:r>
+              <a:rPr lang="en-US" altLang="ko-KR" dirty="0"/>
+              <a:t>)</a:t>
+            </a:r>
+            <a:endParaRPr lang="ko-KR" altLang="en-US" dirty="0"/>
+          </a:p>
+        </p:txBody>
+      </p:sp>
+    </p:spTree>
+    <p:extLst>
+      <p:ext uri="{BB962C8B-B14F-4D97-AF65-F5344CB8AC3E}">
+        <p14:creationId xmlns:p14="http://schemas.microsoft.com/office/powerpoint/2010/main" val="1642850086"/>
+      </p:ext>
+    </p:extLst>
+  </p:cSld>
+  <p:clrMapOvr>
+    <a:masterClrMapping/>
+  </p:clrMapOvr>
+</p:sld>
+</file>
+
+<file path=ppt/slides/slide12.xml><?xml version="1.0" encoding="utf-8"?>
+<p:sld xmlns:a="http://schemas.openxmlformats.org/drawingml/2006/main" xmlns:r="http://schemas.openxmlformats.org/officeDocument/2006/relationships" xmlns:p="http://schemas.openxmlformats.org/presentationml/2006/main">
+  <p:cSld>
+    <p:spTree>
+      <p:nvGrpSpPr>
+        <p:cNvPr id="1" name=""/>
+        <p:cNvGrpSpPr/>
+        <p:nvPr/>
+      </p:nvGrpSpPr>
+      <p:grpSpPr>
+        <a:xfrm>
+          <a:off x="0" y="0"/>
+          <a:ext cx="0" cy="0"/>
+          <a:chOff x="0" y="0"/>
+          <a:chExt cx="0" cy="0"/>
+        </a:xfrm>
+      </p:grpSpPr>
+      <p:sp>
+        <p:nvSpPr>
+          <p:cNvPr id="2" name="제목 1">
+            <a:extLst>
+              <a:ext uri="{FF2B5EF4-FFF2-40B4-BE49-F238E27FC236}">
+                <a16:creationId xmlns:a16="http://schemas.microsoft.com/office/drawing/2014/main" id="{D8899AAD-83CE-4CED-A738-133CAB7409BF}"/>
+              </a:ext>
+            </a:extLst>
+          </p:cNvPr>
+          <p:cNvSpPr>
+            <a:spLocks noGrp="1"/>
+          </p:cNvSpPr>
+          <p:nvPr>
+            <p:ph type="title"/>
+          </p:nvPr>
+        </p:nvSpPr>
+        <p:spPr/>
+        <p:txBody>
+          <a:bodyPr/>
+          <a:lstStyle/>
+          <a:p>
+            <a:r>
+              <a:rPr lang="en-US" altLang="ko-KR" dirty="0"/>
+              <a:t>4</a:t>
+            </a:r>
+            <a:r>
+              <a:rPr lang="ko-KR" altLang="en-US" dirty="0"/>
+              <a:t>월 </a:t>
+            </a:r>
+            <a:r>
+              <a:rPr lang="en-US" altLang="ko-KR" dirty="0"/>
+              <a:t>10</a:t>
+            </a:r>
+            <a:r>
+              <a:rPr lang="ko-KR" altLang="en-US" dirty="0"/>
+              <a:t>일 </a:t>
+            </a:r>
+            <a:r>
+              <a:rPr lang="en-US" altLang="ko-KR" dirty="0"/>
+              <a:t>– </a:t>
+            </a:r>
+            <a:r>
+              <a:rPr lang="ko-KR" altLang="en-US" dirty="0"/>
+              <a:t>진행 내용</a:t>
+            </a:r>
+            <a:br>
+              <a:rPr lang="en-US" altLang="ko-KR" dirty="0"/>
+            </a:br>
+            <a:r>
+              <a:rPr lang="en-US" altLang="ko-KR" dirty="0"/>
+              <a:t>1. </a:t>
+            </a:r>
+            <a:r>
+              <a:rPr lang="ko-KR" altLang="en-US" dirty="0" err="1"/>
+              <a:t>딥러닝</a:t>
+            </a:r>
+            <a:r>
+              <a:rPr lang="ko-KR" altLang="en-US" dirty="0"/>
+              <a:t> 논문 소개</a:t>
+            </a:r>
+          </a:p>
+        </p:txBody>
+      </p:sp>
+      <p:sp>
+        <p:nvSpPr>
+          <p:cNvPr id="3" name="내용 개체 틀 2">
+            <a:extLst>
+              <a:ext uri="{FF2B5EF4-FFF2-40B4-BE49-F238E27FC236}">
+                <a16:creationId xmlns:a16="http://schemas.microsoft.com/office/drawing/2014/main" id="{88267174-F861-4108-9037-7E74AD68F31A}"/>
+              </a:ext>
+            </a:extLst>
+          </p:cNvPr>
+          <p:cNvSpPr>
+            <a:spLocks noGrp="1"/>
+          </p:cNvSpPr>
+          <p:nvPr>
+            <p:ph idx="1"/>
+          </p:nvPr>
+        </p:nvSpPr>
+        <p:spPr/>
+        <p:txBody>
+          <a:bodyPr/>
+          <a:lstStyle/>
+          <a:p>
+            <a:r>
+              <a:rPr lang="ko-KR" altLang="en-US" dirty="0"/>
+              <a:t>정리를 못해서 발표는 </a:t>
+            </a:r>
+            <a:r>
+              <a:rPr lang="en-US" altLang="ko-KR" dirty="0"/>
+              <a:t>5</a:t>
+            </a:r>
+            <a:r>
+              <a:rPr lang="ko-KR" altLang="en-US" dirty="0"/>
+              <a:t>월 </a:t>
+            </a:r>
+            <a:r>
+              <a:rPr lang="en-US" altLang="ko-KR" dirty="0"/>
+              <a:t>1</a:t>
+            </a:r>
+            <a:r>
+              <a:rPr lang="ko-KR" altLang="en-US" dirty="0"/>
+              <a:t>일에 하겠음</a:t>
+            </a:r>
+          </a:p>
+        </p:txBody>
+      </p:sp>
+    </p:spTree>
+    <p:extLst>
+      <p:ext uri="{BB962C8B-B14F-4D97-AF65-F5344CB8AC3E}">
+        <p14:creationId xmlns:p14="http://schemas.microsoft.com/office/powerpoint/2010/main" val="3678937570"/>
+      </p:ext>
+    </p:extLst>
+  </p:cSld>
+  <p:clrMapOvr>
+    <a:masterClrMapping/>
+  </p:clrMapOvr>
+</p:sld>
+</file>
+
+<file path=ppt/slides/slide13.xml><?xml version="1.0" encoding="utf-8"?>
+<p:sld xmlns:a="http://schemas.openxmlformats.org/drawingml/2006/main" xmlns:r="http://schemas.openxmlformats.org/officeDocument/2006/relationships" xmlns:p="http://schemas.openxmlformats.org/presentationml/2006/main">
+  <p:cSld>
+    <p:spTree>
+      <p:nvGrpSpPr>
+        <p:cNvPr id="1" name=""/>
+        <p:cNvGrpSpPr/>
+        <p:nvPr/>
+      </p:nvGrpSpPr>
+      <p:grpSpPr>
+        <a:xfrm>
+          <a:off x="0" y="0"/>
+          <a:ext cx="0" cy="0"/>
+          <a:chOff x="0" y="0"/>
+          <a:chExt cx="0" cy="0"/>
+        </a:xfrm>
+      </p:grpSpPr>
+      <p:sp>
+        <p:nvSpPr>
+          <p:cNvPr id="2" name="제목 1">
+            <a:extLst>
+              <a:ext uri="{FF2B5EF4-FFF2-40B4-BE49-F238E27FC236}">
+                <a16:creationId xmlns:a16="http://schemas.microsoft.com/office/drawing/2014/main" id="{D8899AAD-83CE-4CED-A738-133CAB7409BF}"/>
+              </a:ext>
+            </a:extLst>
+          </p:cNvPr>
+          <p:cNvSpPr>
+            <a:spLocks noGrp="1"/>
+          </p:cNvSpPr>
+          <p:nvPr>
+            <p:ph type="title"/>
+          </p:nvPr>
+        </p:nvSpPr>
+        <p:spPr>
+          <a:xfrm>
+            <a:off x="838200" y="327418"/>
+            <a:ext cx="10515600" cy="1325563"/>
+          </a:xfrm>
+        </p:spPr>
+        <p:txBody>
+          <a:bodyPr/>
+          <a:lstStyle/>
+          <a:p>
+            <a:r>
+              <a:rPr lang="en-US" altLang="ko-KR" dirty="0"/>
+              <a:t>4</a:t>
+            </a:r>
+            <a:r>
+              <a:rPr lang="ko-KR" altLang="en-US" dirty="0"/>
+              <a:t>월 </a:t>
+            </a:r>
+            <a:r>
+              <a:rPr lang="en-US" altLang="ko-KR" dirty="0"/>
+              <a:t>10</a:t>
+            </a:r>
+            <a:r>
+              <a:rPr lang="ko-KR" altLang="en-US" dirty="0"/>
+              <a:t>일 </a:t>
+            </a:r>
+            <a:r>
+              <a:rPr lang="en-US" altLang="ko-KR" dirty="0"/>
+              <a:t>– </a:t>
+            </a:r>
+            <a:r>
+              <a:rPr lang="ko-KR" altLang="en-US" dirty="0"/>
+              <a:t>진행 내용</a:t>
+            </a:r>
+            <a:br>
+              <a:rPr lang="en-US" altLang="ko-KR" dirty="0"/>
+            </a:br>
+            <a:r>
+              <a:rPr lang="en-US" altLang="ko-KR" dirty="0"/>
+              <a:t>2. </a:t>
+            </a:r>
+            <a:r>
+              <a:rPr lang="ko-KR" altLang="en-US" dirty="0" err="1"/>
+              <a:t>디비</a:t>
+            </a:r>
+            <a:r>
+              <a:rPr lang="ko-KR" altLang="en-US" dirty="0"/>
+              <a:t> 관련 코드 이슈</a:t>
+            </a:r>
+          </a:p>
+        </p:txBody>
+      </p:sp>
+      <p:sp>
+        <p:nvSpPr>
+          <p:cNvPr id="3" name="내용 개체 틀 2">
+            <a:extLst>
+              <a:ext uri="{FF2B5EF4-FFF2-40B4-BE49-F238E27FC236}">
+                <a16:creationId xmlns:a16="http://schemas.microsoft.com/office/drawing/2014/main" id="{88267174-F861-4108-9037-7E74AD68F31A}"/>
+              </a:ext>
+            </a:extLst>
+          </p:cNvPr>
+          <p:cNvSpPr>
+            <a:spLocks noGrp="1"/>
+          </p:cNvSpPr>
+          <p:nvPr>
+            <p:ph idx="1"/>
+          </p:nvPr>
+        </p:nvSpPr>
+        <p:spPr/>
+        <p:txBody>
+          <a:bodyPr/>
+          <a:lstStyle/>
+          <a:p>
+            <a:r>
+              <a:rPr lang="ko-KR" altLang="en-US" dirty="0" err="1"/>
+              <a:t>돌려봤는네</a:t>
+            </a:r>
+            <a:r>
+              <a:rPr lang="en-US" altLang="ko-KR" dirty="0"/>
+              <a:t>~~~</a:t>
+            </a:r>
+          </a:p>
+          <a:p>
+            <a:endParaRPr lang="ko-KR" altLang="en-US" dirty="0"/>
+          </a:p>
+        </p:txBody>
+      </p:sp>
+    </p:spTree>
+    <p:extLst>
+      <p:ext uri="{BB962C8B-B14F-4D97-AF65-F5344CB8AC3E}">
+        <p14:creationId xmlns:p14="http://schemas.microsoft.com/office/powerpoint/2010/main" val="3659269236"/>
+      </p:ext>
+    </p:extLst>
+  </p:cSld>
+  <p:clrMapOvr>
+    <a:masterClrMapping/>
+  </p:clrMapOvr>
+</p:sld>
+</file>
+
+<file path=ppt/slides/slide14.xml><?xml version="1.0" encoding="utf-8"?>
+<p:sld xmlns:a="http://schemas.openxmlformats.org/drawingml/2006/main" xmlns:r="http://schemas.openxmlformats.org/officeDocument/2006/relationships" xmlns:p="http://schemas.openxmlformats.org/presentationml/2006/main">
+  <p:cSld>
+    <p:spTree>
+      <p:nvGrpSpPr>
+        <p:cNvPr id="1" name=""/>
+        <p:cNvGrpSpPr/>
+        <p:nvPr/>
+      </p:nvGrpSpPr>
+      <p:grpSpPr>
+        <a:xfrm>
+          <a:off x="0" y="0"/>
+          <a:ext cx="0" cy="0"/>
+          <a:chOff x="0" y="0"/>
+          <a:chExt cx="0" cy="0"/>
+        </a:xfrm>
+      </p:grpSpPr>
+      <p:sp>
+        <p:nvSpPr>
+          <p:cNvPr id="2" name="제목 1">
+            <a:extLst>
+              <a:ext uri="{FF2B5EF4-FFF2-40B4-BE49-F238E27FC236}">
+                <a16:creationId xmlns:a16="http://schemas.microsoft.com/office/drawing/2014/main" id="{4845A930-B4ED-463A-B714-421ED525A575}"/>
+              </a:ext>
+            </a:extLst>
+          </p:cNvPr>
+          <p:cNvSpPr>
+            <a:spLocks noGrp="1"/>
+          </p:cNvSpPr>
+          <p:nvPr>
+            <p:ph type="title"/>
+          </p:nvPr>
+        </p:nvSpPr>
+        <p:spPr>
+          <a:xfrm>
+            <a:off x="150829" y="122548"/>
+            <a:ext cx="6042581" cy="641023"/>
+          </a:xfrm>
+        </p:spPr>
+        <p:txBody>
+          <a:bodyPr>
+            <a:normAutofit fontScale="90000"/>
+          </a:bodyPr>
+          <a:lstStyle/>
+          <a:p>
+            <a:r>
+              <a:rPr lang="en-US" altLang="ko-KR" dirty="0">
+                <a:latin typeface="210 키위바나나 B" panose="02020603020101020101" pitchFamily="18" charset="-127"/>
+                <a:ea typeface="210 키위바나나 B" panose="02020603020101020101" pitchFamily="18" charset="-127"/>
+              </a:rPr>
+              <a:t>0417_</a:t>
+            </a:r>
+            <a:r>
+              <a:rPr lang="ko-KR" altLang="en-US" dirty="0">
+                <a:latin typeface="210 키위바나나 B" panose="02020603020101020101" pitchFamily="18" charset="-127"/>
+                <a:ea typeface="210 키위바나나 B" panose="02020603020101020101" pitchFamily="18" charset="-127"/>
+              </a:rPr>
+              <a:t>진행사항</a:t>
+            </a:r>
+          </a:p>
+        </p:txBody>
+      </p:sp>
+      <p:sp>
+        <p:nvSpPr>
+          <p:cNvPr id="4" name="직사각형 3">
+            <a:extLst>
+              <a:ext uri="{FF2B5EF4-FFF2-40B4-BE49-F238E27FC236}">
+                <a16:creationId xmlns:a16="http://schemas.microsoft.com/office/drawing/2014/main" id="{D6FF72F7-EED1-4E6A-8C3C-349842CB8389}"/>
+              </a:ext>
+            </a:extLst>
+          </p:cNvPr>
+          <p:cNvSpPr/>
+          <p:nvPr/>
+        </p:nvSpPr>
+        <p:spPr>
+          <a:xfrm>
+            <a:off x="849983" y="1692128"/>
+            <a:ext cx="8895761" cy="261610"/>
+          </a:xfrm>
+          <a:prstGeom prst="rect">
+            <a:avLst/>
+          </a:prstGeom>
+        </p:spPr>
+        <p:txBody>
+          <a:bodyPr wrap="square">
+            <a:spAutoFit/>
+          </a:bodyPr>
+          <a:lstStyle/>
+          <a:p>
+            <a:r>
+              <a:rPr lang="ko-KR" altLang="en-US" sz="1100" dirty="0"/>
+              <a:t>https://stackoverflow.com/questions/49841793/increasing-githubs-x-ratelimit-limit-from-60-to-5000/49843227#49843227</a:t>
+            </a:r>
+          </a:p>
+        </p:txBody>
+      </p:sp>
+      <p:sp>
+        <p:nvSpPr>
+          <p:cNvPr id="5" name="TextBox 4">
+            <a:extLst>
+              <a:ext uri="{FF2B5EF4-FFF2-40B4-BE49-F238E27FC236}">
+                <a16:creationId xmlns:a16="http://schemas.microsoft.com/office/drawing/2014/main" id="{C6BC5119-12E7-4CB4-A92B-47AF5A02B268}"/>
+              </a:ext>
+            </a:extLst>
+          </p:cNvPr>
+          <p:cNvSpPr txBox="1"/>
+          <p:nvPr/>
+        </p:nvSpPr>
+        <p:spPr>
+          <a:xfrm>
+            <a:off x="461913" y="926261"/>
+            <a:ext cx="4835951" cy="400110"/>
+          </a:xfrm>
+          <a:prstGeom prst="rect">
+            <a:avLst/>
+          </a:prstGeom>
+          <a:noFill/>
+        </p:spPr>
+        <p:txBody>
+          <a:bodyPr wrap="square" rtlCol="0">
+            <a:spAutoFit/>
+          </a:bodyPr>
+          <a:lstStyle/>
+          <a:p>
+            <a:r>
+              <a:rPr lang="en-US" altLang="ko-KR" sz="2000" dirty="0">
+                <a:latin typeface="210 맨발의청춘 L" panose="02020603020101020101" pitchFamily="18" charset="-127"/>
+                <a:ea typeface="210 맨발의청춘 L" panose="02020603020101020101" pitchFamily="18" charset="-127"/>
+              </a:rPr>
+              <a:t>1. </a:t>
+            </a:r>
+            <a:r>
+              <a:rPr lang="en-US" altLang="ko-KR" sz="2000" dirty="0" err="1">
+                <a:latin typeface="210 맨발의청춘 L" panose="02020603020101020101" pitchFamily="18" charset="-127"/>
+                <a:ea typeface="210 맨발의청춘 L" panose="02020603020101020101" pitchFamily="18" charset="-127"/>
+              </a:rPr>
+              <a:t>StackOverflow</a:t>
+            </a:r>
+            <a:r>
+              <a:rPr lang="en-US" altLang="ko-KR" sz="2000" dirty="0">
+                <a:latin typeface="210 맨발의청춘 L" panose="02020603020101020101" pitchFamily="18" charset="-127"/>
+                <a:ea typeface="210 맨발의청춘 L" panose="02020603020101020101" pitchFamily="18" charset="-127"/>
+              </a:rPr>
+              <a:t> </a:t>
+            </a:r>
+            <a:r>
+              <a:rPr lang="ko-KR" altLang="en-US" sz="2000" dirty="0" err="1">
+                <a:latin typeface="210 맨발의청춘 L" panose="02020603020101020101" pitchFamily="18" charset="-127"/>
+                <a:ea typeface="210 맨발의청춘 L" panose="02020603020101020101" pitchFamily="18" charset="-127"/>
+              </a:rPr>
+              <a:t>물어봄</a:t>
+            </a:r>
+            <a:endParaRPr lang="ko-KR" altLang="en-US" sz="2000" dirty="0">
+              <a:latin typeface="210 맨발의청춘 L" panose="02020603020101020101" pitchFamily="18" charset="-127"/>
+              <a:ea typeface="210 맨발의청춘 L" panose="02020603020101020101" pitchFamily="18" charset="-127"/>
+            </a:endParaRPr>
+          </a:p>
+        </p:txBody>
+      </p:sp>
+      <p:pic>
+        <p:nvPicPr>
+          <p:cNvPr id="6" name="그림 5">
+            <a:extLst>
+              <a:ext uri="{FF2B5EF4-FFF2-40B4-BE49-F238E27FC236}">
+                <a16:creationId xmlns:a16="http://schemas.microsoft.com/office/drawing/2014/main" id="{5D64B39B-5FB8-4D21-A1BB-D47801ED6895}"/>
+              </a:ext>
+            </a:extLst>
+          </p:cNvPr>
+          <p:cNvPicPr>
+            <a:picLocks noChangeAspect="1"/>
+          </p:cNvPicPr>
+          <p:nvPr/>
+        </p:nvPicPr>
+        <p:blipFill>
+          <a:blip r:embed="rId2"/>
+          <a:stretch>
+            <a:fillRect/>
+          </a:stretch>
+        </p:blipFill>
+        <p:spPr>
+          <a:xfrm>
+            <a:off x="960551" y="2319496"/>
+            <a:ext cx="9708391" cy="3697600"/>
+          </a:xfrm>
+          <a:prstGeom prst="rect">
+            <a:avLst/>
+          </a:prstGeom>
+        </p:spPr>
+      </p:pic>
+    </p:spTree>
+    <p:extLst>
+      <p:ext uri="{BB962C8B-B14F-4D97-AF65-F5344CB8AC3E}">
+        <p14:creationId xmlns:p14="http://schemas.microsoft.com/office/powerpoint/2010/main" val="3611740095"/>
+      </p:ext>
+    </p:extLst>
+  </p:cSld>
+  <p:clrMapOvr>
+    <a:masterClrMapping/>
+  </p:clrMapOvr>
+</p:sld>
+</file>
+
+<file path=ppt/slides/slide15.xml><?xml version="1.0" encoding="utf-8"?>
+<p:sld xmlns:a="http://schemas.openxmlformats.org/drawingml/2006/main" xmlns:r="http://schemas.openxmlformats.org/officeDocument/2006/relationships" xmlns:p="http://schemas.openxmlformats.org/presentationml/2006/main">
+  <p:cSld>
+    <p:spTree>
+      <p:nvGrpSpPr>
+        <p:cNvPr id="1" name=""/>
+        <p:cNvGrpSpPr/>
+        <p:nvPr/>
+      </p:nvGrpSpPr>
+      <p:grpSpPr>
+        <a:xfrm>
+          <a:off x="0" y="0"/>
+          <a:ext cx="0" cy="0"/>
+          <a:chOff x="0" y="0"/>
+          <a:chExt cx="0" cy="0"/>
+        </a:xfrm>
+      </p:grpSpPr>
+      <p:graphicFrame>
+        <p:nvGraphicFramePr>
+          <p:cNvPr id="4" name="표 3">
+            <a:extLst>
+              <a:ext uri="{FF2B5EF4-FFF2-40B4-BE49-F238E27FC236}">
+                <a16:creationId xmlns:a16="http://schemas.microsoft.com/office/drawing/2014/main" id="{E5F1384F-0B7A-48A1-B3A0-1358E69D7CB9}"/>
+              </a:ext>
+            </a:extLst>
+          </p:cNvPr>
+          <p:cNvGraphicFramePr>
+            <a:graphicFrameLocks noGrp="1"/>
+          </p:cNvGraphicFramePr>
+          <p:nvPr>
+            <p:extLst>
+              <p:ext uri="{D42A27DB-BD31-4B8C-83A1-F6EECF244321}">
+                <p14:modId xmlns:p14="http://schemas.microsoft.com/office/powerpoint/2010/main" val="1077529143"/>
+              </p:ext>
+            </p:extLst>
+          </p:nvPr>
+        </p:nvGraphicFramePr>
+        <p:xfrm>
+          <a:off x="488652" y="1308199"/>
+          <a:ext cx="8127999" cy="370840"/>
+        </p:xfrm>
+        <a:graphic>
+          <a:graphicData uri="http://schemas.openxmlformats.org/drawingml/2006/table">
+            <a:tbl>
+              <a:tblPr firstRow="1" bandRow="1">
+                <a:tableStyleId>{5C22544A-7EE6-4342-B048-85BDC9FD1C3A}</a:tableStyleId>
+              </a:tblPr>
+              <a:tblGrid>
+                <a:gridCol w="2709333">
+                  <a:extLst>
+                    <a:ext uri="{9D8B030D-6E8A-4147-A177-3AD203B41FA5}">
+                      <a16:colId xmlns:a16="http://schemas.microsoft.com/office/drawing/2014/main" val="1301081550"/>
+                    </a:ext>
+                  </a:extLst>
+                </a:gridCol>
+                <a:gridCol w="2709333">
+                  <a:extLst>
+                    <a:ext uri="{9D8B030D-6E8A-4147-A177-3AD203B41FA5}">
+                      <a16:colId xmlns:a16="http://schemas.microsoft.com/office/drawing/2014/main" val="1156831155"/>
+                    </a:ext>
+                  </a:extLst>
+                </a:gridCol>
+                <a:gridCol w="2709333">
+                  <a:extLst>
+                    <a:ext uri="{9D8B030D-6E8A-4147-A177-3AD203B41FA5}">
+                      <a16:colId xmlns:a16="http://schemas.microsoft.com/office/drawing/2014/main" val="2870975160"/>
+                    </a:ext>
+                  </a:extLst>
+                </a:gridCol>
+              </a:tblGrid>
+              <a:tr h="370840">
+                <a:tc>
+                  <a:txBody>
+                    <a:bodyPr/>
+                    <a:lstStyle/>
+                    <a:p>
+                      <a:pPr latinLnBrk="1"/>
+                      <a:r>
+                        <a:rPr lang="en-US" altLang="ko-KR" dirty="0" err="1">
+                          <a:solidFill>
+                            <a:schemeClr val="tx1"/>
+                          </a:solidFill>
+                        </a:rPr>
+                        <a:t>bugreport_num</a:t>
+                      </a:r>
+                      <a:endParaRPr lang="ko-KR" altLang="en-US" dirty="0">
+                        <a:solidFill>
+                          <a:schemeClr val="tx1"/>
+                        </a:solidFill>
+                      </a:endParaRPr>
+                    </a:p>
+                  </a:txBody>
+                  <a:tcPr>
+                    <a:lnL w="12700" cap="flat" cmpd="sng" algn="ctr">
+                      <a:solidFill>
+                        <a:schemeClr val="tx1"/>
+                      </a:solidFill>
+                      <a:prstDash val="solid"/>
+                      <a:round/>
+                      <a:headEnd type="none" w="med" len="med"/>
+                      <a:tailEnd type="none" w="med" len="med"/>
+                    </a:lnL>
+                    <a:lnR w="12700" cap="flat" cmpd="sng" algn="ctr">
+                      <a:solidFill>
+                        <a:schemeClr val="tx1"/>
+                      </a:solidFill>
+                      <a:prstDash val="solid"/>
+                      <a:round/>
+                      <a:headEnd type="none" w="med" len="med"/>
+                      <a:tailEnd type="none" w="med" len="med"/>
+                    </a:lnR>
+                    <a:lnT w="12700" cap="flat" cmpd="sng" algn="ctr">
+                      <a:solidFill>
+                        <a:schemeClr val="tx1"/>
+                      </a:solidFill>
+                      <a:prstDash val="solid"/>
+                      <a:round/>
+                      <a:headEnd type="none" w="med" len="med"/>
+                      <a:tailEnd type="none" w="med" len="med"/>
+                    </a:lnT>
+                    <a:lnB w="12700" cap="flat" cmpd="sng" algn="ctr">
+                      <a:solidFill>
+                        <a:schemeClr val="tx1"/>
+                      </a:solidFill>
+                      <a:prstDash val="solid"/>
+                      <a:round/>
+                      <a:headEnd type="none" w="med" len="med"/>
+                      <a:tailEnd type="none" w="med" len="med"/>
+                    </a:lnB>
+                    <a:lnTlToBr w="12700" cmpd="sng">
+                      <a:noFill/>
+                      <a:prstDash val="solid"/>
+                    </a:lnTlToBr>
+                    <a:lnBlToTr w="12700" cmpd="sng">
+                      <a:noFill/>
+                      <a:prstDash val="solid"/>
+                    </a:lnBlToTr>
+                    <a:solidFill>
+                      <a:schemeClr val="accent4"/>
+                    </a:solidFill>
+                  </a:tcPr>
+                </a:tc>
+                <a:tc>
+                  <a:txBody>
+                    <a:bodyPr/>
+                    <a:lstStyle/>
+                    <a:p>
+                      <a:pPr latinLnBrk="1"/>
+                      <a:r>
+                        <a:rPr lang="en-US" altLang="ko-KR" dirty="0">
+                          <a:solidFill>
+                            <a:schemeClr val="tx1"/>
+                          </a:solidFill>
+                        </a:rPr>
+                        <a:t>SHA</a:t>
+                      </a:r>
+                      <a:endParaRPr lang="ko-KR" altLang="en-US" dirty="0">
+                        <a:solidFill>
+                          <a:schemeClr val="tx1"/>
+                        </a:solidFill>
+                      </a:endParaRPr>
+                    </a:p>
+                  </a:txBody>
+                  <a:tcPr>
+                    <a:lnL w="12700" cap="flat" cmpd="sng" algn="ctr">
+                      <a:solidFill>
+                        <a:schemeClr val="tx1"/>
+                      </a:solidFill>
+                      <a:prstDash val="solid"/>
+                      <a:round/>
+                      <a:headEnd type="none" w="med" len="med"/>
+                      <a:tailEnd type="none" w="med" len="med"/>
+                    </a:lnL>
+                    <a:lnR w="12700" cap="flat" cmpd="sng" algn="ctr">
+                      <a:solidFill>
+                        <a:schemeClr val="tx1"/>
+                      </a:solidFill>
+                      <a:prstDash val="solid"/>
+                      <a:round/>
+                      <a:headEnd type="none" w="med" len="med"/>
+                      <a:tailEnd type="none" w="med" len="med"/>
+                    </a:lnR>
+                    <a:lnT w="12700" cap="flat" cmpd="sng" algn="ctr">
+                      <a:solidFill>
+                        <a:schemeClr val="tx1"/>
+                      </a:solidFill>
+                      <a:prstDash val="solid"/>
+                      <a:round/>
+                      <a:headEnd type="none" w="med" len="med"/>
+                      <a:tailEnd type="none" w="med" len="med"/>
+                    </a:lnT>
+                    <a:lnB w="12700" cap="flat" cmpd="sng" algn="ctr">
+                      <a:solidFill>
+                        <a:schemeClr val="tx1"/>
+                      </a:solidFill>
+                      <a:prstDash val="solid"/>
+                      <a:round/>
+                      <a:headEnd type="none" w="med" len="med"/>
+                      <a:tailEnd type="none" w="med" len="med"/>
+                    </a:lnB>
+                    <a:lnTlToBr w="12700" cmpd="sng">
+                      <a:noFill/>
+                      <a:prstDash val="solid"/>
+                    </a:lnTlToBr>
+                    <a:lnBlToTr w="12700" cmpd="sng">
+                      <a:noFill/>
+                      <a:prstDash val="solid"/>
+                    </a:lnBlToTr>
+                    <a:solidFill>
+                      <a:schemeClr val="accent4"/>
+                    </a:solidFill>
+                  </a:tcPr>
+                </a:tc>
+                <a:tc>
+                  <a:txBody>
+                    <a:bodyPr/>
+                    <a:lstStyle/>
+                    <a:p>
+                      <a:pPr latinLnBrk="1"/>
+                      <a:r>
+                        <a:rPr lang="en-US" altLang="ko-KR" dirty="0" err="1">
+                          <a:solidFill>
+                            <a:schemeClr val="tx1"/>
+                          </a:solidFill>
+                        </a:rPr>
+                        <a:t>revised_file</a:t>
+                      </a:r>
+                      <a:endParaRPr lang="ko-KR" altLang="en-US" dirty="0">
+                        <a:solidFill>
+                          <a:schemeClr val="tx1"/>
+                        </a:solidFill>
+                      </a:endParaRPr>
+                    </a:p>
+                  </a:txBody>
+                  <a:tcPr>
+                    <a:lnL w="12700" cap="flat" cmpd="sng" algn="ctr">
+                      <a:solidFill>
+                        <a:schemeClr val="tx1"/>
+                      </a:solidFill>
+                      <a:prstDash val="solid"/>
+                      <a:round/>
+                      <a:headEnd type="none" w="med" len="med"/>
+                      <a:tailEnd type="none" w="med" len="med"/>
+                    </a:lnL>
+                    <a:lnR w="12700" cap="flat" cmpd="sng" algn="ctr">
+                      <a:solidFill>
+                        <a:schemeClr val="tx1"/>
+                      </a:solidFill>
+                      <a:prstDash val="solid"/>
+                      <a:round/>
+                      <a:headEnd type="none" w="med" len="med"/>
+                      <a:tailEnd type="none" w="med" len="med"/>
+                    </a:lnR>
+                    <a:lnT w="12700" cap="flat" cmpd="sng" algn="ctr">
+                      <a:solidFill>
+                        <a:schemeClr val="tx1"/>
+                      </a:solidFill>
+                      <a:prstDash val="solid"/>
+                      <a:round/>
+                      <a:headEnd type="none" w="med" len="med"/>
+                      <a:tailEnd type="none" w="med" len="med"/>
+                    </a:lnT>
+                    <a:lnB w="12700" cap="flat" cmpd="sng" algn="ctr">
+                      <a:solidFill>
+                        <a:schemeClr val="tx1"/>
+                      </a:solidFill>
+                      <a:prstDash val="solid"/>
+                      <a:round/>
+                      <a:headEnd type="none" w="med" len="med"/>
+                      <a:tailEnd type="none" w="med" len="med"/>
+                    </a:lnB>
+                    <a:lnTlToBr w="12700" cmpd="sng">
+                      <a:noFill/>
+                      <a:prstDash val="solid"/>
+                    </a:lnTlToBr>
+                    <a:lnBlToTr w="12700" cmpd="sng">
+                      <a:noFill/>
+                      <a:prstDash val="solid"/>
+                    </a:lnBlToTr>
+                    <a:solidFill>
+                      <a:schemeClr val="accent4"/>
+                    </a:solidFill>
+                  </a:tcPr>
+                </a:tc>
+                <a:extLst>
+                  <a:ext uri="{0D108BD9-81ED-4DB2-BD59-A6C34878D82A}">
+                    <a16:rowId xmlns:a16="http://schemas.microsoft.com/office/drawing/2014/main" val="3610418452"/>
+                  </a:ext>
+                </a:extLst>
+              </a:tr>
+            </a:tbl>
+          </a:graphicData>
+        </a:graphic>
+      </p:graphicFrame>
+      <p:sp>
+        <p:nvSpPr>
+          <p:cNvPr id="5" name="제목 1">
+            <a:extLst>
+              <a:ext uri="{FF2B5EF4-FFF2-40B4-BE49-F238E27FC236}">
+                <a16:creationId xmlns:a16="http://schemas.microsoft.com/office/drawing/2014/main" id="{C81143F3-9BFF-449B-96D3-D02AAC11130B}"/>
+              </a:ext>
+            </a:extLst>
+          </p:cNvPr>
+          <p:cNvSpPr txBox="1">
+            <a:spLocks/>
+          </p:cNvSpPr>
+          <p:nvPr/>
+        </p:nvSpPr>
+        <p:spPr>
+          <a:xfrm>
+            <a:off x="150829" y="122548"/>
+            <a:ext cx="6042581" cy="641023"/>
+          </a:xfrm>
+          <a:prstGeom prst="rect">
+            <a:avLst/>
+          </a:prstGeom>
+        </p:spPr>
+        <p:txBody>
+          <a:bodyPr>
+            <a:normAutofit fontScale="97500" lnSpcReduction="10000"/>
+          </a:bodyPr>
+          <a:lstStyle>
+            <a:lvl1pPr algn="l" defTabSz="914400" rtl="0" eaLnBrk="1" latinLnBrk="1" hangingPunct="1">
+              <a:lnSpc>
+                <a:spcPct val="90000"/>
+              </a:lnSpc>
+              <a:spcBef>
+                <a:spcPct val="0"/>
+              </a:spcBef>
+              <a:buNone/>
+              <a:defRPr sz="4400" kern="1200">
+                <a:solidFill>
+                  <a:schemeClr val="tx1"/>
+                </a:solidFill>
+                <a:latin typeface="+mj-lt"/>
+                <a:ea typeface="+mj-ea"/>
+                <a:cs typeface="+mj-cs"/>
+              </a:defRPr>
+            </a:lvl1pPr>
+          </a:lstStyle>
+          <a:p>
+            <a:r>
+              <a:rPr lang="en-US" altLang="ko-KR" dirty="0">
+                <a:latin typeface="210 키위바나나 B" panose="02020603020101020101" pitchFamily="18" charset="-127"/>
+                <a:ea typeface="210 키위바나나 B" panose="02020603020101020101" pitchFamily="18" charset="-127"/>
+              </a:rPr>
+              <a:t>0417_</a:t>
+            </a:r>
+            <a:r>
+              <a:rPr lang="ko-KR" altLang="en-US" dirty="0">
+                <a:latin typeface="210 키위바나나 B" panose="02020603020101020101" pitchFamily="18" charset="-127"/>
+                <a:ea typeface="210 키위바나나 B" panose="02020603020101020101" pitchFamily="18" charset="-127"/>
+              </a:rPr>
+              <a:t>진행사항</a:t>
+            </a:r>
+          </a:p>
+        </p:txBody>
+      </p:sp>
+      <p:sp>
+        <p:nvSpPr>
+          <p:cNvPr id="7" name="TextBox 6">
+            <a:extLst>
+              <a:ext uri="{FF2B5EF4-FFF2-40B4-BE49-F238E27FC236}">
+                <a16:creationId xmlns:a16="http://schemas.microsoft.com/office/drawing/2014/main" id="{F0324700-55B3-4562-B905-BBC2DC69BF4F}"/>
+              </a:ext>
+            </a:extLst>
+          </p:cNvPr>
+          <p:cNvSpPr txBox="1"/>
+          <p:nvPr/>
+        </p:nvSpPr>
+        <p:spPr>
+          <a:xfrm>
+            <a:off x="3261674" y="210963"/>
+            <a:ext cx="5222449" cy="400110"/>
+          </a:xfrm>
+          <a:prstGeom prst="rect">
+            <a:avLst/>
+          </a:prstGeom>
+          <a:noFill/>
+        </p:spPr>
+        <p:txBody>
+          <a:bodyPr wrap="square" rtlCol="0">
+            <a:spAutoFit/>
+          </a:bodyPr>
+          <a:lstStyle/>
+          <a:p>
+            <a:pPr algn="l"/>
+            <a:r>
+              <a:rPr lang="en-US" altLang="ko-KR" sz="2000" dirty="0">
+                <a:latin typeface="210 맨발의청춘 L" panose="02020603020101020101" pitchFamily="18" charset="-127"/>
+                <a:ea typeface="210 맨발의청춘 L" panose="02020603020101020101" pitchFamily="18" charset="-127"/>
+              </a:rPr>
+              <a:t>2. DB Schema</a:t>
+            </a:r>
+            <a:endParaRPr lang="ko-KR" altLang="en-US" sz="2000" dirty="0">
+              <a:latin typeface="210 맨발의청춘 L" panose="02020603020101020101" pitchFamily="18" charset="-127"/>
+              <a:ea typeface="210 맨발의청춘 L" panose="02020603020101020101" pitchFamily="18" charset="-127"/>
+            </a:endParaRPr>
+          </a:p>
+        </p:txBody>
+      </p:sp>
+      <p:pic>
+        <p:nvPicPr>
+          <p:cNvPr id="2" name="그림 1">
+            <a:extLst>
+              <a:ext uri="{FF2B5EF4-FFF2-40B4-BE49-F238E27FC236}">
+                <a16:creationId xmlns:a16="http://schemas.microsoft.com/office/drawing/2014/main" id="{1F346105-3424-4949-AAA7-48012C1308C9}"/>
+              </a:ext>
+            </a:extLst>
+          </p:cNvPr>
+          <p:cNvPicPr>
+            <a:picLocks noChangeAspect="1"/>
+          </p:cNvPicPr>
+          <p:nvPr/>
+        </p:nvPicPr>
+        <p:blipFill>
+          <a:blip r:embed="rId2"/>
+          <a:stretch>
+            <a:fillRect/>
+          </a:stretch>
+        </p:blipFill>
+        <p:spPr>
+          <a:xfrm>
+            <a:off x="488651" y="3987184"/>
+            <a:ext cx="6772275" cy="1914525"/>
+          </a:xfrm>
+          <a:prstGeom prst="rect">
+            <a:avLst/>
+          </a:prstGeom>
+        </p:spPr>
+      </p:pic>
+      <p:sp>
+        <p:nvSpPr>
+          <p:cNvPr id="3" name="TextBox 2">
+            <a:extLst>
+              <a:ext uri="{FF2B5EF4-FFF2-40B4-BE49-F238E27FC236}">
+                <a16:creationId xmlns:a16="http://schemas.microsoft.com/office/drawing/2014/main" id="{F2AF9861-7C20-4D77-B838-AA9C9C50DBAB}"/>
+              </a:ext>
+            </a:extLst>
+          </p:cNvPr>
+          <p:cNvSpPr txBox="1"/>
+          <p:nvPr/>
+        </p:nvSpPr>
+        <p:spPr>
+          <a:xfrm>
+            <a:off x="488651" y="956291"/>
+            <a:ext cx="2642963" cy="400110"/>
+          </a:xfrm>
+          <a:prstGeom prst="rect">
+            <a:avLst/>
+          </a:prstGeom>
+          <a:noFill/>
+        </p:spPr>
+        <p:txBody>
+          <a:bodyPr wrap="square" rtlCol="0">
+            <a:spAutoFit/>
+          </a:bodyPr>
+          <a:lstStyle/>
+          <a:p>
+            <a:pPr algn="l"/>
+            <a:r>
+              <a:rPr lang="en-US" altLang="ko-KR" sz="2000" dirty="0" err="1">
+                <a:latin typeface="210 맨발의청춘 L" panose="02020603020101020101" pitchFamily="18" charset="-127"/>
+                <a:ea typeface="210 맨발의청춘 L" panose="02020603020101020101" pitchFamily="18" charset="-127"/>
+              </a:rPr>
+              <a:t>bugsha</a:t>
+            </a:r>
+            <a:endParaRPr lang="ko-KR" altLang="en-US" sz="2000" dirty="0">
+              <a:latin typeface="210 맨발의청춘 L" panose="02020603020101020101" pitchFamily="18" charset="-127"/>
+              <a:ea typeface="210 맨발의청춘 L" panose="02020603020101020101" pitchFamily="18" charset="-127"/>
+            </a:endParaRPr>
+          </a:p>
+        </p:txBody>
+      </p:sp>
+    </p:spTree>
+    <p:extLst>
+      <p:ext uri="{BB962C8B-B14F-4D97-AF65-F5344CB8AC3E}">
+        <p14:creationId xmlns:p14="http://schemas.microsoft.com/office/powerpoint/2010/main" val="6906568"/>
+      </p:ext>
+    </p:extLst>
+  </p:cSld>
+  <p:clrMapOvr>
+    <a:masterClrMapping/>
+  </p:clrMapOvr>
+</p:sld>
+</file>
+
+<file path=ppt/slides/slide16.xml><?xml version="1.0" encoding="utf-8"?>
+<p:sld xmlns:a="http://schemas.openxmlformats.org/drawingml/2006/main" xmlns:r="http://schemas.openxmlformats.org/officeDocument/2006/relationships" xmlns:p="http://schemas.openxmlformats.org/presentationml/2006/main">
+  <p:cSld>
+    <p:spTree>
+      <p:nvGrpSpPr>
+        <p:cNvPr id="1" name=""/>
+        <p:cNvGrpSpPr/>
+        <p:nvPr/>
+      </p:nvGrpSpPr>
+      <p:grpSpPr>
+        <a:xfrm>
+          <a:off x="0" y="0"/>
+          <a:ext cx="0" cy="0"/>
+          <a:chOff x="0" y="0"/>
+          <a:chExt cx="0" cy="0"/>
+        </a:xfrm>
+      </p:grpSpPr>
+      <p:pic>
+        <p:nvPicPr>
+          <p:cNvPr id="2" name="그림 1">
+            <a:extLst>
+              <a:ext uri="{FF2B5EF4-FFF2-40B4-BE49-F238E27FC236}">
+                <a16:creationId xmlns:a16="http://schemas.microsoft.com/office/drawing/2014/main" id="{4B17A536-095A-4FD7-90F0-6F7150A4342A}"/>
+              </a:ext>
+            </a:extLst>
+          </p:cNvPr>
+          <p:cNvPicPr>
+            <a:picLocks noChangeAspect="1"/>
+          </p:cNvPicPr>
+          <p:nvPr/>
+        </p:nvPicPr>
+        <p:blipFill>
+          <a:blip r:embed="rId2"/>
+          <a:stretch>
+            <a:fillRect/>
+          </a:stretch>
+        </p:blipFill>
+        <p:spPr>
+          <a:xfrm>
+            <a:off x="772996" y="1513591"/>
+            <a:ext cx="9316825" cy="5240714"/>
+          </a:xfrm>
+          <a:prstGeom prst="rect">
+            <a:avLst/>
+          </a:prstGeom>
+        </p:spPr>
+      </p:pic>
+      <p:sp>
+        <p:nvSpPr>
+          <p:cNvPr id="3" name="제목 1">
+            <a:extLst>
+              <a:ext uri="{FF2B5EF4-FFF2-40B4-BE49-F238E27FC236}">
+                <a16:creationId xmlns:a16="http://schemas.microsoft.com/office/drawing/2014/main" id="{92703A44-B0A9-4CCD-B157-D27FC421903D}"/>
+              </a:ext>
+            </a:extLst>
+          </p:cNvPr>
+          <p:cNvSpPr txBox="1">
+            <a:spLocks/>
+          </p:cNvSpPr>
+          <p:nvPr/>
+        </p:nvSpPr>
+        <p:spPr>
+          <a:xfrm>
+            <a:off x="150829" y="122548"/>
+            <a:ext cx="6042581" cy="641023"/>
+          </a:xfrm>
+          <a:prstGeom prst="rect">
+            <a:avLst/>
+          </a:prstGeom>
+        </p:spPr>
+        <p:txBody>
+          <a:bodyPr>
+            <a:normAutofit fontScale="97500" lnSpcReduction="10000"/>
+          </a:bodyPr>
+          <a:lstStyle>
+            <a:lvl1pPr algn="l" defTabSz="914400" rtl="0" eaLnBrk="1" latinLnBrk="1" hangingPunct="1">
+              <a:lnSpc>
+                <a:spcPct val="90000"/>
+              </a:lnSpc>
+              <a:spcBef>
+                <a:spcPct val="0"/>
+              </a:spcBef>
+              <a:buNone/>
+              <a:defRPr sz="4400" kern="1200">
+                <a:solidFill>
+                  <a:schemeClr val="tx1"/>
+                </a:solidFill>
+                <a:latin typeface="+mj-lt"/>
+                <a:ea typeface="+mj-ea"/>
+                <a:cs typeface="+mj-cs"/>
+              </a:defRPr>
+            </a:lvl1pPr>
+          </a:lstStyle>
+          <a:p>
+            <a:r>
+              <a:rPr lang="en-US" altLang="ko-KR" dirty="0">
+                <a:latin typeface="210 키위바나나 B" panose="02020603020101020101" pitchFamily="18" charset="-127"/>
+                <a:ea typeface="210 키위바나나 B" panose="02020603020101020101" pitchFamily="18" charset="-127"/>
+              </a:rPr>
+              <a:t>0417_</a:t>
+            </a:r>
+            <a:r>
+              <a:rPr lang="ko-KR" altLang="en-US" dirty="0">
+                <a:latin typeface="210 키위바나나 B" panose="02020603020101020101" pitchFamily="18" charset="-127"/>
+                <a:ea typeface="210 키위바나나 B" panose="02020603020101020101" pitchFamily="18" charset="-127"/>
+              </a:rPr>
+              <a:t>진행사항</a:t>
+            </a:r>
+          </a:p>
+        </p:txBody>
+      </p:sp>
+      <p:sp>
+        <p:nvSpPr>
+          <p:cNvPr id="4" name="TextBox 3">
+            <a:extLst>
+              <a:ext uri="{FF2B5EF4-FFF2-40B4-BE49-F238E27FC236}">
+                <a16:creationId xmlns:a16="http://schemas.microsoft.com/office/drawing/2014/main" id="{E9B55D27-C938-4390-8A46-724B709192FF}"/>
+              </a:ext>
+            </a:extLst>
+          </p:cNvPr>
+          <p:cNvSpPr txBox="1"/>
+          <p:nvPr/>
+        </p:nvSpPr>
+        <p:spPr>
+          <a:xfrm>
+            <a:off x="772996" y="829559"/>
+            <a:ext cx="9747315" cy="400110"/>
+          </a:xfrm>
+          <a:prstGeom prst="rect">
+            <a:avLst/>
+          </a:prstGeom>
+          <a:noFill/>
+        </p:spPr>
+        <p:txBody>
+          <a:bodyPr wrap="square" rtlCol="0">
+            <a:spAutoFit/>
+          </a:bodyPr>
+          <a:lstStyle/>
+          <a:p>
+            <a:pPr algn="l"/>
+            <a:r>
+              <a:rPr lang="en-US" altLang="ko-KR" sz="2000" dirty="0">
+                <a:latin typeface="210 맨발의청춘 L" panose="02020603020101020101" pitchFamily="18" charset="-127"/>
+                <a:ea typeface="210 맨발의청춘 L" panose="02020603020101020101" pitchFamily="18" charset="-127"/>
+              </a:rPr>
+              <a:t>3. BLIA Run </a:t>
+            </a:r>
+            <a:r>
+              <a:rPr lang="ko-KR" altLang="en-US" sz="2000" dirty="0">
+                <a:latin typeface="210 맨발의청춘 L" panose="02020603020101020101" pitchFamily="18" charset="-127"/>
+                <a:ea typeface="210 맨발의청춘 L" panose="02020603020101020101" pitchFamily="18" charset="-127"/>
+              </a:rPr>
+              <a:t>안된다</a:t>
+            </a:r>
+            <a:r>
+              <a:rPr lang="en-US" altLang="ko-KR" sz="2000" dirty="0">
+                <a:latin typeface="210 맨발의청춘 L" panose="02020603020101020101" pitchFamily="18" charset="-127"/>
+                <a:ea typeface="210 맨발의청춘 L" panose="02020603020101020101" pitchFamily="18" charset="-127"/>
+              </a:rPr>
+              <a:t>... </a:t>
+            </a:r>
+            <a:r>
+              <a:rPr lang="ko-KR" altLang="en-US" sz="2000" dirty="0">
+                <a:latin typeface="210 맨발의청춘 L" panose="02020603020101020101" pitchFamily="18" charset="-127"/>
+                <a:ea typeface="210 맨발의청춘 L" panose="02020603020101020101" pitchFamily="18" charset="-127"/>
+              </a:rPr>
+              <a:t>전에 깨졌던 한글 영어로 바꿈</a:t>
+            </a:r>
+          </a:p>
+        </p:txBody>
+      </p:sp>
+    </p:spTree>
+    <p:extLst>
+      <p:ext uri="{BB962C8B-B14F-4D97-AF65-F5344CB8AC3E}">
+        <p14:creationId xmlns:p14="http://schemas.microsoft.com/office/powerpoint/2010/main" val="3994758102"/>
+      </p:ext>
+    </p:extLst>
+  </p:cSld>
+  <p:clrMapOvr>
+    <a:masterClrMapping/>
+  </p:clrMapOvr>
+</p:sld>
+</file>
+
+<file path=ppt/slides/slide17.xml><?xml version="1.0" encoding="utf-8"?>
+<p:sld xmlns:a="http://schemas.openxmlformats.org/drawingml/2006/main" xmlns:r="http://schemas.openxmlformats.org/officeDocument/2006/relationships" xmlns:p="http://schemas.openxmlformats.org/presentationml/2006/main">
+  <p:cSld>
+    <p:spTree>
+      <p:nvGrpSpPr>
+        <p:cNvPr id="1" name=""/>
+        <p:cNvGrpSpPr/>
+        <p:nvPr/>
+      </p:nvGrpSpPr>
+      <p:grpSpPr>
+        <a:xfrm>
+          <a:off x="0" y="0"/>
+          <a:ext cx="0" cy="0"/>
+          <a:chOff x="0" y="0"/>
+          <a:chExt cx="0" cy="0"/>
+        </a:xfrm>
+      </p:grpSpPr>
+      <p:sp>
+        <p:nvSpPr>
+          <p:cNvPr id="2" name="TextBox 1">
+            <a:extLst>
+              <a:ext uri="{FF2B5EF4-FFF2-40B4-BE49-F238E27FC236}">
+                <a16:creationId xmlns:a16="http://schemas.microsoft.com/office/drawing/2014/main" id="{945A7A99-D139-4022-9834-DEE53232A833}"/>
+              </a:ext>
+            </a:extLst>
+          </p:cNvPr>
+          <p:cNvSpPr txBox="1"/>
+          <p:nvPr/>
+        </p:nvSpPr>
+        <p:spPr>
+          <a:xfrm>
+            <a:off x="631596" y="763571"/>
+            <a:ext cx="10473180" cy="4555093"/>
+          </a:xfrm>
+          <a:prstGeom prst="rect">
+            <a:avLst/>
+          </a:prstGeom>
+          <a:noFill/>
+        </p:spPr>
+        <p:txBody>
+          <a:bodyPr wrap="square" rtlCol="0">
+            <a:spAutoFit/>
+          </a:bodyPr>
+          <a:lstStyle/>
+          <a:p>
+            <a:pPr algn="l"/>
+            <a:r>
+              <a:rPr lang="ko-KR" altLang="en-US" sz="2000" dirty="0" err="1">
+                <a:latin typeface="210 맨발의청춘 L" panose="02020603020101020101" pitchFamily="18" charset="-127"/>
+                <a:ea typeface="210 맨발의청춘 L" panose="02020603020101020101" pitchFamily="18" charset="-127"/>
+              </a:rPr>
+              <a:t>디비</a:t>
+            </a:r>
+            <a:r>
+              <a:rPr lang="ko-KR" altLang="en-US" sz="2000" dirty="0">
+                <a:latin typeface="210 맨발의청춘 L" panose="02020603020101020101" pitchFamily="18" charset="-127"/>
+                <a:ea typeface="210 맨발의청춘 L" panose="02020603020101020101" pitchFamily="18" charset="-127"/>
+              </a:rPr>
+              <a:t> 오늘</a:t>
+            </a:r>
+            <a:r>
+              <a:rPr lang="en-US" altLang="ko-KR" sz="2000" dirty="0">
+                <a:latin typeface="210 맨발의청춘 L" panose="02020603020101020101" pitchFamily="18" charset="-127"/>
+                <a:ea typeface="210 맨발의청춘 L" panose="02020603020101020101" pitchFamily="18" charset="-127"/>
+              </a:rPr>
+              <a:t>(0417)</a:t>
+            </a:r>
+            <a:r>
+              <a:rPr lang="ko-KR" altLang="en-US" sz="2000" dirty="0">
+                <a:latin typeface="210 맨발의청춘 L" panose="02020603020101020101" pitchFamily="18" charset="-127"/>
+                <a:ea typeface="210 맨발의청춘 L" panose="02020603020101020101" pitchFamily="18" charset="-127"/>
+              </a:rPr>
+              <a:t>까지 쌓기</a:t>
+            </a:r>
+            <a:endParaRPr lang="en-US" altLang="ko-KR" sz="2000" dirty="0">
+              <a:latin typeface="210 맨발의청춘 L" panose="02020603020101020101" pitchFamily="18" charset="-127"/>
+              <a:ea typeface="210 맨발의청춘 L" panose="02020603020101020101" pitchFamily="18" charset="-127"/>
+            </a:endParaRPr>
+          </a:p>
+          <a:p>
+            <a:pPr algn="l"/>
+            <a:r>
+              <a:rPr lang="en-US" altLang="ko-KR" sz="2000" dirty="0">
+                <a:latin typeface="210 맨발의청춘 L" panose="02020603020101020101" pitchFamily="18" charset="-127"/>
+                <a:ea typeface="210 맨발의청춘 L" panose="02020603020101020101" pitchFamily="18" charset="-127"/>
+              </a:rPr>
+              <a:t>-&gt;xml</a:t>
+            </a:r>
+            <a:r>
+              <a:rPr lang="ko-KR" altLang="en-US" sz="2000" dirty="0">
+                <a:latin typeface="210 맨발의청춘 L" panose="02020603020101020101" pitchFamily="18" charset="-127"/>
+                <a:ea typeface="210 맨발의청춘 L" panose="02020603020101020101" pitchFamily="18" charset="-127"/>
+              </a:rPr>
+              <a:t>에 들어가야 되는 내용 위주로</a:t>
+            </a:r>
+            <a:endParaRPr lang="en-US" altLang="ko-KR" sz="2000" dirty="0">
+              <a:latin typeface="210 맨발의청춘 L" panose="02020603020101020101" pitchFamily="18" charset="-127"/>
+              <a:ea typeface="210 맨발의청춘 L" panose="02020603020101020101" pitchFamily="18" charset="-127"/>
+            </a:endParaRPr>
+          </a:p>
+          <a:p>
+            <a:r>
+              <a:rPr lang="en-US" altLang="ko-KR" sz="2000" dirty="0">
+                <a:latin typeface="210 맨발의청춘 L" panose="02020603020101020101" pitchFamily="18" charset="-127"/>
+                <a:ea typeface="210 맨발의청춘 L" panose="02020603020101020101" pitchFamily="18" charset="-127"/>
+              </a:rPr>
+              <a:t>10</a:t>
+            </a:r>
+            <a:r>
+              <a:rPr lang="ko-KR" altLang="en-US" sz="2000" dirty="0">
+                <a:latin typeface="210 맨발의청춘 L" panose="02020603020101020101" pitchFamily="18" charset="-127"/>
+                <a:ea typeface="210 맨발의청춘 L" panose="02020603020101020101" pitchFamily="18" charset="-127"/>
+              </a:rPr>
+              <a:t>개 </a:t>
+            </a:r>
+            <a:r>
+              <a:rPr lang="ko-KR" altLang="en-US" sz="2000" dirty="0" err="1">
+                <a:latin typeface="210 맨발의청춘 L" panose="02020603020101020101" pitchFamily="18" charset="-127"/>
+                <a:ea typeface="210 맨발의청춘 L" panose="02020603020101020101" pitchFamily="18" charset="-127"/>
+              </a:rPr>
+              <a:t>블락체인</a:t>
+            </a:r>
+            <a:r>
+              <a:rPr lang="ko-KR" altLang="en-US" sz="2000" dirty="0">
+                <a:latin typeface="210 맨발의청춘 L" panose="02020603020101020101" pitchFamily="18" charset="-127"/>
+                <a:ea typeface="210 맨발의청춘 L" panose="02020603020101020101" pitchFamily="18" charset="-127"/>
+              </a:rPr>
+              <a:t> </a:t>
+            </a:r>
+            <a:r>
+              <a:rPr lang="en-US" altLang="ko-KR" sz="2000" dirty="0">
+                <a:latin typeface="210 맨발의청춘 L" panose="02020603020101020101" pitchFamily="18" charset="-127"/>
+                <a:ea typeface="210 맨발의청춘 L" panose="02020603020101020101" pitchFamily="18" charset="-127"/>
+              </a:rPr>
+              <a:t>bitcoin</a:t>
+            </a:r>
+            <a:r>
+              <a:rPr lang="ko-KR" altLang="en-US" sz="2000" dirty="0">
+                <a:latin typeface="210 맨발의청춘 L" panose="02020603020101020101" pitchFamily="18" charset="-127"/>
+                <a:ea typeface="210 맨발의청춘 L" panose="02020603020101020101" pitchFamily="18" charset="-127"/>
+              </a:rPr>
+              <a:t>으로 바꿔서</a:t>
+            </a:r>
+            <a:r>
+              <a:rPr lang="en-US" altLang="ko-KR" sz="2000" dirty="0">
+                <a:latin typeface="210 맨발의청춘 L" panose="02020603020101020101" pitchFamily="18" charset="-127"/>
+                <a:ea typeface="210 맨발의청춘 L" panose="02020603020101020101" pitchFamily="18" charset="-127"/>
+              </a:rPr>
+              <a:t>, </a:t>
+            </a:r>
+            <a:r>
+              <a:rPr lang="ko-KR" altLang="en-US" sz="2000" dirty="0" err="1">
+                <a:latin typeface="210 맨발의청춘 L" panose="02020603020101020101" pitchFamily="18" charset="-127"/>
+                <a:ea typeface="210 맨발의청춘 L" panose="02020603020101020101" pitchFamily="18" charset="-127"/>
+              </a:rPr>
+              <a:t>파이썬</a:t>
+            </a:r>
+            <a:r>
+              <a:rPr lang="ko-KR" altLang="en-US" sz="2000" dirty="0">
+                <a:latin typeface="210 맨발의청춘 L" panose="02020603020101020101" pitchFamily="18" charset="-127"/>
+                <a:ea typeface="210 맨발의청춘 L" panose="02020603020101020101" pitchFamily="18" charset="-127"/>
+              </a:rPr>
+              <a:t> </a:t>
+            </a:r>
+            <a:r>
+              <a:rPr lang="en-US" altLang="ko-KR" sz="2000" dirty="0">
+                <a:latin typeface="210 맨발의청춘 L" panose="02020603020101020101" pitchFamily="18" charset="-127"/>
+                <a:ea typeface="210 맨발의청춘 L" panose="02020603020101020101" pitchFamily="18" charset="-127"/>
+              </a:rPr>
+              <a:t>60</a:t>
+            </a:r>
+            <a:r>
+              <a:rPr lang="ko-KR" altLang="en-US" sz="2000" dirty="0">
+                <a:latin typeface="210 맨발의청춘 L" panose="02020603020101020101" pitchFamily="18" charset="-127"/>
+                <a:ea typeface="210 맨발의청춘 L" panose="02020603020101020101" pitchFamily="18" charset="-127"/>
+              </a:rPr>
+              <a:t>분마다 되게 </a:t>
+            </a:r>
+            <a:endParaRPr lang="en-US" altLang="ko-KR" sz="2000" dirty="0">
+              <a:latin typeface="210 맨발의청춘 L" panose="02020603020101020101" pitchFamily="18" charset="-127"/>
+              <a:ea typeface="210 맨발의청춘 L" panose="02020603020101020101" pitchFamily="18" charset="-127"/>
+            </a:endParaRPr>
+          </a:p>
+          <a:p>
+            <a:r>
+              <a:rPr lang="en-US" altLang="ko-KR" sz="1400" dirty="0">
+                <a:latin typeface="210 맨발의청춘 L" panose="02020603020101020101" pitchFamily="18" charset="-127"/>
+                <a:ea typeface="210 맨발의청춘 L" panose="02020603020101020101" pitchFamily="18" charset="-127"/>
+              </a:rPr>
+              <a:t>bitcoin/bitcoin</a:t>
+            </a:r>
+          </a:p>
+          <a:p>
+            <a:r>
+              <a:rPr lang="en-US" altLang="ko-KR" sz="1400" dirty="0" err="1">
+                <a:latin typeface="210 맨발의청춘 L" panose="02020603020101020101" pitchFamily="18" charset="-127"/>
+                <a:ea typeface="210 맨발의청춘 L" panose="02020603020101020101" pitchFamily="18" charset="-127"/>
+              </a:rPr>
+              <a:t>ethereum</a:t>
+            </a:r>
+            <a:r>
+              <a:rPr lang="en-US" altLang="ko-KR" sz="1400" dirty="0">
+                <a:latin typeface="210 맨발의청춘 L" panose="02020603020101020101" pitchFamily="18" charset="-127"/>
+                <a:ea typeface="210 맨발의청춘 L" panose="02020603020101020101" pitchFamily="18" charset="-127"/>
+              </a:rPr>
+              <a:t>/go-</a:t>
+            </a:r>
+            <a:r>
+              <a:rPr lang="en-US" altLang="ko-KR" sz="1400" dirty="0" err="1">
+                <a:latin typeface="210 맨발의청춘 L" panose="02020603020101020101" pitchFamily="18" charset="-127"/>
+                <a:ea typeface="210 맨발의청춘 L" panose="02020603020101020101" pitchFamily="18" charset="-127"/>
+              </a:rPr>
+              <a:t>ethereum</a:t>
+            </a:r>
+            <a:endParaRPr lang="en-US" altLang="ko-KR" sz="1400" dirty="0">
+              <a:latin typeface="210 맨발의청춘 L" panose="02020603020101020101" pitchFamily="18" charset="-127"/>
+              <a:ea typeface="210 맨발의청춘 L" panose="02020603020101020101" pitchFamily="18" charset="-127"/>
+            </a:endParaRPr>
+          </a:p>
+          <a:p>
+            <a:r>
+              <a:rPr lang="en-US" altLang="ko-KR" sz="1400" dirty="0" err="1">
+                <a:latin typeface="210 맨발의청춘 L" panose="02020603020101020101" pitchFamily="18" charset="-127"/>
+                <a:ea typeface="210 맨발의청춘 L" panose="02020603020101020101" pitchFamily="18" charset="-127"/>
+              </a:rPr>
+              <a:t>ethereum</a:t>
+            </a:r>
+            <a:r>
+              <a:rPr lang="en-US" altLang="ko-KR" sz="1400" dirty="0">
+                <a:latin typeface="210 맨발의청춘 L" panose="02020603020101020101" pitchFamily="18" charset="-127"/>
+                <a:ea typeface="210 맨발의청춘 L" panose="02020603020101020101" pitchFamily="18" charset="-127"/>
+              </a:rPr>
+              <a:t>/mist</a:t>
+            </a:r>
+          </a:p>
+          <a:p>
+            <a:r>
+              <a:rPr lang="en-US" altLang="ko-KR" sz="1400" dirty="0">
+                <a:latin typeface="210 맨발의청춘 L" panose="02020603020101020101" pitchFamily="18" charset="-127"/>
+                <a:ea typeface="210 맨발의청춘 L" panose="02020603020101020101" pitchFamily="18" charset="-127"/>
+              </a:rPr>
+              <a:t>ripple/ripple-lib</a:t>
+            </a:r>
+          </a:p>
+          <a:p>
+            <a:r>
+              <a:rPr lang="en-US" altLang="ko-KR" sz="1400" dirty="0" err="1">
+                <a:latin typeface="210 맨발의청춘 L" panose="02020603020101020101" pitchFamily="18" charset="-127"/>
+                <a:ea typeface="210 맨발의청춘 L" panose="02020603020101020101" pitchFamily="18" charset="-127"/>
+              </a:rPr>
+              <a:t>ethereum</a:t>
+            </a:r>
+            <a:r>
+              <a:rPr lang="en-US" altLang="ko-KR" sz="1400" dirty="0">
+                <a:latin typeface="210 맨발의청춘 L" panose="02020603020101020101" pitchFamily="18" charset="-127"/>
+                <a:ea typeface="210 맨발의청춘 L" panose="02020603020101020101" pitchFamily="18" charset="-127"/>
+              </a:rPr>
+              <a:t>/</a:t>
+            </a:r>
+            <a:r>
+              <a:rPr lang="en-US" altLang="ko-KR" sz="1400" dirty="0" err="1">
+                <a:latin typeface="210 맨발의청춘 L" panose="02020603020101020101" pitchFamily="18" charset="-127"/>
+                <a:ea typeface="210 맨발의청춘 L" panose="02020603020101020101" pitchFamily="18" charset="-127"/>
+              </a:rPr>
+              <a:t>cpp</a:t>
+            </a:r>
+            <a:r>
+              <a:rPr lang="en-US" altLang="ko-KR" sz="1400" dirty="0">
+                <a:latin typeface="210 맨발의청춘 L" panose="02020603020101020101" pitchFamily="18" charset="-127"/>
+                <a:ea typeface="210 맨발의청춘 L" panose="02020603020101020101" pitchFamily="18" charset="-127"/>
+              </a:rPr>
+              <a:t>-Ethereum</a:t>
+            </a:r>
+          </a:p>
+          <a:p>
+            <a:r>
+              <a:rPr lang="en-US" altLang="ko-KR" sz="1400" dirty="0">
+                <a:solidFill>
+                  <a:srgbClr val="FF0000"/>
+                </a:solidFill>
+                <a:latin typeface="210 맨발의청춘 L" panose="02020603020101020101" pitchFamily="18" charset="-127"/>
+                <a:ea typeface="210 맨발의청춘 L" panose="02020603020101020101" pitchFamily="18" charset="-127"/>
+              </a:rPr>
+              <a:t>EOSIO/</a:t>
+            </a:r>
+            <a:r>
+              <a:rPr lang="en-US" altLang="ko-KR" sz="1400" dirty="0" err="1">
+                <a:solidFill>
+                  <a:srgbClr val="FF0000"/>
+                </a:solidFill>
+                <a:latin typeface="210 맨발의청춘 L" panose="02020603020101020101" pitchFamily="18" charset="-127"/>
+                <a:ea typeface="210 맨발의청춘 L" panose="02020603020101020101" pitchFamily="18" charset="-127"/>
+              </a:rPr>
+              <a:t>eos</a:t>
+            </a:r>
+            <a:endParaRPr lang="en-US" altLang="ko-KR" sz="1400" dirty="0">
+              <a:solidFill>
+                <a:srgbClr val="FF0000"/>
+              </a:solidFill>
+              <a:latin typeface="210 맨발의청춘 L" panose="02020603020101020101" pitchFamily="18" charset="-127"/>
+              <a:ea typeface="210 맨발의청춘 L" panose="02020603020101020101" pitchFamily="18" charset="-127"/>
+            </a:endParaRPr>
+          </a:p>
+          <a:p>
+            <a:r>
+              <a:rPr lang="en-US" altLang="ko-KR" sz="1400" dirty="0">
+                <a:solidFill>
+                  <a:srgbClr val="FF0000"/>
+                </a:solidFill>
+                <a:latin typeface="210 맨발의청춘 L" panose="02020603020101020101" pitchFamily="18" charset="-127"/>
+                <a:ea typeface="210 맨발의청춘 L" panose="02020603020101020101" pitchFamily="18" charset="-127"/>
+              </a:rPr>
+              <a:t>stellar/stellar-core</a:t>
+            </a:r>
+          </a:p>
+          <a:p>
+            <a:r>
+              <a:rPr lang="en-US" altLang="ko-KR" sz="1400" dirty="0" err="1">
+                <a:solidFill>
+                  <a:srgbClr val="FFC000"/>
+                </a:solidFill>
+                <a:latin typeface="210 맨발의청춘 L" panose="02020603020101020101" pitchFamily="18" charset="-127"/>
+                <a:ea typeface="210 맨발의청춘 L" panose="02020603020101020101" pitchFamily="18" charset="-127"/>
+              </a:rPr>
+              <a:t>monero</a:t>
+            </a:r>
+            <a:r>
+              <a:rPr lang="en-US" altLang="ko-KR" sz="1400" dirty="0">
+                <a:solidFill>
+                  <a:srgbClr val="FFC000"/>
+                </a:solidFill>
+                <a:latin typeface="210 맨발의청춘 L" panose="02020603020101020101" pitchFamily="18" charset="-127"/>
+                <a:ea typeface="210 맨발의청춘 L" panose="02020603020101020101" pitchFamily="18" charset="-127"/>
+              </a:rPr>
+              <a:t>-project/</a:t>
+            </a:r>
+            <a:r>
+              <a:rPr lang="en-US" altLang="ko-KR" sz="1400" dirty="0" err="1">
+                <a:solidFill>
+                  <a:srgbClr val="FFC000"/>
+                </a:solidFill>
+                <a:latin typeface="210 맨발의청춘 L" panose="02020603020101020101" pitchFamily="18" charset="-127"/>
+                <a:ea typeface="210 맨발의청춘 L" panose="02020603020101020101" pitchFamily="18" charset="-127"/>
+              </a:rPr>
+              <a:t>monero</a:t>
+            </a:r>
+            <a:r>
+              <a:rPr lang="en-US" altLang="ko-KR" sz="1400" dirty="0">
+                <a:solidFill>
+                  <a:srgbClr val="FFC000"/>
+                </a:solidFill>
+                <a:latin typeface="210 맨발의청춘 L" panose="02020603020101020101" pitchFamily="18" charset="-127"/>
+                <a:ea typeface="210 맨발의청춘 L" panose="02020603020101020101" pitchFamily="18" charset="-127"/>
+              </a:rPr>
+              <a:t>(11</a:t>
+            </a:r>
+            <a:r>
+              <a:rPr lang="ko-KR" altLang="en-US" sz="1400" dirty="0">
+                <a:solidFill>
+                  <a:srgbClr val="FFC000"/>
+                </a:solidFill>
+                <a:latin typeface="210 맨발의청춘 L" panose="02020603020101020101" pitchFamily="18" charset="-127"/>
+                <a:ea typeface="210 맨발의청춘 L" panose="02020603020101020101" pitchFamily="18" charset="-127"/>
+              </a:rPr>
+              <a:t>위</a:t>
+            </a:r>
+            <a:r>
+              <a:rPr lang="en-US" altLang="ko-KR" sz="1400" dirty="0">
+                <a:solidFill>
+                  <a:srgbClr val="FFC000"/>
+                </a:solidFill>
+                <a:latin typeface="210 맨발의청춘 L" panose="02020603020101020101" pitchFamily="18" charset="-127"/>
+                <a:ea typeface="210 맨발의청춘 L" panose="02020603020101020101" pitchFamily="18" charset="-127"/>
+              </a:rPr>
+              <a:t>, 18</a:t>
+            </a:r>
+            <a:r>
+              <a:rPr lang="ko-KR" altLang="en-US" sz="1400" dirty="0">
+                <a:solidFill>
+                  <a:srgbClr val="FFC000"/>
+                </a:solidFill>
+                <a:latin typeface="210 맨발의청춘 L" panose="02020603020101020101" pitchFamily="18" charset="-127"/>
+                <a:ea typeface="210 맨발의청춘 L" panose="02020603020101020101" pitchFamily="18" charset="-127"/>
+              </a:rPr>
+              <a:t>개</a:t>
+            </a:r>
+            <a:r>
+              <a:rPr lang="en-US" altLang="ko-KR" sz="1400" dirty="0">
+                <a:solidFill>
+                  <a:srgbClr val="FFC000"/>
+                </a:solidFill>
+                <a:latin typeface="210 맨발의청춘 L" panose="02020603020101020101" pitchFamily="18" charset="-127"/>
+                <a:ea typeface="210 맨발의청춘 L" panose="02020603020101020101" pitchFamily="18" charset="-127"/>
+              </a:rPr>
+              <a:t>)</a:t>
+            </a:r>
+          </a:p>
+          <a:p>
+            <a:r>
+              <a:rPr lang="en-US" altLang="ko-KR" sz="1400" dirty="0" err="1">
+                <a:solidFill>
+                  <a:srgbClr val="FF0000"/>
+                </a:solidFill>
+                <a:latin typeface="210 맨발의청춘 L" panose="02020603020101020101" pitchFamily="18" charset="-127"/>
+                <a:ea typeface="210 맨발의청춘 L" panose="02020603020101020101" pitchFamily="18" charset="-127"/>
+              </a:rPr>
+              <a:t>NemProject</a:t>
+            </a:r>
+            <a:r>
+              <a:rPr lang="en-US" altLang="ko-KR" sz="1400" dirty="0">
+                <a:solidFill>
+                  <a:srgbClr val="FF0000"/>
+                </a:solidFill>
+                <a:latin typeface="210 맨발의청춘 L" panose="02020603020101020101" pitchFamily="18" charset="-127"/>
+                <a:ea typeface="210 맨발의청춘 L" panose="02020603020101020101" pitchFamily="18" charset="-127"/>
+              </a:rPr>
+              <a:t>/</a:t>
+            </a:r>
+            <a:r>
+              <a:rPr lang="en-US" altLang="ko-KR" sz="1400" dirty="0" err="1">
+                <a:solidFill>
+                  <a:srgbClr val="FF0000"/>
+                </a:solidFill>
+                <a:latin typeface="210 맨발의청춘 L" panose="02020603020101020101" pitchFamily="18" charset="-127"/>
+                <a:ea typeface="210 맨발의청춘 L" panose="02020603020101020101" pitchFamily="18" charset="-127"/>
+              </a:rPr>
+              <a:t>NEMiOSApp</a:t>
+            </a:r>
+            <a:endParaRPr lang="en-US" altLang="ko-KR" sz="1400" dirty="0">
+              <a:solidFill>
+                <a:srgbClr val="FF0000"/>
+              </a:solidFill>
+              <a:latin typeface="210 맨발의청춘 L" panose="02020603020101020101" pitchFamily="18" charset="-127"/>
+              <a:ea typeface="210 맨발의청춘 L" panose="02020603020101020101" pitchFamily="18" charset="-127"/>
+            </a:endParaRPr>
+          </a:p>
+          <a:p>
+            <a:r>
+              <a:rPr lang="en-US" altLang="ko-KR" sz="1400" dirty="0" err="1">
+                <a:solidFill>
+                  <a:srgbClr val="FF0000"/>
+                </a:solidFill>
+                <a:latin typeface="210 맨발의청춘 L" panose="02020603020101020101" pitchFamily="18" charset="-127"/>
+                <a:ea typeface="210 맨발의청춘 L" panose="02020603020101020101" pitchFamily="18" charset="-127"/>
+              </a:rPr>
+              <a:t>LiskHQ</a:t>
+            </a:r>
+            <a:r>
+              <a:rPr lang="en-US" altLang="ko-KR" sz="1400" dirty="0">
+                <a:solidFill>
+                  <a:srgbClr val="FF0000"/>
+                </a:solidFill>
+                <a:latin typeface="210 맨발의청춘 L" panose="02020603020101020101" pitchFamily="18" charset="-127"/>
+                <a:ea typeface="210 맨발의청춘 L" panose="02020603020101020101" pitchFamily="18" charset="-127"/>
+              </a:rPr>
+              <a:t>/</a:t>
+            </a:r>
+            <a:r>
+              <a:rPr lang="en-US" altLang="ko-KR" sz="1400" dirty="0" err="1">
+                <a:solidFill>
+                  <a:srgbClr val="FF0000"/>
+                </a:solidFill>
+                <a:latin typeface="210 맨발의청춘 L" panose="02020603020101020101" pitchFamily="18" charset="-127"/>
+                <a:ea typeface="210 맨발의청춘 L" panose="02020603020101020101" pitchFamily="18" charset="-127"/>
+              </a:rPr>
+              <a:t>lisk</a:t>
+            </a:r>
+            <a:r>
+              <a:rPr lang="en-US" altLang="ko-KR" sz="1400" dirty="0">
+                <a:solidFill>
+                  <a:srgbClr val="FF0000"/>
+                </a:solidFill>
+                <a:latin typeface="210 맨발의청춘 L" panose="02020603020101020101" pitchFamily="18" charset="-127"/>
+                <a:ea typeface="210 맨발의청춘 L" panose="02020603020101020101" pitchFamily="18" charset="-127"/>
+              </a:rPr>
+              <a:t> (21</a:t>
+            </a:r>
+            <a:r>
+              <a:rPr lang="ko-KR" altLang="en-US" sz="1400" dirty="0">
+                <a:solidFill>
+                  <a:srgbClr val="FF0000"/>
+                </a:solidFill>
+                <a:latin typeface="210 맨발의청춘 L" panose="02020603020101020101" pitchFamily="18" charset="-127"/>
+                <a:ea typeface="210 맨발의청춘 L" panose="02020603020101020101" pitchFamily="18" charset="-127"/>
+              </a:rPr>
+              <a:t>위</a:t>
+            </a:r>
+            <a:r>
+              <a:rPr lang="en-US" altLang="ko-KR" sz="1400" dirty="0">
+                <a:solidFill>
+                  <a:srgbClr val="FF0000"/>
+                </a:solidFill>
+                <a:latin typeface="210 맨발의청춘 L" panose="02020603020101020101" pitchFamily="18" charset="-127"/>
+                <a:ea typeface="210 맨발의청춘 L" panose="02020603020101020101" pitchFamily="18" charset="-127"/>
+              </a:rPr>
+              <a:t>,105</a:t>
+            </a:r>
+            <a:r>
+              <a:rPr lang="ko-KR" altLang="en-US" sz="1400" dirty="0">
+                <a:solidFill>
+                  <a:srgbClr val="FF0000"/>
+                </a:solidFill>
+                <a:latin typeface="210 맨발의청춘 L" panose="02020603020101020101" pitchFamily="18" charset="-127"/>
+                <a:ea typeface="210 맨발의청춘 L" panose="02020603020101020101" pitchFamily="18" charset="-127"/>
+              </a:rPr>
+              <a:t>개</a:t>
+            </a:r>
+            <a:r>
+              <a:rPr lang="en-US" altLang="ko-KR" sz="1400" dirty="0">
+                <a:solidFill>
+                  <a:srgbClr val="FF0000"/>
+                </a:solidFill>
+                <a:latin typeface="210 맨발의청춘 L" panose="02020603020101020101" pitchFamily="18" charset="-127"/>
+                <a:ea typeface="210 맨발의청춘 L" panose="02020603020101020101" pitchFamily="18" charset="-127"/>
+              </a:rPr>
+              <a:t>)</a:t>
+            </a:r>
+          </a:p>
+          <a:p>
+            <a:r>
+              <a:rPr lang="en-US" altLang="ko-KR" sz="1400" dirty="0" err="1">
+                <a:solidFill>
+                  <a:srgbClr val="FF0000"/>
+                </a:solidFill>
+                <a:latin typeface="210 맨발의청춘 L" panose="02020603020101020101" pitchFamily="18" charset="-127"/>
+                <a:ea typeface="210 맨발의청춘 L" panose="02020603020101020101" pitchFamily="18" charset="-127"/>
+              </a:rPr>
+              <a:t>LiskHQ</a:t>
+            </a:r>
+            <a:r>
+              <a:rPr lang="en-US" altLang="ko-KR" sz="1400" dirty="0">
+                <a:solidFill>
+                  <a:srgbClr val="FF0000"/>
+                </a:solidFill>
+                <a:latin typeface="210 맨발의청춘 L" panose="02020603020101020101" pitchFamily="18" charset="-127"/>
+                <a:ea typeface="210 맨발의청춘 L" panose="02020603020101020101" pitchFamily="18" charset="-127"/>
+              </a:rPr>
+              <a:t>/</a:t>
+            </a:r>
+            <a:r>
+              <a:rPr lang="en-US" altLang="ko-KR" sz="1400" dirty="0" err="1">
+                <a:solidFill>
+                  <a:srgbClr val="FF0000"/>
+                </a:solidFill>
+                <a:latin typeface="210 맨발의청춘 L" panose="02020603020101020101" pitchFamily="18" charset="-127"/>
+                <a:ea typeface="210 맨발의청춘 L" panose="02020603020101020101" pitchFamily="18" charset="-127"/>
+              </a:rPr>
+              <a:t>lisk-js</a:t>
+            </a:r>
+            <a:endParaRPr lang="en-US" altLang="ko-KR" sz="1400" dirty="0">
+              <a:solidFill>
+                <a:srgbClr val="FF0000"/>
+              </a:solidFill>
+              <a:latin typeface="210 맨발의청춘 L" panose="02020603020101020101" pitchFamily="18" charset="-127"/>
+              <a:ea typeface="210 맨발의청춘 L" panose="02020603020101020101" pitchFamily="18" charset="-127"/>
+            </a:endParaRPr>
+          </a:p>
+          <a:p>
+            <a:endParaRPr lang="en-US" altLang="ko-KR" sz="1400" dirty="0">
+              <a:solidFill>
+                <a:srgbClr val="FF0000"/>
+              </a:solidFill>
+              <a:latin typeface="210 맨발의청춘 L" panose="02020603020101020101" pitchFamily="18" charset="-127"/>
+              <a:ea typeface="210 맨발의청춘 L" panose="02020603020101020101" pitchFamily="18" charset="-127"/>
+            </a:endParaRPr>
+          </a:p>
+          <a:p>
+            <a:r>
+              <a:rPr lang="en-US" altLang="ko-KR" sz="1400" dirty="0">
+                <a:solidFill>
+                  <a:schemeClr val="bg1">
+                    <a:lumMod val="65000"/>
+                  </a:schemeClr>
+                </a:solidFill>
+                <a:latin typeface="210 맨발의청춘 L" panose="02020603020101020101" pitchFamily="18" charset="-127"/>
+                <a:ea typeface="210 맨발의청춘 L" panose="02020603020101020101" pitchFamily="18" charset="-127"/>
+              </a:rPr>
+              <a:t>dogecoin/dogecoin (28)</a:t>
+            </a:r>
+            <a:endParaRPr lang="en-US" altLang="ko-KR" sz="1400" dirty="0">
+              <a:latin typeface="210 맨발의청춘 L" panose="02020603020101020101" pitchFamily="18" charset="-127"/>
+              <a:ea typeface="210 맨발의청춘 L" panose="02020603020101020101" pitchFamily="18" charset="-127"/>
+            </a:endParaRPr>
+          </a:p>
+          <a:p>
+            <a:r>
+              <a:rPr lang="en-US" altLang="ko-KR" sz="1400" dirty="0" err="1">
+                <a:solidFill>
+                  <a:schemeClr val="bg1">
+                    <a:lumMod val="65000"/>
+                  </a:schemeClr>
+                </a:solidFill>
+                <a:latin typeface="210 맨발의청춘 L" panose="02020603020101020101" pitchFamily="18" charset="-127"/>
+                <a:ea typeface="210 맨발의청춘 L" panose="02020603020101020101" pitchFamily="18" charset="-127"/>
+              </a:rPr>
+              <a:t>steemit</a:t>
+            </a:r>
+            <a:r>
+              <a:rPr lang="en-US" altLang="ko-KR" sz="1400" dirty="0">
+                <a:solidFill>
+                  <a:schemeClr val="bg1">
+                    <a:lumMod val="65000"/>
+                  </a:schemeClr>
+                </a:solidFill>
+                <a:latin typeface="210 맨발의청춘 L" panose="02020603020101020101" pitchFamily="18" charset="-127"/>
+                <a:ea typeface="210 맨발의청춘 L" panose="02020603020101020101" pitchFamily="18" charset="-127"/>
+              </a:rPr>
+              <a:t>/</a:t>
+            </a:r>
+            <a:r>
+              <a:rPr lang="en-US" altLang="ko-KR" sz="1400" dirty="0" err="1">
+                <a:solidFill>
+                  <a:schemeClr val="bg1">
+                    <a:lumMod val="65000"/>
+                  </a:schemeClr>
+                </a:solidFill>
+                <a:latin typeface="210 맨발의청춘 L" panose="02020603020101020101" pitchFamily="18" charset="-127"/>
+                <a:ea typeface="210 맨발의청춘 L" panose="02020603020101020101" pitchFamily="18" charset="-127"/>
+              </a:rPr>
+              <a:t>steem</a:t>
+            </a:r>
+            <a:endParaRPr lang="en-US" altLang="ko-KR" sz="1400" dirty="0">
+              <a:solidFill>
+                <a:schemeClr val="bg1">
+                  <a:lumMod val="65000"/>
+                </a:schemeClr>
+              </a:solidFill>
+              <a:latin typeface="210 맨발의청춘 L" panose="02020603020101020101" pitchFamily="18" charset="-127"/>
+              <a:ea typeface="210 맨발의청춘 L" panose="02020603020101020101" pitchFamily="18" charset="-127"/>
+            </a:endParaRPr>
+          </a:p>
+          <a:p>
+            <a:r>
+              <a:rPr lang="en-US" altLang="ko-KR" sz="1400" dirty="0" err="1">
+                <a:solidFill>
+                  <a:schemeClr val="bg1">
+                    <a:lumMod val="65000"/>
+                  </a:schemeClr>
+                </a:solidFill>
+                <a:latin typeface="210 맨발의청춘 L" panose="02020603020101020101" pitchFamily="18" charset="-127"/>
+                <a:ea typeface="210 맨발의청춘 L" panose="02020603020101020101" pitchFamily="18" charset="-127"/>
+              </a:rPr>
+              <a:t>AugurProject</a:t>
+            </a:r>
+            <a:r>
+              <a:rPr lang="en-US" altLang="ko-KR" sz="1400" dirty="0">
+                <a:solidFill>
+                  <a:schemeClr val="bg1">
+                    <a:lumMod val="65000"/>
+                  </a:schemeClr>
+                </a:solidFill>
+                <a:latin typeface="210 맨발의청춘 L" panose="02020603020101020101" pitchFamily="18" charset="-127"/>
+                <a:ea typeface="210 맨발의청춘 L" panose="02020603020101020101" pitchFamily="18" charset="-127"/>
+              </a:rPr>
+              <a:t>/augur</a:t>
+            </a:r>
+          </a:p>
+          <a:p>
+            <a:pPr algn="l"/>
+            <a:endParaRPr lang="en-US" altLang="ko-KR" sz="2000" dirty="0">
+              <a:latin typeface="210 맨발의청춘 L" panose="02020603020101020101" pitchFamily="18" charset="-127"/>
+              <a:ea typeface="210 맨발의청춘 L" panose="02020603020101020101" pitchFamily="18" charset="-127"/>
+            </a:endParaRPr>
+          </a:p>
+        </p:txBody>
+      </p:sp>
+      <p:sp>
+        <p:nvSpPr>
+          <p:cNvPr id="3" name="TextBox 2">
+            <a:extLst>
+              <a:ext uri="{FF2B5EF4-FFF2-40B4-BE49-F238E27FC236}">
+                <a16:creationId xmlns:a16="http://schemas.microsoft.com/office/drawing/2014/main" id="{656AC631-13DA-4BBA-8A19-2067D872D4EB}"/>
+              </a:ext>
+            </a:extLst>
+          </p:cNvPr>
+          <p:cNvSpPr txBox="1"/>
+          <p:nvPr/>
+        </p:nvSpPr>
+        <p:spPr>
+          <a:xfrm>
+            <a:off x="8163612" y="556182"/>
+            <a:ext cx="3902697" cy="400110"/>
+          </a:xfrm>
+          <a:prstGeom prst="rect">
+            <a:avLst/>
+          </a:prstGeom>
+          <a:noFill/>
+        </p:spPr>
+        <p:txBody>
+          <a:bodyPr wrap="square" rtlCol="0">
+            <a:spAutoFit/>
+          </a:bodyPr>
+          <a:lstStyle/>
+          <a:p>
+            <a:pPr algn="l"/>
+            <a:r>
+              <a:rPr lang="en-US" altLang="ko-KR" sz="2000" dirty="0">
+                <a:latin typeface="210 맨발의청춘 L" panose="02020603020101020101" pitchFamily="18" charset="-127"/>
+                <a:ea typeface="210 맨발의청춘 L" panose="02020603020101020101" pitchFamily="18" charset="-127"/>
+              </a:rPr>
+              <a:t>h2 </a:t>
+            </a:r>
+            <a:r>
+              <a:rPr lang="ko-KR" altLang="en-US" sz="2000" dirty="0">
+                <a:latin typeface="210 맨발의청춘 L" panose="02020603020101020101" pitchFamily="18" charset="-127"/>
+                <a:ea typeface="210 맨발의청춘 L" panose="02020603020101020101" pitchFamily="18" charset="-127"/>
+              </a:rPr>
+              <a:t>연결 끊었다가 다시 해야 한다</a:t>
+            </a:r>
+          </a:p>
+        </p:txBody>
+      </p:sp>
+      <p:pic>
+        <p:nvPicPr>
+          <p:cNvPr id="4" name="그림 3">
+            <a:extLst>
+              <a:ext uri="{FF2B5EF4-FFF2-40B4-BE49-F238E27FC236}">
+                <a16:creationId xmlns:a16="http://schemas.microsoft.com/office/drawing/2014/main" id="{C0D5CA62-423F-4B9F-896D-B0447894D1D1}"/>
+              </a:ext>
+            </a:extLst>
+          </p:cNvPr>
+          <p:cNvPicPr>
+            <a:picLocks noChangeAspect="1"/>
+          </p:cNvPicPr>
+          <p:nvPr/>
+        </p:nvPicPr>
+        <p:blipFill>
+          <a:blip r:embed="rId2"/>
+          <a:stretch>
+            <a:fillRect/>
+          </a:stretch>
+        </p:blipFill>
+        <p:spPr>
+          <a:xfrm>
+            <a:off x="6973533" y="1044533"/>
+            <a:ext cx="5092776" cy="3732277"/>
+          </a:xfrm>
+          <a:prstGeom prst="rect">
+            <a:avLst/>
+          </a:prstGeom>
+        </p:spPr>
+      </p:pic>
+      <p:sp>
+        <p:nvSpPr>
+          <p:cNvPr id="5" name="TextBox 4">
+            <a:extLst>
+              <a:ext uri="{FF2B5EF4-FFF2-40B4-BE49-F238E27FC236}">
+                <a16:creationId xmlns:a16="http://schemas.microsoft.com/office/drawing/2014/main" id="{88CAAB6A-8BAC-47FC-8B95-F5DA687D57FC}"/>
+              </a:ext>
+            </a:extLst>
+          </p:cNvPr>
+          <p:cNvSpPr txBox="1"/>
+          <p:nvPr/>
+        </p:nvSpPr>
+        <p:spPr>
+          <a:xfrm>
+            <a:off x="6973533" y="4883085"/>
+            <a:ext cx="4743985" cy="400110"/>
+          </a:xfrm>
+          <a:prstGeom prst="rect">
+            <a:avLst/>
+          </a:prstGeom>
+          <a:noFill/>
+        </p:spPr>
+        <p:txBody>
+          <a:bodyPr wrap="square" rtlCol="0">
+            <a:spAutoFit/>
+          </a:bodyPr>
+          <a:lstStyle/>
+          <a:p>
+            <a:pPr algn="l"/>
+            <a:r>
+              <a:rPr lang="ko-KR" altLang="en-US" sz="2000" dirty="0">
+                <a:latin typeface="210 맨발의청춘 L" panose="02020603020101020101" pitchFamily="18" charset="-127"/>
+                <a:ea typeface="210 맨발의청춘 L" panose="02020603020101020101" pitchFamily="18" charset="-127"/>
+              </a:rPr>
+              <a:t>숨겨진 아이콘 표시에서 </a:t>
+            </a:r>
+            <a:r>
+              <a:rPr lang="en-US" altLang="ko-KR" sz="2000" dirty="0">
+                <a:latin typeface="210 맨발의청춘 L" panose="02020603020101020101" pitchFamily="18" charset="-127"/>
+                <a:ea typeface="210 맨발의청춘 L" panose="02020603020101020101" pitchFamily="18" charset="-127"/>
+              </a:rPr>
+              <a:t>exit </a:t>
+            </a:r>
+            <a:r>
+              <a:rPr lang="ko-KR" altLang="en-US" sz="2000" dirty="0" err="1">
+                <a:latin typeface="210 맨발의청춘 L" panose="02020603020101020101" pitchFamily="18" charset="-127"/>
+                <a:ea typeface="210 맨발의청춘 L" panose="02020603020101020101" pitchFamily="18" charset="-127"/>
+              </a:rPr>
+              <a:t>해줘야함</a:t>
+            </a:r>
+            <a:endParaRPr lang="ko-KR" altLang="en-US" sz="2000" dirty="0">
+              <a:latin typeface="210 맨발의청춘 L" panose="02020603020101020101" pitchFamily="18" charset="-127"/>
+              <a:ea typeface="210 맨발의청춘 L" panose="02020603020101020101" pitchFamily="18" charset="-127"/>
+            </a:endParaRPr>
+          </a:p>
+        </p:txBody>
+      </p:sp>
+      <p:sp>
+        <p:nvSpPr>
+          <p:cNvPr id="6" name="제목 1">
+            <a:extLst>
+              <a:ext uri="{FF2B5EF4-FFF2-40B4-BE49-F238E27FC236}">
+                <a16:creationId xmlns:a16="http://schemas.microsoft.com/office/drawing/2014/main" id="{62B1C75F-CD67-4E05-A877-1C040DF4B923}"/>
+              </a:ext>
+            </a:extLst>
+          </p:cNvPr>
+          <p:cNvSpPr txBox="1">
+            <a:spLocks/>
+          </p:cNvSpPr>
+          <p:nvPr/>
+        </p:nvSpPr>
+        <p:spPr>
+          <a:xfrm>
+            <a:off x="150829" y="122548"/>
+            <a:ext cx="6042581" cy="641023"/>
+          </a:xfrm>
+          <a:prstGeom prst="rect">
+            <a:avLst/>
+          </a:prstGeom>
+        </p:spPr>
+        <p:txBody>
+          <a:bodyPr>
+            <a:normAutofit fontScale="97500" lnSpcReduction="10000"/>
+          </a:bodyPr>
+          <a:lstStyle>
+            <a:lvl1pPr algn="l" defTabSz="914400" rtl="0" eaLnBrk="1" latinLnBrk="1" hangingPunct="1">
+              <a:lnSpc>
+                <a:spcPct val="90000"/>
+              </a:lnSpc>
+              <a:spcBef>
+                <a:spcPct val="0"/>
+              </a:spcBef>
+              <a:buNone/>
+              <a:defRPr sz="4400" kern="1200">
+                <a:solidFill>
+                  <a:schemeClr val="tx1"/>
+                </a:solidFill>
+                <a:latin typeface="+mj-lt"/>
+                <a:ea typeface="+mj-ea"/>
+                <a:cs typeface="+mj-cs"/>
+              </a:defRPr>
+            </a:lvl1pPr>
+          </a:lstStyle>
+          <a:p>
+            <a:r>
+              <a:rPr lang="en-US" altLang="ko-KR" dirty="0">
+                <a:latin typeface="210 키위바나나 B" panose="02020603020101020101" pitchFamily="18" charset="-127"/>
+                <a:ea typeface="210 키위바나나 B" panose="02020603020101020101" pitchFamily="18" charset="-127"/>
+              </a:rPr>
+              <a:t>0417_</a:t>
+            </a:r>
+            <a:r>
+              <a:rPr lang="ko-KR" altLang="en-US" dirty="0" err="1">
+                <a:latin typeface="210 키위바나나 B" panose="02020603020101020101" pitchFamily="18" charset="-127"/>
+                <a:ea typeface="210 키위바나나 B" panose="02020603020101020101" pitchFamily="18" charset="-127"/>
+              </a:rPr>
+              <a:t>해야할</a:t>
+            </a:r>
+            <a:r>
+              <a:rPr lang="ko-KR" altLang="en-US" dirty="0">
+                <a:latin typeface="210 키위바나나 B" panose="02020603020101020101" pitchFamily="18" charset="-127"/>
+                <a:ea typeface="210 키위바나나 B" panose="02020603020101020101" pitchFamily="18" charset="-127"/>
+              </a:rPr>
+              <a:t> 것</a:t>
+            </a:r>
+          </a:p>
+        </p:txBody>
+      </p:sp>
+      <p:sp>
+        <p:nvSpPr>
+          <p:cNvPr id="7" name="직사각형 6">
+            <a:extLst>
+              <a:ext uri="{FF2B5EF4-FFF2-40B4-BE49-F238E27FC236}">
+                <a16:creationId xmlns:a16="http://schemas.microsoft.com/office/drawing/2014/main" id="{0A4C3596-8576-4BA2-BA54-F55EEFEB60B3}"/>
+              </a:ext>
+            </a:extLst>
+          </p:cNvPr>
+          <p:cNvSpPr/>
+          <p:nvPr/>
+        </p:nvSpPr>
+        <p:spPr>
+          <a:xfrm>
+            <a:off x="2974156" y="4722463"/>
+            <a:ext cx="6096000" cy="1754326"/>
+          </a:xfrm>
+          <a:prstGeom prst="rect">
+            <a:avLst/>
+          </a:prstGeom>
+        </p:spPr>
+        <p:txBody>
+          <a:bodyPr>
+            <a:spAutoFit/>
+          </a:bodyPr>
+          <a:lstStyle/>
+          <a:p>
+            <a:r>
+              <a:rPr lang="en-US" altLang="ko-KR" dirty="0">
+                <a:latin typeface="210 맨발의청춘 L" panose="02020603020101020101" pitchFamily="18" charset="-127"/>
+                <a:ea typeface="210 맨발의청춘 L" panose="02020603020101020101" pitchFamily="18" charset="-127"/>
+              </a:rPr>
+              <a:t>(0501)</a:t>
+            </a:r>
+          </a:p>
+          <a:p>
+            <a:r>
+              <a:rPr lang="en-US" altLang="ko-KR" dirty="0">
+                <a:latin typeface="210 맨발의청춘 L" panose="02020603020101020101" pitchFamily="18" charset="-127"/>
+                <a:ea typeface="210 맨발의청춘 L" panose="02020603020101020101" pitchFamily="18" charset="-127"/>
+              </a:rPr>
+              <a:t>xml</a:t>
+            </a:r>
+            <a:r>
+              <a:rPr lang="ko-KR" altLang="en-US" dirty="0">
+                <a:latin typeface="210 맨발의청춘 L" panose="02020603020101020101" pitchFamily="18" charset="-127"/>
+                <a:ea typeface="210 맨발의청춘 L" panose="02020603020101020101" pitchFamily="18" charset="-127"/>
+              </a:rPr>
+              <a:t>로 </a:t>
+            </a:r>
+            <a:r>
+              <a:rPr lang="en-US" altLang="ko-KR" dirty="0">
+                <a:latin typeface="210 맨발의청춘 L" panose="02020603020101020101" pitchFamily="18" charset="-127"/>
+                <a:ea typeface="210 맨발의청춘 L" panose="02020603020101020101" pitchFamily="18" charset="-127"/>
+              </a:rPr>
+              <a:t>10</a:t>
+            </a:r>
+            <a:r>
+              <a:rPr lang="ko-KR" altLang="en-US" dirty="0">
+                <a:latin typeface="210 맨발의청춘 L" panose="02020603020101020101" pitchFamily="18" charset="-127"/>
+                <a:ea typeface="210 맨발의청춘 L" panose="02020603020101020101" pitchFamily="18" charset="-127"/>
+              </a:rPr>
+              <a:t>개 </a:t>
+            </a:r>
+            <a:r>
+              <a:rPr lang="ko-KR" altLang="en-US" dirty="0" err="1">
+                <a:latin typeface="210 맨발의청춘 L" panose="02020603020101020101" pitchFamily="18" charset="-127"/>
+                <a:ea typeface="210 맨발의청춘 L" panose="02020603020101020101" pitchFamily="18" charset="-127"/>
+              </a:rPr>
+              <a:t>블락체인</a:t>
+            </a:r>
+            <a:r>
+              <a:rPr lang="ko-KR" altLang="en-US" dirty="0">
+                <a:latin typeface="210 맨발의청춘 L" panose="02020603020101020101" pitchFamily="18" charset="-127"/>
+                <a:ea typeface="210 맨발의청춘 L" panose="02020603020101020101" pitchFamily="18" charset="-127"/>
+              </a:rPr>
+              <a:t> </a:t>
+            </a:r>
+            <a:r>
+              <a:rPr lang="ko-KR" altLang="en-US" dirty="0" err="1">
+                <a:latin typeface="210 맨발의청춘 L" panose="02020603020101020101" pitchFamily="18" charset="-127"/>
+                <a:ea typeface="210 맨발의청춘 L" panose="02020603020101020101" pitchFamily="18" charset="-127"/>
+              </a:rPr>
+              <a:t>만들어놓기</a:t>
+            </a:r>
+            <a:endParaRPr lang="en-US" altLang="ko-KR" dirty="0">
+              <a:latin typeface="210 맨발의청춘 L" panose="02020603020101020101" pitchFamily="18" charset="-127"/>
+              <a:ea typeface="210 맨발의청춘 L" panose="02020603020101020101" pitchFamily="18" charset="-127"/>
+            </a:endParaRPr>
+          </a:p>
+          <a:p>
+            <a:r>
+              <a:rPr lang="en-US" altLang="ko-KR" dirty="0">
+                <a:latin typeface="210 맨발의청춘 L" panose="02020603020101020101" pitchFamily="18" charset="-127"/>
+                <a:ea typeface="210 맨발의청춘 L" panose="02020603020101020101" pitchFamily="18" charset="-127"/>
+              </a:rPr>
+              <a:t>BLIA </a:t>
+            </a:r>
+            <a:r>
+              <a:rPr lang="ko-KR" altLang="en-US" dirty="0">
+                <a:latin typeface="210 맨발의청춘 L" panose="02020603020101020101" pitchFamily="18" charset="-127"/>
+                <a:ea typeface="210 맨발의청춘 L" panose="02020603020101020101" pitchFamily="18" charset="-127"/>
+              </a:rPr>
+              <a:t>코드 읽어보고 이해</a:t>
+            </a:r>
+            <a:endParaRPr lang="en-US" altLang="ko-KR" dirty="0">
+              <a:latin typeface="210 맨발의청춘 L" panose="02020603020101020101" pitchFamily="18" charset="-127"/>
+              <a:ea typeface="210 맨발의청춘 L" panose="02020603020101020101" pitchFamily="18" charset="-127"/>
+            </a:endParaRPr>
+          </a:p>
+          <a:p>
+            <a:r>
+              <a:rPr lang="en-US" altLang="ko-KR" dirty="0">
+                <a:latin typeface="210 맨발의청춘 L" panose="02020603020101020101" pitchFamily="18" charset="-127"/>
+                <a:ea typeface="210 맨발의청춘 L" panose="02020603020101020101" pitchFamily="18" charset="-127"/>
+              </a:rPr>
+              <a:t>(document </a:t>
+            </a:r>
+            <a:r>
+              <a:rPr lang="ko-KR" altLang="en-US" dirty="0">
+                <a:latin typeface="210 맨발의청춘 L" panose="02020603020101020101" pitchFamily="18" charset="-127"/>
+                <a:ea typeface="210 맨발의청춘 L" panose="02020603020101020101" pitchFamily="18" charset="-127"/>
+              </a:rPr>
+              <a:t>파일에</a:t>
+            </a:r>
+            <a:r>
+              <a:rPr lang="en-US" altLang="ko-KR" dirty="0">
+                <a:latin typeface="210 맨발의청춘 L" panose="02020603020101020101" pitchFamily="18" charset="-127"/>
+                <a:ea typeface="210 맨발의청춘 L" panose="02020603020101020101" pitchFamily="18" charset="-127"/>
+              </a:rPr>
+              <a:t>)</a:t>
+            </a:r>
+          </a:p>
+          <a:p>
+            <a:r>
+              <a:rPr lang="en-US" altLang="ko-KR" dirty="0">
+                <a:latin typeface="210 맨발의청춘 L" panose="02020603020101020101" pitchFamily="18" charset="-127"/>
+                <a:ea typeface="210 맨발의청춘 L" panose="02020603020101020101" pitchFamily="18" charset="-127"/>
+              </a:rPr>
+              <a:t>+ BLIA</a:t>
+            </a:r>
+            <a:r>
+              <a:rPr lang="ko-KR" altLang="en-US" dirty="0">
+                <a:latin typeface="210 맨발의청춘 L" panose="02020603020101020101" pitchFamily="18" charset="-127"/>
+                <a:ea typeface="210 맨발의청춘 L" panose="02020603020101020101" pitchFamily="18" charset="-127"/>
+              </a:rPr>
+              <a:t>에 넣어서 돌려보기</a:t>
+            </a:r>
+            <a:endParaRPr lang="en-US" altLang="ko-KR" dirty="0">
+              <a:latin typeface="210 맨발의청춘 L" panose="02020603020101020101" pitchFamily="18" charset="-127"/>
+              <a:ea typeface="210 맨발의청춘 L" panose="02020603020101020101" pitchFamily="18" charset="-127"/>
+            </a:endParaRPr>
+          </a:p>
+          <a:p>
+            <a:r>
+              <a:rPr lang="en-US" altLang="ko-KR" dirty="0">
+                <a:latin typeface="210 맨발의청춘 L" panose="02020603020101020101" pitchFamily="18" charset="-127"/>
+                <a:ea typeface="210 맨발의청춘 L" panose="02020603020101020101" pitchFamily="18" charset="-127"/>
+              </a:rPr>
+              <a:t>+ </a:t>
+            </a:r>
+            <a:r>
+              <a:rPr lang="en-US" altLang="ko-KR" dirty="0" err="1">
+                <a:latin typeface="210 맨발의청춘 L" panose="02020603020101020101" pitchFamily="18" charset="-127"/>
+                <a:ea typeface="210 맨발의청춘 L" panose="02020603020101020101" pitchFamily="18" charset="-127"/>
+              </a:rPr>
+              <a:t>javascript</a:t>
+            </a:r>
+            <a:endParaRPr lang="ko-KR" altLang="en-US" dirty="0">
+              <a:latin typeface="210 맨발의청춘 L" panose="02020603020101020101" pitchFamily="18" charset="-127"/>
+              <a:ea typeface="210 맨발의청춘 L" panose="02020603020101020101" pitchFamily="18" charset="-127"/>
+            </a:endParaRPr>
+          </a:p>
+        </p:txBody>
+      </p:sp>
+    </p:spTree>
+    <p:extLst>
+      <p:ext uri="{BB962C8B-B14F-4D97-AF65-F5344CB8AC3E}">
+        <p14:creationId xmlns:p14="http://schemas.microsoft.com/office/powerpoint/2010/main" val="2626791310"/>
+      </p:ext>
+    </p:extLst>
+  </p:cSld>
+  <p:clrMapOvr>
+    <a:masterClrMapping/>
+  </p:clrMapOvr>
+</p:sld>
+</file>
+
+<file path=ppt/slides/slide18.xml><?xml version="1.0" encoding="utf-8"?>
+<p:sld xmlns:a="http://schemas.openxmlformats.org/drawingml/2006/main" xmlns:r="http://schemas.openxmlformats.org/officeDocument/2006/relationships" xmlns:p="http://schemas.openxmlformats.org/presentationml/2006/main">
+  <p:cSld>
+    <p:bg>
+      <p:bgPr>
+        <a:solidFill>
+          <a:schemeClr val="accent4">
+            <a:lumMod val="60000"/>
+            <a:lumOff val="40000"/>
+          </a:schemeClr>
+        </a:solidFill>
+        <a:effectLst/>
+      </p:bgPr>
+    </p:bg>
+    <p:spTree>
+      <p:nvGrpSpPr>
+        <p:cNvPr id="1" name=""/>
+        <p:cNvGrpSpPr/>
+        <p:nvPr/>
+      </p:nvGrpSpPr>
+      <p:grpSpPr>
+        <a:xfrm>
+          <a:off x="0" y="0"/>
+          <a:ext cx="0" cy="0"/>
+          <a:chOff x="0" y="0"/>
+          <a:chExt cx="0" cy="0"/>
+        </a:xfrm>
+      </p:grpSpPr>
+    </p:spTree>
+    <p:extLst>
+      <p:ext uri="{BB962C8B-B14F-4D97-AF65-F5344CB8AC3E}">
+        <p14:creationId xmlns:p14="http://schemas.microsoft.com/office/powerpoint/2010/main" val="1735444179"/>
+      </p:ext>
+    </p:extLst>
+  </p:cSld>
+  <p:clrMapOvr>
+    <a:masterClrMapping/>
+  </p:clrMapOvr>
+</p:sld>
+</file>
+
+<file path=ppt/slides/slide19.xml><?xml version="1.0" encoding="utf-8"?>
+<p:sld xmlns:a="http://schemas.openxmlformats.org/drawingml/2006/main" xmlns:r="http://schemas.openxmlformats.org/officeDocument/2006/relationships" xmlns:p="http://schemas.openxmlformats.org/presentationml/2006/main">
+  <p:cSld>
+    <p:spTree>
+      <p:nvGrpSpPr>
+        <p:cNvPr id="1" name=""/>
+        <p:cNvGrpSpPr/>
+        <p:nvPr/>
+      </p:nvGrpSpPr>
+      <p:grpSpPr>
+        <a:xfrm>
+          <a:off x="0" y="0"/>
+          <a:ext cx="0" cy="0"/>
+          <a:chOff x="0" y="0"/>
+          <a:chExt cx="0" cy="0"/>
+        </a:xfrm>
+      </p:grpSpPr>
+      <p:sp>
+        <p:nvSpPr>
+          <p:cNvPr id="2" name="제목 1">
+            <a:extLst>
+              <a:ext uri="{FF2B5EF4-FFF2-40B4-BE49-F238E27FC236}">
+                <a16:creationId xmlns:a16="http://schemas.microsoft.com/office/drawing/2014/main" id="{C3A2939A-2349-4F72-926C-C9965A714D9D}"/>
+              </a:ext>
+            </a:extLst>
+          </p:cNvPr>
+          <p:cNvSpPr txBox="1">
+            <a:spLocks/>
+          </p:cNvSpPr>
+          <p:nvPr/>
+        </p:nvSpPr>
+        <p:spPr>
+          <a:xfrm>
+            <a:off x="150829" y="122548"/>
+            <a:ext cx="6042581" cy="641023"/>
+          </a:xfrm>
+          <a:prstGeom prst="rect">
+            <a:avLst/>
+          </a:prstGeom>
+        </p:spPr>
+        <p:txBody>
+          <a:bodyPr>
+            <a:normAutofit fontScale="97500" lnSpcReduction="10000"/>
+          </a:bodyPr>
+          <a:lstStyle>
+            <a:lvl1pPr algn="l" defTabSz="914400" rtl="0" eaLnBrk="1" latinLnBrk="1" hangingPunct="1">
+              <a:lnSpc>
+                <a:spcPct val="90000"/>
+              </a:lnSpc>
+              <a:spcBef>
+                <a:spcPct val="0"/>
+              </a:spcBef>
+              <a:buNone/>
+              <a:defRPr sz="4400" kern="1200">
+                <a:solidFill>
+                  <a:schemeClr val="tx1"/>
+                </a:solidFill>
+                <a:latin typeface="+mj-lt"/>
+                <a:ea typeface="+mj-ea"/>
+                <a:cs typeface="+mj-cs"/>
+              </a:defRPr>
+            </a:lvl1pPr>
+          </a:lstStyle>
+          <a:p>
+            <a:r>
+              <a:rPr lang="en-US" altLang="ko-KR" dirty="0">
+                <a:latin typeface="210 키위바나나 B" panose="02020603020101020101" pitchFamily="18" charset="-127"/>
+                <a:ea typeface="210 키위바나나 B" panose="02020603020101020101" pitchFamily="18" charset="-127"/>
+              </a:rPr>
+              <a:t>0417_</a:t>
+            </a:r>
+            <a:r>
+              <a:rPr lang="ko-KR" altLang="en-US" dirty="0">
+                <a:latin typeface="210 키위바나나 B" panose="02020603020101020101" pitchFamily="18" charset="-127"/>
+                <a:ea typeface="210 키위바나나 B" panose="02020603020101020101" pitchFamily="18" charset="-127"/>
+              </a:rPr>
+              <a:t>찾은 거</a:t>
+            </a:r>
+          </a:p>
+        </p:txBody>
+      </p:sp>
+      <p:sp>
+        <p:nvSpPr>
+          <p:cNvPr id="3" name="TextBox 2">
+            <a:extLst>
+              <a:ext uri="{FF2B5EF4-FFF2-40B4-BE49-F238E27FC236}">
+                <a16:creationId xmlns:a16="http://schemas.microsoft.com/office/drawing/2014/main" id="{552D46D7-8CC7-4389-A207-7254A5B6429F}"/>
+              </a:ext>
+            </a:extLst>
+          </p:cNvPr>
+          <p:cNvSpPr txBox="1"/>
+          <p:nvPr/>
+        </p:nvSpPr>
+        <p:spPr>
+          <a:xfrm>
+            <a:off x="546755" y="848412"/>
+            <a:ext cx="11029360" cy="1323439"/>
+          </a:xfrm>
+          <a:prstGeom prst="rect">
+            <a:avLst/>
+          </a:prstGeom>
+          <a:noFill/>
+        </p:spPr>
+        <p:txBody>
+          <a:bodyPr wrap="square" rtlCol="0">
+            <a:spAutoFit/>
+          </a:bodyPr>
+          <a:lstStyle/>
+          <a:p>
+            <a:pPr marL="342900" indent="-342900">
+              <a:buFontTx/>
+              <a:buChar char="-"/>
+            </a:pPr>
+            <a:r>
+              <a:rPr lang="en-US" altLang="ko-KR" sz="2000" dirty="0" err="1">
+                <a:latin typeface="210 맨발의청춘 L" panose="02020603020101020101" pitchFamily="18" charset="-127"/>
+                <a:ea typeface="210 맨발의청춘 L" panose="02020603020101020101" pitchFamily="18" charset="-127"/>
+              </a:rPr>
+              <a:t>ethereum</a:t>
+            </a:r>
+            <a:r>
+              <a:rPr lang="en-US" altLang="ko-KR" sz="2000" dirty="0">
+                <a:latin typeface="210 맨발의청춘 L" panose="02020603020101020101" pitchFamily="18" charset="-127"/>
+                <a:ea typeface="210 맨발의청춘 L" panose="02020603020101020101" pitchFamily="18" charset="-127"/>
+              </a:rPr>
+              <a:t>/</a:t>
+            </a:r>
+            <a:r>
+              <a:rPr lang="en-US" altLang="ko-KR" sz="2000" dirty="0" err="1">
+                <a:latin typeface="210 맨발의청춘 L" panose="02020603020101020101" pitchFamily="18" charset="-127"/>
+                <a:ea typeface="210 맨발의청춘 L" panose="02020603020101020101" pitchFamily="18" charset="-127"/>
+              </a:rPr>
+              <a:t>cpp</a:t>
+            </a:r>
+            <a:r>
+              <a:rPr lang="en-US" altLang="ko-KR" sz="2000" dirty="0">
+                <a:latin typeface="210 맨발의청춘 L" panose="02020603020101020101" pitchFamily="18" charset="-127"/>
+                <a:ea typeface="210 맨발의청춘 L" panose="02020603020101020101" pitchFamily="18" charset="-127"/>
+              </a:rPr>
+              <a:t>-Ethereum </a:t>
+            </a:r>
+            <a:r>
+              <a:rPr lang="ko-KR" altLang="en-US" sz="2000" dirty="0">
+                <a:latin typeface="210 맨발의청춘 L" panose="02020603020101020101" pitchFamily="18" charset="-127"/>
+                <a:ea typeface="210 맨발의청춘 L" panose="02020603020101020101" pitchFamily="18" charset="-127"/>
+              </a:rPr>
+              <a:t>이랑 </a:t>
+            </a:r>
+            <a:r>
+              <a:rPr lang="en-US" altLang="ko-KR" sz="2000" dirty="0">
+                <a:latin typeface="210 맨발의청춘 L" panose="02020603020101020101" pitchFamily="18" charset="-127"/>
+                <a:ea typeface="210 맨발의청춘 L" panose="02020603020101020101" pitchFamily="18" charset="-127"/>
+              </a:rPr>
+              <a:t>Ethereum/go-Ethereum</a:t>
+            </a:r>
+            <a:r>
+              <a:rPr lang="ko-KR" altLang="en-US" sz="2000" dirty="0">
+                <a:latin typeface="210 맨발의청춘 L" panose="02020603020101020101" pitchFamily="18" charset="-127"/>
+                <a:ea typeface="210 맨발의청춘 L" panose="02020603020101020101" pitchFamily="18" charset="-127"/>
+              </a:rPr>
+              <a:t>이랑 언어만 다르다</a:t>
+            </a:r>
+            <a:r>
+              <a:rPr lang="en-US" altLang="ko-KR" sz="2000" dirty="0">
+                <a:latin typeface="210 맨발의청춘 L" panose="02020603020101020101" pitchFamily="18" charset="-127"/>
+                <a:ea typeface="210 맨발의청춘 L" panose="02020603020101020101" pitchFamily="18" charset="-127"/>
+              </a:rPr>
+              <a:t>. </a:t>
+            </a:r>
+            <a:r>
+              <a:rPr lang="ko-KR" altLang="en-US" sz="2000" dirty="0">
+                <a:latin typeface="210 맨발의청춘 L" panose="02020603020101020101" pitchFamily="18" charset="-127"/>
+                <a:ea typeface="210 맨발의청춘 L" panose="02020603020101020101" pitchFamily="18" charset="-127"/>
+              </a:rPr>
+              <a:t>여러 </a:t>
+            </a:r>
+            <a:r>
+              <a:rPr lang="en-US" altLang="ko-KR" sz="2000" dirty="0" err="1">
+                <a:latin typeface="210 맨발의청춘 L" panose="02020603020101020101" pitchFamily="18" charset="-127"/>
+                <a:ea typeface="210 맨발의청춘 L" panose="02020603020101020101" pitchFamily="18" charset="-127"/>
+              </a:rPr>
+              <a:t>os</a:t>
+            </a:r>
+            <a:r>
+              <a:rPr lang="ko-KR" altLang="en-US" sz="2000" dirty="0">
+                <a:latin typeface="210 맨발의청춘 L" panose="02020603020101020101" pitchFamily="18" charset="-127"/>
+                <a:ea typeface="210 맨발의청춘 L" panose="02020603020101020101" pitchFamily="18" charset="-127"/>
+              </a:rPr>
+              <a:t>에서 실행될 수 있도록</a:t>
+            </a:r>
+            <a:r>
+              <a:rPr lang="en-US" altLang="ko-KR" sz="2000" dirty="0">
+                <a:latin typeface="210 맨발의청춘 L" panose="02020603020101020101" pitchFamily="18" charset="-127"/>
+                <a:ea typeface="210 맨발의청춘 L" panose="02020603020101020101" pitchFamily="18" charset="-127"/>
+              </a:rPr>
+              <a:t>. </a:t>
+            </a:r>
+            <a:r>
+              <a:rPr lang="ko-KR" altLang="en-US" sz="2000" dirty="0">
+                <a:latin typeface="210 맨발의청춘 L" panose="02020603020101020101" pitchFamily="18" charset="-127"/>
+                <a:ea typeface="210 맨발의청춘 L" panose="02020603020101020101" pitchFamily="18" charset="-127"/>
+              </a:rPr>
+              <a:t>종류가 다양하다 → 클라이언트 종류가 다양하면 프로토콜이 </a:t>
+            </a:r>
+            <a:r>
+              <a:rPr lang="en-US" altLang="ko-KR" sz="2000" dirty="0">
+                <a:latin typeface="210 맨발의청춘 L" panose="02020603020101020101" pitchFamily="18" charset="-127"/>
+                <a:ea typeface="210 맨발의청춘 L" panose="02020603020101020101" pitchFamily="18" charset="-127"/>
+              </a:rPr>
+              <a:t>unambiguous (Yellow Paper</a:t>
+            </a:r>
+            <a:r>
+              <a:rPr lang="ko-KR" altLang="en-US" sz="2000" dirty="0">
+                <a:latin typeface="210 맨발의청춘 L" panose="02020603020101020101" pitchFamily="18" charset="-127"/>
+                <a:ea typeface="210 맨발의청춘 L" panose="02020603020101020101" pitchFamily="18" charset="-127"/>
+              </a:rPr>
+              <a:t>에 나와 있음</a:t>
+            </a:r>
+            <a:r>
+              <a:rPr lang="en-US" altLang="ko-KR" sz="2000" dirty="0">
+                <a:latin typeface="210 맨발의청춘 L" panose="02020603020101020101" pitchFamily="18" charset="-127"/>
+                <a:ea typeface="210 맨발의청춘 L" panose="02020603020101020101" pitchFamily="18" charset="-127"/>
+              </a:rPr>
+              <a:t>)</a:t>
+            </a:r>
+          </a:p>
+          <a:p>
+            <a:pPr marL="342900" indent="-342900">
+              <a:buFontTx/>
+              <a:buChar char="-"/>
+            </a:pPr>
+            <a:r>
+              <a:rPr lang="en-US" altLang="ko-KR" sz="2000" dirty="0">
+                <a:latin typeface="210 맨발의청춘 L" panose="02020603020101020101" pitchFamily="18" charset="-127"/>
+                <a:ea typeface="210 맨발의청춘 L" panose="02020603020101020101" pitchFamily="18" charset="-127"/>
+              </a:rPr>
+              <a:t>Mist</a:t>
+            </a:r>
+            <a:r>
+              <a:rPr lang="ko-KR" altLang="en-US" sz="2000" dirty="0">
+                <a:latin typeface="210 맨발의청춘 L" panose="02020603020101020101" pitchFamily="18" charset="-127"/>
+                <a:ea typeface="210 맨발의청춘 L" panose="02020603020101020101" pitchFamily="18" charset="-127"/>
+              </a:rPr>
+              <a:t>는 </a:t>
+            </a:r>
+            <a:r>
+              <a:rPr lang="en-US" altLang="ko-KR" sz="2000" dirty="0">
+                <a:latin typeface="210 맨발의청춘 L" panose="02020603020101020101" pitchFamily="18" charset="-127"/>
+                <a:ea typeface="210 맨발의청춘 L" panose="02020603020101020101" pitchFamily="18" charset="-127"/>
+              </a:rPr>
+              <a:t>(</a:t>
+            </a:r>
+            <a:r>
+              <a:rPr lang="ko-KR" altLang="en-US" sz="2000" dirty="0">
+                <a:latin typeface="210 맨발의청춘 L" panose="02020603020101020101" pitchFamily="18" charset="-127"/>
+                <a:ea typeface="210 맨발의청춘 L" panose="02020603020101020101" pitchFamily="18" charset="-127"/>
+              </a:rPr>
+              <a:t>크롬</a:t>
+            </a:r>
+            <a:r>
+              <a:rPr lang="en-US" altLang="ko-KR" sz="2000" dirty="0">
+                <a:latin typeface="210 맨발의청춘 L" panose="02020603020101020101" pitchFamily="18" charset="-127"/>
+                <a:ea typeface="210 맨발의청춘 L" panose="02020603020101020101" pitchFamily="18" charset="-127"/>
+              </a:rPr>
+              <a:t>, </a:t>
+            </a:r>
+            <a:r>
+              <a:rPr lang="ko-KR" altLang="en-US" sz="2000" dirty="0">
+                <a:latin typeface="210 맨발의청춘 L" panose="02020603020101020101" pitchFamily="18" charset="-127"/>
+                <a:ea typeface="210 맨발의청춘 L" panose="02020603020101020101" pitchFamily="18" charset="-127"/>
+              </a:rPr>
+              <a:t>구글이 </a:t>
+            </a:r>
+            <a:r>
+              <a:rPr lang="en-US" altLang="ko-KR" sz="2000" dirty="0">
+                <a:latin typeface="210 맨발의청춘 L" panose="02020603020101020101" pitchFamily="18" charset="-127"/>
+                <a:ea typeface="210 맨발의청춘 L" panose="02020603020101020101" pitchFamily="18" charset="-127"/>
+              </a:rPr>
+              <a:t>2.0 </a:t>
+            </a:r>
+            <a:r>
+              <a:rPr lang="ko-KR" altLang="en-US" sz="2000" dirty="0">
+                <a:latin typeface="210 맨발의청춘 L" panose="02020603020101020101" pitchFamily="18" charset="-127"/>
+                <a:ea typeface="210 맨발의청춘 L" panose="02020603020101020101" pitchFamily="18" charset="-127"/>
+              </a:rPr>
+              <a:t>브라우저</a:t>
+            </a:r>
+            <a:r>
+              <a:rPr lang="en-US" altLang="ko-KR" sz="2000" dirty="0">
+                <a:latin typeface="210 맨발의청춘 L" panose="02020603020101020101" pitchFamily="18" charset="-127"/>
+                <a:ea typeface="210 맨발의청춘 L" panose="02020603020101020101" pitchFamily="18" charset="-127"/>
+              </a:rPr>
+              <a:t>) 3.0 decentralized browser</a:t>
+            </a:r>
+          </a:p>
+        </p:txBody>
+      </p:sp>
+    </p:spTree>
+    <p:extLst>
+      <p:ext uri="{BB962C8B-B14F-4D97-AF65-F5344CB8AC3E}">
+        <p14:creationId xmlns:p14="http://schemas.microsoft.com/office/powerpoint/2010/main" val="2237382405"/>
+      </p:ext>
+    </p:extLst>
+  </p:cSld>
+  <p:clrMapOvr>
+    <a:masterClrMapping/>
+  </p:clrMapOvr>
+</p:sld>
+</file>
+
 <file path=ppt/slides/slide2.xml><?xml version="1.0" encoding="utf-8"?>
 <p:sld xmlns:a="http://schemas.openxmlformats.org/drawingml/2006/main" xmlns:r="http://schemas.openxmlformats.org/officeDocument/2006/relationships" xmlns:p="http://schemas.openxmlformats.org/presentationml/2006/main">
   <p:cSld>
@@ -4184,6 +7061,3963 @@
     <p:extLst>
       <p:ext uri="{BB962C8B-B14F-4D97-AF65-F5344CB8AC3E}">
         <p14:creationId xmlns:p14="http://schemas.microsoft.com/office/powerpoint/2010/main" val="3509177866"/>
+      </p:ext>
+    </p:extLst>
+  </p:cSld>
+  <p:clrMapOvr>
+    <a:masterClrMapping/>
+  </p:clrMapOvr>
+</p:sld>
+</file>
+
+<file path=ppt/slides/slide20.xml><?xml version="1.0" encoding="utf-8"?>
+<p:sld xmlns:a="http://schemas.openxmlformats.org/drawingml/2006/main" xmlns:r="http://schemas.openxmlformats.org/officeDocument/2006/relationships" xmlns:p="http://schemas.openxmlformats.org/presentationml/2006/main">
+  <p:cSld>
+    <p:spTree>
+      <p:nvGrpSpPr>
+        <p:cNvPr id="1" name=""/>
+        <p:cNvGrpSpPr/>
+        <p:nvPr/>
+      </p:nvGrpSpPr>
+      <p:grpSpPr>
+        <a:xfrm>
+          <a:off x="0" y="0"/>
+          <a:ext cx="0" cy="0"/>
+          <a:chOff x="0" y="0"/>
+          <a:chExt cx="0" cy="0"/>
+        </a:xfrm>
+      </p:grpSpPr>
+      <p:sp>
+        <p:nvSpPr>
+          <p:cNvPr id="2" name="제목 1">
+            <a:extLst>
+              <a:ext uri="{FF2B5EF4-FFF2-40B4-BE49-F238E27FC236}">
+                <a16:creationId xmlns:a16="http://schemas.microsoft.com/office/drawing/2014/main" id="{7D246760-E808-458B-A81C-D5E908A9E2A4}"/>
+              </a:ext>
+            </a:extLst>
+          </p:cNvPr>
+          <p:cNvSpPr txBox="1">
+            <a:spLocks/>
+          </p:cNvSpPr>
+          <p:nvPr/>
+        </p:nvSpPr>
+        <p:spPr>
+          <a:xfrm>
+            <a:off x="150829" y="122548"/>
+            <a:ext cx="6042581" cy="641023"/>
+          </a:xfrm>
+          <a:prstGeom prst="rect">
+            <a:avLst/>
+          </a:prstGeom>
+        </p:spPr>
+        <p:txBody>
+          <a:bodyPr>
+            <a:normAutofit fontScale="97500" lnSpcReduction="10000"/>
+          </a:bodyPr>
+          <a:lstStyle>
+            <a:lvl1pPr algn="l" defTabSz="914400" rtl="0" eaLnBrk="1" latinLnBrk="1" hangingPunct="1">
+              <a:lnSpc>
+                <a:spcPct val="90000"/>
+              </a:lnSpc>
+              <a:spcBef>
+                <a:spcPct val="0"/>
+              </a:spcBef>
+              <a:buNone/>
+              <a:defRPr sz="4400" kern="1200">
+                <a:solidFill>
+                  <a:schemeClr val="tx1"/>
+                </a:solidFill>
+                <a:latin typeface="+mj-lt"/>
+                <a:ea typeface="+mj-ea"/>
+                <a:cs typeface="+mj-cs"/>
+              </a:defRPr>
+            </a:lvl1pPr>
+          </a:lstStyle>
+          <a:p>
+            <a:r>
+              <a:rPr lang="en-US" altLang="ko-KR" dirty="0">
+                <a:latin typeface="210 키위바나나 B" panose="02020603020101020101" pitchFamily="18" charset="-127"/>
+                <a:ea typeface="210 키위바나나 B" panose="02020603020101020101" pitchFamily="18" charset="-127"/>
+              </a:rPr>
+              <a:t>0417_</a:t>
+            </a:r>
+            <a:r>
+              <a:rPr lang="ko-KR" altLang="en-US" dirty="0" err="1">
+                <a:latin typeface="210 키위바나나 B" panose="02020603020101020101" pitchFamily="18" charset="-127"/>
+                <a:ea typeface="210 키위바나나 B" panose="02020603020101020101" pitchFamily="18" charset="-127"/>
+              </a:rPr>
+              <a:t>막히는거</a:t>
+            </a:r>
+            <a:endParaRPr lang="ko-KR" altLang="en-US" dirty="0">
+              <a:latin typeface="210 키위바나나 B" panose="02020603020101020101" pitchFamily="18" charset="-127"/>
+              <a:ea typeface="210 키위바나나 B" panose="02020603020101020101" pitchFamily="18" charset="-127"/>
+            </a:endParaRPr>
+          </a:p>
+        </p:txBody>
+      </p:sp>
+      <p:pic>
+        <p:nvPicPr>
+          <p:cNvPr id="3" name="그림 2">
+            <a:extLst>
+              <a:ext uri="{FF2B5EF4-FFF2-40B4-BE49-F238E27FC236}">
+                <a16:creationId xmlns:a16="http://schemas.microsoft.com/office/drawing/2014/main" id="{B239F84E-D280-42BA-99B6-8C89EAAD07B9}"/>
+              </a:ext>
+            </a:extLst>
+          </p:cNvPr>
+          <p:cNvPicPr>
+            <a:picLocks noChangeAspect="1"/>
+          </p:cNvPicPr>
+          <p:nvPr/>
+        </p:nvPicPr>
+        <p:blipFill>
+          <a:blip r:embed="rId2"/>
+          <a:stretch>
+            <a:fillRect/>
+          </a:stretch>
+        </p:blipFill>
+        <p:spPr>
+          <a:xfrm>
+            <a:off x="273376" y="883408"/>
+            <a:ext cx="9184849" cy="4530288"/>
+          </a:xfrm>
+          <a:prstGeom prst="rect">
+            <a:avLst/>
+          </a:prstGeom>
+        </p:spPr>
+      </p:pic>
+      <p:sp>
+        <p:nvSpPr>
+          <p:cNvPr id="4" name="TextBox 3">
+            <a:extLst>
+              <a:ext uri="{FF2B5EF4-FFF2-40B4-BE49-F238E27FC236}">
+                <a16:creationId xmlns:a16="http://schemas.microsoft.com/office/drawing/2014/main" id="{0CDD95E3-F587-4F04-9AA5-1EA14816FF28}"/>
+              </a:ext>
+            </a:extLst>
+          </p:cNvPr>
+          <p:cNvSpPr txBox="1"/>
+          <p:nvPr/>
+        </p:nvSpPr>
+        <p:spPr>
+          <a:xfrm>
+            <a:off x="546755" y="5533534"/>
+            <a:ext cx="11255604" cy="707886"/>
+          </a:xfrm>
+          <a:prstGeom prst="rect">
+            <a:avLst/>
+          </a:prstGeom>
+          <a:noFill/>
+        </p:spPr>
+        <p:txBody>
+          <a:bodyPr wrap="square" rtlCol="0">
+            <a:spAutoFit/>
+          </a:bodyPr>
+          <a:lstStyle/>
+          <a:p>
+            <a:pPr algn="l"/>
+            <a:r>
+              <a:rPr lang="en-US" altLang="ko-KR" sz="2000" dirty="0">
+                <a:latin typeface="210 맨발의청춘 L" panose="02020603020101020101" pitchFamily="18" charset="-127"/>
+                <a:ea typeface="210 맨발의청춘 L" panose="02020603020101020101" pitchFamily="18" charset="-127"/>
+              </a:rPr>
+              <a:t>BLIA </a:t>
+            </a:r>
+            <a:r>
+              <a:rPr lang="ko-KR" altLang="en-US" sz="2000" dirty="0" err="1">
+                <a:latin typeface="210 맨발의청춘 L" panose="02020603020101020101" pitchFamily="18" charset="-127"/>
+                <a:ea typeface="210 맨발의청춘 L" panose="02020603020101020101" pitchFamily="18" charset="-127"/>
+              </a:rPr>
+              <a:t>통채로</a:t>
+            </a:r>
+            <a:r>
+              <a:rPr lang="ko-KR" altLang="en-US" sz="2000" dirty="0">
+                <a:latin typeface="210 맨발의청춘 L" panose="02020603020101020101" pitchFamily="18" charset="-127"/>
+                <a:ea typeface="210 맨발의청춘 L" panose="02020603020101020101" pitchFamily="18" charset="-127"/>
+              </a:rPr>
+              <a:t> </a:t>
+            </a:r>
+            <a:r>
+              <a:rPr lang="ko-KR" altLang="en-US" sz="2000" dirty="0" err="1">
+                <a:latin typeface="210 맨발의청춘 L" panose="02020603020101020101" pitchFamily="18" charset="-127"/>
+                <a:ea typeface="210 맨발의청춘 L" panose="02020603020101020101" pitchFamily="18" charset="-127"/>
+              </a:rPr>
+              <a:t>올리려니까</a:t>
+            </a:r>
+            <a:r>
+              <a:rPr lang="ko-KR" altLang="en-US" sz="2000" dirty="0">
+                <a:latin typeface="210 맨발의청춘 L" panose="02020603020101020101" pitchFamily="18" charset="-127"/>
+                <a:ea typeface="210 맨발의청춘 L" panose="02020603020101020101" pitchFamily="18" charset="-127"/>
+              </a:rPr>
+              <a:t> 파일이 너무 많아서 안된다</a:t>
+            </a:r>
+            <a:r>
+              <a:rPr lang="en-US" altLang="ko-KR" sz="2000" dirty="0">
+                <a:latin typeface="210 맨발의청춘 L" panose="02020603020101020101" pitchFamily="18" charset="-127"/>
+                <a:ea typeface="210 맨발의청춘 L" panose="02020603020101020101" pitchFamily="18" charset="-127"/>
+              </a:rPr>
+              <a:t>.</a:t>
+            </a:r>
+          </a:p>
+          <a:p>
+            <a:pPr algn="l"/>
+            <a:r>
+              <a:rPr lang="ko-KR" altLang="en-US" sz="2000" dirty="0">
+                <a:latin typeface="210 맨발의청춘 L" panose="02020603020101020101" pitchFamily="18" charset="-127"/>
+                <a:ea typeface="210 맨발의청춘 L" panose="02020603020101020101" pitchFamily="18" charset="-127"/>
+              </a:rPr>
+              <a:t>일단 올리지 않고 </a:t>
+            </a:r>
+            <a:r>
+              <a:rPr lang="en-US" altLang="ko-KR" sz="2000" dirty="0" err="1">
+                <a:latin typeface="210 맨발의청춘 L" panose="02020603020101020101" pitchFamily="18" charset="-127"/>
+                <a:ea typeface="210 맨발의청춘 L" panose="02020603020101020101" pitchFamily="18" charset="-127"/>
+              </a:rPr>
+              <a:t>showcaseparser</a:t>
+            </a:r>
+            <a:r>
+              <a:rPr lang="ko-KR" altLang="en-US" sz="2000" dirty="0">
+                <a:latin typeface="210 맨발의청춘 L" panose="02020603020101020101" pitchFamily="18" charset="-127"/>
+                <a:ea typeface="210 맨발의청춘 L" panose="02020603020101020101" pitchFamily="18" charset="-127"/>
+              </a:rPr>
+              <a:t> 수정해본다 </a:t>
+            </a:r>
+          </a:p>
+        </p:txBody>
+      </p:sp>
+    </p:spTree>
+    <p:extLst>
+      <p:ext uri="{BB962C8B-B14F-4D97-AF65-F5344CB8AC3E}">
+        <p14:creationId xmlns:p14="http://schemas.microsoft.com/office/powerpoint/2010/main" val="4165767519"/>
+      </p:ext>
+    </p:extLst>
+  </p:cSld>
+  <p:clrMapOvr>
+    <a:masterClrMapping/>
+  </p:clrMapOvr>
+</p:sld>
+</file>
+
+<file path=ppt/slides/slide21.xml><?xml version="1.0" encoding="utf-8"?>
+<p:sld xmlns:a="http://schemas.openxmlformats.org/drawingml/2006/main" xmlns:r="http://schemas.openxmlformats.org/officeDocument/2006/relationships" xmlns:p="http://schemas.openxmlformats.org/presentationml/2006/main">
+  <p:cSld>
+    <p:spTree>
+      <p:nvGrpSpPr>
+        <p:cNvPr id="1" name=""/>
+        <p:cNvGrpSpPr/>
+        <p:nvPr/>
+      </p:nvGrpSpPr>
+      <p:grpSpPr>
+        <a:xfrm>
+          <a:off x="0" y="0"/>
+          <a:ext cx="0" cy="0"/>
+          <a:chOff x="0" y="0"/>
+          <a:chExt cx="0" cy="0"/>
+        </a:xfrm>
+      </p:grpSpPr>
+      <p:pic>
+        <p:nvPicPr>
+          <p:cNvPr id="2" name="그림 1">
+            <a:extLst>
+              <a:ext uri="{FF2B5EF4-FFF2-40B4-BE49-F238E27FC236}">
+                <a16:creationId xmlns:a16="http://schemas.microsoft.com/office/drawing/2014/main" id="{46EBE59A-C34B-4B0C-A0FB-DEB036D205E3}"/>
+              </a:ext>
+            </a:extLst>
+          </p:cNvPr>
+          <p:cNvPicPr>
+            <a:picLocks noChangeAspect="1"/>
+          </p:cNvPicPr>
+          <p:nvPr/>
+        </p:nvPicPr>
+        <p:blipFill>
+          <a:blip r:embed="rId2"/>
+          <a:stretch>
+            <a:fillRect/>
+          </a:stretch>
+        </p:blipFill>
+        <p:spPr>
+          <a:xfrm>
+            <a:off x="2859071" y="314471"/>
+            <a:ext cx="9182100" cy="257175"/>
+          </a:xfrm>
+          <a:prstGeom prst="rect">
+            <a:avLst/>
+          </a:prstGeom>
+        </p:spPr>
+      </p:pic>
+      <p:sp>
+        <p:nvSpPr>
+          <p:cNvPr id="3" name="제목 1">
+            <a:extLst>
+              <a:ext uri="{FF2B5EF4-FFF2-40B4-BE49-F238E27FC236}">
+                <a16:creationId xmlns:a16="http://schemas.microsoft.com/office/drawing/2014/main" id="{B17C2B82-2F18-44A1-BCDB-4EDC4A1EC35D}"/>
+              </a:ext>
+            </a:extLst>
+          </p:cNvPr>
+          <p:cNvSpPr txBox="1">
+            <a:spLocks/>
+          </p:cNvSpPr>
+          <p:nvPr/>
+        </p:nvSpPr>
+        <p:spPr>
+          <a:xfrm>
+            <a:off x="150829" y="122548"/>
+            <a:ext cx="6042581" cy="641023"/>
+          </a:xfrm>
+          <a:prstGeom prst="rect">
+            <a:avLst/>
+          </a:prstGeom>
+        </p:spPr>
+        <p:txBody>
+          <a:bodyPr>
+            <a:normAutofit fontScale="97500" lnSpcReduction="10000"/>
+          </a:bodyPr>
+          <a:lstStyle>
+            <a:lvl1pPr algn="l" defTabSz="914400" rtl="0" eaLnBrk="1" latinLnBrk="1" hangingPunct="1">
+              <a:lnSpc>
+                <a:spcPct val="90000"/>
+              </a:lnSpc>
+              <a:spcBef>
+                <a:spcPct val="0"/>
+              </a:spcBef>
+              <a:buNone/>
+              <a:defRPr sz="4400" kern="1200">
+                <a:solidFill>
+                  <a:schemeClr val="tx1"/>
+                </a:solidFill>
+                <a:latin typeface="+mj-lt"/>
+                <a:ea typeface="+mj-ea"/>
+                <a:cs typeface="+mj-cs"/>
+              </a:defRPr>
+            </a:lvl1pPr>
+          </a:lstStyle>
+          <a:p>
+            <a:r>
+              <a:rPr lang="en-US" altLang="ko-KR" dirty="0">
+                <a:latin typeface="210 키위바나나 B" panose="02020603020101020101" pitchFamily="18" charset="-127"/>
+                <a:ea typeface="210 키위바나나 B" panose="02020603020101020101" pitchFamily="18" charset="-127"/>
+              </a:rPr>
+              <a:t>0417_</a:t>
+            </a:r>
+            <a:r>
+              <a:rPr lang="ko-KR" altLang="en-US" dirty="0" err="1">
+                <a:latin typeface="210 키위바나나 B" panose="02020603020101020101" pitchFamily="18" charset="-127"/>
+                <a:ea typeface="210 키위바나나 B" panose="02020603020101020101" pitchFamily="18" charset="-127"/>
+              </a:rPr>
+              <a:t>막히는거</a:t>
+            </a:r>
+            <a:endParaRPr lang="ko-KR" altLang="en-US" dirty="0">
+              <a:latin typeface="210 키위바나나 B" panose="02020603020101020101" pitchFamily="18" charset="-127"/>
+              <a:ea typeface="210 키위바나나 B" panose="02020603020101020101" pitchFamily="18" charset="-127"/>
+            </a:endParaRPr>
+          </a:p>
+        </p:txBody>
+      </p:sp>
+      <p:pic>
+        <p:nvPicPr>
+          <p:cNvPr id="4" name="그림 3">
+            <a:extLst>
+              <a:ext uri="{FF2B5EF4-FFF2-40B4-BE49-F238E27FC236}">
+                <a16:creationId xmlns:a16="http://schemas.microsoft.com/office/drawing/2014/main" id="{CC9AE0BC-0931-46DE-836F-57DC73D9513E}"/>
+              </a:ext>
+            </a:extLst>
+          </p:cNvPr>
+          <p:cNvPicPr>
+            <a:picLocks noChangeAspect="1"/>
+          </p:cNvPicPr>
+          <p:nvPr/>
+        </p:nvPicPr>
+        <p:blipFill>
+          <a:blip r:embed="rId3"/>
+          <a:stretch>
+            <a:fillRect/>
+          </a:stretch>
+        </p:blipFill>
+        <p:spPr>
+          <a:xfrm>
+            <a:off x="424207" y="955494"/>
+            <a:ext cx="8119621" cy="4246718"/>
+          </a:xfrm>
+          <a:prstGeom prst="rect">
+            <a:avLst/>
+          </a:prstGeom>
+        </p:spPr>
+      </p:pic>
+      <p:pic>
+        <p:nvPicPr>
+          <p:cNvPr id="5" name="그림 4">
+            <a:extLst>
+              <a:ext uri="{FF2B5EF4-FFF2-40B4-BE49-F238E27FC236}">
+                <a16:creationId xmlns:a16="http://schemas.microsoft.com/office/drawing/2014/main" id="{392CBD9F-15B2-41B6-BF47-D0552D1857BD}"/>
+              </a:ext>
+            </a:extLst>
+          </p:cNvPr>
+          <p:cNvPicPr>
+            <a:picLocks noChangeAspect="1"/>
+          </p:cNvPicPr>
+          <p:nvPr/>
+        </p:nvPicPr>
+        <p:blipFill>
+          <a:blip r:embed="rId4"/>
+          <a:stretch>
+            <a:fillRect/>
+          </a:stretch>
+        </p:blipFill>
+        <p:spPr>
+          <a:xfrm>
+            <a:off x="226243" y="4280594"/>
+            <a:ext cx="6142331" cy="2227082"/>
+          </a:xfrm>
+          <a:prstGeom prst="rect">
+            <a:avLst/>
+          </a:prstGeom>
+        </p:spPr>
+      </p:pic>
+      <p:pic>
+        <p:nvPicPr>
+          <p:cNvPr id="6" name="그림 5">
+            <a:extLst>
+              <a:ext uri="{FF2B5EF4-FFF2-40B4-BE49-F238E27FC236}">
+                <a16:creationId xmlns:a16="http://schemas.microsoft.com/office/drawing/2014/main" id="{529E1350-C1E6-4F7A-97BD-DADA7BE4B4CB}"/>
+              </a:ext>
+            </a:extLst>
+          </p:cNvPr>
+          <p:cNvPicPr>
+            <a:picLocks noChangeAspect="1"/>
+          </p:cNvPicPr>
+          <p:nvPr/>
+        </p:nvPicPr>
+        <p:blipFill>
+          <a:blip r:embed="rId5"/>
+          <a:stretch>
+            <a:fillRect/>
+          </a:stretch>
+        </p:blipFill>
+        <p:spPr>
+          <a:xfrm>
+            <a:off x="0" y="4088669"/>
+            <a:ext cx="7522368" cy="279328"/>
+          </a:xfrm>
+          <a:prstGeom prst="rect">
+            <a:avLst/>
+          </a:prstGeom>
+        </p:spPr>
+      </p:pic>
+      <p:sp>
+        <p:nvSpPr>
+          <p:cNvPr id="7" name="TextBox 6">
+            <a:extLst>
+              <a:ext uri="{FF2B5EF4-FFF2-40B4-BE49-F238E27FC236}">
+                <a16:creationId xmlns:a16="http://schemas.microsoft.com/office/drawing/2014/main" id="{2E7CA2F1-38FB-45B3-8979-B9196FB53B12}"/>
+              </a:ext>
+            </a:extLst>
+          </p:cNvPr>
+          <p:cNvSpPr txBox="1"/>
+          <p:nvPr/>
+        </p:nvSpPr>
+        <p:spPr>
+          <a:xfrm>
+            <a:off x="7654565" y="4769963"/>
+            <a:ext cx="3601039" cy="707886"/>
+          </a:xfrm>
+          <a:prstGeom prst="rect">
+            <a:avLst/>
+          </a:prstGeom>
+          <a:noFill/>
+        </p:spPr>
+        <p:txBody>
+          <a:bodyPr wrap="square" rtlCol="0">
+            <a:spAutoFit/>
+          </a:bodyPr>
+          <a:lstStyle/>
+          <a:p>
+            <a:pPr algn="l"/>
+            <a:r>
+              <a:rPr lang="en-US" altLang="ko-KR" sz="2000" dirty="0">
+                <a:latin typeface="210 맨발의청춘 L" panose="02020603020101020101" pitchFamily="18" charset="-127"/>
+                <a:ea typeface="210 맨발의청춘 L" panose="02020603020101020101" pitchFamily="18" charset="-127"/>
+              </a:rPr>
+              <a:t>/issues</a:t>
+            </a:r>
+            <a:r>
+              <a:rPr lang="ko-KR" altLang="en-US" sz="2000" dirty="0">
+                <a:latin typeface="210 맨발의청춘 L" panose="02020603020101020101" pitchFamily="18" charset="-127"/>
+                <a:ea typeface="210 맨발의청춘 L" panose="02020603020101020101" pitchFamily="18" charset="-127"/>
+              </a:rPr>
+              <a:t>랑 </a:t>
+            </a:r>
+            <a:r>
+              <a:rPr lang="en-US" altLang="ko-KR" sz="2000" dirty="0">
+                <a:latin typeface="210 맨발의청춘 L" panose="02020603020101020101" pitchFamily="18" charset="-127"/>
+                <a:ea typeface="210 맨발의청춘 L" panose="02020603020101020101" pitchFamily="18" charset="-127"/>
+              </a:rPr>
+              <a:t>/pull</a:t>
+            </a:r>
+            <a:r>
+              <a:rPr lang="ko-KR" altLang="en-US" sz="2000" dirty="0">
+                <a:latin typeface="210 맨발의청춘 L" panose="02020603020101020101" pitchFamily="18" charset="-127"/>
+                <a:ea typeface="210 맨발의청춘 L" panose="02020603020101020101" pitchFamily="18" charset="-127"/>
+              </a:rPr>
+              <a:t> 어디에도 </a:t>
+            </a:r>
+            <a:r>
+              <a:rPr lang="en-US" altLang="ko-KR" sz="2000" dirty="0">
+                <a:latin typeface="210 맨발의청춘 L" panose="02020603020101020101" pitchFamily="18" charset="-127"/>
+                <a:ea typeface="210 맨발의청춘 L" panose="02020603020101020101" pitchFamily="18" charset="-127"/>
+              </a:rPr>
+              <a:t>#296</a:t>
+            </a:r>
+            <a:r>
+              <a:rPr lang="ko-KR" altLang="en-US" sz="2000" dirty="0">
+                <a:latin typeface="210 맨발의청춘 L" panose="02020603020101020101" pitchFamily="18" charset="-127"/>
+                <a:ea typeface="210 맨발의청춘 L" panose="02020603020101020101" pitchFamily="18" charset="-127"/>
+              </a:rPr>
+              <a:t>번 이 없다 그냥 무시</a:t>
+            </a:r>
+          </a:p>
+        </p:txBody>
+      </p:sp>
+      <p:pic>
+        <p:nvPicPr>
+          <p:cNvPr id="8" name="그림 7">
+            <a:extLst>
+              <a:ext uri="{FF2B5EF4-FFF2-40B4-BE49-F238E27FC236}">
+                <a16:creationId xmlns:a16="http://schemas.microsoft.com/office/drawing/2014/main" id="{FA254174-E46A-47DC-917D-D6DC17F94F8E}"/>
+              </a:ext>
+            </a:extLst>
+          </p:cNvPr>
+          <p:cNvPicPr>
+            <a:picLocks noChangeAspect="1"/>
+          </p:cNvPicPr>
+          <p:nvPr/>
+        </p:nvPicPr>
+        <p:blipFill>
+          <a:blip r:embed="rId6"/>
+          <a:stretch>
+            <a:fillRect/>
+          </a:stretch>
+        </p:blipFill>
+        <p:spPr>
+          <a:xfrm>
+            <a:off x="7654565" y="5586060"/>
+            <a:ext cx="3048000" cy="704850"/>
+          </a:xfrm>
+          <a:prstGeom prst="rect">
+            <a:avLst/>
+          </a:prstGeom>
+        </p:spPr>
+      </p:pic>
+    </p:spTree>
+    <p:extLst>
+      <p:ext uri="{BB962C8B-B14F-4D97-AF65-F5344CB8AC3E}">
+        <p14:creationId xmlns:p14="http://schemas.microsoft.com/office/powerpoint/2010/main" val="1156715952"/>
+      </p:ext>
+    </p:extLst>
+  </p:cSld>
+  <p:clrMapOvr>
+    <a:masterClrMapping/>
+  </p:clrMapOvr>
+</p:sld>
+</file>
+
+<file path=ppt/slides/slide22.xml><?xml version="1.0" encoding="utf-8"?>
+<p:sld xmlns:a="http://schemas.openxmlformats.org/drawingml/2006/main" xmlns:r="http://schemas.openxmlformats.org/officeDocument/2006/relationships" xmlns:p="http://schemas.openxmlformats.org/presentationml/2006/main">
+  <p:cSld>
+    <p:spTree>
+      <p:nvGrpSpPr>
+        <p:cNvPr id="1" name=""/>
+        <p:cNvGrpSpPr/>
+        <p:nvPr/>
+      </p:nvGrpSpPr>
+      <p:grpSpPr>
+        <a:xfrm>
+          <a:off x="0" y="0"/>
+          <a:ext cx="0" cy="0"/>
+          <a:chOff x="0" y="0"/>
+          <a:chExt cx="0" cy="0"/>
+        </a:xfrm>
+      </p:grpSpPr>
+      <p:pic>
+        <p:nvPicPr>
+          <p:cNvPr id="2" name="그림 1">
+            <a:extLst>
+              <a:ext uri="{FF2B5EF4-FFF2-40B4-BE49-F238E27FC236}">
+                <a16:creationId xmlns:a16="http://schemas.microsoft.com/office/drawing/2014/main" id="{602CE0F8-5C8A-4777-BC6C-10E50B679632}"/>
+              </a:ext>
+            </a:extLst>
+          </p:cNvPr>
+          <p:cNvPicPr>
+            <a:picLocks noChangeAspect="1"/>
+          </p:cNvPicPr>
+          <p:nvPr/>
+        </p:nvPicPr>
+        <p:blipFill>
+          <a:blip r:embed="rId2"/>
+          <a:stretch>
+            <a:fillRect/>
+          </a:stretch>
+        </p:blipFill>
+        <p:spPr>
+          <a:xfrm>
+            <a:off x="414779" y="862749"/>
+            <a:ext cx="10589443" cy="5625642"/>
+          </a:xfrm>
+          <a:prstGeom prst="rect">
+            <a:avLst/>
+          </a:prstGeom>
+        </p:spPr>
+      </p:pic>
+    </p:spTree>
+    <p:extLst>
+      <p:ext uri="{BB962C8B-B14F-4D97-AF65-F5344CB8AC3E}">
+        <p14:creationId xmlns:p14="http://schemas.microsoft.com/office/powerpoint/2010/main" val="4045407201"/>
+      </p:ext>
+    </p:extLst>
+  </p:cSld>
+  <p:clrMapOvr>
+    <a:masterClrMapping/>
+  </p:clrMapOvr>
+</p:sld>
+</file>
+
+<file path=ppt/slides/slide23.xml><?xml version="1.0" encoding="utf-8"?>
+<p:sld xmlns:a="http://schemas.openxmlformats.org/drawingml/2006/main" xmlns:r="http://schemas.openxmlformats.org/officeDocument/2006/relationships" xmlns:p="http://schemas.openxmlformats.org/presentationml/2006/main">
+  <p:cSld>
+    <p:spTree>
+      <p:nvGrpSpPr>
+        <p:cNvPr id="1" name=""/>
+        <p:cNvGrpSpPr/>
+        <p:nvPr/>
+      </p:nvGrpSpPr>
+      <p:grpSpPr>
+        <a:xfrm>
+          <a:off x="0" y="0"/>
+          <a:ext cx="0" cy="0"/>
+          <a:chOff x="0" y="0"/>
+          <a:chExt cx="0" cy="0"/>
+        </a:xfrm>
+      </p:grpSpPr>
+      <p:pic>
+        <p:nvPicPr>
+          <p:cNvPr id="2" name="그림 1">
+            <a:extLst>
+              <a:ext uri="{FF2B5EF4-FFF2-40B4-BE49-F238E27FC236}">
+                <a16:creationId xmlns:a16="http://schemas.microsoft.com/office/drawing/2014/main" id="{CF59D626-084D-4E60-B544-C5859B4650E8}"/>
+              </a:ext>
+            </a:extLst>
+          </p:cNvPr>
+          <p:cNvPicPr>
+            <a:picLocks noChangeAspect="1"/>
+          </p:cNvPicPr>
+          <p:nvPr/>
+        </p:nvPicPr>
+        <p:blipFill>
+          <a:blip r:embed="rId2"/>
+          <a:stretch>
+            <a:fillRect/>
+          </a:stretch>
+        </p:blipFill>
+        <p:spPr>
+          <a:xfrm>
+            <a:off x="289285" y="256782"/>
+            <a:ext cx="6300051" cy="2391381"/>
+          </a:xfrm>
+          <a:prstGeom prst="rect">
+            <a:avLst/>
+          </a:prstGeom>
+        </p:spPr>
+      </p:pic>
+      <p:pic>
+        <p:nvPicPr>
+          <p:cNvPr id="3" name="그림 2">
+            <a:extLst>
+              <a:ext uri="{FF2B5EF4-FFF2-40B4-BE49-F238E27FC236}">
+                <a16:creationId xmlns:a16="http://schemas.microsoft.com/office/drawing/2014/main" id="{445540F3-71C4-48AB-9912-E01057355988}"/>
+              </a:ext>
+            </a:extLst>
+          </p:cNvPr>
+          <p:cNvPicPr>
+            <a:picLocks noChangeAspect="1"/>
+          </p:cNvPicPr>
+          <p:nvPr/>
+        </p:nvPicPr>
+        <p:blipFill>
+          <a:blip r:embed="rId3"/>
+          <a:stretch>
+            <a:fillRect/>
+          </a:stretch>
+        </p:blipFill>
+        <p:spPr>
+          <a:xfrm>
+            <a:off x="6636666" y="256782"/>
+            <a:ext cx="5555334" cy="1755996"/>
+          </a:xfrm>
+          <a:prstGeom prst="rect">
+            <a:avLst/>
+          </a:prstGeom>
+        </p:spPr>
+      </p:pic>
+      <p:sp>
+        <p:nvSpPr>
+          <p:cNvPr id="4" name="TextBox 3">
+            <a:extLst>
+              <a:ext uri="{FF2B5EF4-FFF2-40B4-BE49-F238E27FC236}">
+                <a16:creationId xmlns:a16="http://schemas.microsoft.com/office/drawing/2014/main" id="{DC540238-05B8-49BB-AF0A-284F8795F988}"/>
+              </a:ext>
+            </a:extLst>
+          </p:cNvPr>
+          <p:cNvSpPr txBox="1"/>
+          <p:nvPr/>
+        </p:nvSpPr>
+        <p:spPr>
+          <a:xfrm>
+            <a:off x="5175315" y="294490"/>
+            <a:ext cx="2196446" cy="400110"/>
+          </a:xfrm>
+          <a:prstGeom prst="rect">
+            <a:avLst/>
+          </a:prstGeom>
+          <a:noFill/>
+        </p:spPr>
+        <p:txBody>
+          <a:bodyPr wrap="square" rtlCol="0">
+            <a:spAutoFit/>
+          </a:bodyPr>
+          <a:lstStyle/>
+          <a:p>
+            <a:pPr algn="l"/>
+            <a:r>
+              <a:rPr lang="en-US" altLang="ko-KR" sz="2000" dirty="0">
+                <a:latin typeface="210 맨발의청춘 L" panose="02020603020101020101" pitchFamily="18" charset="-127"/>
+                <a:ea typeface="210 맨발의청춘 L" panose="02020603020101020101" pitchFamily="18" charset="-127"/>
+              </a:rPr>
+              <a:t>bitcoin</a:t>
+            </a:r>
+            <a:endParaRPr lang="ko-KR" altLang="en-US" sz="2000" dirty="0">
+              <a:latin typeface="210 맨발의청춘 L" panose="02020603020101020101" pitchFamily="18" charset="-127"/>
+              <a:ea typeface="210 맨발의청춘 L" panose="02020603020101020101" pitchFamily="18" charset="-127"/>
+            </a:endParaRPr>
+          </a:p>
+        </p:txBody>
+      </p:sp>
+      <p:sp>
+        <p:nvSpPr>
+          <p:cNvPr id="5" name="TextBox 4">
+            <a:extLst>
+              <a:ext uri="{FF2B5EF4-FFF2-40B4-BE49-F238E27FC236}">
+                <a16:creationId xmlns:a16="http://schemas.microsoft.com/office/drawing/2014/main" id="{E02885C6-72C2-4616-A661-A95FBDE8396C}"/>
+              </a:ext>
+            </a:extLst>
+          </p:cNvPr>
+          <p:cNvSpPr txBox="1"/>
+          <p:nvPr/>
+        </p:nvSpPr>
+        <p:spPr>
+          <a:xfrm>
+            <a:off x="10814115" y="1483961"/>
+            <a:ext cx="2196446" cy="400110"/>
+          </a:xfrm>
+          <a:prstGeom prst="rect">
+            <a:avLst/>
+          </a:prstGeom>
+          <a:noFill/>
+        </p:spPr>
+        <p:txBody>
+          <a:bodyPr wrap="square" rtlCol="0">
+            <a:spAutoFit/>
+          </a:bodyPr>
+          <a:lstStyle/>
+          <a:p>
+            <a:pPr algn="l"/>
+            <a:r>
+              <a:rPr lang="en-US" altLang="ko-KR" sz="2000" dirty="0">
+                <a:latin typeface="210 맨발의청춘 L" panose="02020603020101020101" pitchFamily="18" charset="-127"/>
+                <a:ea typeface="210 맨발의청춘 L" panose="02020603020101020101" pitchFamily="18" charset="-127"/>
+              </a:rPr>
+              <a:t>atom</a:t>
+            </a:r>
+            <a:endParaRPr lang="ko-KR" altLang="en-US" sz="2000" dirty="0">
+              <a:latin typeface="210 맨발의청춘 L" panose="02020603020101020101" pitchFamily="18" charset="-127"/>
+              <a:ea typeface="210 맨발의청춘 L" panose="02020603020101020101" pitchFamily="18" charset="-127"/>
+            </a:endParaRPr>
+          </a:p>
+        </p:txBody>
+      </p:sp>
+      <p:sp>
+        <p:nvSpPr>
+          <p:cNvPr id="6" name="TextBox 5">
+            <a:extLst>
+              <a:ext uri="{FF2B5EF4-FFF2-40B4-BE49-F238E27FC236}">
+                <a16:creationId xmlns:a16="http://schemas.microsoft.com/office/drawing/2014/main" id="{53CBEC3B-6ED6-46EC-8A00-9223E67B9352}"/>
+              </a:ext>
+            </a:extLst>
+          </p:cNvPr>
+          <p:cNvSpPr txBox="1"/>
+          <p:nvPr/>
+        </p:nvSpPr>
+        <p:spPr>
+          <a:xfrm>
+            <a:off x="3327858" y="2907142"/>
+            <a:ext cx="3308808" cy="400110"/>
+          </a:xfrm>
+          <a:prstGeom prst="rect">
+            <a:avLst/>
+          </a:prstGeom>
+          <a:noFill/>
+        </p:spPr>
+        <p:txBody>
+          <a:bodyPr wrap="square" rtlCol="0">
+            <a:spAutoFit/>
+          </a:bodyPr>
+          <a:lstStyle/>
+          <a:p>
+            <a:pPr algn="l"/>
+            <a:r>
+              <a:rPr lang="ko-KR" altLang="en-US" sz="2000" dirty="0">
+                <a:latin typeface="210 맨발의청춘 L" panose="02020603020101020101" pitchFamily="18" charset="-127"/>
+                <a:ea typeface="210 맨발의청춘 L" panose="02020603020101020101" pitchFamily="18" charset="-127"/>
+              </a:rPr>
+              <a:t>구조가 똑같은데</a:t>
+            </a:r>
+          </a:p>
+        </p:txBody>
+      </p:sp>
+      <p:pic>
+        <p:nvPicPr>
+          <p:cNvPr id="7" name="그림 6">
+            <a:extLst>
+              <a:ext uri="{FF2B5EF4-FFF2-40B4-BE49-F238E27FC236}">
+                <a16:creationId xmlns:a16="http://schemas.microsoft.com/office/drawing/2014/main" id="{F26F7A32-1568-4842-A257-1FF57880FD56}"/>
+              </a:ext>
+            </a:extLst>
+          </p:cNvPr>
+          <p:cNvPicPr>
+            <a:picLocks noChangeAspect="1"/>
+          </p:cNvPicPr>
+          <p:nvPr/>
+        </p:nvPicPr>
+        <p:blipFill>
+          <a:blip r:embed="rId4"/>
+          <a:stretch>
+            <a:fillRect/>
+          </a:stretch>
+        </p:blipFill>
+        <p:spPr>
+          <a:xfrm>
+            <a:off x="518361" y="3307252"/>
+            <a:ext cx="9601833" cy="2391380"/>
+          </a:xfrm>
+          <a:prstGeom prst="rect">
+            <a:avLst/>
+          </a:prstGeom>
+        </p:spPr>
+      </p:pic>
+      <p:sp>
+        <p:nvSpPr>
+          <p:cNvPr id="10" name="직사각형 9">
+            <a:extLst>
+              <a:ext uri="{FF2B5EF4-FFF2-40B4-BE49-F238E27FC236}">
+                <a16:creationId xmlns:a16="http://schemas.microsoft.com/office/drawing/2014/main" id="{B787B08C-0A09-4E4F-A852-C6D3D1B3DC2C}"/>
+              </a:ext>
+            </a:extLst>
+          </p:cNvPr>
+          <p:cNvSpPr/>
+          <p:nvPr/>
+        </p:nvSpPr>
+        <p:spPr>
+          <a:xfrm>
+            <a:off x="0" y="5917179"/>
+            <a:ext cx="8644379" cy="646331"/>
+          </a:xfrm>
+          <a:prstGeom prst="rect">
+            <a:avLst/>
+          </a:prstGeom>
+        </p:spPr>
+        <p:txBody>
+          <a:bodyPr wrap="square">
+            <a:spAutoFit/>
+          </a:bodyPr>
+          <a:lstStyle/>
+          <a:p>
+            <a:r>
+              <a:rPr lang="en-US" altLang="ko-KR" dirty="0" err="1"/>
+              <a:t>Integer.parseInt</a:t>
+            </a:r>
+            <a:r>
+              <a:rPr lang="en-US" altLang="ko-KR" dirty="0"/>
+              <a:t>(</a:t>
+            </a:r>
+            <a:r>
+              <a:rPr lang="en-US" altLang="ko-KR" dirty="0" err="1"/>
+              <a:t>String.valueOf</a:t>
+            </a:r>
+            <a:r>
+              <a:rPr lang="en-US" altLang="ko-KR" dirty="0"/>
+              <a:t>(</a:t>
+            </a:r>
+            <a:r>
+              <a:rPr lang="en-US" altLang="ko-KR" dirty="0" err="1"/>
+              <a:t>doc.select</a:t>
+            </a:r>
+            <a:r>
+              <a:rPr lang="en-US" altLang="ko-KR" dirty="0"/>
+              <a:t>("div.float-left.col-9.p-2.lh-condensed").get(0).</a:t>
+            </a:r>
+            <a:r>
+              <a:rPr lang="en-US" altLang="ko-KR" dirty="0" err="1"/>
+              <a:t>getElementsByAttribute</a:t>
+            </a:r>
+            <a:r>
+              <a:rPr lang="en-US" altLang="ko-KR" dirty="0"/>
+              <a:t>("</a:t>
+            </a:r>
+            <a:r>
+              <a:rPr lang="en-US" altLang="ko-KR" dirty="0" err="1"/>
+              <a:t>href</a:t>
+            </a:r>
+            <a:r>
+              <a:rPr lang="en-US" altLang="ko-KR" dirty="0"/>
+              <a:t>")).split("\"")[1].split("issues/")[1])</a:t>
+            </a:r>
+            <a:endParaRPr lang="ko-KR" altLang="en-US" dirty="0"/>
+          </a:p>
+        </p:txBody>
+      </p:sp>
+      <p:sp>
+        <p:nvSpPr>
+          <p:cNvPr id="11" name="TextBox 10">
+            <a:extLst>
+              <a:ext uri="{FF2B5EF4-FFF2-40B4-BE49-F238E27FC236}">
+                <a16:creationId xmlns:a16="http://schemas.microsoft.com/office/drawing/2014/main" id="{52554A58-55C2-40BC-9805-72DD60450C4A}"/>
+              </a:ext>
+            </a:extLst>
+          </p:cNvPr>
+          <p:cNvSpPr txBox="1"/>
+          <p:nvPr/>
+        </p:nvSpPr>
+        <p:spPr>
+          <a:xfrm>
+            <a:off x="8776551" y="6100699"/>
+            <a:ext cx="3308808" cy="400110"/>
+          </a:xfrm>
+          <a:prstGeom prst="rect">
+            <a:avLst/>
+          </a:prstGeom>
+          <a:noFill/>
+        </p:spPr>
+        <p:txBody>
+          <a:bodyPr wrap="square" rtlCol="0">
+            <a:spAutoFit/>
+          </a:bodyPr>
+          <a:lstStyle/>
+          <a:p>
+            <a:pPr algn="l"/>
+            <a:r>
+              <a:rPr lang="ko-KR" altLang="en-US" sz="2000">
+                <a:latin typeface="210 맨발의청춘 L" panose="02020603020101020101" pitchFamily="18" charset="-127"/>
+                <a:ea typeface="210 맨발의청춘 L" panose="02020603020101020101" pitchFamily="18" charset="-127"/>
+              </a:rPr>
+              <a:t>여기서 오류가 생긴다</a:t>
+            </a:r>
+            <a:endParaRPr lang="ko-KR" altLang="en-US" sz="2000" dirty="0">
+              <a:latin typeface="210 맨발의청춘 L" panose="02020603020101020101" pitchFamily="18" charset="-127"/>
+              <a:ea typeface="210 맨발의청춘 L" panose="02020603020101020101" pitchFamily="18" charset="-127"/>
+            </a:endParaRPr>
+          </a:p>
+        </p:txBody>
+      </p:sp>
+      <p:pic>
+        <p:nvPicPr>
+          <p:cNvPr id="12" name="그림 11">
+            <a:extLst>
+              <a:ext uri="{FF2B5EF4-FFF2-40B4-BE49-F238E27FC236}">
+                <a16:creationId xmlns:a16="http://schemas.microsoft.com/office/drawing/2014/main" id="{6A3D9835-EFF1-447E-8DDF-AF56778FC843}"/>
+              </a:ext>
+            </a:extLst>
+          </p:cNvPr>
+          <p:cNvPicPr>
+            <a:picLocks noChangeAspect="1"/>
+          </p:cNvPicPr>
+          <p:nvPr/>
+        </p:nvPicPr>
+        <p:blipFill>
+          <a:blip r:embed="rId5"/>
+          <a:stretch>
+            <a:fillRect/>
+          </a:stretch>
+        </p:blipFill>
+        <p:spPr>
+          <a:xfrm>
+            <a:off x="6986469" y="2549460"/>
+            <a:ext cx="3133725" cy="2381250"/>
+          </a:xfrm>
+          <a:prstGeom prst="rect">
+            <a:avLst/>
+          </a:prstGeom>
+        </p:spPr>
+      </p:pic>
+      <p:sp>
+        <p:nvSpPr>
+          <p:cNvPr id="13" name="액자 12">
+            <a:extLst>
+              <a:ext uri="{FF2B5EF4-FFF2-40B4-BE49-F238E27FC236}">
+                <a16:creationId xmlns:a16="http://schemas.microsoft.com/office/drawing/2014/main" id="{86D33371-302E-4984-B445-6D527F740348}"/>
+              </a:ext>
+            </a:extLst>
+          </p:cNvPr>
+          <p:cNvSpPr/>
+          <p:nvPr/>
+        </p:nvSpPr>
+        <p:spPr>
+          <a:xfrm>
+            <a:off x="7230359" y="4525521"/>
+            <a:ext cx="1291472" cy="564953"/>
+          </a:xfrm>
+          <a:prstGeom prst="frame">
+            <a:avLst/>
+          </a:prstGeom>
+          <a:solidFill>
+            <a:srgbClr val="FF0000"/>
+          </a:solidFill>
+          <a:ln>
+            <a:noFill/>
+          </a:ln>
+        </p:spPr>
+        <p:style>
+          <a:lnRef idx="2">
+            <a:schemeClr val="accent1">
+              <a:shade val="50000"/>
+            </a:schemeClr>
+          </a:lnRef>
+          <a:fillRef idx="1">
+            <a:schemeClr val="accent1"/>
+          </a:fillRef>
+          <a:effectRef idx="0">
+            <a:schemeClr val="accent1"/>
+          </a:effectRef>
+          <a:fontRef idx="minor">
+            <a:schemeClr val="lt1"/>
+          </a:fontRef>
+        </p:style>
+        <p:txBody>
+          <a:bodyPr rtlCol="0" anchor="ctr"/>
+          <a:lstStyle/>
+          <a:p>
+            <a:pPr algn="ctr"/>
+            <a:endParaRPr lang="ko-KR" altLang="en-US">
+              <a:solidFill>
+                <a:schemeClr val="tx1"/>
+              </a:solidFill>
+            </a:endParaRPr>
+          </a:p>
+        </p:txBody>
+      </p:sp>
+      <p:sp>
+        <p:nvSpPr>
+          <p:cNvPr id="14" name="TextBox 13">
+            <a:extLst>
+              <a:ext uri="{FF2B5EF4-FFF2-40B4-BE49-F238E27FC236}">
+                <a16:creationId xmlns:a16="http://schemas.microsoft.com/office/drawing/2014/main" id="{85ED8976-0806-4CE1-BB46-711D9FAF5539}"/>
+              </a:ext>
+            </a:extLst>
+          </p:cNvPr>
+          <p:cNvSpPr txBox="1"/>
+          <p:nvPr/>
+        </p:nvSpPr>
+        <p:spPr>
+          <a:xfrm>
+            <a:off x="8644379" y="4600280"/>
+            <a:ext cx="3133725" cy="400110"/>
+          </a:xfrm>
+          <a:prstGeom prst="rect">
+            <a:avLst/>
+          </a:prstGeom>
+          <a:noFill/>
+        </p:spPr>
+        <p:txBody>
+          <a:bodyPr wrap="square" rtlCol="0">
+            <a:spAutoFit/>
+          </a:bodyPr>
+          <a:lstStyle/>
+          <a:p>
+            <a:pPr algn="l"/>
+            <a:r>
+              <a:rPr lang="ko-KR" altLang="en-US" sz="2000" dirty="0">
+                <a:latin typeface="210 맨발의청춘 L" panose="02020603020101020101" pitchFamily="18" charset="-127"/>
+                <a:ea typeface="210 맨발의청춘 L" panose="02020603020101020101" pitchFamily="18" charset="-127"/>
+              </a:rPr>
+              <a:t>이거를 수정해야한다</a:t>
+            </a:r>
+          </a:p>
+        </p:txBody>
+      </p:sp>
+    </p:spTree>
+    <p:extLst>
+      <p:ext uri="{BB962C8B-B14F-4D97-AF65-F5344CB8AC3E}">
+        <p14:creationId xmlns:p14="http://schemas.microsoft.com/office/powerpoint/2010/main" val="2343246569"/>
+      </p:ext>
+    </p:extLst>
+  </p:cSld>
+  <p:clrMapOvr>
+    <a:masterClrMapping/>
+  </p:clrMapOvr>
+</p:sld>
+</file>
+
+<file path=ppt/slides/slide24.xml><?xml version="1.0" encoding="utf-8"?>
+<p:sld xmlns:a="http://schemas.openxmlformats.org/drawingml/2006/main" xmlns:r="http://schemas.openxmlformats.org/officeDocument/2006/relationships" xmlns:p="http://schemas.openxmlformats.org/presentationml/2006/main">
+  <p:cSld>
+    <p:spTree>
+      <p:nvGrpSpPr>
+        <p:cNvPr id="1" name=""/>
+        <p:cNvGrpSpPr/>
+        <p:nvPr/>
+      </p:nvGrpSpPr>
+      <p:grpSpPr>
+        <a:xfrm>
+          <a:off x="0" y="0"/>
+          <a:ext cx="0" cy="0"/>
+          <a:chOff x="0" y="0"/>
+          <a:chExt cx="0" cy="0"/>
+        </a:xfrm>
+      </p:grpSpPr>
+      <p:sp>
+        <p:nvSpPr>
+          <p:cNvPr id="2" name="직사각형 1">
+            <a:extLst>
+              <a:ext uri="{FF2B5EF4-FFF2-40B4-BE49-F238E27FC236}">
+                <a16:creationId xmlns:a16="http://schemas.microsoft.com/office/drawing/2014/main" id="{6A0A7D29-9E45-417E-BC4D-2462AE21DF3A}"/>
+              </a:ext>
+            </a:extLst>
+          </p:cNvPr>
+          <p:cNvSpPr/>
+          <p:nvPr/>
+        </p:nvSpPr>
+        <p:spPr>
+          <a:xfrm>
+            <a:off x="343663" y="607500"/>
+            <a:ext cx="4773936" cy="369332"/>
+          </a:xfrm>
+          <a:prstGeom prst="rect">
+            <a:avLst/>
+          </a:prstGeom>
+        </p:spPr>
+        <p:txBody>
+          <a:bodyPr wrap="none">
+            <a:spAutoFit/>
+          </a:bodyPr>
+          <a:lstStyle/>
+          <a:p>
+            <a:r>
+              <a:rPr lang="ko-KR" altLang="en-US" dirty="0"/>
+              <a:t>https://github.com/bitcoin/bitcoin/issues/17</a:t>
+            </a:r>
+          </a:p>
+        </p:txBody>
+      </p:sp>
+      <p:sp>
+        <p:nvSpPr>
+          <p:cNvPr id="3" name="TextBox 2">
+            <a:extLst>
+              <a:ext uri="{FF2B5EF4-FFF2-40B4-BE49-F238E27FC236}">
+                <a16:creationId xmlns:a16="http://schemas.microsoft.com/office/drawing/2014/main" id="{E9ACB748-A6DF-48BF-B714-9AD3679E750C}"/>
+              </a:ext>
+            </a:extLst>
+          </p:cNvPr>
+          <p:cNvSpPr txBox="1"/>
+          <p:nvPr/>
+        </p:nvSpPr>
+        <p:spPr>
+          <a:xfrm>
+            <a:off x="226243" y="207390"/>
+            <a:ext cx="11265031" cy="400110"/>
+          </a:xfrm>
+          <a:prstGeom prst="rect">
+            <a:avLst/>
+          </a:prstGeom>
+          <a:noFill/>
+        </p:spPr>
+        <p:txBody>
+          <a:bodyPr wrap="square" rtlCol="0">
+            <a:spAutoFit/>
+          </a:bodyPr>
+          <a:lstStyle/>
+          <a:p>
+            <a:pPr algn="l"/>
+            <a:r>
+              <a:rPr lang="ko-KR" altLang="en-US" sz="2000" dirty="0">
+                <a:latin typeface="210 맨발의청춘 L" panose="02020603020101020101" pitchFamily="18" charset="-127"/>
+                <a:ea typeface="210 맨발의청춘 L" panose="02020603020101020101" pitchFamily="18" charset="-127"/>
+              </a:rPr>
+              <a:t>언제 </a:t>
+            </a:r>
+            <a:r>
+              <a:rPr lang="en-US" altLang="ko-KR" sz="2000" dirty="0">
+                <a:latin typeface="210 맨발의청춘 L" panose="02020603020101020101" pitchFamily="18" charset="-127"/>
+                <a:ea typeface="210 맨발의청춘 L" panose="02020603020101020101" pitchFamily="18" charset="-127"/>
+              </a:rPr>
+              <a:t>close </a:t>
+            </a:r>
+            <a:r>
+              <a:rPr lang="ko-KR" altLang="en-US" sz="2000" dirty="0">
+                <a:latin typeface="210 맨발의청춘 L" panose="02020603020101020101" pitchFamily="18" charset="-127"/>
+                <a:ea typeface="210 맨발의청춘 L" panose="02020603020101020101" pitchFamily="18" charset="-127"/>
+              </a:rPr>
+              <a:t>된</a:t>
+            </a:r>
+            <a:r>
+              <a:rPr lang="en-US" altLang="ko-KR" sz="2000" dirty="0">
+                <a:latin typeface="210 맨발의청춘 L" panose="02020603020101020101" pitchFamily="18" charset="-127"/>
+                <a:ea typeface="210 맨발의청춘 L" panose="02020603020101020101" pitchFamily="18" charset="-127"/>
+              </a:rPr>
+              <a:t>, </a:t>
+            </a:r>
+            <a:r>
+              <a:rPr lang="ko-KR" altLang="en-US" sz="2000" dirty="0">
+                <a:latin typeface="210 맨발의청춘 L" panose="02020603020101020101" pitchFamily="18" charset="-127"/>
+                <a:ea typeface="210 맨발의청춘 L" panose="02020603020101020101" pitchFamily="18" charset="-127"/>
+              </a:rPr>
+              <a:t>수정된 파일이 </a:t>
+            </a:r>
+            <a:r>
+              <a:rPr lang="ko-KR" altLang="en-US" sz="2000" dirty="0" err="1">
+                <a:latin typeface="210 맨발의청춘 L" panose="02020603020101020101" pitchFamily="18" charset="-127"/>
+                <a:ea typeface="210 맨발의청춘 L" panose="02020603020101020101" pitchFamily="18" charset="-127"/>
+              </a:rPr>
+              <a:t>뭔지</a:t>
+            </a:r>
+            <a:r>
+              <a:rPr lang="ko-KR" altLang="en-US" sz="2000" dirty="0">
+                <a:latin typeface="210 맨발의청춘 L" panose="02020603020101020101" pitchFamily="18" charset="-127"/>
+                <a:ea typeface="210 맨발의청춘 L" panose="02020603020101020101" pitchFamily="18" charset="-127"/>
+              </a:rPr>
+              <a:t> 확인할 수 없는 </a:t>
+            </a:r>
+            <a:r>
+              <a:rPr lang="en-US" altLang="ko-KR" sz="2000" dirty="0">
+                <a:latin typeface="210 맨발의청춘 L" panose="02020603020101020101" pitchFamily="18" charset="-127"/>
+                <a:ea typeface="210 맨발의청춘 L" panose="02020603020101020101" pitchFamily="18" charset="-127"/>
+              </a:rPr>
+              <a:t>issue</a:t>
+            </a:r>
+            <a:r>
+              <a:rPr lang="ko-KR" altLang="en-US" sz="2000" dirty="0">
+                <a:latin typeface="210 맨발의청춘 L" panose="02020603020101020101" pitchFamily="18" charset="-127"/>
+                <a:ea typeface="210 맨발의청춘 L" panose="02020603020101020101" pitchFamily="18" charset="-127"/>
+              </a:rPr>
+              <a:t>들이 있다</a:t>
+            </a:r>
+            <a:r>
+              <a:rPr lang="en-US" altLang="ko-KR" sz="2000" dirty="0">
+                <a:latin typeface="210 맨발의청춘 L" panose="02020603020101020101" pitchFamily="18" charset="-127"/>
+                <a:ea typeface="210 맨발의청춘 L" panose="02020603020101020101" pitchFamily="18" charset="-127"/>
+              </a:rPr>
+              <a:t>.</a:t>
+            </a:r>
+            <a:endParaRPr lang="ko-KR" altLang="en-US" sz="2000" dirty="0">
+              <a:latin typeface="210 맨발의청춘 L" panose="02020603020101020101" pitchFamily="18" charset="-127"/>
+              <a:ea typeface="210 맨발의청춘 L" panose="02020603020101020101" pitchFamily="18" charset="-127"/>
+            </a:endParaRPr>
+          </a:p>
+        </p:txBody>
+      </p:sp>
+      <p:sp>
+        <p:nvSpPr>
+          <p:cNvPr id="4" name="TextBox 3">
+            <a:extLst>
+              <a:ext uri="{FF2B5EF4-FFF2-40B4-BE49-F238E27FC236}">
+                <a16:creationId xmlns:a16="http://schemas.microsoft.com/office/drawing/2014/main" id="{44711702-BC65-4AC9-81C1-0D1D238E05C1}"/>
+              </a:ext>
+            </a:extLst>
+          </p:cNvPr>
+          <p:cNvSpPr txBox="1"/>
+          <p:nvPr/>
+        </p:nvSpPr>
+        <p:spPr>
+          <a:xfrm>
+            <a:off x="5279010" y="607500"/>
+            <a:ext cx="6542202" cy="338554"/>
+          </a:xfrm>
+          <a:prstGeom prst="rect">
+            <a:avLst/>
+          </a:prstGeom>
+          <a:noFill/>
+        </p:spPr>
+        <p:txBody>
+          <a:bodyPr wrap="square" rtlCol="0">
+            <a:spAutoFit/>
+          </a:bodyPr>
+          <a:lstStyle/>
+          <a:p>
+            <a:pPr algn="l"/>
+            <a:r>
+              <a:rPr lang="ko-KR" altLang="en-US" sz="1600" dirty="0">
+                <a:latin typeface="210 맨발의청춘 L" panose="02020603020101020101" pitchFamily="18" charset="-127"/>
+                <a:ea typeface="210 맨발의청춘 L" panose="02020603020101020101" pitchFamily="18" charset="-127"/>
+              </a:rPr>
+              <a:t>자동으로 </a:t>
+            </a:r>
+            <a:r>
+              <a:rPr lang="en-US" altLang="ko-KR" sz="1600" dirty="0">
+                <a:latin typeface="210 맨발의청춘 L" panose="02020603020101020101" pitchFamily="18" charset="-127"/>
+                <a:ea typeface="210 맨발의청춘 L" panose="02020603020101020101" pitchFamily="18" charset="-127"/>
+              </a:rPr>
+              <a:t>close </a:t>
+            </a:r>
+            <a:r>
+              <a:rPr lang="ko-KR" altLang="en-US" sz="1600" dirty="0">
+                <a:latin typeface="210 맨발의청춘 L" panose="02020603020101020101" pitchFamily="18" charset="-127"/>
+                <a:ea typeface="210 맨발의청춘 L" panose="02020603020101020101" pitchFamily="18" charset="-127"/>
+              </a:rPr>
+              <a:t>됨</a:t>
+            </a:r>
+            <a:r>
+              <a:rPr lang="en-US" altLang="ko-KR" sz="1600" dirty="0">
+                <a:latin typeface="210 맨발의청춘 L" panose="02020603020101020101" pitchFamily="18" charset="-127"/>
+                <a:ea typeface="210 맨발의청춘 L" panose="02020603020101020101" pitchFamily="18" charset="-127"/>
+              </a:rPr>
+              <a:t>.</a:t>
+            </a:r>
+            <a:endParaRPr lang="ko-KR" altLang="en-US" sz="1600" dirty="0">
+              <a:latin typeface="210 맨발의청춘 L" panose="02020603020101020101" pitchFamily="18" charset="-127"/>
+              <a:ea typeface="210 맨발의청춘 L" panose="02020603020101020101" pitchFamily="18" charset="-127"/>
+            </a:endParaRPr>
+          </a:p>
+        </p:txBody>
+      </p:sp>
+      <p:pic>
+        <p:nvPicPr>
+          <p:cNvPr id="5" name="그림 4">
+            <a:extLst>
+              <a:ext uri="{FF2B5EF4-FFF2-40B4-BE49-F238E27FC236}">
+                <a16:creationId xmlns:a16="http://schemas.microsoft.com/office/drawing/2014/main" id="{C353B7B2-96F2-45F7-8AD4-990DF8BC64B0}"/>
+              </a:ext>
+            </a:extLst>
+          </p:cNvPr>
+          <p:cNvPicPr>
+            <a:picLocks noChangeAspect="1"/>
+          </p:cNvPicPr>
+          <p:nvPr/>
+        </p:nvPicPr>
+        <p:blipFill>
+          <a:blip r:embed="rId2"/>
+          <a:stretch>
+            <a:fillRect/>
+          </a:stretch>
+        </p:blipFill>
+        <p:spPr>
+          <a:xfrm>
+            <a:off x="509048" y="1007610"/>
+            <a:ext cx="8593254" cy="3219511"/>
+          </a:xfrm>
+          <a:prstGeom prst="rect">
+            <a:avLst/>
+          </a:prstGeom>
+        </p:spPr>
+      </p:pic>
+      <p:sp>
+        <p:nvSpPr>
+          <p:cNvPr id="6" name="TextBox 5">
+            <a:extLst>
+              <a:ext uri="{FF2B5EF4-FFF2-40B4-BE49-F238E27FC236}">
+                <a16:creationId xmlns:a16="http://schemas.microsoft.com/office/drawing/2014/main" id="{C5C25646-806E-459D-A819-A39A610876B8}"/>
+              </a:ext>
+            </a:extLst>
+          </p:cNvPr>
+          <p:cNvSpPr txBox="1"/>
+          <p:nvPr/>
+        </p:nvSpPr>
+        <p:spPr>
+          <a:xfrm>
+            <a:off x="9267687" y="1138164"/>
+            <a:ext cx="2639505" cy="1323439"/>
+          </a:xfrm>
+          <a:prstGeom prst="rect">
+            <a:avLst/>
+          </a:prstGeom>
+          <a:noFill/>
+        </p:spPr>
+        <p:txBody>
+          <a:bodyPr wrap="square" rtlCol="0">
+            <a:spAutoFit/>
+          </a:bodyPr>
+          <a:lstStyle/>
+          <a:p>
+            <a:pPr algn="l"/>
+            <a:r>
+              <a:rPr lang="en-US" altLang="ko-KR" sz="2000" dirty="0">
+                <a:latin typeface="210 맨발의청춘 L" panose="02020603020101020101" pitchFamily="18" charset="-127"/>
+                <a:ea typeface="210 맨발의청춘 L" panose="02020603020101020101" pitchFamily="18" charset="-127"/>
+              </a:rPr>
+              <a:t>17</a:t>
+            </a:r>
+            <a:r>
+              <a:rPr lang="ko-KR" altLang="en-US" sz="2000" dirty="0">
+                <a:latin typeface="210 맨발의청춘 L" panose="02020603020101020101" pitchFamily="18" charset="-127"/>
+                <a:ea typeface="210 맨발의청춘 L" panose="02020603020101020101" pitchFamily="18" charset="-127"/>
+              </a:rPr>
+              <a:t>의 경우 코멘트에 </a:t>
+            </a:r>
+            <a:r>
+              <a:rPr lang="en-US" altLang="ko-KR" sz="2000" dirty="0">
+                <a:latin typeface="210 맨발의청춘 L" panose="02020603020101020101" pitchFamily="18" charset="-127"/>
+                <a:ea typeface="210 맨발의청춘 L" panose="02020603020101020101" pitchFamily="18" charset="-127"/>
+              </a:rPr>
+              <a:t>pull request </a:t>
+            </a:r>
+            <a:r>
+              <a:rPr lang="ko-KR" altLang="en-US" sz="2000" dirty="0">
+                <a:latin typeface="210 맨발의청춘 L" panose="02020603020101020101" pitchFamily="18" charset="-127"/>
+                <a:ea typeface="210 맨발의청춘 L" panose="02020603020101020101" pitchFamily="18" charset="-127"/>
+              </a:rPr>
+              <a:t>링크가 있기 때문에 수정된 파일을 알 수 있다</a:t>
+            </a:r>
+            <a:r>
+              <a:rPr lang="en-US" altLang="ko-KR" sz="2000" dirty="0">
+                <a:latin typeface="210 맨발의청춘 L" panose="02020603020101020101" pitchFamily="18" charset="-127"/>
+                <a:ea typeface="210 맨발의청춘 L" panose="02020603020101020101" pitchFamily="18" charset="-127"/>
+              </a:rPr>
+              <a:t>.</a:t>
+            </a:r>
+            <a:endParaRPr lang="ko-KR" altLang="en-US" sz="2000" dirty="0">
+              <a:latin typeface="210 맨발의청춘 L" panose="02020603020101020101" pitchFamily="18" charset="-127"/>
+              <a:ea typeface="210 맨발의청춘 L" panose="02020603020101020101" pitchFamily="18" charset="-127"/>
+            </a:endParaRPr>
+          </a:p>
+        </p:txBody>
+      </p:sp>
+      <p:pic>
+        <p:nvPicPr>
+          <p:cNvPr id="7" name="그림 6">
+            <a:extLst>
+              <a:ext uri="{FF2B5EF4-FFF2-40B4-BE49-F238E27FC236}">
+                <a16:creationId xmlns:a16="http://schemas.microsoft.com/office/drawing/2014/main" id="{C6E6668D-8032-4C49-9267-89DE1C44B771}"/>
+              </a:ext>
+            </a:extLst>
+          </p:cNvPr>
+          <p:cNvPicPr>
+            <a:picLocks noChangeAspect="1"/>
+          </p:cNvPicPr>
+          <p:nvPr/>
+        </p:nvPicPr>
+        <p:blipFill>
+          <a:blip r:embed="rId3"/>
+          <a:stretch>
+            <a:fillRect/>
+          </a:stretch>
+        </p:blipFill>
+        <p:spPr>
+          <a:xfrm>
+            <a:off x="509048" y="3371978"/>
+            <a:ext cx="6387592" cy="3486022"/>
+          </a:xfrm>
+          <a:prstGeom prst="rect">
+            <a:avLst/>
+          </a:prstGeom>
+        </p:spPr>
+      </p:pic>
+      <p:sp>
+        <p:nvSpPr>
+          <p:cNvPr id="8" name="TextBox 7">
+            <a:extLst>
+              <a:ext uri="{FF2B5EF4-FFF2-40B4-BE49-F238E27FC236}">
+                <a16:creationId xmlns:a16="http://schemas.microsoft.com/office/drawing/2014/main" id="{B691CB23-E728-4208-8B4B-85D2A28ADA38}"/>
+              </a:ext>
+            </a:extLst>
+          </p:cNvPr>
+          <p:cNvSpPr txBox="1"/>
+          <p:nvPr/>
+        </p:nvSpPr>
+        <p:spPr>
+          <a:xfrm>
+            <a:off x="7249212" y="4757785"/>
+            <a:ext cx="4336330" cy="707886"/>
+          </a:xfrm>
+          <a:prstGeom prst="rect">
+            <a:avLst/>
+          </a:prstGeom>
+          <a:noFill/>
+        </p:spPr>
+        <p:txBody>
+          <a:bodyPr wrap="square" rtlCol="0">
+            <a:spAutoFit/>
+          </a:bodyPr>
+          <a:lstStyle/>
+          <a:p>
+            <a:pPr algn="l"/>
+            <a:r>
+              <a:rPr lang="en-US" altLang="ko-KR" sz="2000" dirty="0">
+                <a:latin typeface="210 맨발의청춘 L" panose="02020603020101020101" pitchFamily="18" charset="-127"/>
+                <a:ea typeface="210 맨발의청춘 L" panose="02020603020101020101" pitchFamily="18" charset="-127"/>
+              </a:rPr>
+              <a:t>18</a:t>
+            </a:r>
+            <a:r>
+              <a:rPr lang="ko-KR" altLang="en-US" sz="2000" dirty="0">
+                <a:latin typeface="210 맨발의청춘 L" panose="02020603020101020101" pitchFamily="18" charset="-127"/>
+                <a:ea typeface="210 맨발의청춘 L" panose="02020603020101020101" pitchFamily="18" charset="-127"/>
+              </a:rPr>
+              <a:t>의 경우 언제 </a:t>
+            </a:r>
+            <a:r>
+              <a:rPr lang="en-US" altLang="ko-KR" sz="2000" dirty="0">
+                <a:latin typeface="210 맨발의청춘 L" panose="02020603020101020101" pitchFamily="18" charset="-127"/>
+                <a:ea typeface="210 맨발의청춘 L" panose="02020603020101020101" pitchFamily="18" charset="-127"/>
+              </a:rPr>
+              <a:t>close</a:t>
+            </a:r>
+            <a:r>
+              <a:rPr lang="ko-KR" altLang="en-US" sz="2000" dirty="0" err="1">
+                <a:latin typeface="210 맨발의청춘 L" panose="02020603020101020101" pitchFamily="18" charset="-127"/>
+                <a:ea typeface="210 맨발의청춘 L" panose="02020603020101020101" pitchFamily="18" charset="-127"/>
+              </a:rPr>
+              <a:t>된지는</a:t>
+            </a:r>
+            <a:r>
+              <a:rPr lang="ko-KR" altLang="en-US" sz="2000" dirty="0">
+                <a:latin typeface="210 맨발의청춘 L" panose="02020603020101020101" pitchFamily="18" charset="-127"/>
+                <a:ea typeface="210 맨발의청춘 L" panose="02020603020101020101" pitchFamily="18" charset="-127"/>
+              </a:rPr>
+              <a:t> 나와있지만 수정된 파일이 </a:t>
+            </a:r>
+            <a:r>
+              <a:rPr lang="ko-KR" altLang="en-US" sz="2000" dirty="0" err="1">
+                <a:latin typeface="210 맨발의청춘 L" panose="02020603020101020101" pitchFamily="18" charset="-127"/>
+                <a:ea typeface="210 맨발의청춘 L" panose="02020603020101020101" pitchFamily="18" charset="-127"/>
+              </a:rPr>
+              <a:t>뭔지는</a:t>
+            </a:r>
+            <a:r>
+              <a:rPr lang="ko-KR" altLang="en-US" sz="2000" dirty="0">
+                <a:latin typeface="210 맨발의청춘 L" panose="02020603020101020101" pitchFamily="18" charset="-127"/>
+                <a:ea typeface="210 맨발의청춘 L" panose="02020603020101020101" pitchFamily="18" charset="-127"/>
+              </a:rPr>
+              <a:t> 알 수 없다</a:t>
+            </a:r>
+            <a:r>
+              <a:rPr lang="en-US" altLang="ko-KR" sz="2000" dirty="0">
+                <a:latin typeface="210 맨발의청춘 L" panose="02020603020101020101" pitchFamily="18" charset="-127"/>
+                <a:ea typeface="210 맨발의청춘 L" panose="02020603020101020101" pitchFamily="18" charset="-127"/>
+              </a:rPr>
+              <a:t>.</a:t>
+            </a:r>
+            <a:endParaRPr lang="ko-KR" altLang="en-US" sz="2000" dirty="0">
+              <a:latin typeface="210 맨발의청춘 L" panose="02020603020101020101" pitchFamily="18" charset="-127"/>
+              <a:ea typeface="210 맨발의청춘 L" panose="02020603020101020101" pitchFamily="18" charset="-127"/>
+            </a:endParaRPr>
+          </a:p>
+        </p:txBody>
+      </p:sp>
+      <p:sp>
+        <p:nvSpPr>
+          <p:cNvPr id="9" name="TextBox 8">
+            <a:extLst>
+              <a:ext uri="{FF2B5EF4-FFF2-40B4-BE49-F238E27FC236}">
+                <a16:creationId xmlns:a16="http://schemas.microsoft.com/office/drawing/2014/main" id="{6A563D4F-1C2C-4982-B2C0-FEE4AB697D60}"/>
+              </a:ext>
+            </a:extLst>
+          </p:cNvPr>
+          <p:cNvSpPr txBox="1"/>
+          <p:nvPr/>
+        </p:nvSpPr>
+        <p:spPr>
+          <a:xfrm>
+            <a:off x="509048" y="3606800"/>
+            <a:ext cx="730472" cy="400110"/>
+          </a:xfrm>
+          <a:prstGeom prst="rect">
+            <a:avLst/>
+          </a:prstGeom>
+          <a:noFill/>
+        </p:spPr>
+        <p:txBody>
+          <a:bodyPr wrap="square" rtlCol="0">
+            <a:spAutoFit/>
+          </a:bodyPr>
+          <a:lstStyle/>
+          <a:p>
+            <a:pPr algn="l"/>
+            <a:r>
+              <a:rPr lang="en-US" altLang="ko-KR" sz="2000" dirty="0">
+                <a:latin typeface="210 맨발의청춘 L" panose="02020603020101020101" pitchFamily="18" charset="-127"/>
+                <a:ea typeface="210 맨발의청춘 L" panose="02020603020101020101" pitchFamily="18" charset="-127"/>
+              </a:rPr>
+              <a:t>2. </a:t>
+            </a:r>
+            <a:endParaRPr lang="ko-KR" altLang="en-US" sz="2000" dirty="0">
+              <a:latin typeface="210 맨발의청춘 L" panose="02020603020101020101" pitchFamily="18" charset="-127"/>
+              <a:ea typeface="210 맨발의청춘 L" panose="02020603020101020101" pitchFamily="18" charset="-127"/>
+            </a:endParaRPr>
+          </a:p>
+        </p:txBody>
+      </p:sp>
+      <p:sp>
+        <p:nvSpPr>
+          <p:cNvPr id="10" name="TextBox 9">
+            <a:extLst>
+              <a:ext uri="{FF2B5EF4-FFF2-40B4-BE49-F238E27FC236}">
+                <a16:creationId xmlns:a16="http://schemas.microsoft.com/office/drawing/2014/main" id="{D9CFABCC-BB9F-476C-9405-497E51C02E76}"/>
+              </a:ext>
+            </a:extLst>
+          </p:cNvPr>
+          <p:cNvSpPr txBox="1"/>
+          <p:nvPr/>
+        </p:nvSpPr>
+        <p:spPr>
+          <a:xfrm>
+            <a:off x="343663" y="1225982"/>
+            <a:ext cx="730472" cy="400110"/>
+          </a:xfrm>
+          <a:prstGeom prst="rect">
+            <a:avLst/>
+          </a:prstGeom>
+          <a:noFill/>
+        </p:spPr>
+        <p:txBody>
+          <a:bodyPr wrap="square" rtlCol="0">
+            <a:spAutoFit/>
+          </a:bodyPr>
+          <a:lstStyle/>
+          <a:p>
+            <a:pPr algn="l"/>
+            <a:r>
+              <a:rPr lang="en-US" altLang="ko-KR" sz="2000" dirty="0">
+                <a:latin typeface="210 맨발의청춘 L" panose="02020603020101020101" pitchFamily="18" charset="-127"/>
+                <a:ea typeface="210 맨발의청춘 L" panose="02020603020101020101" pitchFamily="18" charset="-127"/>
+              </a:rPr>
+              <a:t>1. </a:t>
+            </a:r>
+            <a:endParaRPr lang="ko-KR" altLang="en-US" sz="2000" dirty="0">
+              <a:latin typeface="210 맨발의청춘 L" panose="02020603020101020101" pitchFamily="18" charset="-127"/>
+              <a:ea typeface="210 맨발의청춘 L" panose="02020603020101020101" pitchFamily="18" charset="-127"/>
+            </a:endParaRPr>
+          </a:p>
+        </p:txBody>
+      </p:sp>
+    </p:spTree>
+    <p:extLst>
+      <p:ext uri="{BB962C8B-B14F-4D97-AF65-F5344CB8AC3E}">
+        <p14:creationId xmlns:p14="http://schemas.microsoft.com/office/powerpoint/2010/main" val="1969974163"/>
+      </p:ext>
+    </p:extLst>
+  </p:cSld>
+  <p:clrMapOvr>
+    <a:masterClrMapping/>
+  </p:clrMapOvr>
+</p:sld>
+</file>
+
+<file path=ppt/slides/slide25.xml><?xml version="1.0" encoding="utf-8"?>
+<p:sld xmlns:a="http://schemas.openxmlformats.org/drawingml/2006/main" xmlns:r="http://schemas.openxmlformats.org/officeDocument/2006/relationships" xmlns:p="http://schemas.openxmlformats.org/presentationml/2006/main">
+  <p:cSld>
+    <p:spTree>
+      <p:nvGrpSpPr>
+        <p:cNvPr id="1" name=""/>
+        <p:cNvGrpSpPr/>
+        <p:nvPr/>
+      </p:nvGrpSpPr>
+      <p:grpSpPr>
+        <a:xfrm>
+          <a:off x="0" y="0"/>
+          <a:ext cx="0" cy="0"/>
+          <a:chOff x="0" y="0"/>
+          <a:chExt cx="0" cy="0"/>
+        </a:xfrm>
+      </p:grpSpPr>
+      <p:pic>
+        <p:nvPicPr>
+          <p:cNvPr id="6" name="그림 5">
+            <a:extLst>
+              <a:ext uri="{FF2B5EF4-FFF2-40B4-BE49-F238E27FC236}">
+                <a16:creationId xmlns:a16="http://schemas.microsoft.com/office/drawing/2014/main" id="{ED0EB3FB-B20D-40F8-9BF8-168A9D51EC14}"/>
+              </a:ext>
+            </a:extLst>
+          </p:cNvPr>
+          <p:cNvPicPr>
+            <a:picLocks noChangeAspect="1"/>
+          </p:cNvPicPr>
+          <p:nvPr/>
+        </p:nvPicPr>
+        <p:blipFill>
+          <a:blip r:embed="rId2"/>
+          <a:stretch>
+            <a:fillRect/>
+          </a:stretch>
+        </p:blipFill>
+        <p:spPr>
+          <a:xfrm>
+            <a:off x="626637" y="722713"/>
+            <a:ext cx="6452894" cy="845107"/>
+          </a:xfrm>
+          <a:prstGeom prst="rect">
+            <a:avLst/>
+          </a:prstGeom>
+        </p:spPr>
+      </p:pic>
+      <p:sp>
+        <p:nvSpPr>
+          <p:cNvPr id="7" name="TextBox 6">
+            <a:extLst>
+              <a:ext uri="{FF2B5EF4-FFF2-40B4-BE49-F238E27FC236}">
+                <a16:creationId xmlns:a16="http://schemas.microsoft.com/office/drawing/2014/main" id="{AD4E6472-F089-4E27-9218-D5F61E37FA22}"/>
+              </a:ext>
+            </a:extLst>
+          </p:cNvPr>
+          <p:cNvSpPr txBox="1"/>
+          <p:nvPr/>
+        </p:nvSpPr>
+        <p:spPr>
+          <a:xfrm>
+            <a:off x="334405" y="322603"/>
+            <a:ext cx="9139533" cy="400110"/>
+          </a:xfrm>
+          <a:prstGeom prst="rect">
+            <a:avLst/>
+          </a:prstGeom>
+          <a:noFill/>
+        </p:spPr>
+        <p:txBody>
+          <a:bodyPr wrap="square" rtlCol="0">
+            <a:spAutoFit/>
+          </a:bodyPr>
+          <a:lstStyle/>
+          <a:p>
+            <a:pPr algn="l"/>
+            <a:r>
+              <a:rPr lang="ko-KR" altLang="en-US" sz="2000" dirty="0">
+                <a:latin typeface="210 맨발의청춘 L" panose="02020603020101020101" pitchFamily="18" charset="-127"/>
+                <a:ea typeface="210 맨발의청춘 L" panose="02020603020101020101" pitchFamily="18" charset="-127"/>
+              </a:rPr>
+              <a:t>쭉 돌면서 </a:t>
+            </a:r>
+            <a:r>
+              <a:rPr lang="en-US" altLang="ko-KR" sz="2000" dirty="0">
+                <a:latin typeface="210 맨발의청춘 L" panose="02020603020101020101" pitchFamily="18" charset="-127"/>
+                <a:ea typeface="210 맨발의청춘 L" panose="02020603020101020101" pitchFamily="18" charset="-127"/>
+              </a:rPr>
+              <a:t>Pull Request </a:t>
+            </a:r>
+            <a:r>
+              <a:rPr lang="ko-KR" altLang="en-US" sz="2000" dirty="0" err="1">
+                <a:latin typeface="210 맨발의청춘 L" panose="02020603020101020101" pitchFamily="18" charset="-127"/>
+                <a:ea typeface="210 맨발의청춘 L" panose="02020603020101020101" pitchFamily="18" charset="-127"/>
+              </a:rPr>
+              <a:t>인거는</a:t>
+            </a:r>
+            <a:r>
+              <a:rPr lang="ko-KR" altLang="en-US" sz="2000" dirty="0">
+                <a:latin typeface="210 맨발의청춘 L" panose="02020603020101020101" pitchFamily="18" charset="-127"/>
+                <a:ea typeface="210 맨발의청춘 L" panose="02020603020101020101" pitchFamily="18" charset="-127"/>
+              </a:rPr>
+              <a:t> 이걸로 알 수 있다</a:t>
+            </a:r>
+            <a:r>
+              <a:rPr lang="en-US" altLang="ko-KR" sz="2000" dirty="0">
+                <a:latin typeface="210 맨발의청춘 L" panose="02020603020101020101" pitchFamily="18" charset="-127"/>
+                <a:ea typeface="210 맨발의청춘 L" panose="02020603020101020101" pitchFamily="18" charset="-127"/>
+              </a:rPr>
+              <a:t>.</a:t>
+            </a:r>
+          </a:p>
+        </p:txBody>
+      </p:sp>
+      <p:sp>
+        <p:nvSpPr>
+          <p:cNvPr id="8" name="직사각형 7">
+            <a:extLst>
+              <a:ext uri="{FF2B5EF4-FFF2-40B4-BE49-F238E27FC236}">
+                <a16:creationId xmlns:a16="http://schemas.microsoft.com/office/drawing/2014/main" id="{F0BB314E-6282-48EB-B00A-276E5E344888}"/>
+              </a:ext>
+            </a:extLst>
+          </p:cNvPr>
+          <p:cNvSpPr/>
+          <p:nvPr/>
+        </p:nvSpPr>
+        <p:spPr>
+          <a:xfrm>
+            <a:off x="626637" y="1598598"/>
+            <a:ext cx="5046446" cy="369332"/>
+          </a:xfrm>
+          <a:prstGeom prst="rect">
+            <a:avLst/>
+          </a:prstGeom>
+        </p:spPr>
+        <p:txBody>
+          <a:bodyPr wrap="none">
+            <a:spAutoFit/>
+          </a:bodyPr>
+          <a:lstStyle/>
+          <a:p>
+            <a:r>
+              <a:rPr lang="ko-KR" altLang="en-US" dirty="0"/>
+              <a:t>https://github.com/bitcoin/bitcoin/pull/27/files</a:t>
+            </a:r>
+          </a:p>
+        </p:txBody>
+      </p:sp>
+      <p:sp>
+        <p:nvSpPr>
+          <p:cNvPr id="9" name="직사각형 8">
+            <a:extLst>
+              <a:ext uri="{FF2B5EF4-FFF2-40B4-BE49-F238E27FC236}">
+                <a16:creationId xmlns:a16="http://schemas.microsoft.com/office/drawing/2014/main" id="{72790D0A-8B39-417F-8607-C21BE10DAA66}"/>
+              </a:ext>
+            </a:extLst>
+          </p:cNvPr>
+          <p:cNvSpPr/>
+          <p:nvPr/>
+        </p:nvSpPr>
+        <p:spPr>
+          <a:xfrm>
+            <a:off x="5673083" y="1584402"/>
+            <a:ext cx="2278188" cy="400110"/>
+          </a:xfrm>
+          <a:prstGeom prst="rect">
+            <a:avLst/>
+          </a:prstGeom>
+        </p:spPr>
+        <p:txBody>
+          <a:bodyPr wrap="none">
+            <a:spAutoFit/>
+          </a:bodyPr>
+          <a:lstStyle/>
+          <a:p>
+            <a:r>
+              <a:rPr lang="ko-KR" altLang="en-US" sz="2000" dirty="0">
+                <a:latin typeface="나눔손글씨 펜" panose="03040600000000000000" pitchFamily="66" charset="-127"/>
+                <a:ea typeface="나눔손글씨 펜" panose="03040600000000000000" pitchFamily="66" charset="-127"/>
+              </a:rPr>
+              <a:t>여기서 수정된 파일 알 수 있음</a:t>
+            </a:r>
+          </a:p>
+        </p:txBody>
+      </p:sp>
+      <p:pic>
+        <p:nvPicPr>
+          <p:cNvPr id="10" name="그림 9">
+            <a:extLst>
+              <a:ext uri="{FF2B5EF4-FFF2-40B4-BE49-F238E27FC236}">
+                <a16:creationId xmlns:a16="http://schemas.microsoft.com/office/drawing/2014/main" id="{8F423EAF-6EE5-49C9-9CDB-EC9DB649567E}"/>
+              </a:ext>
+            </a:extLst>
+          </p:cNvPr>
+          <p:cNvPicPr>
+            <a:picLocks noChangeAspect="1"/>
+          </p:cNvPicPr>
+          <p:nvPr/>
+        </p:nvPicPr>
+        <p:blipFill>
+          <a:blip r:embed="rId3"/>
+          <a:stretch>
+            <a:fillRect/>
+          </a:stretch>
+        </p:blipFill>
+        <p:spPr>
+          <a:xfrm>
+            <a:off x="502721" y="1967930"/>
+            <a:ext cx="7448550" cy="3200400"/>
+          </a:xfrm>
+          <a:prstGeom prst="rect">
+            <a:avLst/>
+          </a:prstGeom>
+        </p:spPr>
+      </p:pic>
+      <p:sp>
+        <p:nvSpPr>
+          <p:cNvPr id="11" name="원형: 비어 있음 10">
+            <a:extLst>
+              <a:ext uri="{FF2B5EF4-FFF2-40B4-BE49-F238E27FC236}">
+                <a16:creationId xmlns:a16="http://schemas.microsoft.com/office/drawing/2014/main" id="{41D0D979-DBDB-4D12-8F0E-D199505E5D66}"/>
+              </a:ext>
+            </a:extLst>
+          </p:cNvPr>
+          <p:cNvSpPr/>
+          <p:nvPr/>
+        </p:nvSpPr>
+        <p:spPr>
+          <a:xfrm>
+            <a:off x="5923581" y="2491015"/>
+            <a:ext cx="888596" cy="446383"/>
+          </a:xfrm>
+          <a:prstGeom prst="donut">
+            <a:avLst>
+              <a:gd name="adj" fmla="val 2227"/>
+            </a:avLst>
+          </a:prstGeom>
+          <a:solidFill>
+            <a:srgbClr val="FF0000"/>
+          </a:solidFill>
+          <a:ln>
+            <a:solidFill>
+              <a:srgbClr val="FF0000"/>
+            </a:solidFill>
+          </a:ln>
+        </p:spPr>
+        <p:style>
+          <a:lnRef idx="2">
+            <a:schemeClr val="accent1">
+              <a:shade val="50000"/>
+            </a:schemeClr>
+          </a:lnRef>
+          <a:fillRef idx="1">
+            <a:schemeClr val="accent1"/>
+          </a:fillRef>
+          <a:effectRef idx="0">
+            <a:schemeClr val="accent1"/>
+          </a:effectRef>
+          <a:fontRef idx="minor">
+            <a:schemeClr val="lt1"/>
+          </a:fontRef>
+        </p:style>
+        <p:txBody>
+          <a:bodyPr rtlCol="0" anchor="ctr"/>
+          <a:lstStyle/>
+          <a:p>
+            <a:pPr algn="ctr"/>
+            <a:endParaRPr lang="ko-KR" altLang="en-US">
+              <a:solidFill>
+                <a:schemeClr val="tx1"/>
+              </a:solidFill>
+            </a:endParaRPr>
+          </a:p>
+        </p:txBody>
+      </p:sp>
+      <p:sp>
+        <p:nvSpPr>
+          <p:cNvPr id="14" name="원형: 비어 있음 13">
+            <a:extLst>
+              <a:ext uri="{FF2B5EF4-FFF2-40B4-BE49-F238E27FC236}">
+                <a16:creationId xmlns:a16="http://schemas.microsoft.com/office/drawing/2014/main" id="{7365D7E7-7E83-4BBD-AE0B-B4032687C920}"/>
+              </a:ext>
+            </a:extLst>
+          </p:cNvPr>
+          <p:cNvSpPr/>
+          <p:nvPr/>
+        </p:nvSpPr>
+        <p:spPr>
+          <a:xfrm>
+            <a:off x="3067259" y="3568130"/>
+            <a:ext cx="888596" cy="446383"/>
+          </a:xfrm>
+          <a:prstGeom prst="donut">
+            <a:avLst>
+              <a:gd name="adj" fmla="val 2227"/>
+            </a:avLst>
+          </a:prstGeom>
+          <a:solidFill>
+            <a:srgbClr val="FF0000"/>
+          </a:solidFill>
+          <a:ln>
+            <a:solidFill>
+              <a:srgbClr val="FF0000"/>
+            </a:solidFill>
+          </a:ln>
+        </p:spPr>
+        <p:style>
+          <a:lnRef idx="2">
+            <a:schemeClr val="accent1">
+              <a:shade val="50000"/>
+            </a:schemeClr>
+          </a:lnRef>
+          <a:fillRef idx="1">
+            <a:schemeClr val="accent1"/>
+          </a:fillRef>
+          <a:effectRef idx="0">
+            <a:schemeClr val="accent1"/>
+          </a:effectRef>
+          <a:fontRef idx="minor">
+            <a:schemeClr val="lt1"/>
+          </a:fontRef>
+        </p:style>
+        <p:txBody>
+          <a:bodyPr rtlCol="0" anchor="ctr"/>
+          <a:lstStyle/>
+          <a:p>
+            <a:pPr algn="ctr"/>
+            <a:endParaRPr lang="ko-KR" altLang="en-US">
+              <a:solidFill>
+                <a:schemeClr val="tx1"/>
+              </a:solidFill>
+            </a:endParaRPr>
+          </a:p>
+        </p:txBody>
+      </p:sp>
+      <p:sp>
+        <p:nvSpPr>
+          <p:cNvPr id="15" name="TextBox 14">
+            <a:extLst>
+              <a:ext uri="{FF2B5EF4-FFF2-40B4-BE49-F238E27FC236}">
+                <a16:creationId xmlns:a16="http://schemas.microsoft.com/office/drawing/2014/main" id="{D1DD0379-A0DB-45F8-B475-5B5DF856849A}"/>
+              </a:ext>
+            </a:extLst>
+          </p:cNvPr>
+          <p:cNvSpPr txBox="1"/>
+          <p:nvPr/>
+        </p:nvSpPr>
+        <p:spPr>
+          <a:xfrm>
+            <a:off x="3955855" y="3568130"/>
+            <a:ext cx="1717228" cy="400110"/>
+          </a:xfrm>
+          <a:prstGeom prst="rect">
+            <a:avLst/>
+          </a:prstGeom>
+          <a:noFill/>
+        </p:spPr>
+        <p:txBody>
+          <a:bodyPr wrap="square" rtlCol="0">
+            <a:spAutoFit/>
+          </a:bodyPr>
+          <a:lstStyle/>
+          <a:p>
+            <a:pPr algn="l"/>
+            <a:r>
+              <a:rPr lang="en-US" altLang="ko-KR" sz="2000" dirty="0">
+                <a:latin typeface="210 맨발의청춘 L" panose="02020603020101020101" pitchFamily="18" charset="-127"/>
+                <a:ea typeface="210 맨발의청춘 L" panose="02020603020101020101" pitchFamily="18" charset="-127"/>
+              </a:rPr>
+              <a:t>open date</a:t>
+            </a:r>
+            <a:endParaRPr lang="ko-KR" altLang="en-US" sz="2000" dirty="0">
+              <a:latin typeface="210 맨발의청춘 L" panose="02020603020101020101" pitchFamily="18" charset="-127"/>
+              <a:ea typeface="210 맨발의청춘 L" panose="02020603020101020101" pitchFamily="18" charset="-127"/>
+            </a:endParaRPr>
+          </a:p>
+        </p:txBody>
+      </p:sp>
+      <p:sp>
+        <p:nvSpPr>
+          <p:cNvPr id="16" name="TextBox 15">
+            <a:extLst>
+              <a:ext uri="{FF2B5EF4-FFF2-40B4-BE49-F238E27FC236}">
+                <a16:creationId xmlns:a16="http://schemas.microsoft.com/office/drawing/2014/main" id="{65972C59-6693-423D-AF65-22CFFDA0DAF9}"/>
+              </a:ext>
+            </a:extLst>
+          </p:cNvPr>
+          <p:cNvSpPr txBox="1"/>
+          <p:nvPr/>
+        </p:nvSpPr>
+        <p:spPr>
+          <a:xfrm>
+            <a:off x="6813745" y="2598737"/>
+            <a:ext cx="1962609" cy="400110"/>
+          </a:xfrm>
+          <a:prstGeom prst="rect">
+            <a:avLst/>
+          </a:prstGeom>
+          <a:noFill/>
+        </p:spPr>
+        <p:txBody>
+          <a:bodyPr wrap="square" rtlCol="0">
+            <a:spAutoFit/>
+          </a:bodyPr>
+          <a:lstStyle/>
+          <a:p>
+            <a:pPr algn="l"/>
+            <a:r>
+              <a:rPr lang="en-US" altLang="ko-KR" sz="2000" dirty="0">
+                <a:latin typeface="210 맨발의청춘 L" panose="02020603020101020101" pitchFamily="18" charset="-127"/>
+                <a:ea typeface="210 맨발의청춘 L" panose="02020603020101020101" pitchFamily="18" charset="-127"/>
+              </a:rPr>
+              <a:t>closed date</a:t>
+            </a:r>
+            <a:endParaRPr lang="ko-KR" altLang="en-US" sz="2000" dirty="0">
+              <a:latin typeface="210 맨발의청춘 L" panose="02020603020101020101" pitchFamily="18" charset="-127"/>
+              <a:ea typeface="210 맨발의청춘 L" panose="02020603020101020101" pitchFamily="18" charset="-127"/>
+            </a:endParaRPr>
+          </a:p>
+        </p:txBody>
+      </p:sp>
+    </p:spTree>
+    <p:extLst>
+      <p:ext uri="{BB962C8B-B14F-4D97-AF65-F5344CB8AC3E}">
+        <p14:creationId xmlns:p14="http://schemas.microsoft.com/office/powerpoint/2010/main" val="3866124541"/>
+      </p:ext>
+    </p:extLst>
+  </p:cSld>
+  <p:clrMapOvr>
+    <a:masterClrMapping/>
+  </p:clrMapOvr>
+</p:sld>
+</file>
+
+<file path=ppt/slides/slide26.xml><?xml version="1.0" encoding="utf-8"?>
+<p:sld xmlns:a="http://schemas.openxmlformats.org/drawingml/2006/main" xmlns:r="http://schemas.openxmlformats.org/officeDocument/2006/relationships" xmlns:p="http://schemas.openxmlformats.org/presentationml/2006/main">
+  <p:cSld>
+    <p:spTree>
+      <p:nvGrpSpPr>
+        <p:cNvPr id="1" name=""/>
+        <p:cNvGrpSpPr/>
+        <p:nvPr/>
+      </p:nvGrpSpPr>
+      <p:grpSpPr>
+        <a:xfrm>
+          <a:off x="0" y="0"/>
+          <a:ext cx="0" cy="0"/>
+          <a:chOff x="0" y="0"/>
+          <a:chExt cx="0" cy="0"/>
+        </a:xfrm>
+      </p:grpSpPr>
+      <p:pic>
+        <p:nvPicPr>
+          <p:cNvPr id="2" name="그림 1">
+            <a:extLst>
+              <a:ext uri="{FF2B5EF4-FFF2-40B4-BE49-F238E27FC236}">
+                <a16:creationId xmlns:a16="http://schemas.microsoft.com/office/drawing/2014/main" id="{52B4C5C6-8B63-413C-9242-A49E148EE863}"/>
+              </a:ext>
+            </a:extLst>
+          </p:cNvPr>
+          <p:cNvPicPr>
+            <a:picLocks noChangeAspect="1"/>
+          </p:cNvPicPr>
+          <p:nvPr/>
+        </p:nvPicPr>
+        <p:blipFill>
+          <a:blip r:embed="rId2"/>
+          <a:stretch>
+            <a:fillRect/>
+          </a:stretch>
+        </p:blipFill>
+        <p:spPr>
+          <a:xfrm>
+            <a:off x="6584230" y="0"/>
+            <a:ext cx="5372100" cy="4324350"/>
+          </a:xfrm>
+          <a:prstGeom prst="rect">
+            <a:avLst/>
+          </a:prstGeom>
+        </p:spPr>
+      </p:pic>
+      <p:sp>
+        <p:nvSpPr>
+          <p:cNvPr id="3" name="TextBox 2">
+            <a:extLst>
+              <a:ext uri="{FF2B5EF4-FFF2-40B4-BE49-F238E27FC236}">
+                <a16:creationId xmlns:a16="http://schemas.microsoft.com/office/drawing/2014/main" id="{0A3C279C-EE5B-4F23-8D6A-BE7C9E7100D4}"/>
+              </a:ext>
+            </a:extLst>
+          </p:cNvPr>
+          <p:cNvSpPr txBox="1"/>
+          <p:nvPr/>
+        </p:nvSpPr>
+        <p:spPr>
+          <a:xfrm>
+            <a:off x="235670" y="122548"/>
+            <a:ext cx="8776355" cy="400110"/>
+          </a:xfrm>
+          <a:prstGeom prst="rect">
+            <a:avLst/>
+          </a:prstGeom>
+          <a:noFill/>
+        </p:spPr>
+        <p:txBody>
+          <a:bodyPr wrap="square" rtlCol="0">
+            <a:spAutoFit/>
+          </a:bodyPr>
+          <a:lstStyle/>
+          <a:p>
+            <a:pPr algn="l"/>
+            <a:r>
+              <a:rPr lang="en-US" altLang="ko-KR" sz="2000" dirty="0">
+                <a:latin typeface="210 맨발의청춘 L" panose="02020603020101020101" pitchFamily="18" charset="-127"/>
+                <a:ea typeface="210 맨발의청춘 L" panose="02020603020101020101" pitchFamily="18" charset="-127"/>
+              </a:rPr>
+              <a:t>issue 16</a:t>
+            </a:r>
+            <a:r>
+              <a:rPr lang="ko-KR" altLang="en-US" sz="2000" dirty="0">
+                <a:latin typeface="210 맨발의청춘 L" panose="02020603020101020101" pitchFamily="18" charset="-127"/>
+                <a:ea typeface="210 맨발의청춘 L" panose="02020603020101020101" pitchFamily="18" charset="-127"/>
+              </a:rPr>
+              <a:t>번에서 가져온 </a:t>
+            </a:r>
+            <a:r>
+              <a:rPr lang="en-US" altLang="ko-KR" sz="2000" dirty="0">
+                <a:latin typeface="210 맨발의청춘 L" panose="02020603020101020101" pitchFamily="18" charset="-127"/>
+                <a:ea typeface="210 맨발의청춘 L" panose="02020603020101020101" pitchFamily="18" charset="-127"/>
+              </a:rPr>
+              <a:t>commit </a:t>
+            </a:r>
+            <a:r>
+              <a:rPr lang="ko-KR" altLang="en-US" sz="2000" dirty="0">
+                <a:latin typeface="210 맨발의청춘 L" panose="02020603020101020101" pitchFamily="18" charset="-127"/>
+                <a:ea typeface="210 맨발의청춘 L" panose="02020603020101020101" pitchFamily="18" charset="-127"/>
+              </a:rPr>
+              <a:t>중 </a:t>
+            </a:r>
+          </a:p>
+        </p:txBody>
+      </p:sp>
+      <p:pic>
+        <p:nvPicPr>
+          <p:cNvPr id="4" name="그림 3">
+            <a:extLst>
+              <a:ext uri="{FF2B5EF4-FFF2-40B4-BE49-F238E27FC236}">
+                <a16:creationId xmlns:a16="http://schemas.microsoft.com/office/drawing/2014/main" id="{3EFAFF85-7101-460C-B5FE-63C18D38E5E7}"/>
+              </a:ext>
+            </a:extLst>
+          </p:cNvPr>
+          <p:cNvPicPr>
+            <a:picLocks noChangeAspect="1"/>
+          </p:cNvPicPr>
+          <p:nvPr/>
+        </p:nvPicPr>
+        <p:blipFill>
+          <a:blip r:embed="rId3"/>
+          <a:stretch>
+            <a:fillRect/>
+          </a:stretch>
+        </p:blipFill>
+        <p:spPr>
+          <a:xfrm>
+            <a:off x="632333" y="719213"/>
+            <a:ext cx="6513186" cy="2295494"/>
+          </a:xfrm>
+          <a:prstGeom prst="rect">
+            <a:avLst/>
+          </a:prstGeom>
+        </p:spPr>
+      </p:pic>
+      <p:sp>
+        <p:nvSpPr>
+          <p:cNvPr id="5" name="TextBox 4">
+            <a:extLst>
+              <a:ext uri="{FF2B5EF4-FFF2-40B4-BE49-F238E27FC236}">
+                <a16:creationId xmlns:a16="http://schemas.microsoft.com/office/drawing/2014/main" id="{BD3DBAD2-3887-46C6-BBED-5183492D82DB}"/>
+              </a:ext>
+            </a:extLst>
+          </p:cNvPr>
+          <p:cNvSpPr txBox="1"/>
+          <p:nvPr/>
+        </p:nvSpPr>
+        <p:spPr>
+          <a:xfrm>
+            <a:off x="632333" y="3506771"/>
+            <a:ext cx="6107832" cy="707886"/>
+          </a:xfrm>
+          <a:prstGeom prst="rect">
+            <a:avLst/>
+          </a:prstGeom>
+          <a:noFill/>
+        </p:spPr>
+        <p:txBody>
+          <a:bodyPr wrap="square" rtlCol="0">
+            <a:spAutoFit/>
+          </a:bodyPr>
+          <a:lstStyle/>
+          <a:p>
+            <a:pPr algn="l"/>
+            <a:r>
+              <a:rPr lang="ko-KR" altLang="en-US" sz="2000" dirty="0">
+                <a:latin typeface="210 맨발의청춘 L" panose="02020603020101020101" pitchFamily="18" charset="-127"/>
+                <a:ea typeface="210 맨발의청춘 L" panose="02020603020101020101" pitchFamily="18" charset="-127"/>
+              </a:rPr>
+              <a:t>이건 </a:t>
+            </a:r>
+            <a:r>
+              <a:rPr lang="en-US" altLang="ko-KR" sz="2000" dirty="0">
+                <a:latin typeface="210 맨발의청춘 L" panose="02020603020101020101" pitchFamily="18" charset="-127"/>
+                <a:ea typeface="210 맨발의청춘 L" panose="02020603020101020101" pitchFamily="18" charset="-127"/>
+              </a:rPr>
+              <a:t>16</a:t>
+            </a:r>
+            <a:r>
+              <a:rPr lang="ko-KR" altLang="en-US" sz="2000" dirty="0">
+                <a:latin typeface="210 맨발의청춘 L" panose="02020603020101020101" pitchFamily="18" charset="-127"/>
+                <a:ea typeface="210 맨발의청춘 L" panose="02020603020101020101" pitchFamily="18" charset="-127"/>
+              </a:rPr>
+              <a:t>번 고친 </a:t>
+            </a:r>
+            <a:r>
+              <a:rPr lang="en-US" altLang="ko-KR" sz="2000" dirty="0">
+                <a:latin typeface="210 맨발의청춘 L" panose="02020603020101020101" pitchFamily="18" charset="-127"/>
+                <a:ea typeface="210 맨발의청춘 L" panose="02020603020101020101" pitchFamily="18" charset="-127"/>
+              </a:rPr>
+              <a:t>commit</a:t>
+            </a:r>
+            <a:r>
+              <a:rPr lang="ko-KR" altLang="en-US" sz="2000" dirty="0">
+                <a:latin typeface="210 맨발의청춘 L" panose="02020603020101020101" pitchFamily="18" charset="-127"/>
+                <a:ea typeface="210 맨발의청춘 L" panose="02020603020101020101" pitchFamily="18" charset="-127"/>
+              </a:rPr>
+              <a:t>이 아니라 </a:t>
+            </a:r>
+            <a:endParaRPr lang="en-US" altLang="ko-KR" sz="2000" dirty="0">
+              <a:latin typeface="210 맨발의청춘 L" panose="02020603020101020101" pitchFamily="18" charset="-127"/>
+              <a:ea typeface="210 맨발의청춘 L" panose="02020603020101020101" pitchFamily="18" charset="-127"/>
+            </a:endParaRPr>
+          </a:p>
+          <a:p>
+            <a:pPr algn="l"/>
+            <a:r>
+              <a:rPr lang="ko-KR" altLang="en-US" sz="2000" dirty="0">
+                <a:latin typeface="210 맨발의청춘 L" panose="02020603020101020101" pitchFamily="18" charset="-127"/>
+                <a:ea typeface="210 맨발의청춘 L" panose="02020603020101020101" pitchFamily="18" charset="-127"/>
+              </a:rPr>
+              <a:t>안에 </a:t>
+            </a:r>
+            <a:r>
+              <a:rPr lang="en-US" altLang="ko-KR" sz="2000" dirty="0">
+                <a:latin typeface="210 맨발의청춘 L" panose="02020603020101020101" pitchFamily="18" charset="-127"/>
+                <a:ea typeface="210 맨발의청춘 L" panose="02020603020101020101" pitchFamily="18" charset="-127"/>
+              </a:rPr>
+              <a:t>#16</a:t>
+            </a:r>
+            <a:r>
+              <a:rPr lang="ko-KR" altLang="en-US" sz="2000" dirty="0">
+                <a:latin typeface="210 맨발의청춘 L" panose="02020603020101020101" pitchFamily="18" charset="-127"/>
+                <a:ea typeface="210 맨발의청춘 L" panose="02020603020101020101" pitchFamily="18" charset="-127"/>
+              </a:rPr>
+              <a:t>때문에 자동으로 </a:t>
+            </a:r>
+            <a:r>
+              <a:rPr lang="ko-KR" altLang="en-US" sz="2000" dirty="0" err="1">
+                <a:latin typeface="210 맨발의청춘 L" panose="02020603020101020101" pitchFamily="18" charset="-127"/>
+                <a:ea typeface="210 맨발의청춘 L" panose="02020603020101020101" pitchFamily="18" charset="-127"/>
+              </a:rPr>
+              <a:t>태그됨</a:t>
+            </a:r>
+            <a:endParaRPr lang="ko-KR" altLang="en-US" sz="2000" dirty="0">
+              <a:latin typeface="210 맨발의청춘 L" panose="02020603020101020101" pitchFamily="18" charset="-127"/>
+              <a:ea typeface="210 맨발의청춘 L" panose="02020603020101020101" pitchFamily="18" charset="-127"/>
+            </a:endParaRPr>
+          </a:p>
+        </p:txBody>
+      </p:sp>
+    </p:spTree>
+    <p:extLst>
+      <p:ext uri="{BB962C8B-B14F-4D97-AF65-F5344CB8AC3E}">
+        <p14:creationId xmlns:p14="http://schemas.microsoft.com/office/powerpoint/2010/main" val="2987076486"/>
+      </p:ext>
+    </p:extLst>
+  </p:cSld>
+  <p:clrMapOvr>
+    <a:masterClrMapping/>
+  </p:clrMapOvr>
+</p:sld>
+</file>
+
+<file path=ppt/slides/slide27.xml><?xml version="1.0" encoding="utf-8"?>
+<p:sld xmlns:a="http://schemas.openxmlformats.org/drawingml/2006/main" xmlns:r="http://schemas.openxmlformats.org/officeDocument/2006/relationships" xmlns:p="http://schemas.openxmlformats.org/presentationml/2006/main">
+  <p:cSld>
+    <p:spTree>
+      <p:nvGrpSpPr>
+        <p:cNvPr id="1" name=""/>
+        <p:cNvGrpSpPr/>
+        <p:nvPr/>
+      </p:nvGrpSpPr>
+      <p:grpSpPr>
+        <a:xfrm>
+          <a:off x="0" y="0"/>
+          <a:ext cx="0" cy="0"/>
+          <a:chOff x="0" y="0"/>
+          <a:chExt cx="0" cy="0"/>
+        </a:xfrm>
+      </p:grpSpPr>
+      <p:graphicFrame>
+        <p:nvGraphicFramePr>
+          <p:cNvPr id="6" name="개체 5">
+            <a:extLst>
+              <a:ext uri="{FF2B5EF4-FFF2-40B4-BE49-F238E27FC236}">
+                <a16:creationId xmlns:a16="http://schemas.microsoft.com/office/drawing/2014/main" id="{5BDB0778-F901-4952-989D-60F45C7824CF}"/>
+              </a:ext>
+            </a:extLst>
+          </p:cNvPr>
+          <p:cNvGraphicFramePr>
+            <a:graphicFrameLocks noChangeAspect="1"/>
+          </p:cNvGraphicFramePr>
+          <p:nvPr>
+            <p:extLst>
+              <p:ext uri="{D42A27DB-BD31-4B8C-83A1-F6EECF244321}">
+                <p14:modId xmlns:p14="http://schemas.microsoft.com/office/powerpoint/2010/main" val="123244504"/>
+              </p:ext>
+            </p:extLst>
+          </p:nvPr>
+        </p:nvGraphicFramePr>
+        <p:xfrm>
+          <a:off x="555308" y="780733"/>
+          <a:ext cx="10110787" cy="2011362"/>
+        </p:xfrm>
+        <a:graphic>
+          <a:graphicData uri="http://schemas.openxmlformats.org/presentationml/2006/ole">
+            <mc:AlternateContent xmlns:mc="http://schemas.openxmlformats.org/markup-compatibility/2006">
+              <mc:Choice xmlns:v="urn:schemas-microsoft-com:vml" Requires="v">
+                <p:oleObj spid="_x0000_s1062" name="Worksheet" r:id="rId3" imgW="4591076" imgH="914400" progId="Excel.Sheet.12">
+                  <p:embed/>
+                </p:oleObj>
+              </mc:Choice>
+              <mc:Fallback>
+                <p:oleObj name="Worksheet" r:id="rId3" imgW="4591076" imgH="914400" progId="Excel.Sheet.12">
+                  <p:embed/>
+                  <p:pic>
+                    <p:nvPicPr>
+                      <p:cNvPr id="0" name=""/>
+                      <p:cNvPicPr/>
+                      <p:nvPr/>
+                    </p:nvPicPr>
+                    <p:blipFill>
+                      <a:blip r:embed="rId4"/>
+                      <a:stretch>
+                        <a:fillRect/>
+                      </a:stretch>
+                    </p:blipFill>
+                    <p:spPr>
+                      <a:xfrm>
+                        <a:off x="555308" y="780733"/>
+                        <a:ext cx="10110787" cy="2011362"/>
+                      </a:xfrm>
+                      <a:prstGeom prst="rect">
+                        <a:avLst/>
+                      </a:prstGeom>
+                    </p:spPr>
+                  </p:pic>
+                </p:oleObj>
+              </mc:Fallback>
+            </mc:AlternateContent>
+          </a:graphicData>
+        </a:graphic>
+      </p:graphicFrame>
+      <p:sp>
+        <p:nvSpPr>
+          <p:cNvPr id="8" name="TextBox 7">
+            <a:extLst>
+              <a:ext uri="{FF2B5EF4-FFF2-40B4-BE49-F238E27FC236}">
+                <a16:creationId xmlns:a16="http://schemas.microsoft.com/office/drawing/2014/main" id="{613E6D1E-6357-4063-9C90-61D92F8E8F97}"/>
+              </a:ext>
+            </a:extLst>
+          </p:cNvPr>
+          <p:cNvSpPr txBox="1"/>
+          <p:nvPr/>
+        </p:nvSpPr>
+        <p:spPr>
+          <a:xfrm>
+            <a:off x="406400" y="289976"/>
+            <a:ext cx="5039360" cy="400110"/>
+          </a:xfrm>
+          <a:prstGeom prst="rect">
+            <a:avLst/>
+          </a:prstGeom>
+          <a:noFill/>
+        </p:spPr>
+        <p:txBody>
+          <a:bodyPr wrap="square" rtlCol="0">
+            <a:spAutoFit/>
+          </a:bodyPr>
+          <a:lstStyle/>
+          <a:p>
+            <a:pPr algn="l"/>
+            <a:r>
+              <a:rPr lang="en-US" altLang="ko-KR" sz="2000" dirty="0">
+                <a:latin typeface="210 맨발의청춘 L" panose="02020603020101020101" pitchFamily="18" charset="-127"/>
+                <a:ea typeface="210 맨발의청춘 L" panose="02020603020101020101" pitchFamily="18" charset="-127"/>
+              </a:rPr>
+              <a:t>DB Schema</a:t>
+            </a:r>
+            <a:endParaRPr lang="ko-KR" altLang="en-US" sz="2000" dirty="0">
+              <a:latin typeface="210 맨발의청춘 L" panose="02020603020101020101" pitchFamily="18" charset="-127"/>
+              <a:ea typeface="210 맨발의청춘 L" panose="02020603020101020101" pitchFamily="18" charset="-127"/>
+            </a:endParaRPr>
+          </a:p>
+        </p:txBody>
+      </p:sp>
+      <p:sp>
+        <p:nvSpPr>
+          <p:cNvPr id="9" name="TextBox 8">
+            <a:extLst>
+              <a:ext uri="{FF2B5EF4-FFF2-40B4-BE49-F238E27FC236}">
+                <a16:creationId xmlns:a16="http://schemas.microsoft.com/office/drawing/2014/main" id="{06665E09-D7CF-4971-9481-3B3FF6641EC5}"/>
+              </a:ext>
+            </a:extLst>
+          </p:cNvPr>
+          <p:cNvSpPr txBox="1"/>
+          <p:nvPr/>
+        </p:nvSpPr>
+        <p:spPr>
+          <a:xfrm>
+            <a:off x="555308" y="2807305"/>
+            <a:ext cx="11006772" cy="400110"/>
+          </a:xfrm>
+          <a:prstGeom prst="rect">
+            <a:avLst/>
+          </a:prstGeom>
+          <a:noFill/>
+        </p:spPr>
+        <p:txBody>
+          <a:bodyPr wrap="square" rtlCol="0">
+            <a:spAutoFit/>
+          </a:bodyPr>
+          <a:lstStyle/>
+          <a:p>
+            <a:pPr marL="342900" indent="-342900" algn="l">
+              <a:buFontTx/>
+              <a:buChar char="-"/>
+            </a:pPr>
+            <a:r>
+              <a:rPr lang="en-US" altLang="ko-KR" sz="2000" dirty="0">
+                <a:latin typeface="나눔손글씨 펜" panose="03040600000000000000" pitchFamily="66" charset="-127"/>
+                <a:ea typeface="나눔손글씨 펜" panose="03040600000000000000" pitchFamily="66" charset="-127"/>
+              </a:rPr>
+              <a:t>/pull/</a:t>
+            </a:r>
+            <a:r>
+              <a:rPr lang="ko-KR" altLang="en-US" sz="2000" dirty="0">
+                <a:latin typeface="나눔손글씨 펜" panose="03040600000000000000" pitchFamily="66" charset="-127"/>
+                <a:ea typeface="나눔손글씨 펜" panose="03040600000000000000" pitchFamily="66" charset="-127"/>
+              </a:rPr>
+              <a:t>숫자 </a:t>
+            </a:r>
+            <a:r>
+              <a:rPr lang="en-US" altLang="ko-KR" sz="2000" dirty="0">
+                <a:latin typeface="나눔손글씨 펜" panose="03040600000000000000" pitchFamily="66" charset="-127"/>
+                <a:ea typeface="나눔손글씨 펜" panose="03040600000000000000" pitchFamily="66" charset="-127"/>
+              </a:rPr>
+              <a:t>issue/</a:t>
+            </a:r>
+            <a:r>
+              <a:rPr lang="ko-KR" altLang="en-US" sz="2000" dirty="0">
+                <a:latin typeface="나눔손글씨 펜" panose="03040600000000000000" pitchFamily="66" charset="-127"/>
+                <a:ea typeface="나눔손글씨 펜" panose="03040600000000000000" pitchFamily="66" charset="-127"/>
+              </a:rPr>
+              <a:t>숫자 모두 </a:t>
+            </a:r>
+            <a:r>
+              <a:rPr lang="en-US" altLang="ko-KR" sz="2000" dirty="0">
+                <a:latin typeface="나눔손글씨 펜" panose="03040600000000000000" pitchFamily="66" charset="-127"/>
+                <a:ea typeface="나눔손글씨 펜" panose="03040600000000000000" pitchFamily="66" charset="-127"/>
+              </a:rPr>
+              <a:t>issue </a:t>
+            </a:r>
+            <a:r>
+              <a:rPr lang="ko-KR" altLang="en-US" sz="2000" dirty="0">
+                <a:latin typeface="나눔손글씨 펜" panose="03040600000000000000" pitchFamily="66" charset="-127"/>
+                <a:ea typeface="나눔손글씨 펜" panose="03040600000000000000" pitchFamily="66" charset="-127"/>
+              </a:rPr>
+              <a:t>테이블에 넣는다</a:t>
+            </a:r>
+            <a:endParaRPr lang="en-US" altLang="ko-KR" sz="2000" dirty="0">
+              <a:latin typeface="나눔손글씨 펜" panose="03040600000000000000" pitchFamily="66" charset="-127"/>
+              <a:ea typeface="나눔손글씨 펜" panose="03040600000000000000" pitchFamily="66" charset="-127"/>
+            </a:endParaRPr>
+          </a:p>
+        </p:txBody>
+      </p:sp>
+      <p:sp>
+        <p:nvSpPr>
+          <p:cNvPr id="10" name="TextBox 9">
+            <a:extLst>
+              <a:ext uri="{FF2B5EF4-FFF2-40B4-BE49-F238E27FC236}">
+                <a16:creationId xmlns:a16="http://schemas.microsoft.com/office/drawing/2014/main" id="{0B03392F-51C8-4162-9E19-B57D34B39359}"/>
+              </a:ext>
+            </a:extLst>
+          </p:cNvPr>
+          <p:cNvSpPr txBox="1"/>
+          <p:nvPr/>
+        </p:nvSpPr>
+        <p:spPr>
+          <a:xfrm>
+            <a:off x="233680" y="3291840"/>
+            <a:ext cx="3874452" cy="400110"/>
+          </a:xfrm>
+          <a:prstGeom prst="rect">
+            <a:avLst/>
+          </a:prstGeom>
+          <a:noFill/>
+        </p:spPr>
+        <p:txBody>
+          <a:bodyPr wrap="square" rtlCol="0">
+            <a:spAutoFit/>
+          </a:bodyPr>
+          <a:lstStyle/>
+          <a:p>
+            <a:pPr algn="l"/>
+            <a:r>
+              <a:rPr lang="en-US" altLang="ko-KR" sz="2000" dirty="0">
+                <a:latin typeface="210 맨발의청춘 L" panose="02020603020101020101" pitchFamily="18" charset="-127"/>
+                <a:ea typeface="210 맨발의청춘 L" panose="02020603020101020101" pitchFamily="18" charset="-127"/>
+              </a:rPr>
+              <a:t>revised</a:t>
+            </a:r>
+            <a:r>
+              <a:rPr lang="ko-KR" altLang="en-US" sz="2000" dirty="0">
+                <a:latin typeface="210 맨발의청춘 L" panose="02020603020101020101" pitchFamily="18" charset="-127"/>
+                <a:ea typeface="210 맨발의청춘 L" panose="02020603020101020101" pitchFamily="18" charset="-127"/>
+              </a:rPr>
+              <a:t> </a:t>
+            </a:r>
+            <a:r>
+              <a:rPr lang="en-US" altLang="ko-KR" sz="2000" dirty="0">
+                <a:latin typeface="210 맨발의청춘 L" panose="02020603020101020101" pitchFamily="18" charset="-127"/>
+                <a:ea typeface="210 맨발의청춘 L" panose="02020603020101020101" pitchFamily="18" charset="-127"/>
+              </a:rPr>
+              <a:t>file</a:t>
+            </a:r>
+            <a:r>
+              <a:rPr lang="ko-KR" altLang="en-US" sz="2000" dirty="0">
+                <a:latin typeface="210 맨발의청춘 L" panose="02020603020101020101" pitchFamily="18" charset="-127"/>
+                <a:ea typeface="210 맨발의청춘 L" panose="02020603020101020101" pitchFamily="18" charset="-127"/>
+              </a:rPr>
+              <a:t> 가져오는 법</a:t>
+            </a:r>
+            <a:r>
+              <a:rPr lang="en-US" altLang="ko-KR" sz="2000" dirty="0">
+                <a:latin typeface="210 맨발의청춘 L" panose="02020603020101020101" pitchFamily="18" charset="-127"/>
+                <a:ea typeface="210 맨발의청춘 L" panose="02020603020101020101" pitchFamily="18" charset="-127"/>
+              </a:rPr>
+              <a:t>:</a:t>
+            </a:r>
+            <a:endParaRPr lang="ko-KR" altLang="en-US" sz="2000" dirty="0">
+              <a:latin typeface="210 맨발의청춘 L" panose="02020603020101020101" pitchFamily="18" charset="-127"/>
+              <a:ea typeface="210 맨발의청춘 L" panose="02020603020101020101" pitchFamily="18" charset="-127"/>
+            </a:endParaRPr>
+          </a:p>
+        </p:txBody>
+      </p:sp>
+      <p:pic>
+        <p:nvPicPr>
+          <p:cNvPr id="12" name="그림 11">
+            <a:extLst>
+              <a:ext uri="{FF2B5EF4-FFF2-40B4-BE49-F238E27FC236}">
+                <a16:creationId xmlns:a16="http://schemas.microsoft.com/office/drawing/2014/main" id="{8A343104-252C-42C1-97E7-C44136732188}"/>
+              </a:ext>
+            </a:extLst>
+          </p:cNvPr>
+          <p:cNvPicPr>
+            <a:picLocks noChangeAspect="1"/>
+          </p:cNvPicPr>
+          <p:nvPr/>
+        </p:nvPicPr>
+        <p:blipFill>
+          <a:blip r:embed="rId5"/>
+          <a:stretch>
+            <a:fillRect/>
+          </a:stretch>
+        </p:blipFill>
+        <p:spPr>
+          <a:xfrm>
+            <a:off x="6875859" y="3007360"/>
+            <a:ext cx="5008005" cy="3545840"/>
+          </a:xfrm>
+          <a:prstGeom prst="rect">
+            <a:avLst/>
+          </a:prstGeom>
+        </p:spPr>
+      </p:pic>
+      <p:sp>
+        <p:nvSpPr>
+          <p:cNvPr id="13" name="직사각형 12">
+            <a:extLst>
+              <a:ext uri="{FF2B5EF4-FFF2-40B4-BE49-F238E27FC236}">
+                <a16:creationId xmlns:a16="http://schemas.microsoft.com/office/drawing/2014/main" id="{C209CFBD-EBC8-4BA1-8CC4-1B3DB31AB44D}"/>
+              </a:ext>
+            </a:extLst>
+          </p:cNvPr>
+          <p:cNvSpPr/>
+          <p:nvPr/>
+        </p:nvSpPr>
+        <p:spPr>
+          <a:xfrm>
+            <a:off x="3318203" y="3613159"/>
+            <a:ext cx="3700500" cy="553998"/>
+          </a:xfrm>
+          <a:prstGeom prst="rect">
+            <a:avLst/>
+          </a:prstGeom>
+        </p:spPr>
+        <p:txBody>
+          <a:bodyPr wrap="none">
+            <a:spAutoFit/>
+          </a:bodyPr>
+          <a:lstStyle/>
+          <a:p>
+            <a:r>
+              <a:rPr lang="en-US" altLang="ko-KR" sz="1200" dirty="0"/>
+              <a:t>ex) </a:t>
+            </a:r>
+            <a:r>
+              <a:rPr lang="ko-KR" altLang="en-US" sz="1200" dirty="0">
+                <a:hlinkClick r:id="rId6"/>
+              </a:rPr>
+              <a:t>https://github.com/bitcoin/bitcoin/pull/27/files</a:t>
+            </a:r>
+            <a:endParaRPr lang="en-US" altLang="ko-KR" sz="1200" dirty="0"/>
+          </a:p>
+          <a:p>
+            <a:endParaRPr lang="ko-KR" altLang="en-US" dirty="0"/>
+          </a:p>
+        </p:txBody>
+      </p:sp>
+      <p:sp>
+        <p:nvSpPr>
+          <p:cNvPr id="11" name="TextBox 10">
+            <a:extLst>
+              <a:ext uri="{FF2B5EF4-FFF2-40B4-BE49-F238E27FC236}">
+                <a16:creationId xmlns:a16="http://schemas.microsoft.com/office/drawing/2014/main" id="{3C79760A-A336-4ECE-8B42-AA2A5DB74B4F}"/>
+              </a:ext>
+            </a:extLst>
+          </p:cNvPr>
+          <p:cNvSpPr txBox="1"/>
+          <p:nvPr/>
+        </p:nvSpPr>
+        <p:spPr>
+          <a:xfrm>
+            <a:off x="344659" y="3776375"/>
+            <a:ext cx="10901680" cy="1631216"/>
+          </a:xfrm>
+          <a:prstGeom prst="rect">
+            <a:avLst/>
+          </a:prstGeom>
+          <a:noFill/>
+        </p:spPr>
+        <p:txBody>
+          <a:bodyPr wrap="square" rtlCol="0">
+            <a:spAutoFit/>
+          </a:bodyPr>
+          <a:lstStyle/>
+          <a:p>
+            <a:pPr marL="457200" indent="-457200" algn="l">
+              <a:buAutoNum type="arabicPeriod"/>
+            </a:pPr>
+            <a:r>
+              <a:rPr lang="en-US" altLang="ko-KR" sz="2000" dirty="0">
+                <a:latin typeface="나눔손글씨 펜" panose="03040600000000000000" pitchFamily="66" charset="-127"/>
+                <a:ea typeface="나눔손글씨 펜" panose="03040600000000000000" pitchFamily="66" charset="-127"/>
+              </a:rPr>
+              <a:t>/pull/</a:t>
+            </a:r>
+            <a:r>
+              <a:rPr lang="ko-KR" altLang="en-US" sz="2000" dirty="0">
+                <a:latin typeface="나눔손글씨 펜" panose="03040600000000000000" pitchFamily="66" charset="-127"/>
+                <a:ea typeface="나눔손글씨 펜" panose="03040600000000000000" pitchFamily="66" charset="-127"/>
+              </a:rPr>
+              <a:t>숫자 의 경우 </a:t>
+            </a:r>
+            <a:r>
+              <a:rPr lang="en-US" altLang="ko-KR" sz="2000" dirty="0">
+                <a:latin typeface="나눔손글씨 펜" panose="03040600000000000000" pitchFamily="66" charset="-127"/>
+                <a:ea typeface="나눔손글씨 펜" panose="03040600000000000000" pitchFamily="66" charset="-127"/>
+              </a:rPr>
+              <a:t>/pull/</a:t>
+            </a:r>
+            <a:r>
+              <a:rPr lang="ko-KR" altLang="en-US" sz="2000" dirty="0">
+                <a:latin typeface="나눔손글씨 펜" panose="03040600000000000000" pitchFamily="66" charset="-127"/>
+                <a:ea typeface="나눔손글씨 펜" panose="03040600000000000000" pitchFamily="66" charset="-127"/>
+              </a:rPr>
+              <a:t>숫자</a:t>
+            </a:r>
+            <a:r>
+              <a:rPr lang="en-US" altLang="ko-KR" sz="2000" dirty="0">
+                <a:latin typeface="나눔손글씨 펜" panose="03040600000000000000" pitchFamily="66" charset="-127"/>
+                <a:ea typeface="나눔손글씨 펜" panose="03040600000000000000" pitchFamily="66" charset="-127"/>
+              </a:rPr>
+              <a:t>/files</a:t>
+            </a:r>
+            <a:r>
+              <a:rPr lang="ko-KR" altLang="en-US" sz="2000" dirty="0">
+                <a:latin typeface="나눔손글씨 펜" panose="03040600000000000000" pitchFamily="66" charset="-127"/>
+                <a:ea typeface="나눔손글씨 펜" panose="03040600000000000000" pitchFamily="66" charset="-127"/>
+              </a:rPr>
+              <a:t>에 들어가면 됨</a:t>
+            </a:r>
+            <a:r>
+              <a:rPr lang="en-US" altLang="ko-KR" sz="2000" dirty="0">
+                <a:latin typeface="나눔손글씨 펜" panose="03040600000000000000" pitchFamily="66" charset="-127"/>
+                <a:ea typeface="나눔손글씨 펜" panose="03040600000000000000" pitchFamily="66" charset="-127"/>
+              </a:rPr>
+              <a:t>.</a:t>
+            </a:r>
+          </a:p>
+          <a:p>
+            <a:pPr marL="457200" indent="-457200" algn="l">
+              <a:buAutoNum type="arabicPeriod"/>
+            </a:pPr>
+            <a:r>
+              <a:rPr lang="en-US" altLang="ko-KR" sz="2000" dirty="0">
+                <a:latin typeface="나눔손글씨 펜" panose="03040600000000000000" pitchFamily="66" charset="-127"/>
+                <a:ea typeface="나눔손글씨 펜" panose="03040600000000000000" pitchFamily="66" charset="-127"/>
+              </a:rPr>
+              <a:t>/issue/</a:t>
+            </a:r>
+            <a:r>
+              <a:rPr lang="ko-KR" altLang="en-US" sz="2000" dirty="0">
+                <a:latin typeface="나눔손글씨 펜" panose="03040600000000000000" pitchFamily="66" charset="-127"/>
+                <a:ea typeface="나눔손글씨 펜" panose="03040600000000000000" pitchFamily="66" charset="-127"/>
+              </a:rPr>
+              <a:t>숫자 경우</a:t>
+            </a:r>
+            <a:endParaRPr lang="en-US" altLang="ko-KR" sz="2000" dirty="0">
+              <a:latin typeface="나눔손글씨 펜" panose="03040600000000000000" pitchFamily="66" charset="-127"/>
+              <a:ea typeface="나눔손글씨 펜" panose="03040600000000000000" pitchFamily="66" charset="-127"/>
+            </a:endParaRPr>
+          </a:p>
+          <a:p>
+            <a:pPr algn="l"/>
+            <a:r>
+              <a:rPr lang="en-US" altLang="ko-KR" sz="2000" dirty="0">
+                <a:latin typeface="나눔손글씨 펜" panose="03040600000000000000" pitchFamily="66" charset="-127"/>
+                <a:ea typeface="나눔손글씨 펜" panose="03040600000000000000" pitchFamily="66" charset="-127"/>
+              </a:rPr>
+              <a:t>   1) </a:t>
+            </a:r>
+            <a:r>
+              <a:rPr lang="en-US" altLang="ko-KR" sz="2000" dirty="0" err="1">
+                <a:latin typeface="나눔손글씨 펜" panose="03040600000000000000" pitchFamily="66" charset="-127"/>
+                <a:ea typeface="나눔손글씨 펜" panose="03040600000000000000" pitchFamily="66" charset="-127"/>
+              </a:rPr>
+              <a:t>commitparse</a:t>
+            </a:r>
+            <a:r>
+              <a:rPr lang="ko-KR" altLang="en-US" sz="2000" dirty="0">
+                <a:latin typeface="나눔손글씨 펜" panose="03040600000000000000" pitchFamily="66" charset="-127"/>
+                <a:ea typeface="나눔손글씨 펜" panose="03040600000000000000" pitchFamily="66" charset="-127"/>
+              </a:rPr>
+              <a:t>에서 </a:t>
+            </a:r>
+            <a:r>
+              <a:rPr lang="en-US" altLang="ko-KR" sz="2000" dirty="0">
+                <a:latin typeface="나눔손글씨 펜" panose="03040600000000000000" pitchFamily="66" charset="-127"/>
+                <a:ea typeface="나눔손글씨 펜" panose="03040600000000000000" pitchFamily="66" charset="-127"/>
+              </a:rPr>
+              <a:t>bitcoin/bitcoin</a:t>
+            </a:r>
+            <a:r>
+              <a:rPr lang="ko-KR" altLang="en-US" sz="2000" dirty="0">
+                <a:latin typeface="나눔손글씨 펜" panose="03040600000000000000" pitchFamily="66" charset="-127"/>
+                <a:ea typeface="나눔손글씨 펜" panose="03040600000000000000" pitchFamily="66" charset="-127"/>
+              </a:rPr>
+              <a:t>있는 경우 </a:t>
+            </a:r>
+            <a:r>
+              <a:rPr lang="en-US" altLang="ko-KR" sz="2000" dirty="0">
+                <a:latin typeface="나눔손글씨 펜" panose="03040600000000000000" pitchFamily="66" charset="-127"/>
+                <a:ea typeface="나눔손글씨 펜" panose="03040600000000000000" pitchFamily="66" charset="-127"/>
+              </a:rPr>
+              <a:t>(</a:t>
+            </a:r>
+            <a:r>
+              <a:rPr lang="en-US" altLang="ko-KR" sz="2000" dirty="0" err="1">
+                <a:latin typeface="나눔손글씨 펜" panose="03040600000000000000" pitchFamily="66" charset="-127"/>
+                <a:ea typeface="나눔손글씨 펜" panose="03040600000000000000" pitchFamily="66" charset="-127"/>
+              </a:rPr>
+              <a:t>closedate</a:t>
+            </a:r>
+            <a:r>
+              <a:rPr lang="ko-KR" altLang="en-US" sz="2000" dirty="0">
+                <a:latin typeface="나눔손글씨 펜" panose="03040600000000000000" pitchFamily="66" charset="-127"/>
+                <a:ea typeface="나눔손글씨 펜" panose="03040600000000000000" pitchFamily="66" charset="-127"/>
+              </a:rPr>
+              <a:t>보다 전이여야 한다</a:t>
+            </a:r>
+            <a:r>
+              <a:rPr lang="en-US" altLang="ko-KR" sz="2000" dirty="0">
+                <a:latin typeface="나눔손글씨 펜" panose="03040600000000000000" pitchFamily="66" charset="-127"/>
+                <a:ea typeface="나눔손글씨 펜" panose="03040600000000000000" pitchFamily="66" charset="-127"/>
+              </a:rPr>
+              <a:t>)</a:t>
+            </a:r>
+          </a:p>
+          <a:p>
+            <a:pPr algn="l"/>
+            <a:r>
+              <a:rPr lang="en-US" altLang="ko-KR" sz="2000" dirty="0">
+                <a:latin typeface="나눔손글씨 펜" panose="03040600000000000000" pitchFamily="66" charset="-127"/>
+                <a:ea typeface="나눔손글씨 펜" panose="03040600000000000000" pitchFamily="66" charset="-127"/>
+              </a:rPr>
+              <a:t>   2) </a:t>
+            </a:r>
+            <a:r>
+              <a:rPr lang="en-US" altLang="ko-KR" sz="2000" dirty="0" err="1">
+                <a:latin typeface="나눔손글씨 펜" panose="03040600000000000000" pitchFamily="66" charset="-127"/>
+                <a:ea typeface="나눔손글씨 펜" panose="03040600000000000000" pitchFamily="66" charset="-127"/>
+              </a:rPr>
+              <a:t>commitparse</a:t>
+            </a:r>
+            <a:r>
+              <a:rPr lang="ko-KR" altLang="en-US" sz="2000" dirty="0">
+                <a:latin typeface="나눔손글씨 펜" panose="03040600000000000000" pitchFamily="66" charset="-127"/>
+                <a:ea typeface="나눔손글씨 펜" panose="03040600000000000000" pitchFamily="66" charset="-127"/>
+              </a:rPr>
+              <a:t>에 없는 경우 코멘트에 </a:t>
+            </a:r>
+            <a:r>
+              <a:rPr lang="en-US" altLang="ko-KR" sz="2000" dirty="0">
+                <a:latin typeface="나눔손글씨 펜" panose="03040600000000000000" pitchFamily="66" charset="-127"/>
+                <a:ea typeface="나눔손글씨 펜" panose="03040600000000000000" pitchFamily="66" charset="-127"/>
+              </a:rPr>
+              <a:t>pull </a:t>
+            </a:r>
+            <a:r>
+              <a:rPr lang="ko-KR" altLang="en-US" sz="2000" dirty="0">
+                <a:latin typeface="나눔손글씨 펜" panose="03040600000000000000" pitchFamily="66" charset="-127"/>
+                <a:ea typeface="나눔손글씨 펜" panose="03040600000000000000" pitchFamily="66" charset="-127"/>
+              </a:rPr>
+              <a:t>주소나 </a:t>
+            </a:r>
+            <a:r>
+              <a:rPr lang="en-US" altLang="ko-KR" sz="2000" dirty="0">
+                <a:latin typeface="나눔손글씨 펜" panose="03040600000000000000" pitchFamily="66" charset="-127"/>
+                <a:ea typeface="나눔손글씨 펜" panose="03040600000000000000" pitchFamily="66" charset="-127"/>
+              </a:rPr>
+              <a:t>fixed by #</a:t>
+            </a:r>
+            <a:r>
+              <a:rPr lang="ko-KR" altLang="en-US" sz="2000" dirty="0">
+                <a:latin typeface="나눔손글씨 펜" panose="03040600000000000000" pitchFamily="66" charset="-127"/>
+                <a:ea typeface="나눔손글씨 펜" panose="03040600000000000000" pitchFamily="66" charset="-127"/>
+              </a:rPr>
+              <a:t>숫자 </a:t>
+            </a:r>
+            <a:r>
+              <a:rPr lang="ko-KR" altLang="en-US" sz="2000" dirty="0" err="1">
+                <a:latin typeface="나눔손글씨 펜" panose="03040600000000000000" pitchFamily="66" charset="-127"/>
+                <a:ea typeface="나눔손글씨 펜" panose="03040600000000000000" pitchFamily="66" charset="-127"/>
+              </a:rPr>
+              <a:t>이런식으로</a:t>
+            </a:r>
+            <a:r>
+              <a:rPr lang="ko-KR" altLang="en-US" sz="2000" dirty="0">
+                <a:latin typeface="나눔손글씨 펜" panose="03040600000000000000" pitchFamily="66" charset="-127"/>
+                <a:ea typeface="나눔손글씨 펜" panose="03040600000000000000" pitchFamily="66" charset="-127"/>
+              </a:rPr>
+              <a:t> 언급</a:t>
+            </a:r>
+            <a:endParaRPr lang="en-US" altLang="ko-KR" sz="2000" dirty="0">
+              <a:latin typeface="나눔손글씨 펜" panose="03040600000000000000" pitchFamily="66" charset="-127"/>
+              <a:ea typeface="나눔손글씨 펜" panose="03040600000000000000" pitchFamily="66" charset="-127"/>
+            </a:endParaRPr>
+          </a:p>
+          <a:p>
+            <a:r>
+              <a:rPr lang="en-US" altLang="ko-KR" sz="2000" dirty="0">
+                <a:latin typeface="나눔손글씨 펜" panose="03040600000000000000" pitchFamily="66" charset="-127"/>
+                <a:ea typeface="나눔손글씨 펜" panose="03040600000000000000" pitchFamily="66" charset="-127"/>
+              </a:rPr>
+              <a:t>   3) </a:t>
+            </a:r>
+            <a:r>
+              <a:rPr lang="ko-KR" altLang="en-US" sz="2000" dirty="0" err="1">
+                <a:latin typeface="나눔손글씨 펜" panose="03040600000000000000" pitchFamily="66" charset="-127"/>
+                <a:ea typeface="나눔손글씨 펜" panose="03040600000000000000" pitchFamily="66" charset="-127"/>
+              </a:rPr>
+              <a:t>위에거</a:t>
+            </a:r>
+            <a:r>
+              <a:rPr lang="ko-KR" altLang="en-US" sz="2000" dirty="0">
+                <a:latin typeface="나눔손글씨 펜" panose="03040600000000000000" pitchFamily="66" charset="-127"/>
+                <a:ea typeface="나눔손글씨 펜" panose="03040600000000000000" pitchFamily="66" charset="-127"/>
+              </a:rPr>
+              <a:t> 둘 다 없으면 알 수 없다</a:t>
+            </a:r>
+            <a:r>
+              <a:rPr lang="en-US" altLang="ko-KR" sz="2000" dirty="0">
+                <a:latin typeface="나눔손글씨 펜" panose="03040600000000000000" pitchFamily="66" charset="-127"/>
+                <a:ea typeface="나눔손글씨 펜" panose="03040600000000000000" pitchFamily="66" charset="-127"/>
+              </a:rPr>
+              <a:t>.   ex) 18</a:t>
+            </a:r>
+            <a:r>
+              <a:rPr lang="ko-KR" altLang="en-US" sz="2000" dirty="0">
+                <a:latin typeface="나눔손글씨 펜" panose="03040600000000000000" pitchFamily="66" charset="-127"/>
+                <a:ea typeface="나눔손글씨 펜" panose="03040600000000000000" pitchFamily="66" charset="-127"/>
+              </a:rPr>
+              <a:t>번 </a:t>
+            </a:r>
+            <a:r>
+              <a:rPr lang="en-US" altLang="ko-KR" sz="2000" dirty="0">
+                <a:latin typeface="나눔손글씨 펜" panose="03040600000000000000" pitchFamily="66" charset="-127"/>
+                <a:ea typeface="나눔손글씨 펜" panose="03040600000000000000" pitchFamily="66" charset="-127"/>
+              </a:rPr>
+              <a:t>https://github.com/bitcoin/bitcoin/issues/18</a:t>
+            </a:r>
+            <a:r>
+              <a:rPr lang="ko-KR" altLang="en-US" sz="2000" dirty="0">
+                <a:latin typeface="나눔손글씨 펜" panose="03040600000000000000" pitchFamily="66" charset="-127"/>
+                <a:ea typeface="나눔손글씨 펜" panose="03040600000000000000" pitchFamily="66" charset="-127"/>
+              </a:rPr>
+              <a:t> </a:t>
+            </a:r>
+          </a:p>
+        </p:txBody>
+      </p:sp>
+      <p:sp>
+        <p:nvSpPr>
+          <p:cNvPr id="14" name="TextBox 13">
+            <a:extLst>
+              <a:ext uri="{FF2B5EF4-FFF2-40B4-BE49-F238E27FC236}">
+                <a16:creationId xmlns:a16="http://schemas.microsoft.com/office/drawing/2014/main" id="{34491E74-A32C-4806-8AB9-304E6E0883AB}"/>
+              </a:ext>
+            </a:extLst>
+          </p:cNvPr>
+          <p:cNvSpPr txBox="1"/>
+          <p:nvPr/>
+        </p:nvSpPr>
+        <p:spPr>
+          <a:xfrm>
+            <a:off x="344659" y="5770880"/>
+            <a:ext cx="5974861" cy="400110"/>
+          </a:xfrm>
+          <a:prstGeom prst="rect">
+            <a:avLst/>
+          </a:prstGeom>
+          <a:noFill/>
+        </p:spPr>
+        <p:txBody>
+          <a:bodyPr wrap="square" rtlCol="0">
+            <a:spAutoFit/>
+          </a:bodyPr>
+          <a:lstStyle/>
+          <a:p>
+            <a:pPr algn="l"/>
+            <a:r>
+              <a:rPr lang="en-US" altLang="ko-KR" sz="2000" dirty="0">
+                <a:latin typeface="210 맨발의청춘 L" panose="02020603020101020101" pitchFamily="18" charset="-127"/>
+                <a:ea typeface="210 맨발의청춘 L" panose="02020603020101020101" pitchFamily="18" charset="-127"/>
+              </a:rPr>
+              <a:t>comment</a:t>
+            </a:r>
+            <a:r>
+              <a:rPr lang="ko-KR" altLang="en-US" sz="2000" dirty="0">
+                <a:latin typeface="210 맨발의청춘 L" panose="02020603020101020101" pitchFamily="18" charset="-127"/>
+                <a:ea typeface="210 맨발의청춘 L" panose="02020603020101020101" pitchFamily="18" charset="-127"/>
+              </a:rPr>
+              <a:t>는 둘 다 그냥 가져오면 된다</a:t>
+            </a:r>
+          </a:p>
+        </p:txBody>
+      </p:sp>
+    </p:spTree>
+    <p:extLst>
+      <p:ext uri="{BB962C8B-B14F-4D97-AF65-F5344CB8AC3E}">
+        <p14:creationId xmlns:p14="http://schemas.microsoft.com/office/powerpoint/2010/main" val="3644272673"/>
+      </p:ext>
+    </p:extLst>
+  </p:cSld>
+  <p:clrMapOvr>
+    <a:masterClrMapping/>
+  </p:clrMapOvr>
+</p:sld>
+</file>
+
+<file path=ppt/slides/slide28.xml><?xml version="1.0" encoding="utf-8"?>
+<p:sld xmlns:a="http://schemas.openxmlformats.org/drawingml/2006/main" xmlns:r="http://schemas.openxmlformats.org/officeDocument/2006/relationships" xmlns:p="http://schemas.openxmlformats.org/presentationml/2006/main">
+  <p:cSld>
+    <p:spTree>
+      <p:nvGrpSpPr>
+        <p:cNvPr id="1" name=""/>
+        <p:cNvGrpSpPr/>
+        <p:nvPr/>
+      </p:nvGrpSpPr>
+      <p:grpSpPr>
+        <a:xfrm>
+          <a:off x="0" y="0"/>
+          <a:ext cx="0" cy="0"/>
+          <a:chOff x="0" y="0"/>
+          <a:chExt cx="0" cy="0"/>
+        </a:xfrm>
+      </p:grpSpPr>
+      <p:sp>
+        <p:nvSpPr>
+          <p:cNvPr id="2" name="TextBox 1">
+            <a:extLst>
+              <a:ext uri="{FF2B5EF4-FFF2-40B4-BE49-F238E27FC236}">
+                <a16:creationId xmlns:a16="http://schemas.microsoft.com/office/drawing/2014/main" id="{22512111-36B4-4C7E-A862-BEB7A122E819}"/>
+              </a:ext>
+            </a:extLst>
+          </p:cNvPr>
+          <p:cNvSpPr txBox="1"/>
+          <p:nvPr/>
+        </p:nvSpPr>
+        <p:spPr>
+          <a:xfrm>
+            <a:off x="292231" y="160256"/>
+            <a:ext cx="4006392" cy="400110"/>
+          </a:xfrm>
+          <a:prstGeom prst="rect">
+            <a:avLst/>
+          </a:prstGeom>
+          <a:noFill/>
+        </p:spPr>
+        <p:txBody>
+          <a:bodyPr wrap="square" rtlCol="0">
+            <a:spAutoFit/>
+          </a:bodyPr>
+          <a:lstStyle/>
+          <a:p>
+            <a:pPr algn="l"/>
+            <a:r>
+              <a:rPr lang="en-US" altLang="ko-KR" sz="2000">
+                <a:latin typeface="210 맨발의청춘 L" panose="02020603020101020101" pitchFamily="18" charset="-127"/>
+                <a:ea typeface="210 맨발의청춘 L" panose="02020603020101020101" pitchFamily="18" charset="-127"/>
+              </a:rPr>
+              <a:t>opendate</a:t>
+            </a:r>
+            <a:r>
+              <a:rPr lang="ko-KR" altLang="en-US" sz="2000">
+                <a:latin typeface="210 맨발의청춘 L" panose="02020603020101020101" pitchFamily="18" charset="-127"/>
+                <a:ea typeface="210 맨발의청춘 L" panose="02020603020101020101" pitchFamily="18" charset="-127"/>
+              </a:rPr>
+              <a:t> 없는 경우</a:t>
+            </a:r>
+            <a:endParaRPr lang="ko-KR" altLang="en-US" sz="2000" dirty="0">
+              <a:latin typeface="210 맨발의청춘 L" panose="02020603020101020101" pitchFamily="18" charset="-127"/>
+              <a:ea typeface="210 맨발의청춘 L" panose="02020603020101020101" pitchFamily="18" charset="-127"/>
+            </a:endParaRPr>
+          </a:p>
+        </p:txBody>
+      </p:sp>
+      <p:pic>
+        <p:nvPicPr>
+          <p:cNvPr id="3" name="그림 2">
+            <a:extLst>
+              <a:ext uri="{FF2B5EF4-FFF2-40B4-BE49-F238E27FC236}">
+                <a16:creationId xmlns:a16="http://schemas.microsoft.com/office/drawing/2014/main" id="{88D29A73-323E-4C12-BFF0-3EE04119A7A7}"/>
+              </a:ext>
+            </a:extLst>
+          </p:cNvPr>
+          <p:cNvPicPr>
+            <a:picLocks noChangeAspect="1"/>
+          </p:cNvPicPr>
+          <p:nvPr/>
+        </p:nvPicPr>
+        <p:blipFill>
+          <a:blip r:embed="rId2"/>
+          <a:stretch>
+            <a:fillRect/>
+          </a:stretch>
+        </p:blipFill>
+        <p:spPr>
+          <a:xfrm>
+            <a:off x="292231" y="560366"/>
+            <a:ext cx="5007451" cy="3075519"/>
+          </a:xfrm>
+          <a:prstGeom prst="rect">
+            <a:avLst/>
+          </a:prstGeom>
+        </p:spPr>
+      </p:pic>
+      <p:sp>
+        <p:nvSpPr>
+          <p:cNvPr id="4" name="화살표: 아래쪽 3">
+            <a:extLst>
+              <a:ext uri="{FF2B5EF4-FFF2-40B4-BE49-F238E27FC236}">
+                <a16:creationId xmlns:a16="http://schemas.microsoft.com/office/drawing/2014/main" id="{5EAC4D2A-3DC8-486F-864A-0B39CBAE9464}"/>
+              </a:ext>
+            </a:extLst>
+          </p:cNvPr>
+          <p:cNvSpPr/>
+          <p:nvPr/>
+        </p:nvSpPr>
+        <p:spPr>
+          <a:xfrm rot="4776617">
+            <a:off x="2592371" y="1244339"/>
+            <a:ext cx="235670" cy="556182"/>
+          </a:xfrm>
+          <a:prstGeom prst="downArrow">
+            <a:avLst>
+              <a:gd name="adj1" fmla="val 25000"/>
+              <a:gd name="adj2" fmla="val 50000"/>
+            </a:avLst>
+          </a:prstGeom>
+        </p:spPr>
+        <p:style>
+          <a:lnRef idx="2">
+            <a:schemeClr val="accent1">
+              <a:shade val="50000"/>
+            </a:schemeClr>
+          </a:lnRef>
+          <a:fillRef idx="1">
+            <a:schemeClr val="accent1"/>
+          </a:fillRef>
+          <a:effectRef idx="0">
+            <a:schemeClr val="accent1"/>
+          </a:effectRef>
+          <a:fontRef idx="minor">
+            <a:schemeClr val="lt1"/>
+          </a:fontRef>
+        </p:style>
+        <p:txBody>
+          <a:bodyPr rtlCol="0" anchor="ctr"/>
+          <a:lstStyle/>
+          <a:p>
+            <a:pPr algn="ctr"/>
+            <a:endParaRPr lang="ko-KR" altLang="en-US"/>
+          </a:p>
+        </p:txBody>
+      </p:sp>
+      <p:sp>
+        <p:nvSpPr>
+          <p:cNvPr id="5" name="TextBox 4">
+            <a:extLst>
+              <a:ext uri="{FF2B5EF4-FFF2-40B4-BE49-F238E27FC236}">
+                <a16:creationId xmlns:a16="http://schemas.microsoft.com/office/drawing/2014/main" id="{DC0D921F-6656-4749-848C-C311E34B6DB7}"/>
+              </a:ext>
+            </a:extLst>
+          </p:cNvPr>
+          <p:cNvSpPr txBox="1"/>
+          <p:nvPr/>
+        </p:nvSpPr>
+        <p:spPr>
+          <a:xfrm>
+            <a:off x="3004989" y="1216058"/>
+            <a:ext cx="1029683" cy="400110"/>
+          </a:xfrm>
+          <a:prstGeom prst="rect">
+            <a:avLst/>
+          </a:prstGeom>
+          <a:noFill/>
+        </p:spPr>
+        <p:txBody>
+          <a:bodyPr wrap="square" rtlCol="0">
+            <a:spAutoFit/>
+          </a:bodyPr>
+          <a:lstStyle/>
+          <a:p>
+            <a:pPr algn="l"/>
+            <a:r>
+              <a:rPr lang="ko-KR" altLang="en-US" sz="2000">
+                <a:latin typeface="210 맨발의청춘 L" panose="02020603020101020101" pitchFamily="18" charset="-127"/>
+                <a:ea typeface="210 맨발의청춘 L" panose="02020603020101020101" pitchFamily="18" charset="-127"/>
+              </a:rPr>
+              <a:t>이걸로</a:t>
+            </a:r>
+            <a:r>
+              <a:rPr lang="en-US" altLang="ko-KR" sz="2000">
+                <a:latin typeface="210 맨발의청춘 L" panose="02020603020101020101" pitchFamily="18" charset="-127"/>
+                <a:ea typeface="210 맨발의청춘 L" panose="02020603020101020101" pitchFamily="18" charset="-127"/>
+              </a:rPr>
+              <a:t>?</a:t>
+            </a:r>
+            <a:endParaRPr lang="ko-KR" altLang="en-US" sz="2000" dirty="0">
+              <a:latin typeface="210 맨발의청춘 L" panose="02020603020101020101" pitchFamily="18" charset="-127"/>
+              <a:ea typeface="210 맨발의청춘 L" panose="02020603020101020101" pitchFamily="18" charset="-127"/>
+            </a:endParaRPr>
+          </a:p>
+        </p:txBody>
+      </p:sp>
+      <p:pic>
+        <p:nvPicPr>
+          <p:cNvPr id="6" name="그림 5">
+            <a:extLst>
+              <a:ext uri="{FF2B5EF4-FFF2-40B4-BE49-F238E27FC236}">
+                <a16:creationId xmlns:a16="http://schemas.microsoft.com/office/drawing/2014/main" id="{3D4CB2EB-BB5D-4983-838A-9D66D3A2EB7F}"/>
+              </a:ext>
+            </a:extLst>
+          </p:cNvPr>
+          <p:cNvPicPr>
+            <a:picLocks noChangeAspect="1"/>
+          </p:cNvPicPr>
+          <p:nvPr/>
+        </p:nvPicPr>
+        <p:blipFill>
+          <a:blip r:embed="rId3"/>
+          <a:stretch>
+            <a:fillRect/>
+          </a:stretch>
+        </p:blipFill>
+        <p:spPr>
+          <a:xfrm>
+            <a:off x="4034672" y="157781"/>
+            <a:ext cx="8041064" cy="1940344"/>
+          </a:xfrm>
+          <a:prstGeom prst="rect">
+            <a:avLst/>
+          </a:prstGeom>
+        </p:spPr>
+      </p:pic>
+      <p:sp>
+        <p:nvSpPr>
+          <p:cNvPr id="8" name="직사각형 7">
+            <a:extLst>
+              <a:ext uri="{FF2B5EF4-FFF2-40B4-BE49-F238E27FC236}">
+                <a16:creationId xmlns:a16="http://schemas.microsoft.com/office/drawing/2014/main" id="{A80649D0-BABD-41DF-9C74-A64CC7E1276E}"/>
+              </a:ext>
+            </a:extLst>
+          </p:cNvPr>
+          <p:cNvSpPr/>
+          <p:nvPr/>
+        </p:nvSpPr>
+        <p:spPr>
+          <a:xfrm>
+            <a:off x="5052767" y="157781"/>
+            <a:ext cx="2516957" cy="125023"/>
+          </a:xfrm>
+          <a:prstGeom prst="rect">
+            <a:avLst/>
+          </a:prstGeom>
+          <a:solidFill>
+            <a:srgbClr val="FFFF00">
+              <a:alpha val="20000"/>
+            </a:srgbClr>
+          </a:solidFill>
+          <a:ln w="28575">
+            <a:solidFill>
+              <a:srgbClr val="FF0000"/>
+            </a:solidFill>
+          </a:ln>
+        </p:spPr>
+        <p:style>
+          <a:lnRef idx="2">
+            <a:schemeClr val="accent1">
+              <a:shade val="50000"/>
+            </a:schemeClr>
+          </a:lnRef>
+          <a:fillRef idx="1">
+            <a:schemeClr val="accent1"/>
+          </a:fillRef>
+          <a:effectRef idx="0">
+            <a:schemeClr val="accent1"/>
+          </a:effectRef>
+          <a:fontRef idx="minor">
+            <a:schemeClr val="lt1"/>
+          </a:fontRef>
+        </p:style>
+        <p:txBody>
+          <a:bodyPr rtlCol="0" anchor="ctr"/>
+          <a:lstStyle/>
+          <a:p>
+            <a:pPr algn="ctr"/>
+            <a:endParaRPr lang="ko-KR" altLang="en-US"/>
+          </a:p>
+        </p:txBody>
+      </p:sp>
+      <p:pic>
+        <p:nvPicPr>
+          <p:cNvPr id="7" name="그림 6">
+            <a:extLst>
+              <a:ext uri="{FF2B5EF4-FFF2-40B4-BE49-F238E27FC236}">
+                <a16:creationId xmlns:a16="http://schemas.microsoft.com/office/drawing/2014/main" id="{D1A492F2-47E2-4836-8DE1-472AEBAB0A17}"/>
+              </a:ext>
+            </a:extLst>
+          </p:cNvPr>
+          <p:cNvPicPr>
+            <a:picLocks noChangeAspect="1"/>
+          </p:cNvPicPr>
+          <p:nvPr/>
+        </p:nvPicPr>
+        <p:blipFill>
+          <a:blip r:embed="rId4"/>
+          <a:stretch>
+            <a:fillRect/>
+          </a:stretch>
+        </p:blipFill>
+        <p:spPr>
+          <a:xfrm>
+            <a:off x="2567899" y="2691187"/>
+            <a:ext cx="7846734" cy="3801878"/>
+          </a:xfrm>
+          <a:prstGeom prst="rect">
+            <a:avLst/>
+          </a:prstGeom>
+        </p:spPr>
+      </p:pic>
+      <p:sp>
+        <p:nvSpPr>
+          <p:cNvPr id="10" name="직사각형 9">
+            <a:extLst>
+              <a:ext uri="{FF2B5EF4-FFF2-40B4-BE49-F238E27FC236}">
+                <a16:creationId xmlns:a16="http://schemas.microsoft.com/office/drawing/2014/main" id="{C540488D-9514-47F6-952D-81E4D9F61BE3}"/>
+              </a:ext>
+            </a:extLst>
+          </p:cNvPr>
+          <p:cNvSpPr/>
+          <p:nvPr/>
+        </p:nvSpPr>
+        <p:spPr>
+          <a:xfrm>
+            <a:off x="2603788" y="3373716"/>
+            <a:ext cx="5192179" cy="402486"/>
+          </a:xfrm>
+          <a:prstGeom prst="rect">
+            <a:avLst/>
+          </a:prstGeom>
+          <a:noFill/>
+          <a:ln w="28575">
+            <a:solidFill>
+              <a:srgbClr val="FF0000"/>
+            </a:solidFill>
+          </a:ln>
+        </p:spPr>
+        <p:style>
+          <a:lnRef idx="2">
+            <a:schemeClr val="accent1">
+              <a:shade val="50000"/>
+            </a:schemeClr>
+          </a:lnRef>
+          <a:fillRef idx="1">
+            <a:schemeClr val="accent1"/>
+          </a:fillRef>
+          <a:effectRef idx="0">
+            <a:schemeClr val="accent1"/>
+          </a:effectRef>
+          <a:fontRef idx="minor">
+            <a:schemeClr val="lt1"/>
+          </a:fontRef>
+        </p:style>
+        <p:txBody>
+          <a:bodyPr rtlCol="0" anchor="ctr"/>
+          <a:lstStyle/>
+          <a:p>
+            <a:pPr algn="ctr"/>
+            <a:endParaRPr lang="ko-KR" altLang="en-US"/>
+          </a:p>
+        </p:txBody>
+      </p:sp>
+      <p:sp>
+        <p:nvSpPr>
+          <p:cNvPr id="11" name="TextBox 10">
+            <a:extLst>
+              <a:ext uri="{FF2B5EF4-FFF2-40B4-BE49-F238E27FC236}">
+                <a16:creationId xmlns:a16="http://schemas.microsoft.com/office/drawing/2014/main" id="{527C45F8-782A-4EAB-8BD9-D0BE5FA336A1}"/>
+              </a:ext>
+            </a:extLst>
+          </p:cNvPr>
+          <p:cNvSpPr txBox="1"/>
+          <p:nvPr/>
+        </p:nvSpPr>
+        <p:spPr>
+          <a:xfrm>
+            <a:off x="7937369" y="3235775"/>
+            <a:ext cx="3714161" cy="1015663"/>
+          </a:xfrm>
+          <a:prstGeom prst="rect">
+            <a:avLst/>
+          </a:prstGeom>
+          <a:noFill/>
+        </p:spPr>
+        <p:txBody>
+          <a:bodyPr wrap="square" rtlCol="0">
+            <a:spAutoFit/>
+          </a:bodyPr>
+          <a:lstStyle/>
+          <a:p>
+            <a:pPr algn="l"/>
+            <a:r>
+              <a:rPr lang="ko-KR" altLang="en-US" sz="2000">
+                <a:latin typeface="210 맨발의청춘 L" panose="02020603020101020101" pitchFamily="18" charset="-127"/>
+                <a:ea typeface="210 맨발의청춘 L" panose="02020603020101020101" pitchFamily="18" charset="-127"/>
+              </a:rPr>
+              <a:t>이런거는 수집하지 않고 넘어간다</a:t>
+            </a:r>
+            <a:endParaRPr lang="en-US" altLang="ko-KR" sz="2000">
+              <a:latin typeface="210 맨발의청춘 L" panose="02020603020101020101" pitchFamily="18" charset="-127"/>
+              <a:ea typeface="210 맨발의청춘 L" panose="02020603020101020101" pitchFamily="18" charset="-127"/>
+            </a:endParaRPr>
+          </a:p>
+          <a:p>
+            <a:pPr algn="l"/>
+            <a:r>
+              <a:rPr lang="ko-KR" altLang="en-US" sz="2000">
+                <a:latin typeface="210 맨발의청춘 L" panose="02020603020101020101" pitchFamily="18" charset="-127"/>
+                <a:ea typeface="210 맨발의청춘 L" panose="02020603020101020101" pitchFamily="18" charset="-127"/>
+              </a:rPr>
+              <a:t>수정된 파일 </a:t>
+            </a:r>
+            <a:r>
+              <a:rPr lang="en-US" altLang="ko-KR" sz="2000">
+                <a:latin typeface="210 맨발의청춘 L" panose="02020603020101020101" pitchFamily="18" charset="-127"/>
+                <a:ea typeface="210 맨발의청춘 L" panose="02020603020101020101" pitchFamily="18" charset="-127"/>
+              </a:rPr>
+              <a:t>bitcoin/bitcoin</a:t>
+            </a:r>
+            <a:r>
+              <a:rPr lang="ko-KR" altLang="en-US" sz="2000">
+                <a:latin typeface="210 맨발의청춘 L" panose="02020603020101020101" pitchFamily="18" charset="-127"/>
+                <a:ea typeface="210 맨발의청춘 L" panose="02020603020101020101" pitchFamily="18" charset="-127"/>
+              </a:rPr>
+              <a:t>아니다</a:t>
+            </a:r>
+            <a:r>
+              <a:rPr lang="en-US" altLang="ko-KR" sz="2000">
+                <a:latin typeface="210 맨발의청춘 L" panose="02020603020101020101" pitchFamily="18" charset="-127"/>
+                <a:ea typeface="210 맨발의청춘 L" panose="02020603020101020101" pitchFamily="18" charset="-127"/>
+              </a:rPr>
+              <a:t>.</a:t>
+            </a:r>
+            <a:endParaRPr lang="ko-KR" altLang="en-US" sz="2000" dirty="0">
+              <a:latin typeface="210 맨발의청춘 L" panose="02020603020101020101" pitchFamily="18" charset="-127"/>
+              <a:ea typeface="210 맨발의청춘 L" panose="02020603020101020101" pitchFamily="18" charset="-127"/>
+            </a:endParaRPr>
+          </a:p>
+        </p:txBody>
+      </p:sp>
+    </p:spTree>
+    <p:extLst>
+      <p:ext uri="{BB962C8B-B14F-4D97-AF65-F5344CB8AC3E}">
+        <p14:creationId xmlns:p14="http://schemas.microsoft.com/office/powerpoint/2010/main" val="3549365606"/>
+      </p:ext>
+    </p:extLst>
+  </p:cSld>
+  <p:clrMapOvr>
+    <a:masterClrMapping/>
+  </p:clrMapOvr>
+</p:sld>
+</file>
+
+<file path=ppt/slides/slide29.xml><?xml version="1.0" encoding="utf-8"?>
+<p:sld xmlns:a="http://schemas.openxmlformats.org/drawingml/2006/main" xmlns:r="http://schemas.openxmlformats.org/officeDocument/2006/relationships" xmlns:p="http://schemas.openxmlformats.org/presentationml/2006/main">
+  <p:cSld>
+    <p:spTree>
+      <p:nvGrpSpPr>
+        <p:cNvPr id="1" name=""/>
+        <p:cNvGrpSpPr/>
+        <p:nvPr/>
+      </p:nvGrpSpPr>
+      <p:grpSpPr>
+        <a:xfrm>
+          <a:off x="0" y="0"/>
+          <a:ext cx="0" cy="0"/>
+          <a:chOff x="0" y="0"/>
+          <a:chExt cx="0" cy="0"/>
+        </a:xfrm>
+      </p:grpSpPr>
+      <p:graphicFrame>
+        <p:nvGraphicFramePr>
+          <p:cNvPr id="2" name="개체 1">
+            <a:extLst>
+              <a:ext uri="{FF2B5EF4-FFF2-40B4-BE49-F238E27FC236}">
+                <a16:creationId xmlns:a16="http://schemas.microsoft.com/office/drawing/2014/main" id="{B207B8DE-E54B-432F-AD28-09FF3DF84AAA}"/>
+              </a:ext>
+            </a:extLst>
+          </p:cNvPr>
+          <p:cNvGraphicFramePr>
+            <a:graphicFrameLocks noChangeAspect="1"/>
+          </p:cNvGraphicFramePr>
+          <p:nvPr>
+            <p:extLst>
+              <p:ext uri="{D42A27DB-BD31-4B8C-83A1-F6EECF244321}">
+                <p14:modId xmlns:p14="http://schemas.microsoft.com/office/powerpoint/2010/main" val="1593657399"/>
+              </p:ext>
+            </p:extLst>
+          </p:nvPr>
+        </p:nvGraphicFramePr>
+        <p:xfrm>
+          <a:off x="393065" y="313691"/>
+          <a:ext cx="7338695" cy="730528"/>
+        </p:xfrm>
+        <a:graphic>
+          <a:graphicData uri="http://schemas.openxmlformats.org/presentationml/2006/ole">
+            <mc:AlternateContent xmlns:mc="http://schemas.openxmlformats.org/markup-compatibility/2006">
+              <mc:Choice xmlns:v="urn:schemas-microsoft-com:vml" Requires="v">
+                <p:oleObj spid="_x0000_s2078" name="Worksheet" r:id="rId3" imgW="4591076" imgH="457200" progId="Excel.Sheet.12">
+                  <p:embed/>
+                </p:oleObj>
+              </mc:Choice>
+              <mc:Fallback>
+                <p:oleObj name="Worksheet" r:id="rId3" imgW="4591076" imgH="457200" progId="Excel.Sheet.12">
+                  <p:embed/>
+                  <p:pic>
+                    <p:nvPicPr>
+                      <p:cNvPr id="6" name="개체 5">
+                        <a:extLst>
+                          <a:ext uri="{FF2B5EF4-FFF2-40B4-BE49-F238E27FC236}">
+                            <a16:creationId xmlns:a16="http://schemas.microsoft.com/office/drawing/2014/main" id="{5BDB0778-F901-4952-989D-60F45C7824CF}"/>
+                          </a:ext>
+                        </a:extLst>
+                      </p:cNvPr>
+                      <p:cNvPicPr/>
+                      <p:nvPr/>
+                    </p:nvPicPr>
+                    <p:blipFill>
+                      <a:blip r:embed="rId4"/>
+                      <a:stretch>
+                        <a:fillRect/>
+                      </a:stretch>
+                    </p:blipFill>
+                    <p:spPr>
+                      <a:xfrm>
+                        <a:off x="393065" y="313691"/>
+                        <a:ext cx="7338695" cy="730528"/>
+                      </a:xfrm>
+                      <a:prstGeom prst="rect">
+                        <a:avLst/>
+                      </a:prstGeom>
+                    </p:spPr>
+                  </p:pic>
+                </p:oleObj>
+              </mc:Fallback>
+            </mc:AlternateContent>
+          </a:graphicData>
+        </a:graphic>
+      </p:graphicFrame>
+      <p:sp>
+        <p:nvSpPr>
+          <p:cNvPr id="3" name="직사각형 2">
+            <a:extLst>
+              <a:ext uri="{FF2B5EF4-FFF2-40B4-BE49-F238E27FC236}">
+                <a16:creationId xmlns:a16="http://schemas.microsoft.com/office/drawing/2014/main" id="{EA753317-7E0A-40A2-9971-99818421AF6A}"/>
+              </a:ext>
+            </a:extLst>
+          </p:cNvPr>
+          <p:cNvSpPr/>
+          <p:nvPr/>
+        </p:nvSpPr>
+        <p:spPr>
+          <a:xfrm>
+            <a:off x="393065" y="3059668"/>
+            <a:ext cx="5157053" cy="646331"/>
+          </a:xfrm>
+          <a:prstGeom prst="rect">
+            <a:avLst/>
+          </a:prstGeom>
+        </p:spPr>
+        <p:txBody>
+          <a:bodyPr wrap="none">
+            <a:spAutoFit/>
+          </a:bodyPr>
+          <a:lstStyle/>
+          <a:p>
+            <a:r>
+              <a:rPr lang="en-US" altLang="ko-KR" dirty="0"/>
+              <a:t>ex) </a:t>
+            </a:r>
+            <a:r>
+              <a:rPr lang="ko-KR" altLang="en-US" dirty="0">
+                <a:hlinkClick r:id="rId5"/>
+              </a:rPr>
+              <a:t>https://github.com/bitcoin/bitcoin/issues/17</a:t>
+            </a:r>
+            <a:endParaRPr lang="en-US" altLang="ko-KR" dirty="0"/>
+          </a:p>
+          <a:p>
+            <a:endParaRPr lang="ko-KR" altLang="en-US" dirty="0"/>
+          </a:p>
+        </p:txBody>
+      </p:sp>
+      <p:pic>
+        <p:nvPicPr>
+          <p:cNvPr id="4" name="그림 3">
+            <a:extLst>
+              <a:ext uri="{FF2B5EF4-FFF2-40B4-BE49-F238E27FC236}">
+                <a16:creationId xmlns:a16="http://schemas.microsoft.com/office/drawing/2014/main" id="{9D563ED4-978A-4639-80B6-FEF2585C7FB7}"/>
+              </a:ext>
+            </a:extLst>
+          </p:cNvPr>
+          <p:cNvPicPr>
+            <a:picLocks noChangeAspect="1"/>
+          </p:cNvPicPr>
+          <p:nvPr/>
+        </p:nvPicPr>
+        <p:blipFill>
+          <a:blip r:embed="rId6"/>
+          <a:stretch>
+            <a:fillRect/>
+          </a:stretch>
+        </p:blipFill>
+        <p:spPr>
+          <a:xfrm>
+            <a:off x="5835026" y="1307906"/>
+            <a:ext cx="5841989" cy="5434554"/>
+          </a:xfrm>
+          <a:prstGeom prst="rect">
+            <a:avLst/>
+          </a:prstGeom>
+        </p:spPr>
+      </p:pic>
+      <p:sp>
+        <p:nvSpPr>
+          <p:cNvPr id="5" name="TextBox 4">
+            <a:extLst>
+              <a:ext uri="{FF2B5EF4-FFF2-40B4-BE49-F238E27FC236}">
+                <a16:creationId xmlns:a16="http://schemas.microsoft.com/office/drawing/2014/main" id="{3B1B7BE0-FD06-4836-8B73-89D4C6B12318}"/>
+              </a:ext>
+            </a:extLst>
+          </p:cNvPr>
+          <p:cNvSpPr txBox="1"/>
+          <p:nvPr/>
+        </p:nvSpPr>
+        <p:spPr>
+          <a:xfrm>
+            <a:off x="393065" y="1307906"/>
+            <a:ext cx="5151120" cy="1631216"/>
+          </a:xfrm>
+          <a:prstGeom prst="rect">
+            <a:avLst/>
+          </a:prstGeom>
+          <a:noFill/>
+        </p:spPr>
+        <p:txBody>
+          <a:bodyPr wrap="square" rtlCol="0">
+            <a:spAutoFit/>
+          </a:bodyPr>
+          <a:lstStyle/>
+          <a:p>
+            <a:pPr algn="l"/>
+            <a:r>
+              <a:rPr lang="ko-KR" altLang="en-US" sz="2000" dirty="0">
+                <a:latin typeface="210 맨발의청춘 L" panose="02020603020101020101" pitchFamily="18" charset="-127"/>
+                <a:ea typeface="210 맨발의청춘 L" panose="02020603020101020101" pitchFamily="18" charset="-127"/>
+              </a:rPr>
+              <a:t>명시된 </a:t>
+            </a:r>
+            <a:r>
+              <a:rPr lang="en-US" altLang="ko-KR" sz="2000" dirty="0">
+                <a:latin typeface="210 맨발의청춘 L" panose="02020603020101020101" pitchFamily="18" charset="-127"/>
+                <a:ea typeface="210 맨발의청춘 L" panose="02020603020101020101" pitchFamily="18" charset="-127"/>
+              </a:rPr>
+              <a:t>close date</a:t>
+            </a:r>
+            <a:r>
+              <a:rPr lang="ko-KR" altLang="en-US" sz="2000" dirty="0">
+                <a:latin typeface="210 맨발의청춘 L" panose="02020603020101020101" pitchFamily="18" charset="-127"/>
+                <a:ea typeface="210 맨발의청춘 L" panose="02020603020101020101" pitchFamily="18" charset="-127"/>
+              </a:rPr>
+              <a:t> 없는 경우</a:t>
+            </a:r>
+            <a:r>
+              <a:rPr lang="en-US" altLang="ko-KR" sz="2000" dirty="0">
+                <a:latin typeface="210 맨발의청춘 L" panose="02020603020101020101" pitchFamily="18" charset="-127"/>
+                <a:ea typeface="210 맨발의청춘 L" panose="02020603020101020101" pitchFamily="18" charset="-127"/>
+              </a:rPr>
+              <a:t>:</a:t>
+            </a:r>
+          </a:p>
+          <a:p>
+            <a:pPr marL="457200" indent="-457200" algn="l">
+              <a:buAutoNum type="arabicPeriod"/>
+            </a:pPr>
+            <a:r>
+              <a:rPr lang="en-US" altLang="ko-KR" sz="2000" dirty="0">
+                <a:latin typeface="210 맨발의청춘 L" panose="02020603020101020101" pitchFamily="18" charset="-127"/>
+                <a:ea typeface="210 맨발의청춘 L" panose="02020603020101020101" pitchFamily="18" charset="-127"/>
+              </a:rPr>
+              <a:t>pull request </a:t>
+            </a:r>
+            <a:r>
+              <a:rPr lang="ko-KR" altLang="en-US" sz="2000" dirty="0" err="1">
+                <a:latin typeface="210 맨발의청춘 L" panose="02020603020101020101" pitchFamily="18" charset="-127"/>
+                <a:ea typeface="210 맨발의청춘 L" panose="02020603020101020101" pitchFamily="18" charset="-127"/>
+              </a:rPr>
+              <a:t>명시된게</a:t>
+            </a:r>
+            <a:r>
+              <a:rPr lang="ko-KR" altLang="en-US" sz="2000" dirty="0">
+                <a:latin typeface="210 맨발의청춘 L" panose="02020603020101020101" pitchFamily="18" charset="-127"/>
+                <a:ea typeface="210 맨발의청춘 L" panose="02020603020101020101" pitchFamily="18" charset="-127"/>
+              </a:rPr>
+              <a:t> 있으면 그 </a:t>
+            </a:r>
+            <a:r>
+              <a:rPr lang="en-US" altLang="ko-KR" sz="2000" dirty="0">
+                <a:latin typeface="210 맨발의청춘 L" panose="02020603020101020101" pitchFamily="18" charset="-127"/>
+                <a:ea typeface="210 맨발의청춘 L" panose="02020603020101020101" pitchFamily="18" charset="-127"/>
+              </a:rPr>
+              <a:t>comment </a:t>
+            </a:r>
+            <a:r>
+              <a:rPr lang="ko-KR" altLang="en-US" sz="2000" dirty="0">
+                <a:latin typeface="210 맨발의청춘 L" panose="02020603020101020101" pitchFamily="18" charset="-127"/>
+                <a:ea typeface="210 맨발의청춘 L" panose="02020603020101020101" pitchFamily="18" charset="-127"/>
+              </a:rPr>
+              <a:t>날짜로</a:t>
+            </a:r>
+            <a:endParaRPr lang="en-US" altLang="ko-KR" sz="2000" dirty="0">
+              <a:latin typeface="210 맨발의청춘 L" panose="02020603020101020101" pitchFamily="18" charset="-127"/>
+              <a:ea typeface="210 맨발의청춘 L" panose="02020603020101020101" pitchFamily="18" charset="-127"/>
+            </a:endParaRPr>
+          </a:p>
+          <a:p>
+            <a:pPr marL="457200" indent="-457200" algn="l">
+              <a:buAutoNum type="arabicPeriod"/>
+            </a:pPr>
+            <a:r>
+              <a:rPr lang="ko-KR" altLang="en-US" sz="2000" dirty="0">
+                <a:latin typeface="210 맨발의청춘 L" panose="02020603020101020101" pitchFamily="18" charset="-127"/>
+                <a:ea typeface="210 맨발의청춘 L" panose="02020603020101020101" pitchFamily="18" charset="-127"/>
+              </a:rPr>
+              <a:t>없으면 마지막 </a:t>
+            </a:r>
+            <a:r>
+              <a:rPr lang="en-US" altLang="ko-KR" sz="2000" dirty="0">
+                <a:latin typeface="210 맨발의청춘 L" panose="02020603020101020101" pitchFamily="18" charset="-127"/>
+                <a:ea typeface="210 맨발의청춘 L" panose="02020603020101020101" pitchFamily="18" charset="-127"/>
+              </a:rPr>
+              <a:t>comment </a:t>
+            </a:r>
+            <a:r>
+              <a:rPr lang="ko-KR" altLang="en-US" sz="2000" dirty="0">
+                <a:latin typeface="210 맨발의청춘 L" panose="02020603020101020101" pitchFamily="18" charset="-127"/>
+                <a:ea typeface="210 맨발의청춘 L" panose="02020603020101020101" pitchFamily="18" charset="-127"/>
+              </a:rPr>
+              <a:t>날짜로</a:t>
+            </a:r>
+            <a:endParaRPr lang="en-US" altLang="ko-KR" sz="2000" dirty="0">
+              <a:latin typeface="210 맨발의청춘 L" panose="02020603020101020101" pitchFamily="18" charset="-127"/>
+              <a:ea typeface="210 맨발의청춘 L" panose="02020603020101020101" pitchFamily="18" charset="-127"/>
+            </a:endParaRPr>
+          </a:p>
+          <a:p>
+            <a:pPr marL="457200" indent="-457200" algn="l">
+              <a:buAutoNum type="arabicPeriod"/>
+            </a:pPr>
+            <a:endParaRPr lang="en-US" altLang="ko-KR" sz="2000" dirty="0">
+              <a:latin typeface="210 맨발의청춘 L" panose="02020603020101020101" pitchFamily="18" charset="-127"/>
+              <a:ea typeface="210 맨발의청춘 L" panose="02020603020101020101" pitchFamily="18" charset="-127"/>
+            </a:endParaRPr>
+          </a:p>
+        </p:txBody>
+      </p:sp>
+      <p:sp>
+        <p:nvSpPr>
+          <p:cNvPr id="6" name="액자 5">
+            <a:extLst>
+              <a:ext uri="{FF2B5EF4-FFF2-40B4-BE49-F238E27FC236}">
+                <a16:creationId xmlns:a16="http://schemas.microsoft.com/office/drawing/2014/main" id="{6C71B3D3-4BC0-4422-8D3A-F42C775CBB16}"/>
+              </a:ext>
+            </a:extLst>
+          </p:cNvPr>
+          <p:cNvSpPr/>
+          <p:nvPr/>
+        </p:nvSpPr>
+        <p:spPr>
+          <a:xfrm>
+            <a:off x="7731760" y="5902960"/>
+            <a:ext cx="802640" cy="365760"/>
+          </a:xfrm>
+          <a:prstGeom prst="frame">
+            <a:avLst>
+              <a:gd name="adj1" fmla="val 6944"/>
+            </a:avLst>
+          </a:prstGeom>
+          <a:solidFill>
+            <a:srgbClr val="FF0000"/>
+          </a:solidFill>
+          <a:ln>
+            <a:solidFill>
+              <a:srgbClr val="FF0000"/>
+            </a:solidFill>
+          </a:ln>
+        </p:spPr>
+        <p:style>
+          <a:lnRef idx="2">
+            <a:schemeClr val="accent1">
+              <a:shade val="50000"/>
+            </a:schemeClr>
+          </a:lnRef>
+          <a:fillRef idx="1">
+            <a:schemeClr val="accent1"/>
+          </a:fillRef>
+          <a:effectRef idx="0">
+            <a:schemeClr val="accent1"/>
+          </a:effectRef>
+          <a:fontRef idx="minor">
+            <a:schemeClr val="lt1"/>
+          </a:fontRef>
+        </p:style>
+        <p:txBody>
+          <a:bodyPr rtlCol="0" anchor="ctr"/>
+          <a:lstStyle/>
+          <a:p>
+            <a:pPr algn="ctr"/>
+            <a:endParaRPr lang="ko-KR" altLang="en-US">
+              <a:solidFill>
+                <a:schemeClr val="tx1"/>
+              </a:solidFill>
+            </a:endParaRPr>
+          </a:p>
+        </p:txBody>
+      </p:sp>
+      <p:sp>
+        <p:nvSpPr>
+          <p:cNvPr id="7" name="TextBox 6">
+            <a:extLst>
+              <a:ext uri="{FF2B5EF4-FFF2-40B4-BE49-F238E27FC236}">
+                <a16:creationId xmlns:a16="http://schemas.microsoft.com/office/drawing/2014/main" id="{1FD3E0CD-19B8-42CB-BFB0-BCA07AD9A474}"/>
+              </a:ext>
+            </a:extLst>
+          </p:cNvPr>
+          <p:cNvSpPr txBox="1"/>
+          <p:nvPr/>
+        </p:nvSpPr>
+        <p:spPr>
+          <a:xfrm>
+            <a:off x="8534400" y="5811520"/>
+            <a:ext cx="1896734" cy="400110"/>
+          </a:xfrm>
+          <a:prstGeom prst="rect">
+            <a:avLst/>
+          </a:prstGeom>
+          <a:noFill/>
+        </p:spPr>
+        <p:txBody>
+          <a:bodyPr wrap="square" rtlCol="0">
+            <a:spAutoFit/>
+          </a:bodyPr>
+          <a:lstStyle/>
+          <a:p>
+            <a:pPr algn="l"/>
+            <a:r>
+              <a:rPr lang="en-US" altLang="ko-KR" sz="2000" dirty="0">
+                <a:latin typeface="210 맨발의청춘 L" panose="02020603020101020101" pitchFamily="18" charset="-127"/>
+                <a:ea typeface="210 맨발의청춘 L" panose="02020603020101020101" pitchFamily="18" charset="-127"/>
+              </a:rPr>
+              <a:t>closed date</a:t>
+            </a:r>
+            <a:endParaRPr lang="ko-KR" altLang="en-US" sz="2000" dirty="0">
+              <a:latin typeface="210 맨발의청춘 L" panose="02020603020101020101" pitchFamily="18" charset="-127"/>
+              <a:ea typeface="210 맨발의청춘 L" panose="02020603020101020101" pitchFamily="18" charset="-127"/>
+            </a:endParaRPr>
+          </a:p>
+        </p:txBody>
+      </p:sp>
+      <p:sp>
+        <p:nvSpPr>
+          <p:cNvPr id="8" name="TextBox 7">
+            <a:extLst>
+              <a:ext uri="{FF2B5EF4-FFF2-40B4-BE49-F238E27FC236}">
+                <a16:creationId xmlns:a16="http://schemas.microsoft.com/office/drawing/2014/main" id="{418640AE-38EB-47BA-B48A-BDEE803A9516}"/>
+              </a:ext>
+            </a:extLst>
+          </p:cNvPr>
+          <p:cNvSpPr txBox="1"/>
+          <p:nvPr/>
+        </p:nvSpPr>
+        <p:spPr>
+          <a:xfrm>
+            <a:off x="9398525" y="1564849"/>
+            <a:ext cx="2130458" cy="400110"/>
+          </a:xfrm>
+          <a:prstGeom prst="rect">
+            <a:avLst/>
+          </a:prstGeom>
+          <a:noFill/>
+        </p:spPr>
+        <p:txBody>
+          <a:bodyPr wrap="square" rtlCol="0">
+            <a:spAutoFit/>
+          </a:bodyPr>
+          <a:lstStyle/>
+          <a:p>
+            <a:pPr algn="l"/>
+            <a:r>
+              <a:rPr lang="en-US" altLang="ko-KR" sz="2000">
+                <a:latin typeface="210 맨발의청춘 L" panose="02020603020101020101" pitchFamily="18" charset="-127"/>
+                <a:ea typeface="210 맨발의청춘 L" panose="02020603020101020101" pitchFamily="18" charset="-127"/>
+              </a:rPr>
+              <a:t>:open</a:t>
+            </a:r>
+            <a:r>
+              <a:rPr lang="ko-KR" altLang="en-US" sz="2000">
+                <a:latin typeface="210 맨발의청춘 L" panose="02020603020101020101" pitchFamily="18" charset="-127"/>
+                <a:ea typeface="210 맨발의청춘 L" panose="02020603020101020101" pitchFamily="18" charset="-127"/>
+              </a:rPr>
+              <a:t> </a:t>
+            </a:r>
+            <a:r>
+              <a:rPr lang="en-US" altLang="ko-KR" sz="2000">
+                <a:latin typeface="210 맨발의청춘 L" panose="02020603020101020101" pitchFamily="18" charset="-127"/>
+                <a:ea typeface="210 맨발의청춘 L" panose="02020603020101020101" pitchFamily="18" charset="-127"/>
+              </a:rPr>
+              <a:t>date</a:t>
+            </a:r>
+            <a:endParaRPr lang="ko-KR" altLang="en-US" sz="2000" dirty="0">
+              <a:latin typeface="210 맨발의청춘 L" panose="02020603020101020101" pitchFamily="18" charset="-127"/>
+              <a:ea typeface="210 맨발의청춘 L" panose="02020603020101020101" pitchFamily="18" charset="-127"/>
+            </a:endParaRPr>
+          </a:p>
+        </p:txBody>
+      </p:sp>
+    </p:spTree>
+    <p:extLst>
+      <p:ext uri="{BB962C8B-B14F-4D97-AF65-F5344CB8AC3E}">
+        <p14:creationId xmlns:p14="http://schemas.microsoft.com/office/powerpoint/2010/main" val="1009825536"/>
       </p:ext>
     </p:extLst>
   </p:cSld>
@@ -4298,6 +11132,1073 @@
     <p:extLst>
       <p:ext uri="{BB962C8B-B14F-4D97-AF65-F5344CB8AC3E}">
         <p14:creationId xmlns:p14="http://schemas.microsoft.com/office/powerpoint/2010/main" val="466933825"/>
+      </p:ext>
+    </p:extLst>
+  </p:cSld>
+  <p:clrMapOvr>
+    <a:masterClrMapping/>
+  </p:clrMapOvr>
+</p:sld>
+</file>
+
+<file path=ppt/slides/slide30.xml><?xml version="1.0" encoding="utf-8"?>
+<p:sld xmlns:a="http://schemas.openxmlformats.org/drawingml/2006/main" xmlns:r="http://schemas.openxmlformats.org/officeDocument/2006/relationships" xmlns:p="http://schemas.openxmlformats.org/presentationml/2006/main">
+  <p:cSld>
+    <p:spTree>
+      <p:nvGrpSpPr>
+        <p:cNvPr id="1" name=""/>
+        <p:cNvGrpSpPr/>
+        <p:nvPr/>
+      </p:nvGrpSpPr>
+      <p:grpSpPr>
+        <a:xfrm>
+          <a:off x="0" y="0"/>
+          <a:ext cx="0" cy="0"/>
+          <a:chOff x="0" y="0"/>
+          <a:chExt cx="0" cy="0"/>
+        </a:xfrm>
+      </p:grpSpPr>
+      <p:sp>
+        <p:nvSpPr>
+          <p:cNvPr id="3" name="TextBox 2">
+            <a:extLst>
+              <a:ext uri="{FF2B5EF4-FFF2-40B4-BE49-F238E27FC236}">
+                <a16:creationId xmlns:a16="http://schemas.microsoft.com/office/drawing/2014/main" id="{5222A0EA-19EE-4E1B-9190-6E978855B9B7}"/>
+              </a:ext>
+            </a:extLst>
+          </p:cNvPr>
+          <p:cNvSpPr txBox="1"/>
+          <p:nvPr/>
+        </p:nvSpPr>
+        <p:spPr>
+          <a:xfrm>
+            <a:off x="301658" y="254524"/>
+            <a:ext cx="6061435" cy="400110"/>
+          </a:xfrm>
+          <a:prstGeom prst="rect">
+            <a:avLst/>
+          </a:prstGeom>
+          <a:noFill/>
+        </p:spPr>
+        <p:txBody>
+          <a:bodyPr wrap="square" rtlCol="0">
+            <a:spAutoFit/>
+          </a:bodyPr>
+          <a:lstStyle/>
+          <a:p>
+            <a:pPr algn="l"/>
+            <a:r>
+              <a:rPr lang="en-US" altLang="ko-KR" sz="2000">
+                <a:latin typeface="210 맨발의청춘 L" panose="02020603020101020101" pitchFamily="18" charset="-127"/>
+                <a:ea typeface="210 맨발의청춘 L" panose="02020603020101020101" pitchFamily="18" charset="-127"/>
+              </a:rPr>
+              <a:t>pull</a:t>
+            </a:r>
+            <a:r>
+              <a:rPr lang="ko-KR" altLang="en-US" sz="2000">
+                <a:latin typeface="210 맨발의청춘 L" panose="02020603020101020101" pitchFamily="18" charset="-127"/>
+                <a:ea typeface="210 맨발의청춘 L" panose="02020603020101020101" pitchFamily="18" charset="-127"/>
+              </a:rPr>
+              <a:t>인 경우</a:t>
+            </a:r>
+            <a:endParaRPr lang="ko-KR" altLang="en-US" sz="2000" dirty="0">
+              <a:latin typeface="210 맨발의청춘 L" panose="02020603020101020101" pitchFamily="18" charset="-127"/>
+              <a:ea typeface="210 맨발의청춘 L" panose="02020603020101020101" pitchFamily="18" charset="-127"/>
+            </a:endParaRPr>
+          </a:p>
+        </p:txBody>
+      </p:sp>
+      <p:pic>
+        <p:nvPicPr>
+          <p:cNvPr id="4" name="그림 3">
+            <a:extLst>
+              <a:ext uri="{FF2B5EF4-FFF2-40B4-BE49-F238E27FC236}">
+                <a16:creationId xmlns:a16="http://schemas.microsoft.com/office/drawing/2014/main" id="{C7A111D6-EF89-4869-859D-E336062F0033}"/>
+              </a:ext>
+            </a:extLst>
+          </p:cNvPr>
+          <p:cNvPicPr>
+            <a:picLocks noChangeAspect="1"/>
+          </p:cNvPicPr>
+          <p:nvPr/>
+        </p:nvPicPr>
+        <p:blipFill>
+          <a:blip r:embed="rId2"/>
+          <a:stretch>
+            <a:fillRect/>
+          </a:stretch>
+        </p:blipFill>
+        <p:spPr>
+          <a:xfrm>
+            <a:off x="391435" y="1013386"/>
+            <a:ext cx="5179808" cy="3894720"/>
+          </a:xfrm>
+          <a:prstGeom prst="rect">
+            <a:avLst/>
+          </a:prstGeom>
+        </p:spPr>
+      </p:pic>
+      <p:sp>
+        <p:nvSpPr>
+          <p:cNvPr id="5" name="TextBox 4">
+            <a:extLst>
+              <a:ext uri="{FF2B5EF4-FFF2-40B4-BE49-F238E27FC236}">
+                <a16:creationId xmlns:a16="http://schemas.microsoft.com/office/drawing/2014/main" id="{331C5D1A-0B82-474A-8C64-23F0031900F2}"/>
+              </a:ext>
+            </a:extLst>
+          </p:cNvPr>
+          <p:cNvSpPr txBox="1"/>
+          <p:nvPr/>
+        </p:nvSpPr>
+        <p:spPr>
+          <a:xfrm>
+            <a:off x="4752610" y="1300899"/>
+            <a:ext cx="1343390" cy="307777"/>
+          </a:xfrm>
+          <a:prstGeom prst="rect">
+            <a:avLst/>
+          </a:prstGeom>
+          <a:noFill/>
+        </p:spPr>
+        <p:txBody>
+          <a:bodyPr wrap="square" rtlCol="0">
+            <a:spAutoFit/>
+          </a:bodyPr>
+          <a:lstStyle/>
+          <a:p>
+            <a:pPr algn="l"/>
+            <a:r>
+              <a:rPr lang="en-US" altLang="ko-KR" sz="1400">
+                <a:latin typeface="210 맨발의청춘 L" panose="02020603020101020101" pitchFamily="18" charset="-127"/>
+                <a:ea typeface="210 맨발의청춘 L" panose="02020603020101020101" pitchFamily="18" charset="-127"/>
+              </a:rPr>
+              <a:t>: closedate</a:t>
+            </a:r>
+            <a:endParaRPr lang="ko-KR" altLang="en-US" sz="1400" dirty="0">
+              <a:latin typeface="210 맨발의청춘 L" panose="02020603020101020101" pitchFamily="18" charset="-127"/>
+              <a:ea typeface="210 맨발의청춘 L" panose="02020603020101020101" pitchFamily="18" charset="-127"/>
+            </a:endParaRPr>
+          </a:p>
+        </p:txBody>
+      </p:sp>
+      <p:sp>
+        <p:nvSpPr>
+          <p:cNvPr id="6" name="TextBox 5">
+            <a:extLst>
+              <a:ext uri="{FF2B5EF4-FFF2-40B4-BE49-F238E27FC236}">
+                <a16:creationId xmlns:a16="http://schemas.microsoft.com/office/drawing/2014/main" id="{3B5E4414-6BEE-4E9C-A33F-0D8AD5434180}"/>
+              </a:ext>
+            </a:extLst>
+          </p:cNvPr>
+          <p:cNvSpPr txBox="1"/>
+          <p:nvPr/>
+        </p:nvSpPr>
+        <p:spPr>
+          <a:xfrm>
+            <a:off x="2733774" y="2121031"/>
+            <a:ext cx="1514769" cy="307777"/>
+          </a:xfrm>
+          <a:prstGeom prst="rect">
+            <a:avLst/>
+          </a:prstGeom>
+          <a:noFill/>
+        </p:spPr>
+        <p:txBody>
+          <a:bodyPr wrap="square" rtlCol="0">
+            <a:spAutoFit/>
+          </a:bodyPr>
+          <a:lstStyle/>
+          <a:p>
+            <a:pPr algn="l"/>
+            <a:r>
+              <a:rPr lang="en-US" altLang="ko-KR" sz="1400">
+                <a:latin typeface="210 맨발의청춘 L" panose="02020603020101020101" pitchFamily="18" charset="-127"/>
+                <a:ea typeface="210 맨발의청춘 L" panose="02020603020101020101" pitchFamily="18" charset="-127"/>
+              </a:rPr>
+              <a:t>:opendate</a:t>
+            </a:r>
+            <a:endParaRPr lang="ko-KR" altLang="en-US" sz="1400" dirty="0">
+              <a:latin typeface="210 맨발의청춘 L" panose="02020603020101020101" pitchFamily="18" charset="-127"/>
+              <a:ea typeface="210 맨발의청춘 L" panose="02020603020101020101" pitchFamily="18" charset="-127"/>
+            </a:endParaRPr>
+          </a:p>
+        </p:txBody>
+      </p:sp>
+      <p:pic>
+        <p:nvPicPr>
+          <p:cNvPr id="7" name="그림 6">
+            <a:extLst>
+              <a:ext uri="{FF2B5EF4-FFF2-40B4-BE49-F238E27FC236}">
+                <a16:creationId xmlns:a16="http://schemas.microsoft.com/office/drawing/2014/main" id="{357642BF-9F3E-4FF0-AA17-BBC9BC5D4D4B}"/>
+              </a:ext>
+            </a:extLst>
+          </p:cNvPr>
+          <p:cNvPicPr>
+            <a:picLocks noChangeAspect="1"/>
+          </p:cNvPicPr>
+          <p:nvPr/>
+        </p:nvPicPr>
+        <p:blipFill>
+          <a:blip r:embed="rId3"/>
+          <a:stretch>
+            <a:fillRect/>
+          </a:stretch>
+        </p:blipFill>
+        <p:spPr>
+          <a:xfrm>
+            <a:off x="1446916" y="5349001"/>
+            <a:ext cx="5810250" cy="1333500"/>
+          </a:xfrm>
+          <a:prstGeom prst="rect">
+            <a:avLst/>
+          </a:prstGeom>
+        </p:spPr>
+      </p:pic>
+    </p:spTree>
+    <p:extLst>
+      <p:ext uri="{BB962C8B-B14F-4D97-AF65-F5344CB8AC3E}">
+        <p14:creationId xmlns:p14="http://schemas.microsoft.com/office/powerpoint/2010/main" val="105887337"/>
+      </p:ext>
+    </p:extLst>
+  </p:cSld>
+  <p:clrMapOvr>
+    <a:masterClrMapping/>
+  </p:clrMapOvr>
+</p:sld>
+</file>
+
+<file path=ppt/slides/slide31.xml><?xml version="1.0" encoding="utf-8"?>
+<p:sld xmlns:a="http://schemas.openxmlformats.org/drawingml/2006/main" xmlns:r="http://schemas.openxmlformats.org/officeDocument/2006/relationships" xmlns:p="http://schemas.openxmlformats.org/presentationml/2006/main">
+  <p:cSld>
+    <p:spTree>
+      <p:nvGrpSpPr>
+        <p:cNvPr id="1" name=""/>
+        <p:cNvGrpSpPr/>
+        <p:nvPr/>
+      </p:nvGrpSpPr>
+      <p:grpSpPr>
+        <a:xfrm>
+          <a:off x="0" y="0"/>
+          <a:ext cx="0" cy="0"/>
+          <a:chOff x="0" y="0"/>
+          <a:chExt cx="0" cy="0"/>
+        </a:xfrm>
+      </p:grpSpPr>
+      <p:sp>
+        <p:nvSpPr>
+          <p:cNvPr id="2" name="TextBox 1">
+            <a:extLst>
+              <a:ext uri="{FF2B5EF4-FFF2-40B4-BE49-F238E27FC236}">
+                <a16:creationId xmlns:a16="http://schemas.microsoft.com/office/drawing/2014/main" id="{9369AC4B-6385-4D8D-A983-C938B6DE4D35}"/>
+              </a:ext>
+            </a:extLst>
+          </p:cNvPr>
+          <p:cNvSpPr txBox="1"/>
+          <p:nvPr/>
+        </p:nvSpPr>
+        <p:spPr>
+          <a:xfrm>
+            <a:off x="384509" y="331824"/>
+            <a:ext cx="3874452" cy="400110"/>
+          </a:xfrm>
+          <a:prstGeom prst="rect">
+            <a:avLst/>
+          </a:prstGeom>
+          <a:noFill/>
+        </p:spPr>
+        <p:txBody>
+          <a:bodyPr wrap="square" rtlCol="0">
+            <a:spAutoFit/>
+          </a:bodyPr>
+          <a:lstStyle/>
+          <a:p>
+            <a:pPr algn="l"/>
+            <a:r>
+              <a:rPr lang="en-US" altLang="ko-KR" sz="2000" dirty="0">
+                <a:latin typeface="210 맨발의청춘 L" panose="02020603020101020101" pitchFamily="18" charset="-127"/>
+                <a:ea typeface="210 맨발의청춘 L" panose="02020603020101020101" pitchFamily="18" charset="-127"/>
+              </a:rPr>
+              <a:t>revised</a:t>
+            </a:r>
+            <a:r>
+              <a:rPr lang="ko-KR" altLang="en-US" sz="2000" dirty="0">
+                <a:latin typeface="210 맨발의청춘 L" panose="02020603020101020101" pitchFamily="18" charset="-127"/>
+                <a:ea typeface="210 맨발의청춘 L" panose="02020603020101020101" pitchFamily="18" charset="-127"/>
+              </a:rPr>
+              <a:t> </a:t>
+            </a:r>
+            <a:r>
+              <a:rPr lang="en-US" altLang="ko-KR" sz="2000" dirty="0">
+                <a:latin typeface="210 맨발의청춘 L" panose="02020603020101020101" pitchFamily="18" charset="-127"/>
+                <a:ea typeface="210 맨발의청춘 L" panose="02020603020101020101" pitchFamily="18" charset="-127"/>
+              </a:rPr>
+              <a:t>file</a:t>
+            </a:r>
+            <a:r>
+              <a:rPr lang="ko-KR" altLang="en-US" sz="2000" dirty="0">
+                <a:latin typeface="210 맨발의청춘 L" panose="02020603020101020101" pitchFamily="18" charset="-127"/>
+                <a:ea typeface="210 맨발의청춘 L" panose="02020603020101020101" pitchFamily="18" charset="-127"/>
+              </a:rPr>
+              <a:t> 가져오는 법</a:t>
+            </a:r>
+            <a:r>
+              <a:rPr lang="en-US" altLang="ko-KR" sz="2000" dirty="0">
+                <a:latin typeface="210 맨발의청춘 L" panose="02020603020101020101" pitchFamily="18" charset="-127"/>
+                <a:ea typeface="210 맨발의청춘 L" panose="02020603020101020101" pitchFamily="18" charset="-127"/>
+              </a:rPr>
+              <a:t>:</a:t>
+            </a:r>
+            <a:endParaRPr lang="ko-KR" altLang="en-US" sz="2000" dirty="0">
+              <a:latin typeface="210 맨발의청춘 L" panose="02020603020101020101" pitchFamily="18" charset="-127"/>
+              <a:ea typeface="210 맨발의청춘 L" panose="02020603020101020101" pitchFamily="18" charset="-127"/>
+            </a:endParaRPr>
+          </a:p>
+        </p:txBody>
+      </p:sp>
+      <p:sp>
+        <p:nvSpPr>
+          <p:cNvPr id="3" name="TextBox 2">
+            <a:extLst>
+              <a:ext uri="{FF2B5EF4-FFF2-40B4-BE49-F238E27FC236}">
+                <a16:creationId xmlns:a16="http://schemas.microsoft.com/office/drawing/2014/main" id="{CA8004BA-4ED4-4A5A-9DD5-72173A724846}"/>
+              </a:ext>
+            </a:extLst>
+          </p:cNvPr>
+          <p:cNvSpPr txBox="1"/>
+          <p:nvPr/>
+        </p:nvSpPr>
+        <p:spPr>
+          <a:xfrm>
+            <a:off x="495488" y="816359"/>
+            <a:ext cx="10901680" cy="2123658"/>
+          </a:xfrm>
+          <a:prstGeom prst="rect">
+            <a:avLst/>
+          </a:prstGeom>
+          <a:noFill/>
+        </p:spPr>
+        <p:txBody>
+          <a:bodyPr wrap="square" rtlCol="0">
+            <a:spAutoFit/>
+          </a:bodyPr>
+          <a:lstStyle/>
+          <a:p>
+            <a:pPr marL="457200" indent="-457200" algn="l">
+              <a:buAutoNum type="arabicPeriod"/>
+            </a:pPr>
+            <a:r>
+              <a:rPr lang="en-US" altLang="ko-KR" sz="2000" strike="sngStrike" dirty="0">
+                <a:latin typeface="나눔손글씨 펜" panose="03040600000000000000" pitchFamily="66" charset="-127"/>
+                <a:ea typeface="나눔손글씨 펜" panose="03040600000000000000" pitchFamily="66" charset="-127"/>
+              </a:rPr>
+              <a:t>/pull/</a:t>
+            </a:r>
+            <a:r>
+              <a:rPr lang="ko-KR" altLang="en-US" sz="2000" strike="sngStrike" dirty="0">
+                <a:latin typeface="나눔손글씨 펜" panose="03040600000000000000" pitchFamily="66" charset="-127"/>
+                <a:ea typeface="나눔손글씨 펜" panose="03040600000000000000" pitchFamily="66" charset="-127"/>
+              </a:rPr>
+              <a:t>숫자 의 경우 </a:t>
+            </a:r>
+            <a:r>
+              <a:rPr lang="en-US" altLang="ko-KR" sz="2000" strike="sngStrike" dirty="0">
+                <a:latin typeface="나눔손글씨 펜" panose="03040600000000000000" pitchFamily="66" charset="-127"/>
+                <a:ea typeface="나눔손글씨 펜" panose="03040600000000000000" pitchFamily="66" charset="-127"/>
+              </a:rPr>
+              <a:t>/pull/</a:t>
+            </a:r>
+            <a:r>
+              <a:rPr lang="ko-KR" altLang="en-US" sz="2000" strike="sngStrike" dirty="0">
+                <a:latin typeface="나눔손글씨 펜" panose="03040600000000000000" pitchFamily="66" charset="-127"/>
+                <a:ea typeface="나눔손글씨 펜" panose="03040600000000000000" pitchFamily="66" charset="-127"/>
+              </a:rPr>
+              <a:t>숫자</a:t>
+            </a:r>
+            <a:r>
+              <a:rPr lang="en-US" altLang="ko-KR" sz="2000" strike="sngStrike" dirty="0">
+                <a:latin typeface="나눔손글씨 펜" panose="03040600000000000000" pitchFamily="66" charset="-127"/>
+                <a:ea typeface="나눔손글씨 펜" panose="03040600000000000000" pitchFamily="66" charset="-127"/>
+              </a:rPr>
+              <a:t>/files</a:t>
+            </a:r>
+            <a:r>
+              <a:rPr lang="ko-KR" altLang="en-US" sz="2000" strike="sngStrike" dirty="0">
+                <a:latin typeface="나눔손글씨 펜" panose="03040600000000000000" pitchFamily="66" charset="-127"/>
+                <a:ea typeface="나눔손글씨 펜" panose="03040600000000000000" pitchFamily="66" charset="-127"/>
+              </a:rPr>
+              <a:t>에 들어가면 </a:t>
+            </a:r>
+            <a:r>
+              <a:rPr lang="ko-KR" altLang="en-US" sz="2000" strike="sngStrike">
+                <a:latin typeface="나눔손글씨 펜" panose="03040600000000000000" pitchFamily="66" charset="-127"/>
+                <a:ea typeface="나눔손글씨 펜" panose="03040600000000000000" pitchFamily="66" charset="-127"/>
+              </a:rPr>
+              <a:t>됨</a:t>
+            </a:r>
+            <a:r>
+              <a:rPr lang="en-US" altLang="ko-KR" sz="2000" strike="sngStrike">
+                <a:latin typeface="나눔손글씨 펜" panose="03040600000000000000" pitchFamily="66" charset="-127"/>
+                <a:ea typeface="나눔손글씨 펜" panose="03040600000000000000" pitchFamily="66" charset="-127"/>
+              </a:rPr>
+              <a:t>.</a:t>
+            </a:r>
+            <a:r>
+              <a:rPr lang="ko-KR" altLang="en-US" sz="2000">
+                <a:latin typeface="나눔손글씨 펜" panose="03040600000000000000" pitchFamily="66" charset="-127"/>
+                <a:ea typeface="나눔손글씨 펜" panose="03040600000000000000" pitchFamily="66" charset="-127"/>
+              </a:rPr>
+              <a:t> 파일 목록으로 가져왔다</a:t>
+            </a:r>
+            <a:endParaRPr lang="en-US" altLang="ko-KR" sz="2000">
+              <a:latin typeface="나눔손글씨 펜" panose="03040600000000000000" pitchFamily="66" charset="-127"/>
+              <a:ea typeface="나눔손글씨 펜" panose="03040600000000000000" pitchFamily="66" charset="-127"/>
+            </a:endParaRPr>
+          </a:p>
+          <a:p>
+            <a:r>
+              <a:rPr lang="en-US" altLang="ko-KR" sz="1200">
+                <a:solidFill>
+                  <a:srgbClr val="000000"/>
+                </a:solidFill>
+                <a:highlight>
+                  <a:srgbClr val="E8F2FE"/>
+                </a:highlight>
+                <a:latin typeface="Consolas" panose="020B0609020204030204" pitchFamily="49" charset="0"/>
+              </a:rPr>
+              <a:t>String </a:t>
+            </a:r>
+            <a:r>
+              <a:rPr lang="en-US" altLang="ko-KR" sz="1200">
+                <a:solidFill>
+                  <a:srgbClr val="6A3E3E"/>
+                </a:solidFill>
+                <a:highlight>
+                  <a:srgbClr val="E8F2FE"/>
+                </a:highlight>
+                <a:latin typeface="Consolas" panose="020B0609020204030204" pitchFamily="49" charset="0"/>
+              </a:rPr>
+              <a:t>rfileName</a:t>
+            </a:r>
+            <a:r>
+              <a:rPr lang="en-US" altLang="ko-KR" sz="1200">
+                <a:solidFill>
+                  <a:srgbClr val="000000"/>
+                </a:solidFill>
+                <a:highlight>
+                  <a:srgbClr val="E8F2FE"/>
+                </a:highlight>
+                <a:latin typeface="Consolas" panose="020B0609020204030204" pitchFamily="49" charset="0"/>
+              </a:rPr>
+              <a:t> = </a:t>
+            </a:r>
+            <a:r>
+              <a:rPr lang="en-US" altLang="ko-KR" sz="1200">
+                <a:solidFill>
+                  <a:srgbClr val="2A00FF"/>
+                </a:solidFill>
+                <a:highlight>
+                  <a:srgbClr val="E8F2FE"/>
+                </a:highlight>
+                <a:latin typeface="Consolas" panose="020B0609020204030204" pitchFamily="49" charset="0"/>
+              </a:rPr>
+              <a:t>"C:\\Users\\skdisk\\"</a:t>
+            </a:r>
+            <a:r>
+              <a:rPr lang="en-US" altLang="ko-KR" sz="1200">
+                <a:solidFill>
+                  <a:srgbClr val="000000"/>
+                </a:solidFill>
+                <a:highlight>
+                  <a:srgbClr val="E8F2FE"/>
+                </a:highlight>
+                <a:latin typeface="Consolas" panose="020B0609020204030204" pitchFamily="49" charset="0"/>
+              </a:rPr>
+              <a:t>+</a:t>
+            </a:r>
+            <a:r>
+              <a:rPr lang="en-US" altLang="ko-KR" sz="1200" i="1">
+                <a:solidFill>
+                  <a:srgbClr val="0000C0"/>
+                </a:solidFill>
+                <a:highlight>
+                  <a:srgbClr val="E8F2FE"/>
+                </a:highlight>
+                <a:latin typeface="Consolas" panose="020B0609020204030204" pitchFamily="49" charset="0"/>
+              </a:rPr>
+              <a:t>targetOssArray</a:t>
+            </a:r>
+            <a:r>
+              <a:rPr lang="en-US" altLang="ko-KR" sz="1200" i="1">
+                <a:solidFill>
+                  <a:srgbClr val="000000"/>
+                </a:solidFill>
+                <a:highlight>
+                  <a:srgbClr val="E8F2FE"/>
+                </a:highlight>
+                <a:latin typeface="Consolas" panose="020B0609020204030204" pitchFamily="49" charset="0"/>
+              </a:rPr>
+              <a:t>.get(</a:t>
+            </a:r>
+            <a:r>
+              <a:rPr lang="en-US" altLang="ko-KR" sz="1200" i="1">
+                <a:solidFill>
+                  <a:srgbClr val="6A3E3E"/>
+                </a:solidFill>
+                <a:highlight>
+                  <a:srgbClr val="E8F2FE"/>
+                </a:highlight>
+                <a:latin typeface="Consolas" panose="020B0609020204030204" pitchFamily="49" charset="0"/>
+              </a:rPr>
+              <a:t>i</a:t>
+            </a:r>
+            <a:r>
+              <a:rPr lang="en-US" altLang="ko-KR" sz="1200" i="1">
+                <a:solidFill>
+                  <a:srgbClr val="000000"/>
+                </a:solidFill>
+                <a:highlight>
+                  <a:srgbClr val="E8F2FE"/>
+                </a:highlight>
+                <a:latin typeface="Consolas" panose="020B0609020204030204" pitchFamily="49" charset="0"/>
+              </a:rPr>
+              <a:t>).replace(</a:t>
+            </a:r>
+            <a:r>
+              <a:rPr lang="en-US" altLang="ko-KR" sz="1200" i="1">
+                <a:solidFill>
+                  <a:srgbClr val="2A00FF"/>
+                </a:solidFill>
+                <a:highlight>
+                  <a:srgbClr val="E8F2FE"/>
+                </a:highlight>
+                <a:latin typeface="Consolas" panose="020B0609020204030204" pitchFamily="49" charset="0"/>
+              </a:rPr>
+              <a:t>"/issues"</a:t>
+            </a:r>
+            <a:r>
+              <a:rPr lang="en-US" altLang="ko-KR" sz="1200" i="1">
+                <a:solidFill>
+                  <a:srgbClr val="000000"/>
+                </a:solidFill>
+                <a:highlight>
+                  <a:srgbClr val="E8F2FE"/>
+                </a:highlight>
+                <a:latin typeface="Consolas" panose="020B0609020204030204" pitchFamily="49" charset="0"/>
+              </a:rPr>
+              <a:t>, </a:t>
+            </a:r>
+            <a:r>
+              <a:rPr lang="en-US" altLang="ko-KR" sz="1200" i="1">
+                <a:solidFill>
+                  <a:srgbClr val="2A00FF"/>
+                </a:solidFill>
+                <a:highlight>
+                  <a:srgbClr val="E8F2FE"/>
+                </a:highlight>
+                <a:latin typeface="Consolas" panose="020B0609020204030204" pitchFamily="49" charset="0"/>
+              </a:rPr>
+              <a:t>""</a:t>
+            </a:r>
+            <a:r>
+              <a:rPr lang="en-US" altLang="ko-KR" sz="1200" i="1">
+                <a:solidFill>
+                  <a:srgbClr val="000000"/>
+                </a:solidFill>
+                <a:highlight>
+                  <a:srgbClr val="E8F2FE"/>
+                </a:highlight>
+                <a:latin typeface="Consolas" panose="020B0609020204030204" pitchFamily="49" charset="0"/>
+              </a:rPr>
+              <a:t>).replaceAll(</a:t>
+            </a:r>
+            <a:r>
+              <a:rPr lang="en-US" altLang="ko-KR" sz="1200" i="1">
+                <a:solidFill>
+                  <a:srgbClr val="2A00FF"/>
+                </a:solidFill>
+                <a:highlight>
+                  <a:srgbClr val="E8F2FE"/>
+                </a:highlight>
+                <a:latin typeface="Consolas" panose="020B0609020204030204" pitchFamily="49" charset="0"/>
+              </a:rPr>
+              <a:t>"/"</a:t>
+            </a:r>
+            <a:r>
+              <a:rPr lang="en-US" altLang="ko-KR" sz="1200" i="1">
+                <a:solidFill>
+                  <a:srgbClr val="000000"/>
+                </a:solidFill>
+                <a:highlight>
+                  <a:srgbClr val="E8F2FE"/>
+                </a:highlight>
+                <a:latin typeface="Consolas" panose="020B0609020204030204" pitchFamily="49" charset="0"/>
+              </a:rPr>
+              <a:t>, </a:t>
+            </a:r>
+            <a:r>
+              <a:rPr lang="en-US" altLang="ko-KR" sz="1200" i="1">
+                <a:solidFill>
+                  <a:srgbClr val="2A00FF"/>
+                </a:solidFill>
+                <a:highlight>
+                  <a:srgbClr val="E8F2FE"/>
+                </a:highlight>
+                <a:latin typeface="Consolas" panose="020B0609020204030204" pitchFamily="49" charset="0"/>
+              </a:rPr>
+              <a:t>"_"</a:t>
+            </a:r>
+            <a:r>
+              <a:rPr lang="en-US" altLang="ko-KR" sz="1200" i="1">
+                <a:solidFill>
+                  <a:srgbClr val="000000"/>
+                </a:solidFill>
+                <a:highlight>
+                  <a:srgbClr val="E8F2FE"/>
+                </a:highlight>
+                <a:latin typeface="Consolas" panose="020B0609020204030204" pitchFamily="49" charset="0"/>
+              </a:rPr>
+              <a:t>)+</a:t>
+            </a:r>
+            <a:r>
+              <a:rPr lang="en-US" altLang="ko-KR" sz="1200" i="1">
+                <a:solidFill>
+                  <a:srgbClr val="2A00FF"/>
+                </a:solidFill>
+                <a:highlight>
+                  <a:srgbClr val="E8F2FE"/>
+                </a:highlight>
+                <a:latin typeface="Consolas" panose="020B0609020204030204" pitchFamily="49" charset="0"/>
+              </a:rPr>
+              <a:t>"_rfile.txt"</a:t>
+            </a:r>
+            <a:r>
+              <a:rPr lang="en-US" altLang="ko-KR" sz="1200" i="1">
+                <a:solidFill>
+                  <a:srgbClr val="000000"/>
+                </a:solidFill>
+                <a:highlight>
+                  <a:srgbClr val="E8F2FE"/>
+                </a:highlight>
+                <a:latin typeface="Consolas" panose="020B0609020204030204" pitchFamily="49" charset="0"/>
+              </a:rPr>
+              <a:t> ;</a:t>
+            </a:r>
+            <a:endParaRPr lang="en-US" altLang="ko-KR" sz="1200">
+              <a:latin typeface="나눔손글씨 펜" panose="03040600000000000000" pitchFamily="66" charset="-127"/>
+              <a:ea typeface="나눔손글씨 펜" panose="03040600000000000000" pitchFamily="66" charset="-127"/>
+            </a:endParaRPr>
+          </a:p>
+          <a:p>
+            <a:pPr algn="l"/>
+            <a:endParaRPr lang="en-US" altLang="ko-KR" sz="2000" strike="sngStrike" dirty="0">
+              <a:latin typeface="나눔손글씨 펜" panose="03040600000000000000" pitchFamily="66" charset="-127"/>
+              <a:ea typeface="나눔손글씨 펜" panose="03040600000000000000" pitchFamily="66" charset="-127"/>
+            </a:endParaRPr>
+          </a:p>
+          <a:p>
+            <a:pPr algn="l"/>
+            <a:r>
+              <a:rPr lang="en-US" altLang="ko-KR" sz="2000">
+                <a:latin typeface="나눔손글씨 펜" panose="03040600000000000000" pitchFamily="66" charset="-127"/>
+                <a:ea typeface="나눔손글씨 펜" panose="03040600000000000000" pitchFamily="66" charset="-127"/>
+              </a:rPr>
+              <a:t>2.  /</a:t>
+            </a:r>
+            <a:r>
+              <a:rPr lang="en-US" altLang="ko-KR" sz="2000" dirty="0">
+                <a:latin typeface="나눔손글씨 펜" panose="03040600000000000000" pitchFamily="66" charset="-127"/>
+                <a:ea typeface="나눔손글씨 펜" panose="03040600000000000000" pitchFamily="66" charset="-127"/>
+              </a:rPr>
+              <a:t>issue/</a:t>
+            </a:r>
+            <a:r>
+              <a:rPr lang="ko-KR" altLang="en-US" sz="2000" dirty="0">
+                <a:latin typeface="나눔손글씨 펜" panose="03040600000000000000" pitchFamily="66" charset="-127"/>
+                <a:ea typeface="나눔손글씨 펜" panose="03040600000000000000" pitchFamily="66" charset="-127"/>
+              </a:rPr>
+              <a:t>숫자 경우</a:t>
+            </a:r>
+            <a:endParaRPr lang="en-US" altLang="ko-KR" sz="2000" dirty="0">
+              <a:latin typeface="나눔손글씨 펜" panose="03040600000000000000" pitchFamily="66" charset="-127"/>
+              <a:ea typeface="나눔손글씨 펜" panose="03040600000000000000" pitchFamily="66" charset="-127"/>
+            </a:endParaRPr>
+          </a:p>
+          <a:p>
+            <a:pPr algn="l"/>
+            <a:r>
+              <a:rPr lang="en-US" altLang="ko-KR" sz="2000" dirty="0">
+                <a:latin typeface="나눔손글씨 펜" panose="03040600000000000000" pitchFamily="66" charset="-127"/>
+                <a:ea typeface="나눔손글씨 펜" panose="03040600000000000000" pitchFamily="66" charset="-127"/>
+              </a:rPr>
+              <a:t>   1) </a:t>
+            </a:r>
+            <a:r>
+              <a:rPr lang="en-US" altLang="ko-KR" sz="2000" dirty="0" err="1">
+                <a:latin typeface="나눔손글씨 펜" panose="03040600000000000000" pitchFamily="66" charset="-127"/>
+                <a:ea typeface="나눔손글씨 펜" panose="03040600000000000000" pitchFamily="66" charset="-127"/>
+              </a:rPr>
+              <a:t>commitparse</a:t>
+            </a:r>
+            <a:r>
+              <a:rPr lang="ko-KR" altLang="en-US" sz="2000" dirty="0">
+                <a:latin typeface="나눔손글씨 펜" panose="03040600000000000000" pitchFamily="66" charset="-127"/>
+                <a:ea typeface="나눔손글씨 펜" panose="03040600000000000000" pitchFamily="66" charset="-127"/>
+              </a:rPr>
+              <a:t>에서 </a:t>
+            </a:r>
+            <a:r>
+              <a:rPr lang="en-US" altLang="ko-KR" sz="2000" dirty="0">
+                <a:latin typeface="나눔손글씨 펜" panose="03040600000000000000" pitchFamily="66" charset="-127"/>
+                <a:ea typeface="나눔손글씨 펜" panose="03040600000000000000" pitchFamily="66" charset="-127"/>
+              </a:rPr>
+              <a:t>bitcoin/bitcoin</a:t>
+            </a:r>
+            <a:r>
+              <a:rPr lang="ko-KR" altLang="en-US" sz="2000" dirty="0">
+                <a:latin typeface="나눔손글씨 펜" panose="03040600000000000000" pitchFamily="66" charset="-127"/>
+                <a:ea typeface="나눔손글씨 펜" panose="03040600000000000000" pitchFamily="66" charset="-127"/>
+              </a:rPr>
+              <a:t>있는 경우 </a:t>
+            </a:r>
+            <a:r>
+              <a:rPr lang="en-US" altLang="ko-KR" sz="2000" dirty="0">
+                <a:latin typeface="나눔손글씨 펜" panose="03040600000000000000" pitchFamily="66" charset="-127"/>
+                <a:ea typeface="나눔손글씨 펜" panose="03040600000000000000" pitchFamily="66" charset="-127"/>
+              </a:rPr>
+              <a:t>(</a:t>
+            </a:r>
+            <a:r>
+              <a:rPr lang="en-US" altLang="ko-KR" sz="2000" dirty="0" err="1">
+                <a:latin typeface="나눔손글씨 펜" panose="03040600000000000000" pitchFamily="66" charset="-127"/>
+                <a:ea typeface="나눔손글씨 펜" panose="03040600000000000000" pitchFamily="66" charset="-127"/>
+              </a:rPr>
+              <a:t>closedate</a:t>
+            </a:r>
+            <a:r>
+              <a:rPr lang="ko-KR" altLang="en-US" sz="2000" dirty="0">
+                <a:latin typeface="나눔손글씨 펜" panose="03040600000000000000" pitchFamily="66" charset="-127"/>
+                <a:ea typeface="나눔손글씨 펜" panose="03040600000000000000" pitchFamily="66" charset="-127"/>
+              </a:rPr>
+              <a:t>보다 전이여야 한다</a:t>
+            </a:r>
+            <a:r>
+              <a:rPr lang="en-US" altLang="ko-KR" sz="2000" dirty="0">
+                <a:latin typeface="나눔손글씨 펜" panose="03040600000000000000" pitchFamily="66" charset="-127"/>
+                <a:ea typeface="나눔손글씨 펜" panose="03040600000000000000" pitchFamily="66" charset="-127"/>
+              </a:rPr>
+              <a:t>)</a:t>
+            </a:r>
+          </a:p>
+          <a:p>
+            <a:pPr algn="l"/>
+            <a:r>
+              <a:rPr lang="en-US" altLang="ko-KR" sz="2000" dirty="0">
+                <a:latin typeface="나눔손글씨 펜" panose="03040600000000000000" pitchFamily="66" charset="-127"/>
+                <a:ea typeface="나눔손글씨 펜" panose="03040600000000000000" pitchFamily="66" charset="-127"/>
+              </a:rPr>
+              <a:t>   2) </a:t>
+            </a:r>
+            <a:r>
+              <a:rPr lang="en-US" altLang="ko-KR" sz="2000" dirty="0" err="1">
+                <a:latin typeface="나눔손글씨 펜" panose="03040600000000000000" pitchFamily="66" charset="-127"/>
+                <a:ea typeface="나눔손글씨 펜" panose="03040600000000000000" pitchFamily="66" charset="-127"/>
+              </a:rPr>
+              <a:t>commitparse</a:t>
+            </a:r>
+            <a:r>
+              <a:rPr lang="ko-KR" altLang="en-US" sz="2000" dirty="0">
+                <a:latin typeface="나눔손글씨 펜" panose="03040600000000000000" pitchFamily="66" charset="-127"/>
+                <a:ea typeface="나눔손글씨 펜" panose="03040600000000000000" pitchFamily="66" charset="-127"/>
+              </a:rPr>
+              <a:t>에 없는 경우 코멘트에 </a:t>
+            </a:r>
+            <a:r>
+              <a:rPr lang="en-US" altLang="ko-KR" sz="2000" dirty="0">
+                <a:latin typeface="나눔손글씨 펜" panose="03040600000000000000" pitchFamily="66" charset="-127"/>
+                <a:ea typeface="나눔손글씨 펜" panose="03040600000000000000" pitchFamily="66" charset="-127"/>
+              </a:rPr>
+              <a:t>pull </a:t>
+            </a:r>
+            <a:r>
+              <a:rPr lang="ko-KR" altLang="en-US" sz="2000" dirty="0">
+                <a:latin typeface="나눔손글씨 펜" panose="03040600000000000000" pitchFamily="66" charset="-127"/>
+                <a:ea typeface="나눔손글씨 펜" panose="03040600000000000000" pitchFamily="66" charset="-127"/>
+              </a:rPr>
+              <a:t>주소나 </a:t>
+            </a:r>
+            <a:r>
+              <a:rPr lang="en-US" altLang="ko-KR" sz="2000" dirty="0">
+                <a:latin typeface="나눔손글씨 펜" panose="03040600000000000000" pitchFamily="66" charset="-127"/>
+                <a:ea typeface="나눔손글씨 펜" panose="03040600000000000000" pitchFamily="66" charset="-127"/>
+              </a:rPr>
+              <a:t>fixed by #</a:t>
+            </a:r>
+            <a:r>
+              <a:rPr lang="ko-KR" altLang="en-US" sz="2000" dirty="0">
+                <a:latin typeface="나눔손글씨 펜" panose="03040600000000000000" pitchFamily="66" charset="-127"/>
+                <a:ea typeface="나눔손글씨 펜" panose="03040600000000000000" pitchFamily="66" charset="-127"/>
+              </a:rPr>
+              <a:t>숫자 </a:t>
+            </a:r>
+            <a:r>
+              <a:rPr lang="ko-KR" altLang="en-US" sz="2000" dirty="0" err="1">
+                <a:latin typeface="나눔손글씨 펜" panose="03040600000000000000" pitchFamily="66" charset="-127"/>
+                <a:ea typeface="나눔손글씨 펜" panose="03040600000000000000" pitchFamily="66" charset="-127"/>
+              </a:rPr>
+              <a:t>이런식으로</a:t>
+            </a:r>
+            <a:r>
+              <a:rPr lang="ko-KR" altLang="en-US" sz="2000" dirty="0">
+                <a:latin typeface="나눔손글씨 펜" panose="03040600000000000000" pitchFamily="66" charset="-127"/>
+                <a:ea typeface="나눔손글씨 펜" panose="03040600000000000000" pitchFamily="66" charset="-127"/>
+              </a:rPr>
+              <a:t> 언급</a:t>
+            </a:r>
+            <a:endParaRPr lang="en-US" altLang="ko-KR" sz="2000" dirty="0">
+              <a:latin typeface="나눔손글씨 펜" panose="03040600000000000000" pitchFamily="66" charset="-127"/>
+              <a:ea typeface="나눔손글씨 펜" panose="03040600000000000000" pitchFamily="66" charset="-127"/>
+            </a:endParaRPr>
+          </a:p>
+          <a:p>
+            <a:r>
+              <a:rPr lang="en-US" altLang="ko-KR" sz="2000" dirty="0">
+                <a:latin typeface="나눔손글씨 펜" panose="03040600000000000000" pitchFamily="66" charset="-127"/>
+                <a:ea typeface="나눔손글씨 펜" panose="03040600000000000000" pitchFamily="66" charset="-127"/>
+              </a:rPr>
+              <a:t>   3) </a:t>
+            </a:r>
+            <a:r>
+              <a:rPr lang="ko-KR" altLang="en-US" sz="2000" dirty="0" err="1">
+                <a:latin typeface="나눔손글씨 펜" panose="03040600000000000000" pitchFamily="66" charset="-127"/>
+                <a:ea typeface="나눔손글씨 펜" panose="03040600000000000000" pitchFamily="66" charset="-127"/>
+              </a:rPr>
+              <a:t>위에거</a:t>
+            </a:r>
+            <a:r>
+              <a:rPr lang="ko-KR" altLang="en-US" sz="2000" dirty="0">
+                <a:latin typeface="나눔손글씨 펜" panose="03040600000000000000" pitchFamily="66" charset="-127"/>
+                <a:ea typeface="나눔손글씨 펜" panose="03040600000000000000" pitchFamily="66" charset="-127"/>
+              </a:rPr>
+              <a:t> 둘 다 없으면 알 수 없다</a:t>
+            </a:r>
+            <a:r>
+              <a:rPr lang="en-US" altLang="ko-KR" sz="2000" dirty="0">
+                <a:latin typeface="나눔손글씨 펜" panose="03040600000000000000" pitchFamily="66" charset="-127"/>
+                <a:ea typeface="나눔손글씨 펜" panose="03040600000000000000" pitchFamily="66" charset="-127"/>
+              </a:rPr>
+              <a:t>.   ex) 18</a:t>
+            </a:r>
+            <a:r>
+              <a:rPr lang="ko-KR" altLang="en-US" sz="2000" dirty="0">
+                <a:latin typeface="나눔손글씨 펜" panose="03040600000000000000" pitchFamily="66" charset="-127"/>
+                <a:ea typeface="나눔손글씨 펜" panose="03040600000000000000" pitchFamily="66" charset="-127"/>
+              </a:rPr>
+              <a:t>번 </a:t>
+            </a:r>
+            <a:r>
+              <a:rPr lang="en-US" altLang="ko-KR" sz="2000" dirty="0">
+                <a:latin typeface="나눔손글씨 펜" panose="03040600000000000000" pitchFamily="66" charset="-127"/>
+                <a:ea typeface="나눔손글씨 펜" panose="03040600000000000000" pitchFamily="66" charset="-127"/>
+              </a:rPr>
+              <a:t>https://github.com/bitcoin/bitcoin/issues/18</a:t>
+            </a:r>
+            <a:r>
+              <a:rPr lang="ko-KR" altLang="en-US" sz="2000" dirty="0">
+                <a:latin typeface="나눔손글씨 펜" panose="03040600000000000000" pitchFamily="66" charset="-127"/>
+                <a:ea typeface="나눔손글씨 펜" panose="03040600000000000000" pitchFamily="66" charset="-127"/>
+              </a:rPr>
+              <a:t> </a:t>
+            </a:r>
+          </a:p>
+        </p:txBody>
+      </p:sp>
+      <p:pic>
+        <p:nvPicPr>
+          <p:cNvPr id="4" name="그림 3">
+            <a:extLst>
+              <a:ext uri="{FF2B5EF4-FFF2-40B4-BE49-F238E27FC236}">
+                <a16:creationId xmlns:a16="http://schemas.microsoft.com/office/drawing/2014/main" id="{AEC0F6AE-4209-4EB0-BCA4-80AFC176BB4D}"/>
+              </a:ext>
+            </a:extLst>
+          </p:cNvPr>
+          <p:cNvPicPr>
+            <a:picLocks noChangeAspect="1"/>
+          </p:cNvPicPr>
+          <p:nvPr/>
+        </p:nvPicPr>
+        <p:blipFill>
+          <a:blip r:embed="rId2"/>
+          <a:stretch>
+            <a:fillRect/>
+          </a:stretch>
+        </p:blipFill>
+        <p:spPr>
+          <a:xfrm>
+            <a:off x="9049309" y="1482263"/>
+            <a:ext cx="2760324" cy="1809228"/>
+          </a:xfrm>
+          <a:prstGeom prst="rect">
+            <a:avLst/>
+          </a:prstGeom>
+        </p:spPr>
+      </p:pic>
+      <p:sp>
+        <p:nvSpPr>
+          <p:cNvPr id="6" name="TextBox 5">
+            <a:extLst>
+              <a:ext uri="{FF2B5EF4-FFF2-40B4-BE49-F238E27FC236}">
+                <a16:creationId xmlns:a16="http://schemas.microsoft.com/office/drawing/2014/main" id="{62AAD403-6FF1-4AC3-B0EB-8F61B0CEC0E0}"/>
+              </a:ext>
+            </a:extLst>
+          </p:cNvPr>
+          <p:cNvSpPr txBox="1"/>
+          <p:nvPr/>
+        </p:nvSpPr>
+        <p:spPr>
+          <a:xfrm>
+            <a:off x="254524" y="3291491"/>
+            <a:ext cx="4421171" cy="400110"/>
+          </a:xfrm>
+          <a:prstGeom prst="rect">
+            <a:avLst/>
+          </a:prstGeom>
+          <a:noFill/>
+        </p:spPr>
+        <p:txBody>
+          <a:bodyPr wrap="square" rtlCol="0">
+            <a:spAutoFit/>
+          </a:bodyPr>
+          <a:lstStyle/>
+          <a:p>
+            <a:pPr algn="l"/>
+            <a:r>
+              <a:rPr lang="en-US" altLang="ko-KR" sz="2000">
+                <a:latin typeface="210 맨발의청춘 L" panose="02020603020101020101" pitchFamily="18" charset="-127"/>
+                <a:ea typeface="210 맨발의청춘 L" panose="02020603020101020101" pitchFamily="18" charset="-127"/>
+              </a:rPr>
+              <a:t>comment </a:t>
+            </a:r>
+            <a:r>
+              <a:rPr lang="ko-KR" altLang="en-US" sz="2000">
+                <a:latin typeface="210 맨발의청춘 L" panose="02020603020101020101" pitchFamily="18" charset="-127"/>
+                <a:ea typeface="210 맨발의청춘 L" panose="02020603020101020101" pitchFamily="18" charset="-127"/>
+              </a:rPr>
+              <a:t>가져올 때</a:t>
+            </a:r>
+            <a:endParaRPr lang="ko-KR" altLang="en-US" sz="2000" dirty="0">
+              <a:latin typeface="210 맨발의청춘 L" panose="02020603020101020101" pitchFamily="18" charset="-127"/>
+              <a:ea typeface="210 맨발의청춘 L" panose="02020603020101020101" pitchFamily="18" charset="-127"/>
+            </a:endParaRPr>
+          </a:p>
+        </p:txBody>
+      </p:sp>
+      <p:pic>
+        <p:nvPicPr>
+          <p:cNvPr id="7" name="그림 6">
+            <a:extLst>
+              <a:ext uri="{FF2B5EF4-FFF2-40B4-BE49-F238E27FC236}">
+                <a16:creationId xmlns:a16="http://schemas.microsoft.com/office/drawing/2014/main" id="{CD98033E-6718-4A92-9D31-CAFC0C5B0F51}"/>
+              </a:ext>
+            </a:extLst>
+          </p:cNvPr>
+          <p:cNvPicPr>
+            <a:picLocks noChangeAspect="1"/>
+          </p:cNvPicPr>
+          <p:nvPr/>
+        </p:nvPicPr>
+        <p:blipFill>
+          <a:blip r:embed="rId3"/>
+          <a:stretch>
+            <a:fillRect/>
+          </a:stretch>
+        </p:blipFill>
+        <p:spPr>
+          <a:xfrm>
+            <a:off x="384509" y="3827852"/>
+            <a:ext cx="6789549" cy="2068291"/>
+          </a:xfrm>
+          <a:prstGeom prst="rect">
+            <a:avLst/>
+          </a:prstGeom>
+        </p:spPr>
+      </p:pic>
+      <p:sp>
+        <p:nvSpPr>
+          <p:cNvPr id="8" name="TextBox 7">
+            <a:extLst>
+              <a:ext uri="{FF2B5EF4-FFF2-40B4-BE49-F238E27FC236}">
+                <a16:creationId xmlns:a16="http://schemas.microsoft.com/office/drawing/2014/main" id="{39D89441-F8F8-4EB2-B7DF-D0A677E68E95}"/>
+              </a:ext>
+            </a:extLst>
+          </p:cNvPr>
+          <p:cNvSpPr txBox="1"/>
+          <p:nvPr/>
+        </p:nvSpPr>
+        <p:spPr>
+          <a:xfrm>
+            <a:off x="7475455" y="3899130"/>
+            <a:ext cx="3657600" cy="400110"/>
+          </a:xfrm>
+          <a:prstGeom prst="rect">
+            <a:avLst/>
+          </a:prstGeom>
+          <a:noFill/>
+        </p:spPr>
+        <p:txBody>
+          <a:bodyPr wrap="square" rtlCol="0">
+            <a:spAutoFit/>
+          </a:bodyPr>
+          <a:lstStyle/>
+          <a:p>
+            <a:pPr algn="l"/>
+            <a:r>
+              <a:rPr lang="ko-KR" altLang="en-US" sz="2000">
+                <a:latin typeface="210 맨발의청춘 L" panose="02020603020101020101" pitchFamily="18" charset="-127"/>
+                <a:ea typeface="210 맨발의청춘 L" panose="02020603020101020101" pitchFamily="18" charset="-127"/>
+              </a:rPr>
+              <a:t>이런거 처리해야된다</a:t>
+            </a:r>
+            <a:endParaRPr lang="ko-KR" altLang="en-US" sz="2000" dirty="0">
+              <a:latin typeface="210 맨발의청춘 L" panose="02020603020101020101" pitchFamily="18" charset="-127"/>
+              <a:ea typeface="210 맨발의청춘 L" panose="02020603020101020101" pitchFamily="18" charset="-127"/>
+            </a:endParaRPr>
+          </a:p>
+        </p:txBody>
+      </p:sp>
+    </p:spTree>
+    <p:extLst>
+      <p:ext uri="{BB962C8B-B14F-4D97-AF65-F5344CB8AC3E}">
+        <p14:creationId xmlns:p14="http://schemas.microsoft.com/office/powerpoint/2010/main" val="2229418191"/>
+      </p:ext>
+    </p:extLst>
+  </p:cSld>
+  <p:clrMapOvr>
+    <a:masterClrMapping/>
+  </p:clrMapOvr>
+</p:sld>
+</file>
+
+<file path=ppt/slides/slide32.xml><?xml version="1.0" encoding="utf-8"?>
+<p:sld xmlns:a="http://schemas.openxmlformats.org/drawingml/2006/main" xmlns:r="http://schemas.openxmlformats.org/officeDocument/2006/relationships" xmlns:p="http://schemas.openxmlformats.org/presentationml/2006/main">
+  <p:cSld>
+    <p:spTree>
+      <p:nvGrpSpPr>
+        <p:cNvPr id="1" name=""/>
+        <p:cNvGrpSpPr/>
+        <p:nvPr/>
+      </p:nvGrpSpPr>
+      <p:grpSpPr>
+        <a:xfrm>
+          <a:off x="0" y="0"/>
+          <a:ext cx="0" cy="0"/>
+          <a:chOff x="0" y="0"/>
+          <a:chExt cx="0" cy="0"/>
+        </a:xfrm>
+      </p:grpSpPr>
+    </p:spTree>
+    <p:extLst>
+      <p:ext uri="{BB962C8B-B14F-4D97-AF65-F5344CB8AC3E}">
+        <p14:creationId xmlns:p14="http://schemas.microsoft.com/office/powerpoint/2010/main" val="1709271737"/>
       </p:ext>
     </p:extLst>
   </p:cSld>
@@ -7252,7 +15153,24 @@
       </a:bgFillStyleLst>
     </a:fmtScheme>
   </a:themeElements>
-  <a:objectDefaults/>
+  <a:objectDefaults>
+    <a:txDef>
+      <a:spPr>
+        <a:noFill/>
+      </a:spPr>
+      <a:bodyPr wrap="square" rtlCol="0">
+        <a:spAutoFit/>
+      </a:bodyPr>
+      <a:lstStyle>
+        <a:defPPr algn="l">
+          <a:defRPr sz="2000" dirty="0" smtClean="0">
+            <a:latin typeface="210 맨발의청춘 L" panose="02020603020101020101" pitchFamily="18" charset="-127"/>
+            <a:ea typeface="210 맨발의청춘 L" panose="02020603020101020101" pitchFamily="18" charset="-127"/>
+          </a:defRPr>
+        </a:defPPr>
+      </a:lstStyle>
+    </a:txDef>
+  </a:objectDefaults>
   <a:extraClrSchemeLst/>
   <a:extLst>
     <a:ext uri="{05A4C25C-085E-4340-85A3-A5531E510DB2}">
